--- a/FINAL.pptx
+++ b/FINAL.pptx
@@ -2,7 +2,7 @@
 <file path=ppt/presentation.xml><?xml version="1.0" encoding="utf-8"?>
 <p:presentation xmlns:a="http://schemas.openxmlformats.org/drawingml/2006/main" xmlns:r="http://schemas.openxmlformats.org/officeDocument/2006/relationships" xmlns:p="http://schemas.openxmlformats.org/presentationml/2006/main" saveSubsetFonts="1">
   <p:sldMasterIdLst>
-    <p:sldMasterId id="2147483746" r:id="rId4"/>
+    <p:sldMasterId id="2147483801" r:id="rId4"/>
   </p:sldMasterIdLst>
   <p:sldIdLst>
     <p:sldId id="257" r:id="rId5"/>
@@ -125,7 +125,7 @@
 </file>
 
 <file path=ppt/slideLayouts/slideLayout1.xml><?xml version="1.0" encoding="utf-8"?>
-<p:sldLayout xmlns:a="http://schemas.openxmlformats.org/drawingml/2006/main" xmlns:r="http://schemas.openxmlformats.org/officeDocument/2006/relationships" xmlns:p="http://schemas.openxmlformats.org/presentationml/2006/main" showMasterSp="0" type="title" preserve="1">
+<p:sldLayout xmlns:a="http://schemas.openxmlformats.org/drawingml/2006/main" xmlns:r="http://schemas.openxmlformats.org/officeDocument/2006/relationships" xmlns:p="http://schemas.openxmlformats.org/presentationml/2006/main" type="title" preserve="1">
   <p:cSld name="Title Slide">
     <p:spTree>
       <p:nvGrpSpPr>
@@ -143,50 +143,6 @@
       </p:grpSpPr>
       <p:sp>
         <p:nvSpPr>
-          <p:cNvPr id="10" name="Rectangle 9">
-            <a:extLst>
-              <a:ext uri="{FF2B5EF4-FFF2-40B4-BE49-F238E27FC236}">
-                <a16:creationId xmlns:a16="http://schemas.microsoft.com/office/drawing/2014/main" id="{39E3965E-AC41-4711-9D10-E25ABB132D86}"/>
-              </a:ext>
-            </a:extLst>
-          </p:cNvPr>
-          <p:cNvSpPr/>
-          <p:nvPr/>
-        </p:nvSpPr>
-        <p:spPr>
-          <a:xfrm>
-            <a:off x="3175" y="6400800"/>
-            <a:ext cx="12188825" cy="457200"/>
-          </a:xfrm>
-          <a:prstGeom prst="rect">
-            <a:avLst/>
-          </a:prstGeom>
-          <a:solidFill>
-            <a:srgbClr val="262626"/>
-          </a:solidFill>
-          <a:ln>
-            <a:noFill/>
-          </a:ln>
-        </p:spPr>
-        <p:style>
-          <a:lnRef idx="2">
-            <a:schemeClr val="accent1">
-              <a:shade val="50000"/>
-            </a:schemeClr>
-          </a:lnRef>
-          <a:fillRef idx="1">
-            <a:schemeClr val="accent1"/>
-          </a:fillRef>
-          <a:effectRef idx="0">
-            <a:schemeClr val="accent1"/>
-          </a:effectRef>
-          <a:fontRef idx="minor">
-            <a:schemeClr val="lt1"/>
-          </a:fontRef>
-        </p:style>
-      </p:sp>
-      <p:sp>
-        <p:nvSpPr>
           <p:cNvPr id="2" name="Title 1"/>
           <p:cNvSpPr>
             <a:spLocks noGrp="1"/>
@@ -197,8 +153,8 @@
         </p:nvSpPr>
         <p:spPr>
           <a:xfrm>
-            <a:off x="1097280" y="758952"/>
-            <a:ext cx="10058400" cy="3566160"/>
+            <a:off x="2589213" y="2514600"/>
+            <a:ext cx="8915399" cy="2262781"/>
           </a:xfrm>
         </p:spPr>
         <p:txBody>
@@ -206,23 +162,13 @@
             <a:normAutofit/>
           </a:bodyPr>
           <a:lstStyle>
-            <a:lvl1pPr algn="l">
-              <a:lnSpc>
-                <a:spcPct val="90000"/>
-              </a:lnSpc>
-              <a:defRPr sz="8000" spc="-50" baseline="0">
-                <a:solidFill>
-                  <a:schemeClr val="tx1">
-                    <a:lumMod val="85000"/>
-                    <a:lumOff val="15000"/>
-                  </a:schemeClr>
-                </a:solidFill>
-              </a:defRPr>
+            <a:lvl1pPr>
+              <a:defRPr sz="5400"/>
             </a:lvl1pPr>
           </a:lstStyle>
           <a:p>
             <a:r>
-              <a:rPr lang="en-US"/>
+              <a:rPr lang="en-US" smtClean="0"/>
               <a:t>Click to edit Master title style</a:t>
             </a:r>
             <a:endParaRPr lang="en-US" dirty="0"/>
@@ -241,119 +187,117 @@
         </p:nvSpPr>
         <p:spPr>
           <a:xfrm>
-            <a:off x="1100051" y="4645152"/>
-            <a:ext cx="10058400" cy="1143000"/>
+            <a:off x="2589213" y="4777379"/>
+            <a:ext cx="8915399" cy="1126283"/>
           </a:xfrm>
         </p:spPr>
         <p:txBody>
-          <a:bodyPr lIns="91440" rIns="91440">
-            <a:normAutofit/>
-          </a:bodyPr>
+          <a:bodyPr anchor="t"/>
           <a:lstStyle>
             <a:lvl1pPr marL="0" indent="0" algn="l">
               <a:buNone/>
-              <a:defRPr sz="2400" cap="all" spc="200" baseline="0">
-                <a:solidFill>
-                  <a:schemeClr val="tx1"/>
-                </a:solidFill>
-                <a:latin typeface="+mn-lt"/>
+              <a:defRPr>
+                <a:solidFill>
+                  <a:schemeClr val="tx1">
+                    <a:lumMod val="65000"/>
+                    <a:lumOff val="35000"/>
+                  </a:schemeClr>
+                </a:solidFill>
               </a:defRPr>
             </a:lvl1pPr>
             <a:lvl2pPr marL="457200" indent="0" algn="ctr">
               <a:buNone/>
-              <a:defRPr sz="2400"/>
+              <a:defRPr>
+                <a:solidFill>
+                  <a:schemeClr val="tx1">
+                    <a:tint val="75000"/>
+                  </a:schemeClr>
+                </a:solidFill>
+              </a:defRPr>
             </a:lvl2pPr>
             <a:lvl3pPr marL="914400" indent="0" algn="ctr">
               <a:buNone/>
-              <a:defRPr sz="2400"/>
+              <a:defRPr>
+                <a:solidFill>
+                  <a:schemeClr val="tx1">
+                    <a:tint val="75000"/>
+                  </a:schemeClr>
+                </a:solidFill>
+              </a:defRPr>
             </a:lvl3pPr>
             <a:lvl4pPr marL="1371600" indent="0" algn="ctr">
               <a:buNone/>
-              <a:defRPr sz="2000"/>
+              <a:defRPr>
+                <a:solidFill>
+                  <a:schemeClr val="tx1">
+                    <a:tint val="75000"/>
+                  </a:schemeClr>
+                </a:solidFill>
+              </a:defRPr>
             </a:lvl4pPr>
             <a:lvl5pPr marL="1828800" indent="0" algn="ctr">
               <a:buNone/>
-              <a:defRPr sz="2000"/>
+              <a:defRPr>
+                <a:solidFill>
+                  <a:schemeClr val="tx1">
+                    <a:tint val="75000"/>
+                  </a:schemeClr>
+                </a:solidFill>
+              </a:defRPr>
             </a:lvl5pPr>
             <a:lvl6pPr marL="2286000" indent="0" algn="ctr">
               <a:buNone/>
-              <a:defRPr sz="2000"/>
+              <a:defRPr>
+                <a:solidFill>
+                  <a:schemeClr val="tx1">
+                    <a:tint val="75000"/>
+                  </a:schemeClr>
+                </a:solidFill>
+              </a:defRPr>
             </a:lvl6pPr>
             <a:lvl7pPr marL="2743200" indent="0" algn="ctr">
               <a:buNone/>
-              <a:defRPr sz="2000"/>
+              <a:defRPr>
+                <a:solidFill>
+                  <a:schemeClr val="tx1">
+                    <a:tint val="75000"/>
+                  </a:schemeClr>
+                </a:solidFill>
+              </a:defRPr>
             </a:lvl7pPr>
             <a:lvl8pPr marL="3200400" indent="0" algn="ctr">
               <a:buNone/>
-              <a:defRPr sz="2000"/>
+              <a:defRPr>
+                <a:solidFill>
+                  <a:schemeClr val="tx1">
+                    <a:tint val="75000"/>
+                  </a:schemeClr>
+                </a:solidFill>
+              </a:defRPr>
             </a:lvl8pPr>
             <a:lvl9pPr marL="3657600" indent="0" algn="ctr">
               <a:buNone/>
-              <a:defRPr sz="2000"/>
+              <a:defRPr>
+                <a:solidFill>
+                  <a:schemeClr val="tx1">
+                    <a:tint val="75000"/>
+                  </a:schemeClr>
+                </a:solidFill>
+              </a:defRPr>
             </a:lvl9pPr>
           </a:lstStyle>
           <a:p>
             <a:r>
-              <a:rPr lang="en-US"/>
+              <a:rPr lang="en-US" smtClean="0"/>
               <a:t>Click to edit Master subtitle style</a:t>
             </a:r>
             <a:endParaRPr lang="en-US" dirty="0"/>
           </a:p>
         </p:txBody>
       </p:sp>
-      <p:cxnSp>
-        <p:nvCxnSpPr>
-          <p:cNvPr id="9" name="Straight Connector 8">
-            <a:extLst>
-              <a:ext uri="{FF2B5EF4-FFF2-40B4-BE49-F238E27FC236}">
-                <a16:creationId xmlns:a16="http://schemas.microsoft.com/office/drawing/2014/main" id="{1F5DC8C3-BA5F-4EED-BB9A-A14272BD82A1}"/>
-              </a:ext>
-            </a:extLst>
-          </p:cNvPr>
-          <p:cNvCxnSpPr/>
-          <p:nvPr/>
-        </p:nvCxnSpPr>
-        <p:spPr>
-          <a:xfrm>
-            <a:off x="1207658" y="4474741"/>
-            <a:ext cx="9875520" cy="0"/>
-          </a:xfrm>
-          <a:prstGeom prst="line">
-            <a:avLst/>
-          </a:prstGeom>
-          <a:ln w="12700">
-            <a:solidFill>
-              <a:schemeClr val="tx1">
-                <a:lumMod val="75000"/>
-                <a:lumOff val="25000"/>
-              </a:schemeClr>
-            </a:solidFill>
-          </a:ln>
-        </p:spPr>
-        <p:style>
-          <a:lnRef idx="1">
-            <a:schemeClr val="accent1"/>
-          </a:lnRef>
-          <a:fillRef idx="0">
-            <a:schemeClr val="accent1"/>
-          </a:fillRef>
-          <a:effectRef idx="0">
-            <a:schemeClr val="accent1"/>
-          </a:effectRef>
-          <a:fontRef idx="minor">
-            <a:schemeClr val="tx1"/>
-          </a:fontRef>
-        </p:style>
-      </p:cxnSp>
-      <p:sp>
-        <p:nvSpPr>
-          <p:cNvPr id="4" name="Date Placeholder 3">
-            <a:extLst>
-              <a:ext uri="{FF2B5EF4-FFF2-40B4-BE49-F238E27FC236}">
-                <a16:creationId xmlns:a16="http://schemas.microsoft.com/office/drawing/2014/main" id="{9925CCF1-92C0-4AF3-BFAF-4921631915AB}"/>
-              </a:ext>
-            </a:extLst>
-          </p:cNvPr>
+      <p:sp>
+        <p:nvSpPr>
+          <p:cNvPr id="4" name="Date Placeholder 3"/>
           <p:cNvSpPr>
             <a:spLocks noGrp="1"/>
           </p:cNvSpPr>
@@ -368,7 +312,7 @@
           <a:p>
             <a:fld id="{9184DA70-C731-4C70-880D-CCD4705E623C}" type="datetime1">
               <a:rPr lang="en-US" smtClean="0"/>
-              <a:t>7/31/2023</a:t>
+              <a:t>31-Jul-23</a:t>
             </a:fld>
             <a:endParaRPr lang="en-US" dirty="0"/>
           </a:p>
@@ -376,13 +320,7 @@
       </p:sp>
       <p:sp>
         <p:nvSpPr>
-          <p:cNvPr id="5" name="Footer Placeholder 4">
-            <a:extLst>
-              <a:ext uri="{FF2B5EF4-FFF2-40B4-BE49-F238E27FC236}">
-                <a16:creationId xmlns:a16="http://schemas.microsoft.com/office/drawing/2014/main" id="{051A78A9-3DFF-4937-A9F2-5D8CF495F367}"/>
-              </a:ext>
-            </a:extLst>
-          </p:cNvPr>
+          <p:cNvPr id="5" name="Footer Placeholder 4"/>
           <p:cNvSpPr>
             <a:spLocks noGrp="1"/>
           </p:cNvSpPr>
@@ -401,13 +339,89 @@
       </p:sp>
       <p:sp>
         <p:nvSpPr>
-          <p:cNvPr id="6" name="Slide Number Placeholder 5">
-            <a:extLst>
-              <a:ext uri="{FF2B5EF4-FFF2-40B4-BE49-F238E27FC236}">
-                <a16:creationId xmlns:a16="http://schemas.microsoft.com/office/drawing/2014/main" id="{5FAEB271-5CC0-4759-BC6E-8BE53AB227C0}"/>
-              </a:ext>
-            </a:extLst>
-          </p:cNvPr>
+          <p:cNvPr id="7" name="Freeform 6"/>
+          <p:cNvSpPr/>
+          <p:nvPr/>
+        </p:nvSpPr>
+        <p:spPr bwMode="auto">
+          <a:xfrm>
+            <a:off x="0" y="4323810"/>
+            <a:ext cx="1744652" cy="778589"/>
+          </a:xfrm>
+          <a:custGeom>
+            <a:avLst/>
+            <a:gdLst/>
+            <a:ahLst/>
+            <a:cxnLst/>
+            <a:rect l="0" t="0" r="r" b="b"/>
+            <a:pathLst>
+              <a:path w="372" h="166">
+                <a:moveTo>
+                  <a:pt x="287" y="166"/>
+                </a:moveTo>
+                <a:cubicBezTo>
+                  <a:pt x="290" y="166"/>
+                  <a:pt x="292" y="165"/>
+                  <a:pt x="293" y="164"/>
+                </a:cubicBezTo>
+                <a:cubicBezTo>
+                  <a:pt x="293" y="163"/>
+                  <a:pt x="294" y="163"/>
+                  <a:pt x="294" y="163"/>
+                </a:cubicBezTo>
+                <a:cubicBezTo>
+                  <a:pt x="370" y="87"/>
+                  <a:pt x="370" y="87"/>
+                  <a:pt x="370" y="87"/>
+                </a:cubicBezTo>
+                <a:cubicBezTo>
+                  <a:pt x="372" y="85"/>
+                  <a:pt x="372" y="81"/>
+                  <a:pt x="370" y="78"/>
+                </a:cubicBezTo>
+                <a:cubicBezTo>
+                  <a:pt x="294" y="3"/>
+                  <a:pt x="294" y="3"/>
+                  <a:pt x="294" y="3"/>
+                </a:cubicBezTo>
+                <a:cubicBezTo>
+                  <a:pt x="294" y="2"/>
+                  <a:pt x="293" y="2"/>
+                  <a:pt x="293" y="2"/>
+                </a:cubicBezTo>
+                <a:cubicBezTo>
+                  <a:pt x="292" y="1"/>
+                  <a:pt x="290" y="0"/>
+                  <a:pt x="287" y="0"/>
+                </a:cubicBezTo>
+                <a:cubicBezTo>
+                  <a:pt x="0" y="0"/>
+                  <a:pt x="0" y="0"/>
+                  <a:pt x="0" y="0"/>
+                </a:cubicBezTo>
+                <a:cubicBezTo>
+                  <a:pt x="0" y="166"/>
+                  <a:pt x="0" y="166"/>
+                  <a:pt x="0" y="166"/>
+                </a:cubicBezTo>
+                <a:lnTo>
+                  <a:pt x="287" y="166"/>
+                </a:lnTo>
+                <a:close/>
+              </a:path>
+            </a:pathLst>
+          </a:custGeom>
+          <a:solidFill>
+            <a:schemeClr val="accent1"/>
+          </a:solidFill>
+          <a:ln>
+            <a:noFill/>
+          </a:ln>
+        </p:spPr>
+      </p:sp>
+      <p:sp>
+        <p:nvSpPr>
+          <p:cNvPr id="6" name="Slide Number Placeholder 5"/>
           <p:cNvSpPr>
             <a:spLocks noGrp="1"/>
           </p:cNvSpPr>
@@ -415,7 +429,12 @@
             <p:ph type="sldNum" sz="quarter" idx="12"/>
           </p:nvPr>
         </p:nvSpPr>
-        <p:spPr/>
+        <p:spPr>
+          <a:xfrm>
+            <a:off x="531812" y="4529540"/>
+            <a:ext cx="779767" cy="365125"/>
+          </a:xfrm>
+        </p:spPr>
         <p:txBody>
           <a:bodyPr/>
           <a:lstStyle/>
@@ -431,7 +450,7 @@
     </p:spTree>
     <p:extLst>
       <p:ext uri="{BB962C8B-B14F-4D97-AF65-F5344CB8AC3E}">
-        <p14:creationId xmlns:p14="http://schemas.microsoft.com/office/powerpoint/2010/main" val="4258331492"/>
+        <p14:creationId xmlns:p14="http://schemas.microsoft.com/office/powerpoint/2010/main" val="2007742210"/>
       </p:ext>
     </p:extLst>
   </p:cSld>
@@ -442,6 +461,1802 @@
 </file>
 
 <file path=ppt/slideLayouts/slideLayout10.xml><?xml version="1.0" encoding="utf-8"?>
+<p:sldLayout xmlns:a="http://schemas.openxmlformats.org/drawingml/2006/main" xmlns:r="http://schemas.openxmlformats.org/officeDocument/2006/relationships" xmlns:p="http://schemas.openxmlformats.org/presentationml/2006/main" preserve="1">
+  <p:cSld name="Title and Caption">
+    <p:spTree>
+      <p:nvGrpSpPr>
+        <p:cNvPr id="1" name=""/>
+        <p:cNvGrpSpPr/>
+        <p:nvPr/>
+      </p:nvGrpSpPr>
+      <p:grpSpPr>
+        <a:xfrm>
+          <a:off x="0" y="0"/>
+          <a:ext cx="0" cy="0"/>
+          <a:chOff x="0" y="0"/>
+          <a:chExt cx="0" cy="0"/>
+        </a:xfrm>
+      </p:grpSpPr>
+      <p:sp>
+        <p:nvSpPr>
+          <p:cNvPr id="2" name="Title 1"/>
+          <p:cNvSpPr>
+            <a:spLocks noGrp="1"/>
+          </p:cNvSpPr>
+          <p:nvPr>
+            <p:ph type="title"/>
+          </p:nvPr>
+        </p:nvSpPr>
+        <p:spPr>
+          <a:xfrm>
+            <a:off x="2589212" y="609600"/>
+            <a:ext cx="8915399" cy="3117040"/>
+          </a:xfrm>
+        </p:spPr>
+        <p:txBody>
+          <a:bodyPr anchor="ctr">
+            <a:normAutofit/>
+          </a:bodyPr>
+          <a:lstStyle>
+            <a:lvl1pPr algn="l">
+              <a:defRPr sz="4800" b="0" cap="none"/>
+            </a:lvl1pPr>
+          </a:lstStyle>
+          <a:p>
+            <a:r>
+              <a:rPr lang="en-US" smtClean="0"/>
+              <a:t>Click to edit Master title style</a:t>
+            </a:r>
+            <a:endParaRPr lang="en-US" dirty="0"/>
+          </a:p>
+        </p:txBody>
+      </p:sp>
+      <p:sp>
+        <p:nvSpPr>
+          <p:cNvPr id="3" name="Text Placeholder 2"/>
+          <p:cNvSpPr>
+            <a:spLocks noGrp="1"/>
+          </p:cNvSpPr>
+          <p:nvPr>
+            <p:ph type="body" idx="1"/>
+          </p:nvPr>
+        </p:nvSpPr>
+        <p:spPr>
+          <a:xfrm>
+            <a:off x="2589212" y="4354046"/>
+            <a:ext cx="8915399" cy="1555864"/>
+          </a:xfrm>
+        </p:spPr>
+        <p:txBody>
+          <a:bodyPr anchor="ctr">
+            <a:normAutofit/>
+          </a:bodyPr>
+          <a:lstStyle>
+            <a:lvl1pPr marL="0" indent="0" algn="l">
+              <a:buNone/>
+              <a:defRPr sz="1800">
+                <a:solidFill>
+                  <a:schemeClr val="tx1">
+                    <a:lumMod val="65000"/>
+                    <a:lumOff val="35000"/>
+                  </a:schemeClr>
+                </a:solidFill>
+              </a:defRPr>
+            </a:lvl1pPr>
+            <a:lvl2pPr marL="457200" indent="0">
+              <a:buNone/>
+              <a:defRPr sz="1800">
+                <a:solidFill>
+                  <a:schemeClr val="tx1">
+                    <a:tint val="75000"/>
+                  </a:schemeClr>
+                </a:solidFill>
+              </a:defRPr>
+            </a:lvl2pPr>
+            <a:lvl3pPr marL="914400" indent="0">
+              <a:buNone/>
+              <a:defRPr sz="1600">
+                <a:solidFill>
+                  <a:schemeClr val="tx1">
+                    <a:tint val="75000"/>
+                  </a:schemeClr>
+                </a:solidFill>
+              </a:defRPr>
+            </a:lvl3pPr>
+            <a:lvl4pPr marL="1371600" indent="0">
+              <a:buNone/>
+              <a:defRPr sz="1400">
+                <a:solidFill>
+                  <a:schemeClr val="tx1">
+                    <a:tint val="75000"/>
+                  </a:schemeClr>
+                </a:solidFill>
+              </a:defRPr>
+            </a:lvl4pPr>
+            <a:lvl5pPr marL="1828800" indent="0">
+              <a:buNone/>
+              <a:defRPr sz="1400">
+                <a:solidFill>
+                  <a:schemeClr val="tx1">
+                    <a:tint val="75000"/>
+                  </a:schemeClr>
+                </a:solidFill>
+              </a:defRPr>
+            </a:lvl5pPr>
+            <a:lvl6pPr marL="2286000" indent="0">
+              <a:buNone/>
+              <a:defRPr sz="1400">
+                <a:solidFill>
+                  <a:schemeClr val="tx1">
+                    <a:tint val="75000"/>
+                  </a:schemeClr>
+                </a:solidFill>
+              </a:defRPr>
+            </a:lvl6pPr>
+            <a:lvl7pPr marL="2743200" indent="0">
+              <a:buNone/>
+              <a:defRPr sz="1400">
+                <a:solidFill>
+                  <a:schemeClr val="tx1">
+                    <a:tint val="75000"/>
+                  </a:schemeClr>
+                </a:solidFill>
+              </a:defRPr>
+            </a:lvl7pPr>
+            <a:lvl8pPr marL="3200400" indent="0">
+              <a:buNone/>
+              <a:defRPr sz="1400">
+                <a:solidFill>
+                  <a:schemeClr val="tx1">
+                    <a:tint val="75000"/>
+                  </a:schemeClr>
+                </a:solidFill>
+              </a:defRPr>
+            </a:lvl8pPr>
+            <a:lvl9pPr marL="3657600" indent="0">
+              <a:buNone/>
+              <a:defRPr sz="1400">
+                <a:solidFill>
+                  <a:schemeClr val="tx1">
+                    <a:tint val="75000"/>
+                  </a:schemeClr>
+                </a:solidFill>
+              </a:defRPr>
+            </a:lvl9pPr>
+          </a:lstStyle>
+          <a:p>
+            <a:pPr lvl="0"/>
+            <a:r>
+              <a:rPr lang="en-US" smtClean="0"/>
+              <a:t>Edit Master text styles</a:t>
+            </a:r>
+          </a:p>
+        </p:txBody>
+      </p:sp>
+      <p:sp>
+        <p:nvSpPr>
+          <p:cNvPr id="4" name="Date Placeholder 3"/>
+          <p:cNvSpPr>
+            <a:spLocks noGrp="1"/>
+          </p:cNvSpPr>
+          <p:nvPr>
+            <p:ph type="dt" sz="half" idx="10"/>
+          </p:nvPr>
+        </p:nvSpPr>
+        <p:spPr/>
+        <p:txBody>
+          <a:bodyPr/>
+          <a:lstStyle/>
+          <a:p>
+            <a:fld id="{62D6E202-B606-4609-B914-27C9371A1F6D}" type="datetime1">
+              <a:rPr lang="en-US" smtClean="0"/>
+              <a:t>31-Jul-23</a:t>
+            </a:fld>
+            <a:endParaRPr lang="en-US" dirty="0"/>
+          </a:p>
+        </p:txBody>
+      </p:sp>
+      <p:sp>
+        <p:nvSpPr>
+          <p:cNvPr id="5" name="Footer Placeholder 4"/>
+          <p:cNvSpPr>
+            <a:spLocks noGrp="1"/>
+          </p:cNvSpPr>
+          <p:nvPr>
+            <p:ph type="ftr" sz="quarter" idx="11"/>
+          </p:nvPr>
+        </p:nvSpPr>
+        <p:spPr/>
+        <p:txBody>
+          <a:bodyPr/>
+          <a:lstStyle/>
+          <a:p>
+            <a:endParaRPr lang="en-US" dirty="0"/>
+          </a:p>
+        </p:txBody>
+      </p:sp>
+      <p:sp>
+        <p:nvSpPr>
+          <p:cNvPr id="9" name="Freeform 11"/>
+          <p:cNvSpPr/>
+          <p:nvPr/>
+        </p:nvSpPr>
+        <p:spPr bwMode="auto">
+          <a:xfrm flipV="1">
+            <a:off x="-4189" y="3178175"/>
+            <a:ext cx="1588527" cy="507297"/>
+          </a:xfrm>
+          <a:custGeom>
+            <a:avLst/>
+            <a:gdLst/>
+            <a:ahLst/>
+            <a:cxnLst/>
+            <a:rect l="l" t="t" r="r" b="b"/>
+            <a:pathLst>
+              <a:path w="9248" h="10000">
+                <a:moveTo>
+                  <a:pt x="9248" y="4701"/>
+                </a:moveTo>
+                <a:lnTo>
+                  <a:pt x="7915" y="188"/>
+                </a:lnTo>
+                <a:cubicBezTo>
+                  <a:pt x="7906" y="156"/>
+                  <a:pt x="7895" y="126"/>
+                  <a:pt x="7886" y="94"/>
+                </a:cubicBezTo>
+                <a:cubicBezTo>
+                  <a:pt x="7859" y="0"/>
+                  <a:pt x="7831" y="0"/>
+                  <a:pt x="7803" y="0"/>
+                </a:cubicBezTo>
+                <a:lnTo>
+                  <a:pt x="7275" y="0"/>
+                </a:lnTo>
+                <a:lnTo>
+                  <a:pt x="0" y="70"/>
+                </a:lnTo>
+                <a:cubicBezTo>
+                  <a:pt x="8" y="3380"/>
+                  <a:pt x="17" y="6690"/>
+                  <a:pt x="25" y="10000"/>
+                </a:cubicBezTo>
+                <a:lnTo>
+                  <a:pt x="7275" y="9966"/>
+                </a:lnTo>
+                <a:lnTo>
+                  <a:pt x="7803" y="9966"/>
+                </a:lnTo>
+                <a:cubicBezTo>
+                  <a:pt x="7831" y="9966"/>
+                  <a:pt x="7859" y="9872"/>
+                  <a:pt x="7886" y="9872"/>
+                </a:cubicBezTo>
+                <a:cubicBezTo>
+                  <a:pt x="7886" y="9778"/>
+                  <a:pt x="7915" y="9778"/>
+                  <a:pt x="7915" y="9778"/>
+                </a:cubicBezTo>
+                <a:lnTo>
+                  <a:pt x="9248" y="5265"/>
+                </a:lnTo>
+                <a:cubicBezTo>
+                  <a:pt x="9303" y="5077"/>
+                  <a:pt x="9303" y="4889"/>
+                  <a:pt x="9248" y="4701"/>
+                </a:cubicBezTo>
+                <a:close/>
+              </a:path>
+            </a:pathLst>
+          </a:custGeom>
+          <a:solidFill>
+            <a:schemeClr val="accent1"/>
+          </a:solidFill>
+          <a:ln>
+            <a:noFill/>
+          </a:ln>
+        </p:spPr>
+      </p:sp>
+      <p:sp>
+        <p:nvSpPr>
+          <p:cNvPr id="6" name="Slide Number Placeholder 5"/>
+          <p:cNvSpPr>
+            <a:spLocks noGrp="1"/>
+          </p:cNvSpPr>
+          <p:nvPr>
+            <p:ph type="sldNum" sz="quarter" idx="12"/>
+          </p:nvPr>
+        </p:nvSpPr>
+        <p:spPr>
+          <a:xfrm>
+            <a:off x="531812" y="3244139"/>
+            <a:ext cx="779767" cy="365125"/>
+          </a:xfrm>
+        </p:spPr>
+        <p:txBody>
+          <a:bodyPr/>
+          <a:lstStyle/>
+          <a:p>
+            <a:fld id="{3A98EE3D-8CD1-4C3F-BD1C-C98C9596463C}" type="slidenum">
+              <a:rPr lang="en-US" smtClean="0"/>
+              <a:t>‹#›</a:t>
+            </a:fld>
+            <a:endParaRPr lang="en-US" dirty="0"/>
+          </a:p>
+        </p:txBody>
+      </p:sp>
+    </p:spTree>
+    <p:extLst>
+      <p:ext uri="{BB962C8B-B14F-4D97-AF65-F5344CB8AC3E}">
+        <p14:creationId xmlns:p14="http://schemas.microsoft.com/office/powerpoint/2010/main" val="2834998622"/>
+      </p:ext>
+    </p:extLst>
+  </p:cSld>
+  <p:clrMapOvr>
+    <a:masterClrMapping/>
+  </p:clrMapOvr>
+  <p:hf sldNum="0" hdr="0" ftr="0" dt="0"/>
+</p:sldLayout>
+</file>
+
+<file path=ppt/slideLayouts/slideLayout11.xml><?xml version="1.0" encoding="utf-8"?>
+<p:sldLayout xmlns:a="http://schemas.openxmlformats.org/drawingml/2006/main" xmlns:r="http://schemas.openxmlformats.org/officeDocument/2006/relationships" xmlns:p="http://schemas.openxmlformats.org/presentationml/2006/main" preserve="1">
+  <p:cSld name="Quote with Caption">
+    <p:spTree>
+      <p:nvGrpSpPr>
+        <p:cNvPr id="1" name=""/>
+        <p:cNvGrpSpPr/>
+        <p:nvPr/>
+      </p:nvGrpSpPr>
+      <p:grpSpPr>
+        <a:xfrm>
+          <a:off x="0" y="0"/>
+          <a:ext cx="0" cy="0"/>
+          <a:chOff x="0" y="0"/>
+          <a:chExt cx="0" cy="0"/>
+        </a:xfrm>
+      </p:grpSpPr>
+      <p:sp>
+        <p:nvSpPr>
+          <p:cNvPr id="2" name="Title 1"/>
+          <p:cNvSpPr>
+            <a:spLocks noGrp="1"/>
+          </p:cNvSpPr>
+          <p:nvPr>
+            <p:ph type="title"/>
+          </p:nvPr>
+        </p:nvSpPr>
+        <p:spPr>
+          <a:xfrm>
+            <a:off x="2849949" y="609600"/>
+            <a:ext cx="8393926" cy="2895600"/>
+          </a:xfrm>
+        </p:spPr>
+        <p:txBody>
+          <a:bodyPr anchor="ctr">
+            <a:normAutofit/>
+          </a:bodyPr>
+          <a:lstStyle>
+            <a:lvl1pPr algn="l">
+              <a:defRPr sz="4800" b="0" cap="none"/>
+            </a:lvl1pPr>
+          </a:lstStyle>
+          <a:p>
+            <a:r>
+              <a:rPr lang="en-US" smtClean="0"/>
+              <a:t>Click to edit Master title style</a:t>
+            </a:r>
+            <a:endParaRPr lang="en-US" dirty="0"/>
+          </a:p>
+        </p:txBody>
+      </p:sp>
+      <p:sp>
+        <p:nvSpPr>
+          <p:cNvPr id="13" name="Text Placeholder 9"/>
+          <p:cNvSpPr>
+            <a:spLocks noGrp="1"/>
+          </p:cNvSpPr>
+          <p:nvPr>
+            <p:ph type="body" sz="quarter" idx="13"/>
+          </p:nvPr>
+        </p:nvSpPr>
+        <p:spPr>
+          <a:xfrm>
+            <a:off x="3275012" y="3505200"/>
+            <a:ext cx="7536554" cy="381000"/>
+          </a:xfrm>
+        </p:spPr>
+        <p:txBody>
+          <a:bodyPr anchor="ctr">
+            <a:noAutofit/>
+          </a:bodyPr>
+          <a:lstStyle>
+            <a:lvl1pPr marL="0" indent="0">
+              <a:buFontTx/>
+              <a:buNone/>
+              <a:defRPr sz="1600">
+                <a:solidFill>
+                  <a:schemeClr val="tx1">
+                    <a:lumMod val="50000"/>
+                    <a:lumOff val="50000"/>
+                  </a:schemeClr>
+                </a:solidFill>
+              </a:defRPr>
+            </a:lvl1pPr>
+            <a:lvl2pPr marL="457200" indent="0">
+              <a:buFontTx/>
+              <a:buNone/>
+              <a:defRPr/>
+            </a:lvl2pPr>
+            <a:lvl3pPr marL="914400" indent="0">
+              <a:buFontTx/>
+              <a:buNone/>
+              <a:defRPr/>
+            </a:lvl3pPr>
+            <a:lvl4pPr marL="1371600" indent="0">
+              <a:buFontTx/>
+              <a:buNone/>
+              <a:defRPr/>
+            </a:lvl4pPr>
+            <a:lvl5pPr marL="1828800" indent="0">
+              <a:buFontTx/>
+              <a:buNone/>
+              <a:defRPr/>
+            </a:lvl5pPr>
+          </a:lstStyle>
+          <a:p>
+            <a:pPr lvl="0"/>
+            <a:r>
+              <a:rPr lang="en-US" smtClean="0"/>
+              <a:t>Edit Master text styles</a:t>
+            </a:r>
+          </a:p>
+        </p:txBody>
+      </p:sp>
+      <p:sp>
+        <p:nvSpPr>
+          <p:cNvPr id="3" name="Text Placeholder 2"/>
+          <p:cNvSpPr>
+            <a:spLocks noGrp="1"/>
+          </p:cNvSpPr>
+          <p:nvPr>
+            <p:ph type="body" idx="1"/>
+          </p:nvPr>
+        </p:nvSpPr>
+        <p:spPr>
+          <a:xfrm>
+            <a:off x="2589212" y="4354046"/>
+            <a:ext cx="8915399" cy="1555864"/>
+          </a:xfrm>
+        </p:spPr>
+        <p:txBody>
+          <a:bodyPr anchor="ctr">
+            <a:normAutofit/>
+          </a:bodyPr>
+          <a:lstStyle>
+            <a:lvl1pPr marL="0" indent="0" algn="l">
+              <a:buNone/>
+              <a:defRPr sz="1800">
+                <a:solidFill>
+                  <a:schemeClr val="tx1">
+                    <a:lumMod val="65000"/>
+                    <a:lumOff val="35000"/>
+                  </a:schemeClr>
+                </a:solidFill>
+              </a:defRPr>
+            </a:lvl1pPr>
+            <a:lvl2pPr marL="457200" indent="0">
+              <a:buNone/>
+              <a:defRPr sz="1800">
+                <a:solidFill>
+                  <a:schemeClr val="tx1">
+                    <a:tint val="75000"/>
+                  </a:schemeClr>
+                </a:solidFill>
+              </a:defRPr>
+            </a:lvl2pPr>
+            <a:lvl3pPr marL="914400" indent="0">
+              <a:buNone/>
+              <a:defRPr sz="1600">
+                <a:solidFill>
+                  <a:schemeClr val="tx1">
+                    <a:tint val="75000"/>
+                  </a:schemeClr>
+                </a:solidFill>
+              </a:defRPr>
+            </a:lvl3pPr>
+            <a:lvl4pPr marL="1371600" indent="0">
+              <a:buNone/>
+              <a:defRPr sz="1400">
+                <a:solidFill>
+                  <a:schemeClr val="tx1">
+                    <a:tint val="75000"/>
+                  </a:schemeClr>
+                </a:solidFill>
+              </a:defRPr>
+            </a:lvl4pPr>
+            <a:lvl5pPr marL="1828800" indent="0">
+              <a:buNone/>
+              <a:defRPr sz="1400">
+                <a:solidFill>
+                  <a:schemeClr val="tx1">
+                    <a:tint val="75000"/>
+                  </a:schemeClr>
+                </a:solidFill>
+              </a:defRPr>
+            </a:lvl5pPr>
+            <a:lvl6pPr marL="2286000" indent="0">
+              <a:buNone/>
+              <a:defRPr sz="1400">
+                <a:solidFill>
+                  <a:schemeClr val="tx1">
+                    <a:tint val="75000"/>
+                  </a:schemeClr>
+                </a:solidFill>
+              </a:defRPr>
+            </a:lvl6pPr>
+            <a:lvl7pPr marL="2743200" indent="0">
+              <a:buNone/>
+              <a:defRPr sz="1400">
+                <a:solidFill>
+                  <a:schemeClr val="tx1">
+                    <a:tint val="75000"/>
+                  </a:schemeClr>
+                </a:solidFill>
+              </a:defRPr>
+            </a:lvl7pPr>
+            <a:lvl8pPr marL="3200400" indent="0">
+              <a:buNone/>
+              <a:defRPr sz="1400">
+                <a:solidFill>
+                  <a:schemeClr val="tx1">
+                    <a:tint val="75000"/>
+                  </a:schemeClr>
+                </a:solidFill>
+              </a:defRPr>
+            </a:lvl8pPr>
+            <a:lvl9pPr marL="3657600" indent="0">
+              <a:buNone/>
+              <a:defRPr sz="1400">
+                <a:solidFill>
+                  <a:schemeClr val="tx1">
+                    <a:tint val="75000"/>
+                  </a:schemeClr>
+                </a:solidFill>
+              </a:defRPr>
+            </a:lvl9pPr>
+          </a:lstStyle>
+          <a:p>
+            <a:pPr lvl="0"/>
+            <a:r>
+              <a:rPr lang="en-US" smtClean="0"/>
+              <a:t>Edit Master text styles</a:t>
+            </a:r>
+          </a:p>
+        </p:txBody>
+      </p:sp>
+      <p:sp>
+        <p:nvSpPr>
+          <p:cNvPr id="4" name="Date Placeholder 3"/>
+          <p:cNvSpPr>
+            <a:spLocks noGrp="1"/>
+          </p:cNvSpPr>
+          <p:nvPr>
+            <p:ph type="dt" sz="half" idx="10"/>
+          </p:nvPr>
+        </p:nvSpPr>
+        <p:spPr/>
+        <p:txBody>
+          <a:bodyPr/>
+          <a:lstStyle/>
+          <a:p>
+            <a:fld id="{62D6E202-B606-4609-B914-27C9371A1F6D}" type="datetime1">
+              <a:rPr lang="en-US" smtClean="0"/>
+              <a:t>31-Jul-23</a:t>
+            </a:fld>
+            <a:endParaRPr lang="en-US" dirty="0"/>
+          </a:p>
+        </p:txBody>
+      </p:sp>
+      <p:sp>
+        <p:nvSpPr>
+          <p:cNvPr id="5" name="Footer Placeholder 4"/>
+          <p:cNvSpPr>
+            <a:spLocks noGrp="1"/>
+          </p:cNvSpPr>
+          <p:nvPr>
+            <p:ph type="ftr" sz="quarter" idx="11"/>
+          </p:nvPr>
+        </p:nvSpPr>
+        <p:spPr/>
+        <p:txBody>
+          <a:bodyPr/>
+          <a:lstStyle/>
+          <a:p>
+            <a:endParaRPr lang="en-US" dirty="0"/>
+          </a:p>
+        </p:txBody>
+      </p:sp>
+      <p:sp>
+        <p:nvSpPr>
+          <p:cNvPr id="11" name="Freeform 11"/>
+          <p:cNvSpPr/>
+          <p:nvPr/>
+        </p:nvSpPr>
+        <p:spPr bwMode="auto">
+          <a:xfrm flipV="1">
+            <a:off x="-4189" y="3178175"/>
+            <a:ext cx="1588527" cy="507297"/>
+          </a:xfrm>
+          <a:custGeom>
+            <a:avLst/>
+            <a:gdLst/>
+            <a:ahLst/>
+            <a:cxnLst/>
+            <a:rect l="l" t="t" r="r" b="b"/>
+            <a:pathLst>
+              <a:path w="9248" h="10000">
+                <a:moveTo>
+                  <a:pt x="9248" y="4701"/>
+                </a:moveTo>
+                <a:lnTo>
+                  <a:pt x="7915" y="188"/>
+                </a:lnTo>
+                <a:cubicBezTo>
+                  <a:pt x="7906" y="156"/>
+                  <a:pt x="7895" y="126"/>
+                  <a:pt x="7886" y="94"/>
+                </a:cubicBezTo>
+                <a:cubicBezTo>
+                  <a:pt x="7859" y="0"/>
+                  <a:pt x="7831" y="0"/>
+                  <a:pt x="7803" y="0"/>
+                </a:cubicBezTo>
+                <a:lnTo>
+                  <a:pt x="7275" y="0"/>
+                </a:lnTo>
+                <a:lnTo>
+                  <a:pt x="0" y="70"/>
+                </a:lnTo>
+                <a:cubicBezTo>
+                  <a:pt x="8" y="3380"/>
+                  <a:pt x="17" y="6690"/>
+                  <a:pt x="25" y="10000"/>
+                </a:cubicBezTo>
+                <a:lnTo>
+                  <a:pt x="7275" y="9966"/>
+                </a:lnTo>
+                <a:lnTo>
+                  <a:pt x="7803" y="9966"/>
+                </a:lnTo>
+                <a:cubicBezTo>
+                  <a:pt x="7831" y="9966"/>
+                  <a:pt x="7859" y="9872"/>
+                  <a:pt x="7886" y="9872"/>
+                </a:cubicBezTo>
+                <a:cubicBezTo>
+                  <a:pt x="7886" y="9778"/>
+                  <a:pt x="7915" y="9778"/>
+                  <a:pt x="7915" y="9778"/>
+                </a:cubicBezTo>
+                <a:lnTo>
+                  <a:pt x="9248" y="5265"/>
+                </a:lnTo>
+                <a:cubicBezTo>
+                  <a:pt x="9303" y="5077"/>
+                  <a:pt x="9303" y="4889"/>
+                  <a:pt x="9248" y="4701"/>
+                </a:cubicBezTo>
+                <a:close/>
+              </a:path>
+            </a:pathLst>
+          </a:custGeom>
+          <a:solidFill>
+            <a:schemeClr val="accent1"/>
+          </a:solidFill>
+          <a:ln>
+            <a:noFill/>
+          </a:ln>
+        </p:spPr>
+      </p:sp>
+      <p:sp>
+        <p:nvSpPr>
+          <p:cNvPr id="6" name="Slide Number Placeholder 5"/>
+          <p:cNvSpPr>
+            <a:spLocks noGrp="1"/>
+          </p:cNvSpPr>
+          <p:nvPr>
+            <p:ph type="sldNum" sz="quarter" idx="12"/>
+          </p:nvPr>
+        </p:nvSpPr>
+        <p:spPr>
+          <a:xfrm>
+            <a:off x="531812" y="3244139"/>
+            <a:ext cx="779767" cy="365125"/>
+          </a:xfrm>
+        </p:spPr>
+        <p:txBody>
+          <a:bodyPr/>
+          <a:lstStyle/>
+          <a:p>
+            <a:fld id="{3A98EE3D-8CD1-4C3F-BD1C-C98C9596463C}" type="slidenum">
+              <a:rPr lang="en-US" smtClean="0"/>
+              <a:t>‹#›</a:t>
+            </a:fld>
+            <a:endParaRPr lang="en-US" dirty="0"/>
+          </a:p>
+        </p:txBody>
+      </p:sp>
+      <p:sp>
+        <p:nvSpPr>
+          <p:cNvPr id="14" name="TextBox 13"/>
+          <p:cNvSpPr txBox="1"/>
+          <p:nvPr/>
+        </p:nvSpPr>
+        <p:spPr>
+          <a:xfrm>
+            <a:off x="2467652" y="648005"/>
+            <a:ext cx="609600" cy="584776"/>
+          </a:xfrm>
+          <a:prstGeom prst="rect">
+            <a:avLst/>
+          </a:prstGeom>
+        </p:spPr>
+        <p:txBody>
+          <a:bodyPr vert="horz" lIns="91440" tIns="45720" rIns="91440" bIns="45720" rtlCol="0" anchor="ctr">
+            <a:noAutofit/>
+          </a:bodyPr>
+          <a:lstStyle/>
+          <a:p>
+            <a:pPr lvl="0"/>
+            <a:r>
+              <a:rPr lang="en-US" sz="8000" baseline="0" dirty="0">
+                <a:ln w="3175" cmpd="sng">
+                  <a:noFill/>
+                </a:ln>
+                <a:solidFill>
+                  <a:schemeClr val="accent1"/>
+                </a:solidFill>
+                <a:effectLst/>
+                <a:latin typeface="Arial"/>
+              </a:rPr>
+              <a:t>“</a:t>
+            </a:r>
+          </a:p>
+        </p:txBody>
+      </p:sp>
+      <p:sp>
+        <p:nvSpPr>
+          <p:cNvPr id="15" name="TextBox 14"/>
+          <p:cNvSpPr txBox="1"/>
+          <p:nvPr/>
+        </p:nvSpPr>
+        <p:spPr>
+          <a:xfrm>
+            <a:off x="11114852" y="2905306"/>
+            <a:ext cx="609600" cy="584776"/>
+          </a:xfrm>
+          <a:prstGeom prst="rect">
+            <a:avLst/>
+          </a:prstGeom>
+        </p:spPr>
+        <p:txBody>
+          <a:bodyPr vert="horz" lIns="91440" tIns="45720" rIns="91440" bIns="45720" rtlCol="0" anchor="ctr">
+            <a:noAutofit/>
+          </a:bodyPr>
+          <a:lstStyle/>
+          <a:p>
+            <a:pPr lvl="0"/>
+            <a:r>
+              <a:rPr lang="en-US" sz="8000" baseline="0" dirty="0">
+                <a:ln w="3175" cmpd="sng">
+                  <a:noFill/>
+                </a:ln>
+                <a:solidFill>
+                  <a:schemeClr val="accent1"/>
+                </a:solidFill>
+                <a:effectLst/>
+                <a:latin typeface="Arial"/>
+              </a:rPr>
+              <a:t>”</a:t>
+            </a:r>
+          </a:p>
+        </p:txBody>
+      </p:sp>
+    </p:spTree>
+    <p:extLst>
+      <p:ext uri="{BB962C8B-B14F-4D97-AF65-F5344CB8AC3E}">
+        <p14:creationId xmlns:p14="http://schemas.microsoft.com/office/powerpoint/2010/main" val="148855234"/>
+      </p:ext>
+    </p:extLst>
+  </p:cSld>
+  <p:clrMapOvr>
+    <a:masterClrMapping/>
+  </p:clrMapOvr>
+  <p:hf sldNum="0" hdr="0" ftr="0" dt="0"/>
+</p:sldLayout>
+</file>
+
+<file path=ppt/slideLayouts/slideLayout12.xml><?xml version="1.0" encoding="utf-8"?>
+<p:sldLayout xmlns:a="http://schemas.openxmlformats.org/drawingml/2006/main" xmlns:r="http://schemas.openxmlformats.org/officeDocument/2006/relationships" xmlns:p="http://schemas.openxmlformats.org/presentationml/2006/main" preserve="1">
+  <p:cSld name="Name Card">
+    <p:spTree>
+      <p:nvGrpSpPr>
+        <p:cNvPr id="1" name=""/>
+        <p:cNvGrpSpPr/>
+        <p:nvPr/>
+      </p:nvGrpSpPr>
+      <p:grpSpPr>
+        <a:xfrm>
+          <a:off x="0" y="0"/>
+          <a:ext cx="0" cy="0"/>
+          <a:chOff x="0" y="0"/>
+          <a:chExt cx="0" cy="0"/>
+        </a:xfrm>
+      </p:grpSpPr>
+      <p:sp>
+        <p:nvSpPr>
+          <p:cNvPr id="2" name="Title 1"/>
+          <p:cNvSpPr>
+            <a:spLocks noGrp="1"/>
+          </p:cNvSpPr>
+          <p:nvPr>
+            <p:ph type="title"/>
+          </p:nvPr>
+        </p:nvSpPr>
+        <p:spPr>
+          <a:xfrm>
+            <a:off x="2589213" y="2438400"/>
+            <a:ext cx="8915400" cy="2724845"/>
+          </a:xfrm>
+        </p:spPr>
+        <p:txBody>
+          <a:bodyPr anchor="b">
+            <a:normAutofit/>
+          </a:bodyPr>
+          <a:lstStyle>
+            <a:lvl1pPr algn="l">
+              <a:defRPr sz="4800" b="0"/>
+            </a:lvl1pPr>
+          </a:lstStyle>
+          <a:p>
+            <a:r>
+              <a:rPr lang="en-US" smtClean="0"/>
+              <a:t>Click to edit Master title style</a:t>
+            </a:r>
+            <a:endParaRPr lang="en-US" dirty="0"/>
+          </a:p>
+        </p:txBody>
+      </p:sp>
+      <p:sp>
+        <p:nvSpPr>
+          <p:cNvPr id="4" name="Text Placeholder 3"/>
+          <p:cNvSpPr>
+            <a:spLocks noGrp="1"/>
+          </p:cNvSpPr>
+          <p:nvPr>
+            <p:ph type="body" sz="half" idx="2"/>
+          </p:nvPr>
+        </p:nvSpPr>
+        <p:spPr>
+          <a:xfrm>
+            <a:off x="2589213" y="5181600"/>
+            <a:ext cx="8915400" cy="729622"/>
+          </a:xfrm>
+        </p:spPr>
+        <p:txBody>
+          <a:bodyPr vert="horz" lIns="91440" tIns="45720" rIns="91440" bIns="45720" rtlCol="0" anchor="t">
+            <a:normAutofit/>
+          </a:bodyPr>
+          <a:lstStyle>
+            <a:lvl1pPr>
+              <a:buNone/>
+              <a:defRPr lang="en-US">
+                <a:solidFill>
+                  <a:schemeClr val="tx1">
+                    <a:lumMod val="65000"/>
+                    <a:lumOff val="35000"/>
+                  </a:schemeClr>
+                </a:solidFill>
+              </a:defRPr>
+            </a:lvl1pPr>
+          </a:lstStyle>
+          <a:p>
+            <a:pPr marL="0" lvl="0" indent="0">
+              <a:buNone/>
+            </a:pPr>
+            <a:r>
+              <a:rPr lang="en-US" smtClean="0"/>
+              <a:t>Edit Master text styles</a:t>
+            </a:r>
+          </a:p>
+        </p:txBody>
+      </p:sp>
+      <p:sp>
+        <p:nvSpPr>
+          <p:cNvPr id="5" name="Date Placeholder 4"/>
+          <p:cNvSpPr>
+            <a:spLocks noGrp="1"/>
+          </p:cNvSpPr>
+          <p:nvPr>
+            <p:ph type="dt" sz="half" idx="10"/>
+          </p:nvPr>
+        </p:nvSpPr>
+        <p:spPr/>
+        <p:txBody>
+          <a:bodyPr/>
+          <a:lstStyle/>
+          <a:p>
+            <a:fld id="{62D6E202-B606-4609-B914-27C9371A1F6D}" type="datetime1">
+              <a:rPr lang="en-US" smtClean="0"/>
+              <a:t>31-Jul-23</a:t>
+            </a:fld>
+            <a:endParaRPr lang="en-US" dirty="0"/>
+          </a:p>
+        </p:txBody>
+      </p:sp>
+      <p:sp>
+        <p:nvSpPr>
+          <p:cNvPr id="6" name="Footer Placeholder 5"/>
+          <p:cNvSpPr>
+            <a:spLocks noGrp="1"/>
+          </p:cNvSpPr>
+          <p:nvPr>
+            <p:ph type="ftr" sz="quarter" idx="11"/>
+          </p:nvPr>
+        </p:nvSpPr>
+        <p:spPr/>
+        <p:txBody>
+          <a:bodyPr/>
+          <a:lstStyle/>
+          <a:p>
+            <a:endParaRPr lang="en-US" dirty="0"/>
+          </a:p>
+        </p:txBody>
+      </p:sp>
+      <p:sp>
+        <p:nvSpPr>
+          <p:cNvPr id="9" name="Freeform 11"/>
+          <p:cNvSpPr/>
+          <p:nvPr/>
+        </p:nvSpPr>
+        <p:spPr bwMode="auto">
+          <a:xfrm flipV="1">
+            <a:off x="-4189" y="4911725"/>
+            <a:ext cx="1588527" cy="507297"/>
+          </a:xfrm>
+          <a:custGeom>
+            <a:avLst/>
+            <a:gdLst/>
+            <a:ahLst/>
+            <a:cxnLst/>
+            <a:rect l="l" t="t" r="r" b="b"/>
+            <a:pathLst>
+              <a:path w="9248" h="10000">
+                <a:moveTo>
+                  <a:pt x="9248" y="4701"/>
+                </a:moveTo>
+                <a:lnTo>
+                  <a:pt x="7915" y="188"/>
+                </a:lnTo>
+                <a:cubicBezTo>
+                  <a:pt x="7906" y="156"/>
+                  <a:pt x="7895" y="126"/>
+                  <a:pt x="7886" y="94"/>
+                </a:cubicBezTo>
+                <a:cubicBezTo>
+                  <a:pt x="7859" y="0"/>
+                  <a:pt x="7831" y="0"/>
+                  <a:pt x="7803" y="0"/>
+                </a:cubicBezTo>
+                <a:lnTo>
+                  <a:pt x="7275" y="0"/>
+                </a:lnTo>
+                <a:lnTo>
+                  <a:pt x="0" y="70"/>
+                </a:lnTo>
+                <a:cubicBezTo>
+                  <a:pt x="8" y="3380"/>
+                  <a:pt x="17" y="6690"/>
+                  <a:pt x="25" y="10000"/>
+                </a:cubicBezTo>
+                <a:lnTo>
+                  <a:pt x="7275" y="9966"/>
+                </a:lnTo>
+                <a:lnTo>
+                  <a:pt x="7803" y="9966"/>
+                </a:lnTo>
+                <a:cubicBezTo>
+                  <a:pt x="7831" y="9966"/>
+                  <a:pt x="7859" y="9872"/>
+                  <a:pt x="7886" y="9872"/>
+                </a:cubicBezTo>
+                <a:cubicBezTo>
+                  <a:pt x="7886" y="9778"/>
+                  <a:pt x="7915" y="9778"/>
+                  <a:pt x="7915" y="9778"/>
+                </a:cubicBezTo>
+                <a:lnTo>
+                  <a:pt x="9248" y="5265"/>
+                </a:lnTo>
+                <a:cubicBezTo>
+                  <a:pt x="9303" y="5077"/>
+                  <a:pt x="9303" y="4889"/>
+                  <a:pt x="9248" y="4701"/>
+                </a:cubicBezTo>
+                <a:close/>
+              </a:path>
+            </a:pathLst>
+          </a:custGeom>
+          <a:solidFill>
+            <a:schemeClr val="accent1"/>
+          </a:solidFill>
+          <a:ln>
+            <a:noFill/>
+          </a:ln>
+        </p:spPr>
+      </p:sp>
+      <p:sp>
+        <p:nvSpPr>
+          <p:cNvPr id="7" name="Slide Number Placeholder 6"/>
+          <p:cNvSpPr>
+            <a:spLocks noGrp="1"/>
+          </p:cNvSpPr>
+          <p:nvPr>
+            <p:ph type="sldNum" sz="quarter" idx="12"/>
+          </p:nvPr>
+        </p:nvSpPr>
+        <p:spPr>
+          <a:xfrm>
+            <a:off x="531812" y="4983087"/>
+            <a:ext cx="779767" cy="365125"/>
+          </a:xfrm>
+        </p:spPr>
+        <p:txBody>
+          <a:bodyPr/>
+          <a:lstStyle/>
+          <a:p>
+            <a:fld id="{3A98EE3D-8CD1-4C3F-BD1C-C98C9596463C}" type="slidenum">
+              <a:rPr lang="en-US" smtClean="0"/>
+              <a:t>‹#›</a:t>
+            </a:fld>
+            <a:endParaRPr lang="en-US" dirty="0"/>
+          </a:p>
+        </p:txBody>
+      </p:sp>
+    </p:spTree>
+    <p:extLst>
+      <p:ext uri="{BB962C8B-B14F-4D97-AF65-F5344CB8AC3E}">
+        <p14:creationId xmlns:p14="http://schemas.microsoft.com/office/powerpoint/2010/main" val="135039931"/>
+      </p:ext>
+    </p:extLst>
+  </p:cSld>
+  <p:clrMapOvr>
+    <a:masterClrMapping/>
+  </p:clrMapOvr>
+  <p:hf sldNum="0" hdr="0" ftr="0" dt="0"/>
+</p:sldLayout>
+</file>
+
+<file path=ppt/slideLayouts/slideLayout13.xml><?xml version="1.0" encoding="utf-8"?>
+<p:sldLayout xmlns:a="http://schemas.openxmlformats.org/drawingml/2006/main" xmlns:r="http://schemas.openxmlformats.org/officeDocument/2006/relationships" xmlns:p="http://schemas.openxmlformats.org/presentationml/2006/main" preserve="1">
+  <p:cSld name="Quote Name Card">
+    <p:spTree>
+      <p:nvGrpSpPr>
+        <p:cNvPr id="1" name=""/>
+        <p:cNvGrpSpPr/>
+        <p:nvPr/>
+      </p:nvGrpSpPr>
+      <p:grpSpPr>
+        <a:xfrm>
+          <a:off x="0" y="0"/>
+          <a:ext cx="0" cy="0"/>
+          <a:chOff x="0" y="0"/>
+          <a:chExt cx="0" cy="0"/>
+        </a:xfrm>
+      </p:grpSpPr>
+      <p:sp>
+        <p:nvSpPr>
+          <p:cNvPr id="12" name="Title 1"/>
+          <p:cNvSpPr>
+            <a:spLocks noGrp="1"/>
+          </p:cNvSpPr>
+          <p:nvPr>
+            <p:ph type="title"/>
+          </p:nvPr>
+        </p:nvSpPr>
+        <p:spPr>
+          <a:xfrm>
+            <a:off x="2849949" y="609600"/>
+            <a:ext cx="8393926" cy="2895600"/>
+          </a:xfrm>
+        </p:spPr>
+        <p:txBody>
+          <a:bodyPr anchor="ctr">
+            <a:normAutofit/>
+          </a:bodyPr>
+          <a:lstStyle>
+            <a:lvl1pPr algn="l">
+              <a:defRPr sz="4800" b="0" cap="none"/>
+            </a:lvl1pPr>
+          </a:lstStyle>
+          <a:p>
+            <a:r>
+              <a:rPr lang="en-US" smtClean="0"/>
+              <a:t>Click to edit Master title style</a:t>
+            </a:r>
+            <a:endParaRPr lang="en-US" dirty="0"/>
+          </a:p>
+        </p:txBody>
+      </p:sp>
+      <p:sp>
+        <p:nvSpPr>
+          <p:cNvPr id="21" name="Text Placeholder 9"/>
+          <p:cNvSpPr>
+            <a:spLocks noGrp="1"/>
+          </p:cNvSpPr>
+          <p:nvPr>
+            <p:ph type="body" sz="quarter" idx="13"/>
+          </p:nvPr>
+        </p:nvSpPr>
+        <p:spPr>
+          <a:xfrm>
+            <a:off x="2589212" y="4343400"/>
+            <a:ext cx="8915400" cy="838200"/>
+          </a:xfrm>
+        </p:spPr>
+        <p:txBody>
+          <a:bodyPr anchor="b">
+            <a:noAutofit/>
+          </a:bodyPr>
+          <a:lstStyle>
+            <a:lvl1pPr marL="0" indent="0">
+              <a:buFontTx/>
+              <a:buNone/>
+              <a:defRPr sz="2400">
+                <a:solidFill>
+                  <a:schemeClr val="accent1"/>
+                </a:solidFill>
+              </a:defRPr>
+            </a:lvl1pPr>
+            <a:lvl2pPr marL="457200" indent="0">
+              <a:buFontTx/>
+              <a:buNone/>
+              <a:defRPr/>
+            </a:lvl2pPr>
+            <a:lvl3pPr marL="914400" indent="0">
+              <a:buFontTx/>
+              <a:buNone/>
+              <a:defRPr/>
+            </a:lvl3pPr>
+            <a:lvl4pPr marL="1371600" indent="0">
+              <a:buFontTx/>
+              <a:buNone/>
+              <a:defRPr/>
+            </a:lvl4pPr>
+            <a:lvl5pPr marL="1828800" indent="0">
+              <a:buFontTx/>
+              <a:buNone/>
+              <a:defRPr/>
+            </a:lvl5pPr>
+          </a:lstStyle>
+          <a:p>
+            <a:pPr lvl="0"/>
+            <a:r>
+              <a:rPr lang="en-US" smtClean="0"/>
+              <a:t>Edit Master text styles</a:t>
+            </a:r>
+          </a:p>
+        </p:txBody>
+      </p:sp>
+      <p:sp>
+        <p:nvSpPr>
+          <p:cNvPr id="4" name="Text Placeholder 3"/>
+          <p:cNvSpPr>
+            <a:spLocks noGrp="1"/>
+          </p:cNvSpPr>
+          <p:nvPr>
+            <p:ph type="body" sz="half" idx="2"/>
+          </p:nvPr>
+        </p:nvSpPr>
+        <p:spPr>
+          <a:xfrm>
+            <a:off x="2589213" y="5181600"/>
+            <a:ext cx="8915400" cy="729622"/>
+          </a:xfrm>
+        </p:spPr>
+        <p:txBody>
+          <a:bodyPr vert="horz" lIns="91440" tIns="45720" rIns="91440" bIns="45720" rtlCol="0" anchor="t">
+            <a:normAutofit/>
+          </a:bodyPr>
+          <a:lstStyle>
+            <a:lvl1pPr>
+              <a:buNone/>
+              <a:defRPr lang="en-US">
+                <a:solidFill>
+                  <a:schemeClr val="tx1">
+                    <a:lumMod val="65000"/>
+                    <a:lumOff val="35000"/>
+                  </a:schemeClr>
+                </a:solidFill>
+              </a:defRPr>
+            </a:lvl1pPr>
+          </a:lstStyle>
+          <a:p>
+            <a:pPr marL="0" lvl="0" indent="0">
+              <a:buNone/>
+            </a:pPr>
+            <a:r>
+              <a:rPr lang="en-US" smtClean="0"/>
+              <a:t>Edit Master text styles</a:t>
+            </a:r>
+          </a:p>
+        </p:txBody>
+      </p:sp>
+      <p:sp>
+        <p:nvSpPr>
+          <p:cNvPr id="5" name="Date Placeholder 4"/>
+          <p:cNvSpPr>
+            <a:spLocks noGrp="1"/>
+          </p:cNvSpPr>
+          <p:nvPr>
+            <p:ph type="dt" sz="half" idx="10"/>
+          </p:nvPr>
+        </p:nvSpPr>
+        <p:spPr/>
+        <p:txBody>
+          <a:bodyPr/>
+          <a:lstStyle/>
+          <a:p>
+            <a:fld id="{62D6E202-B606-4609-B914-27C9371A1F6D}" type="datetime1">
+              <a:rPr lang="en-US" smtClean="0"/>
+              <a:t>31-Jul-23</a:t>
+            </a:fld>
+            <a:endParaRPr lang="en-US" dirty="0"/>
+          </a:p>
+        </p:txBody>
+      </p:sp>
+      <p:sp>
+        <p:nvSpPr>
+          <p:cNvPr id="6" name="Footer Placeholder 5"/>
+          <p:cNvSpPr>
+            <a:spLocks noGrp="1"/>
+          </p:cNvSpPr>
+          <p:nvPr>
+            <p:ph type="ftr" sz="quarter" idx="11"/>
+          </p:nvPr>
+        </p:nvSpPr>
+        <p:spPr/>
+        <p:txBody>
+          <a:bodyPr/>
+          <a:lstStyle/>
+          <a:p>
+            <a:endParaRPr lang="en-US" dirty="0"/>
+          </a:p>
+        </p:txBody>
+      </p:sp>
+      <p:sp>
+        <p:nvSpPr>
+          <p:cNvPr id="11" name="Freeform 11"/>
+          <p:cNvSpPr/>
+          <p:nvPr/>
+        </p:nvSpPr>
+        <p:spPr bwMode="auto">
+          <a:xfrm flipV="1">
+            <a:off x="-4189" y="4911725"/>
+            <a:ext cx="1588527" cy="507297"/>
+          </a:xfrm>
+          <a:custGeom>
+            <a:avLst/>
+            <a:gdLst/>
+            <a:ahLst/>
+            <a:cxnLst/>
+            <a:rect l="l" t="t" r="r" b="b"/>
+            <a:pathLst>
+              <a:path w="9248" h="10000">
+                <a:moveTo>
+                  <a:pt x="9248" y="4701"/>
+                </a:moveTo>
+                <a:lnTo>
+                  <a:pt x="7915" y="188"/>
+                </a:lnTo>
+                <a:cubicBezTo>
+                  <a:pt x="7906" y="156"/>
+                  <a:pt x="7895" y="126"/>
+                  <a:pt x="7886" y="94"/>
+                </a:cubicBezTo>
+                <a:cubicBezTo>
+                  <a:pt x="7859" y="0"/>
+                  <a:pt x="7831" y="0"/>
+                  <a:pt x="7803" y="0"/>
+                </a:cubicBezTo>
+                <a:lnTo>
+                  <a:pt x="7275" y="0"/>
+                </a:lnTo>
+                <a:lnTo>
+                  <a:pt x="0" y="70"/>
+                </a:lnTo>
+                <a:cubicBezTo>
+                  <a:pt x="8" y="3380"/>
+                  <a:pt x="17" y="6690"/>
+                  <a:pt x="25" y="10000"/>
+                </a:cubicBezTo>
+                <a:lnTo>
+                  <a:pt x="7275" y="9966"/>
+                </a:lnTo>
+                <a:lnTo>
+                  <a:pt x="7803" y="9966"/>
+                </a:lnTo>
+                <a:cubicBezTo>
+                  <a:pt x="7831" y="9966"/>
+                  <a:pt x="7859" y="9872"/>
+                  <a:pt x="7886" y="9872"/>
+                </a:cubicBezTo>
+                <a:cubicBezTo>
+                  <a:pt x="7886" y="9778"/>
+                  <a:pt x="7915" y="9778"/>
+                  <a:pt x="7915" y="9778"/>
+                </a:cubicBezTo>
+                <a:lnTo>
+                  <a:pt x="9248" y="5265"/>
+                </a:lnTo>
+                <a:cubicBezTo>
+                  <a:pt x="9303" y="5077"/>
+                  <a:pt x="9303" y="4889"/>
+                  <a:pt x="9248" y="4701"/>
+                </a:cubicBezTo>
+                <a:close/>
+              </a:path>
+            </a:pathLst>
+          </a:custGeom>
+          <a:solidFill>
+            <a:schemeClr val="accent1"/>
+          </a:solidFill>
+          <a:ln>
+            <a:noFill/>
+          </a:ln>
+        </p:spPr>
+      </p:sp>
+      <p:sp>
+        <p:nvSpPr>
+          <p:cNvPr id="7" name="Slide Number Placeholder 6"/>
+          <p:cNvSpPr>
+            <a:spLocks noGrp="1"/>
+          </p:cNvSpPr>
+          <p:nvPr>
+            <p:ph type="sldNum" sz="quarter" idx="12"/>
+          </p:nvPr>
+        </p:nvSpPr>
+        <p:spPr>
+          <a:xfrm>
+            <a:off x="531812" y="4983087"/>
+            <a:ext cx="779767" cy="365125"/>
+          </a:xfrm>
+        </p:spPr>
+        <p:txBody>
+          <a:bodyPr/>
+          <a:lstStyle/>
+          <a:p>
+            <a:fld id="{3A98EE3D-8CD1-4C3F-BD1C-C98C9596463C}" type="slidenum">
+              <a:rPr lang="en-US" smtClean="0"/>
+              <a:t>‹#›</a:t>
+            </a:fld>
+            <a:endParaRPr lang="en-US" dirty="0"/>
+          </a:p>
+        </p:txBody>
+      </p:sp>
+      <p:sp>
+        <p:nvSpPr>
+          <p:cNvPr id="17" name="TextBox 16"/>
+          <p:cNvSpPr txBox="1"/>
+          <p:nvPr/>
+        </p:nvSpPr>
+        <p:spPr>
+          <a:xfrm>
+            <a:off x="2467652" y="648005"/>
+            <a:ext cx="609600" cy="584776"/>
+          </a:xfrm>
+          <a:prstGeom prst="rect">
+            <a:avLst/>
+          </a:prstGeom>
+        </p:spPr>
+        <p:txBody>
+          <a:bodyPr vert="horz" lIns="91440" tIns="45720" rIns="91440" bIns="45720" rtlCol="0" anchor="ctr">
+            <a:noAutofit/>
+          </a:bodyPr>
+          <a:lstStyle/>
+          <a:p>
+            <a:pPr lvl="0"/>
+            <a:r>
+              <a:rPr lang="en-US" sz="8000" baseline="0" dirty="0">
+                <a:ln w="3175" cmpd="sng">
+                  <a:noFill/>
+                </a:ln>
+                <a:solidFill>
+                  <a:schemeClr val="accent1"/>
+                </a:solidFill>
+                <a:effectLst/>
+                <a:latin typeface="Arial"/>
+              </a:rPr>
+              <a:t>“</a:t>
+            </a:r>
+          </a:p>
+        </p:txBody>
+      </p:sp>
+      <p:sp>
+        <p:nvSpPr>
+          <p:cNvPr id="18" name="TextBox 17"/>
+          <p:cNvSpPr txBox="1"/>
+          <p:nvPr/>
+        </p:nvSpPr>
+        <p:spPr>
+          <a:xfrm>
+            <a:off x="11114852" y="2905306"/>
+            <a:ext cx="609600" cy="584776"/>
+          </a:xfrm>
+          <a:prstGeom prst="rect">
+            <a:avLst/>
+          </a:prstGeom>
+        </p:spPr>
+        <p:txBody>
+          <a:bodyPr vert="horz" lIns="91440" tIns="45720" rIns="91440" bIns="45720" rtlCol="0" anchor="ctr">
+            <a:noAutofit/>
+          </a:bodyPr>
+          <a:lstStyle/>
+          <a:p>
+            <a:pPr lvl="0"/>
+            <a:r>
+              <a:rPr lang="en-US" sz="8000" baseline="0" dirty="0">
+                <a:ln w="3175" cmpd="sng">
+                  <a:noFill/>
+                </a:ln>
+                <a:solidFill>
+                  <a:schemeClr val="accent1"/>
+                </a:solidFill>
+                <a:effectLst/>
+                <a:latin typeface="Arial"/>
+              </a:rPr>
+              <a:t>”</a:t>
+            </a:r>
+          </a:p>
+        </p:txBody>
+      </p:sp>
+    </p:spTree>
+    <p:extLst>
+      <p:ext uri="{BB962C8B-B14F-4D97-AF65-F5344CB8AC3E}">
+        <p14:creationId xmlns:p14="http://schemas.microsoft.com/office/powerpoint/2010/main" val="973004195"/>
+      </p:ext>
+    </p:extLst>
+  </p:cSld>
+  <p:clrMapOvr>
+    <a:masterClrMapping/>
+  </p:clrMapOvr>
+  <p:hf sldNum="0" hdr="0" ftr="0" dt="0"/>
+</p:sldLayout>
+</file>
+
+<file path=ppt/slideLayouts/slideLayout14.xml><?xml version="1.0" encoding="utf-8"?>
+<p:sldLayout xmlns:a="http://schemas.openxmlformats.org/drawingml/2006/main" xmlns:r="http://schemas.openxmlformats.org/officeDocument/2006/relationships" xmlns:p="http://schemas.openxmlformats.org/presentationml/2006/main" preserve="1">
+  <p:cSld name="True or False">
+    <p:spTree>
+      <p:nvGrpSpPr>
+        <p:cNvPr id="1" name=""/>
+        <p:cNvGrpSpPr/>
+        <p:nvPr/>
+      </p:nvGrpSpPr>
+      <p:grpSpPr>
+        <a:xfrm>
+          <a:off x="0" y="0"/>
+          <a:ext cx="0" cy="0"/>
+          <a:chOff x="0" y="0"/>
+          <a:chExt cx="0" cy="0"/>
+        </a:xfrm>
+      </p:grpSpPr>
+      <p:sp>
+        <p:nvSpPr>
+          <p:cNvPr id="2" name="Title 1"/>
+          <p:cNvSpPr>
+            <a:spLocks noGrp="1"/>
+          </p:cNvSpPr>
+          <p:nvPr>
+            <p:ph type="title"/>
+          </p:nvPr>
+        </p:nvSpPr>
+        <p:spPr>
+          <a:xfrm>
+            <a:off x="2589212" y="627407"/>
+            <a:ext cx="8915399" cy="2880020"/>
+          </a:xfrm>
+        </p:spPr>
+        <p:txBody>
+          <a:bodyPr anchor="ctr">
+            <a:normAutofit/>
+          </a:bodyPr>
+          <a:lstStyle>
+            <a:lvl1pPr algn="l">
+              <a:defRPr sz="4800" b="0"/>
+            </a:lvl1pPr>
+          </a:lstStyle>
+          <a:p>
+            <a:r>
+              <a:rPr lang="en-US" smtClean="0"/>
+              <a:t>Click to edit Master title style</a:t>
+            </a:r>
+            <a:endParaRPr lang="en-US" dirty="0"/>
+          </a:p>
+        </p:txBody>
+      </p:sp>
+      <p:sp>
+        <p:nvSpPr>
+          <p:cNvPr id="21" name="Text Placeholder 9"/>
+          <p:cNvSpPr>
+            <a:spLocks noGrp="1"/>
+          </p:cNvSpPr>
+          <p:nvPr>
+            <p:ph type="body" sz="quarter" idx="13"/>
+          </p:nvPr>
+        </p:nvSpPr>
+        <p:spPr>
+          <a:xfrm>
+            <a:off x="2589212" y="4343400"/>
+            <a:ext cx="8915400" cy="838200"/>
+          </a:xfrm>
+        </p:spPr>
+        <p:txBody>
+          <a:bodyPr anchor="b">
+            <a:noAutofit/>
+          </a:bodyPr>
+          <a:lstStyle>
+            <a:lvl1pPr marL="0" indent="0">
+              <a:buFontTx/>
+              <a:buNone/>
+              <a:defRPr sz="2400">
+                <a:solidFill>
+                  <a:schemeClr val="accent1"/>
+                </a:solidFill>
+              </a:defRPr>
+            </a:lvl1pPr>
+            <a:lvl2pPr marL="457200" indent="0">
+              <a:buFontTx/>
+              <a:buNone/>
+              <a:defRPr/>
+            </a:lvl2pPr>
+            <a:lvl3pPr marL="914400" indent="0">
+              <a:buFontTx/>
+              <a:buNone/>
+              <a:defRPr/>
+            </a:lvl3pPr>
+            <a:lvl4pPr marL="1371600" indent="0">
+              <a:buFontTx/>
+              <a:buNone/>
+              <a:defRPr/>
+            </a:lvl4pPr>
+            <a:lvl5pPr marL="1828800" indent="0">
+              <a:buFontTx/>
+              <a:buNone/>
+              <a:defRPr/>
+            </a:lvl5pPr>
+          </a:lstStyle>
+          <a:p>
+            <a:pPr lvl="0"/>
+            <a:r>
+              <a:rPr lang="en-US" smtClean="0"/>
+              <a:t>Edit Master text styles</a:t>
+            </a:r>
+          </a:p>
+        </p:txBody>
+      </p:sp>
+      <p:sp>
+        <p:nvSpPr>
+          <p:cNvPr id="4" name="Text Placeholder 3"/>
+          <p:cNvSpPr>
+            <a:spLocks noGrp="1"/>
+          </p:cNvSpPr>
+          <p:nvPr>
+            <p:ph type="body" sz="half" idx="2"/>
+          </p:nvPr>
+        </p:nvSpPr>
+        <p:spPr>
+          <a:xfrm>
+            <a:off x="2589213" y="5181600"/>
+            <a:ext cx="8915400" cy="729622"/>
+          </a:xfrm>
+        </p:spPr>
+        <p:txBody>
+          <a:bodyPr vert="horz" lIns="91440" tIns="45720" rIns="91440" bIns="45720" rtlCol="0" anchor="t">
+            <a:normAutofit/>
+          </a:bodyPr>
+          <a:lstStyle>
+            <a:lvl1pPr>
+              <a:buNone/>
+              <a:defRPr lang="en-US">
+                <a:solidFill>
+                  <a:schemeClr val="tx1">
+                    <a:lumMod val="65000"/>
+                    <a:lumOff val="35000"/>
+                  </a:schemeClr>
+                </a:solidFill>
+              </a:defRPr>
+            </a:lvl1pPr>
+          </a:lstStyle>
+          <a:p>
+            <a:pPr marL="0" lvl="0" indent="0">
+              <a:buNone/>
+            </a:pPr>
+            <a:r>
+              <a:rPr lang="en-US" smtClean="0"/>
+              <a:t>Edit Master text styles</a:t>
+            </a:r>
+          </a:p>
+        </p:txBody>
+      </p:sp>
+      <p:sp>
+        <p:nvSpPr>
+          <p:cNvPr id="5" name="Date Placeholder 4"/>
+          <p:cNvSpPr>
+            <a:spLocks noGrp="1"/>
+          </p:cNvSpPr>
+          <p:nvPr>
+            <p:ph type="dt" sz="half" idx="10"/>
+          </p:nvPr>
+        </p:nvSpPr>
+        <p:spPr/>
+        <p:txBody>
+          <a:bodyPr/>
+          <a:lstStyle/>
+          <a:p>
+            <a:fld id="{62D6E202-B606-4609-B914-27C9371A1F6D}" type="datetime1">
+              <a:rPr lang="en-US" smtClean="0"/>
+              <a:t>31-Jul-23</a:t>
+            </a:fld>
+            <a:endParaRPr lang="en-US" dirty="0"/>
+          </a:p>
+        </p:txBody>
+      </p:sp>
+      <p:sp>
+        <p:nvSpPr>
+          <p:cNvPr id="6" name="Footer Placeholder 5"/>
+          <p:cNvSpPr>
+            <a:spLocks noGrp="1"/>
+          </p:cNvSpPr>
+          <p:nvPr>
+            <p:ph type="ftr" sz="quarter" idx="11"/>
+          </p:nvPr>
+        </p:nvSpPr>
+        <p:spPr/>
+        <p:txBody>
+          <a:bodyPr/>
+          <a:lstStyle/>
+          <a:p>
+            <a:endParaRPr lang="en-US" dirty="0"/>
+          </a:p>
+        </p:txBody>
+      </p:sp>
+      <p:sp>
+        <p:nvSpPr>
+          <p:cNvPr id="9" name="Freeform 11"/>
+          <p:cNvSpPr/>
+          <p:nvPr/>
+        </p:nvSpPr>
+        <p:spPr bwMode="auto">
+          <a:xfrm flipV="1">
+            <a:off x="-4189" y="4911725"/>
+            <a:ext cx="1588527" cy="507297"/>
+          </a:xfrm>
+          <a:custGeom>
+            <a:avLst/>
+            <a:gdLst/>
+            <a:ahLst/>
+            <a:cxnLst/>
+            <a:rect l="l" t="t" r="r" b="b"/>
+            <a:pathLst>
+              <a:path w="9248" h="10000">
+                <a:moveTo>
+                  <a:pt x="9248" y="4701"/>
+                </a:moveTo>
+                <a:lnTo>
+                  <a:pt x="7915" y="188"/>
+                </a:lnTo>
+                <a:cubicBezTo>
+                  <a:pt x="7906" y="156"/>
+                  <a:pt x="7895" y="126"/>
+                  <a:pt x="7886" y="94"/>
+                </a:cubicBezTo>
+                <a:cubicBezTo>
+                  <a:pt x="7859" y="0"/>
+                  <a:pt x="7831" y="0"/>
+                  <a:pt x="7803" y="0"/>
+                </a:cubicBezTo>
+                <a:lnTo>
+                  <a:pt x="7275" y="0"/>
+                </a:lnTo>
+                <a:lnTo>
+                  <a:pt x="0" y="70"/>
+                </a:lnTo>
+                <a:cubicBezTo>
+                  <a:pt x="8" y="3380"/>
+                  <a:pt x="17" y="6690"/>
+                  <a:pt x="25" y="10000"/>
+                </a:cubicBezTo>
+                <a:lnTo>
+                  <a:pt x="7275" y="9966"/>
+                </a:lnTo>
+                <a:lnTo>
+                  <a:pt x="7803" y="9966"/>
+                </a:lnTo>
+                <a:cubicBezTo>
+                  <a:pt x="7831" y="9966"/>
+                  <a:pt x="7859" y="9872"/>
+                  <a:pt x="7886" y="9872"/>
+                </a:cubicBezTo>
+                <a:cubicBezTo>
+                  <a:pt x="7886" y="9778"/>
+                  <a:pt x="7915" y="9778"/>
+                  <a:pt x="7915" y="9778"/>
+                </a:cubicBezTo>
+                <a:lnTo>
+                  <a:pt x="9248" y="5265"/>
+                </a:lnTo>
+                <a:cubicBezTo>
+                  <a:pt x="9303" y="5077"/>
+                  <a:pt x="9303" y="4889"/>
+                  <a:pt x="9248" y="4701"/>
+                </a:cubicBezTo>
+                <a:close/>
+              </a:path>
+            </a:pathLst>
+          </a:custGeom>
+          <a:solidFill>
+            <a:schemeClr val="accent1"/>
+          </a:solidFill>
+          <a:ln>
+            <a:noFill/>
+          </a:ln>
+        </p:spPr>
+      </p:sp>
+      <p:sp>
+        <p:nvSpPr>
+          <p:cNvPr id="7" name="Slide Number Placeholder 6"/>
+          <p:cNvSpPr>
+            <a:spLocks noGrp="1"/>
+          </p:cNvSpPr>
+          <p:nvPr>
+            <p:ph type="sldNum" sz="quarter" idx="12"/>
+          </p:nvPr>
+        </p:nvSpPr>
+        <p:spPr>
+          <a:xfrm>
+            <a:off x="531812" y="4983087"/>
+            <a:ext cx="779767" cy="365125"/>
+          </a:xfrm>
+        </p:spPr>
+        <p:txBody>
+          <a:bodyPr/>
+          <a:lstStyle/>
+          <a:p>
+            <a:fld id="{3A98EE3D-8CD1-4C3F-BD1C-C98C9596463C}" type="slidenum">
+              <a:rPr lang="en-US" smtClean="0"/>
+              <a:t>‹#›</a:t>
+            </a:fld>
+            <a:endParaRPr lang="en-US" dirty="0"/>
+          </a:p>
+        </p:txBody>
+      </p:sp>
+    </p:spTree>
+    <p:extLst>
+      <p:ext uri="{BB962C8B-B14F-4D97-AF65-F5344CB8AC3E}">
+        <p14:creationId xmlns:p14="http://schemas.microsoft.com/office/powerpoint/2010/main" val="2797851338"/>
+      </p:ext>
+    </p:extLst>
+  </p:cSld>
+  <p:clrMapOvr>
+    <a:masterClrMapping/>
+  </p:clrMapOvr>
+  <p:hf sldNum="0" hdr="0" ftr="0" dt="0"/>
+</p:sldLayout>
+</file>
+
+<file path=ppt/slideLayouts/slideLayout15.xml><?xml version="1.0" encoding="utf-8"?>
 <p:sldLayout xmlns:a="http://schemas.openxmlformats.org/drawingml/2006/main" xmlns:r="http://schemas.openxmlformats.org/officeDocument/2006/relationships" xmlns:p="http://schemas.openxmlformats.org/presentationml/2006/main" type="vertTx" preserve="1">
   <p:cSld name="Title and Vertical Text">
     <p:spTree>
@@ -474,7 +2289,7 @@
           <a:lstStyle/>
           <a:p>
             <a:r>
-              <a:rPr lang="en-US"/>
+              <a:rPr lang="en-US" smtClean="0"/>
               <a:t>Click to edit Master title style</a:t>
             </a:r>
             <a:endParaRPr lang="en-US" dirty="0"/>
@@ -493,40 +2308,40 @@
         </p:nvSpPr>
         <p:spPr/>
         <p:txBody>
-          <a:bodyPr vert="eaVert" lIns="45720" tIns="0" rIns="45720" bIns="0"/>
+          <a:bodyPr vert="eaVert" anchor="t"/>
           <a:lstStyle/>
           <a:p>
             <a:pPr lvl="0"/>
             <a:r>
-              <a:rPr lang="en-US"/>
-              <a:t>Click to edit Master text styles</a:t>
+              <a:rPr lang="en-US" smtClean="0"/>
+              <a:t>Edit Master text styles</a:t>
             </a:r>
           </a:p>
           <a:p>
             <a:pPr lvl="1"/>
             <a:r>
-              <a:rPr lang="en-US"/>
+              <a:rPr lang="en-US" smtClean="0"/>
               <a:t>Second level</a:t>
             </a:r>
           </a:p>
           <a:p>
             <a:pPr lvl="2"/>
             <a:r>
-              <a:rPr lang="en-US"/>
+              <a:rPr lang="en-US" smtClean="0"/>
               <a:t>Third level</a:t>
             </a:r>
           </a:p>
           <a:p>
             <a:pPr lvl="3"/>
             <a:r>
-              <a:rPr lang="en-US"/>
+              <a:rPr lang="en-US" smtClean="0"/>
               <a:t>Fourth level</a:t>
             </a:r>
           </a:p>
           <a:p>
             <a:pPr lvl="4"/>
             <a:r>
-              <a:rPr lang="en-US"/>
+              <a:rPr lang="en-US" smtClean="0"/>
               <a:t>Fifth level</a:t>
             </a:r>
             <a:endParaRPr lang="en-US" dirty="0"/>
@@ -535,13 +2350,7 @@
       </p:sp>
       <p:sp>
         <p:nvSpPr>
-          <p:cNvPr id="7" name="Date Placeholder 6">
-            <a:extLst>
-              <a:ext uri="{FF2B5EF4-FFF2-40B4-BE49-F238E27FC236}">
-                <a16:creationId xmlns:a16="http://schemas.microsoft.com/office/drawing/2014/main" id="{7D5506EE-1026-4F35-9ACC-BD05BE0F9B36}"/>
-              </a:ext>
-            </a:extLst>
-          </p:cNvPr>
+          <p:cNvPr id="4" name="Date Placeholder 3"/>
           <p:cNvSpPr>
             <a:spLocks noGrp="1"/>
           </p:cNvSpPr>
@@ -556,7 +2365,7 @@
           <a:p>
             <a:fld id="{B612A279-0833-481D-8C56-F67FD0AC6C50}" type="datetime1">
               <a:rPr lang="en-US" smtClean="0"/>
-              <a:t>7/31/2023</a:t>
+              <a:t>31-Jul-23</a:t>
             </a:fld>
             <a:endParaRPr lang="en-US" dirty="0"/>
           </a:p>
@@ -564,13 +2373,7 @@
       </p:sp>
       <p:sp>
         <p:nvSpPr>
-          <p:cNvPr id="8" name="Footer Placeholder 7">
-            <a:extLst>
-              <a:ext uri="{FF2B5EF4-FFF2-40B4-BE49-F238E27FC236}">
-                <a16:creationId xmlns:a16="http://schemas.microsoft.com/office/drawing/2014/main" id="{B7696E5F-8D95-4450-AE52-5438E6EDE2BF}"/>
-              </a:ext>
-            </a:extLst>
-          </p:cNvPr>
+          <p:cNvPr id="5" name="Footer Placeholder 4"/>
           <p:cNvSpPr>
             <a:spLocks noGrp="1"/>
           </p:cNvSpPr>
@@ -589,13 +2392,89 @@
       </p:sp>
       <p:sp>
         <p:nvSpPr>
-          <p:cNvPr id="9" name="Slide Number Placeholder 8">
-            <a:extLst>
-              <a:ext uri="{FF2B5EF4-FFF2-40B4-BE49-F238E27FC236}">
-                <a16:creationId xmlns:a16="http://schemas.microsoft.com/office/drawing/2014/main" id="{999B2253-74CC-409E-BEB0-F8EFCFCB5629}"/>
-              </a:ext>
-            </a:extLst>
-          </p:cNvPr>
+          <p:cNvPr id="8" name="Freeform 11"/>
+          <p:cNvSpPr/>
+          <p:nvPr/>
+        </p:nvSpPr>
+        <p:spPr bwMode="auto">
+          <a:xfrm flipV="1">
+            <a:off x="-4189" y="714375"/>
+            <a:ext cx="1588527" cy="507297"/>
+          </a:xfrm>
+          <a:custGeom>
+            <a:avLst/>
+            <a:gdLst/>
+            <a:ahLst/>
+            <a:cxnLst/>
+            <a:rect l="l" t="t" r="r" b="b"/>
+            <a:pathLst>
+              <a:path w="9248" h="10000">
+                <a:moveTo>
+                  <a:pt x="9248" y="4701"/>
+                </a:moveTo>
+                <a:lnTo>
+                  <a:pt x="7915" y="188"/>
+                </a:lnTo>
+                <a:cubicBezTo>
+                  <a:pt x="7906" y="156"/>
+                  <a:pt x="7895" y="126"/>
+                  <a:pt x="7886" y="94"/>
+                </a:cubicBezTo>
+                <a:cubicBezTo>
+                  <a:pt x="7859" y="0"/>
+                  <a:pt x="7831" y="0"/>
+                  <a:pt x="7803" y="0"/>
+                </a:cubicBezTo>
+                <a:lnTo>
+                  <a:pt x="7275" y="0"/>
+                </a:lnTo>
+                <a:lnTo>
+                  <a:pt x="0" y="70"/>
+                </a:lnTo>
+                <a:cubicBezTo>
+                  <a:pt x="8" y="3380"/>
+                  <a:pt x="17" y="6690"/>
+                  <a:pt x="25" y="10000"/>
+                </a:cubicBezTo>
+                <a:lnTo>
+                  <a:pt x="7275" y="9966"/>
+                </a:lnTo>
+                <a:lnTo>
+                  <a:pt x="7803" y="9966"/>
+                </a:lnTo>
+                <a:cubicBezTo>
+                  <a:pt x="7831" y="9966"/>
+                  <a:pt x="7859" y="9872"/>
+                  <a:pt x="7886" y="9872"/>
+                </a:cubicBezTo>
+                <a:cubicBezTo>
+                  <a:pt x="7886" y="9778"/>
+                  <a:pt x="7915" y="9778"/>
+                  <a:pt x="7915" y="9778"/>
+                </a:cubicBezTo>
+                <a:lnTo>
+                  <a:pt x="9248" y="5265"/>
+                </a:lnTo>
+                <a:cubicBezTo>
+                  <a:pt x="9303" y="5077"/>
+                  <a:pt x="9303" y="4889"/>
+                  <a:pt x="9248" y="4701"/>
+                </a:cubicBezTo>
+                <a:close/>
+              </a:path>
+            </a:pathLst>
+          </a:custGeom>
+          <a:solidFill>
+            <a:schemeClr val="accent1"/>
+          </a:solidFill>
+          <a:ln>
+            <a:noFill/>
+          </a:ln>
+        </p:spPr>
+      </p:sp>
+      <p:sp>
+        <p:nvSpPr>
+          <p:cNvPr id="6" name="Slide Number Placeholder 5"/>
           <p:cNvSpPr>
             <a:spLocks noGrp="1"/>
           </p:cNvSpPr>
@@ -619,7 +2498,7 @@
     </p:spTree>
     <p:extLst>
       <p:ext uri="{BB962C8B-B14F-4D97-AF65-F5344CB8AC3E}">
-        <p14:creationId xmlns:p14="http://schemas.microsoft.com/office/powerpoint/2010/main" val="1672269861"/>
+        <p14:creationId xmlns:p14="http://schemas.microsoft.com/office/powerpoint/2010/main" val="3984895375"/>
       </p:ext>
     </p:extLst>
   </p:cSld>
@@ -629,8 +2508,8 @@
 </p:sldLayout>
 </file>
 
-<file path=ppt/slideLayouts/slideLayout11.xml><?xml version="1.0" encoding="utf-8"?>
-<p:sldLayout xmlns:a="http://schemas.openxmlformats.org/drawingml/2006/main" xmlns:r="http://schemas.openxmlformats.org/officeDocument/2006/relationships" xmlns:p="http://schemas.openxmlformats.org/presentationml/2006/main" showMasterSp="0" type="vertTitleAndTx" preserve="1">
+<file path=ppt/slideLayouts/slideLayout16.xml><?xml version="1.0" encoding="utf-8"?>
+<p:sldLayout xmlns:a="http://schemas.openxmlformats.org/drawingml/2006/main" xmlns:r="http://schemas.openxmlformats.org/officeDocument/2006/relationships" xmlns:p="http://schemas.openxmlformats.org/presentationml/2006/main" type="vertTitleAndTx" preserve="1">
   <p:cSld name="Vertical Title and Text">
     <p:spTree>
       <p:nvGrpSpPr>
@@ -648,50 +2527,6 @@
       </p:grpSpPr>
       <p:sp>
         <p:nvSpPr>
-          <p:cNvPr id="9" name="Rectangle 8">
-            <a:extLst>
-              <a:ext uri="{FF2B5EF4-FFF2-40B4-BE49-F238E27FC236}">
-                <a16:creationId xmlns:a16="http://schemas.microsoft.com/office/drawing/2014/main" id="{E1B68A5B-D9FA-424B-A4EB-30E7223836B3}"/>
-              </a:ext>
-            </a:extLst>
-          </p:cNvPr>
-          <p:cNvSpPr/>
-          <p:nvPr/>
-        </p:nvSpPr>
-        <p:spPr>
-          <a:xfrm>
-            <a:off x="3175" y="6400800"/>
-            <a:ext cx="12188825" cy="457200"/>
-          </a:xfrm>
-          <a:prstGeom prst="rect">
-            <a:avLst/>
-          </a:prstGeom>
-          <a:solidFill>
-            <a:srgbClr val="262626"/>
-          </a:solidFill>
-          <a:ln>
-            <a:noFill/>
-          </a:ln>
-        </p:spPr>
-        <p:style>
-          <a:lnRef idx="2">
-            <a:schemeClr val="accent1">
-              <a:shade val="50000"/>
-            </a:schemeClr>
-          </a:lnRef>
-          <a:fillRef idx="1">
-            <a:schemeClr val="accent1"/>
-          </a:fillRef>
-          <a:effectRef idx="0">
-            <a:schemeClr val="accent1"/>
-          </a:effectRef>
-          <a:fontRef idx="minor">
-            <a:schemeClr val="lt1"/>
-          </a:fontRef>
-        </p:style>
-      </p:sp>
-      <p:sp>
-        <p:nvSpPr>
           <p:cNvPr id="2" name="Vertical Title 1"/>
           <p:cNvSpPr>
             <a:spLocks noGrp="1"/>
@@ -702,16 +2537,16 @@
         </p:nvSpPr>
         <p:spPr>
           <a:xfrm>
-            <a:off x="8724900" y="412302"/>
-            <a:ext cx="2628900" cy="5759898"/>
+            <a:off x="9294812" y="627405"/>
+            <a:ext cx="2207601" cy="5283817"/>
           </a:xfrm>
         </p:spPr>
         <p:txBody>
-          <a:bodyPr vert="eaVert"/>
+          <a:bodyPr vert="eaVert" anchor="ctr"/>
           <a:lstStyle/>
           <a:p>
             <a:r>
-              <a:rPr lang="en-US"/>
+              <a:rPr lang="en-US" smtClean="0"/>
               <a:t>Click to edit Master title style</a:t>
             </a:r>
             <a:endParaRPr lang="en-US" dirty="0"/>
@@ -730,45 +2565,45 @@
         </p:nvSpPr>
         <p:spPr>
           <a:xfrm>
-            <a:off x="838200" y="412302"/>
-            <a:ext cx="7734300" cy="5759898"/>
+            <a:off x="2589212" y="627405"/>
+            <a:ext cx="6477000" cy="5283817"/>
           </a:xfrm>
         </p:spPr>
         <p:txBody>
-          <a:bodyPr vert="eaVert" lIns="45720" tIns="0" rIns="45720" bIns="0"/>
+          <a:bodyPr vert="eaVert"/>
           <a:lstStyle/>
           <a:p>
             <a:pPr lvl="0"/>
             <a:r>
-              <a:rPr lang="en-US"/>
-              <a:t>Click to edit Master text styles</a:t>
+              <a:rPr lang="en-US" smtClean="0"/>
+              <a:t>Edit Master text styles</a:t>
             </a:r>
           </a:p>
           <a:p>
             <a:pPr lvl="1"/>
             <a:r>
-              <a:rPr lang="en-US"/>
+              <a:rPr lang="en-US" smtClean="0"/>
               <a:t>Second level</a:t>
             </a:r>
           </a:p>
           <a:p>
             <a:pPr lvl="2"/>
             <a:r>
-              <a:rPr lang="en-US"/>
+              <a:rPr lang="en-US" smtClean="0"/>
               <a:t>Third level</a:t>
             </a:r>
           </a:p>
           <a:p>
             <a:pPr lvl="3"/>
             <a:r>
-              <a:rPr lang="en-US"/>
+              <a:rPr lang="en-US" smtClean="0"/>
               <a:t>Fourth level</a:t>
             </a:r>
           </a:p>
           <a:p>
             <a:pPr lvl="4"/>
             <a:r>
-              <a:rPr lang="en-US"/>
+              <a:rPr lang="en-US" smtClean="0"/>
               <a:t>Fifth level</a:t>
             </a:r>
             <a:endParaRPr lang="en-US" dirty="0"/>
@@ -777,13 +2612,7 @@
       </p:sp>
       <p:sp>
         <p:nvSpPr>
-          <p:cNvPr id="7" name="Date Placeholder 6">
-            <a:extLst>
-              <a:ext uri="{FF2B5EF4-FFF2-40B4-BE49-F238E27FC236}">
-                <a16:creationId xmlns:a16="http://schemas.microsoft.com/office/drawing/2014/main" id="{AF33D6B0-F070-45C4-A472-19F432BE3932}"/>
-              </a:ext>
-            </a:extLst>
-          </p:cNvPr>
+          <p:cNvPr id="4" name="Date Placeholder 3"/>
           <p:cNvSpPr>
             <a:spLocks noGrp="1"/>
           </p:cNvSpPr>
@@ -798,7 +2627,7 @@
           <a:p>
             <a:fld id="{6587DA83-5663-4C9C-B9AA-0B40A3DAFF81}" type="datetime1">
               <a:rPr lang="en-US" smtClean="0"/>
-              <a:t>7/31/2023</a:t>
+              <a:t>31-Jul-23</a:t>
             </a:fld>
             <a:endParaRPr lang="en-US" dirty="0"/>
           </a:p>
@@ -806,13 +2635,7 @@
       </p:sp>
       <p:sp>
         <p:nvSpPr>
-          <p:cNvPr id="8" name="Footer Placeholder 7">
-            <a:extLst>
-              <a:ext uri="{FF2B5EF4-FFF2-40B4-BE49-F238E27FC236}">
-                <a16:creationId xmlns:a16="http://schemas.microsoft.com/office/drawing/2014/main" id="{9975399F-DAB2-410D-967F-ED17E6F796E7}"/>
-              </a:ext>
-            </a:extLst>
-          </p:cNvPr>
+          <p:cNvPr id="5" name="Footer Placeholder 4"/>
           <p:cNvSpPr>
             <a:spLocks noGrp="1"/>
           </p:cNvSpPr>
@@ -831,13 +2654,89 @@
       </p:sp>
       <p:sp>
         <p:nvSpPr>
-          <p:cNvPr id="10" name="Slide Number Placeholder 9">
-            <a:extLst>
-              <a:ext uri="{FF2B5EF4-FFF2-40B4-BE49-F238E27FC236}">
-                <a16:creationId xmlns:a16="http://schemas.microsoft.com/office/drawing/2014/main" id="{F762A46F-6BE5-4D12-9412-5CA7672EA8EC}"/>
-              </a:ext>
-            </a:extLst>
-          </p:cNvPr>
+          <p:cNvPr id="8" name="Freeform 11"/>
+          <p:cNvSpPr/>
+          <p:nvPr/>
+        </p:nvSpPr>
+        <p:spPr bwMode="auto">
+          <a:xfrm flipV="1">
+            <a:off x="-4189" y="714375"/>
+            <a:ext cx="1588527" cy="507297"/>
+          </a:xfrm>
+          <a:custGeom>
+            <a:avLst/>
+            <a:gdLst/>
+            <a:ahLst/>
+            <a:cxnLst/>
+            <a:rect l="l" t="t" r="r" b="b"/>
+            <a:pathLst>
+              <a:path w="9248" h="10000">
+                <a:moveTo>
+                  <a:pt x="9248" y="4701"/>
+                </a:moveTo>
+                <a:lnTo>
+                  <a:pt x="7915" y="188"/>
+                </a:lnTo>
+                <a:cubicBezTo>
+                  <a:pt x="7906" y="156"/>
+                  <a:pt x="7895" y="126"/>
+                  <a:pt x="7886" y="94"/>
+                </a:cubicBezTo>
+                <a:cubicBezTo>
+                  <a:pt x="7859" y="0"/>
+                  <a:pt x="7831" y="0"/>
+                  <a:pt x="7803" y="0"/>
+                </a:cubicBezTo>
+                <a:lnTo>
+                  <a:pt x="7275" y="0"/>
+                </a:lnTo>
+                <a:lnTo>
+                  <a:pt x="0" y="70"/>
+                </a:lnTo>
+                <a:cubicBezTo>
+                  <a:pt x="8" y="3380"/>
+                  <a:pt x="17" y="6690"/>
+                  <a:pt x="25" y="10000"/>
+                </a:cubicBezTo>
+                <a:lnTo>
+                  <a:pt x="7275" y="9966"/>
+                </a:lnTo>
+                <a:lnTo>
+                  <a:pt x="7803" y="9966"/>
+                </a:lnTo>
+                <a:cubicBezTo>
+                  <a:pt x="7831" y="9966"/>
+                  <a:pt x="7859" y="9872"/>
+                  <a:pt x="7886" y="9872"/>
+                </a:cubicBezTo>
+                <a:cubicBezTo>
+                  <a:pt x="7886" y="9778"/>
+                  <a:pt x="7915" y="9778"/>
+                  <a:pt x="7915" y="9778"/>
+                </a:cubicBezTo>
+                <a:lnTo>
+                  <a:pt x="9248" y="5265"/>
+                </a:lnTo>
+                <a:cubicBezTo>
+                  <a:pt x="9303" y="5077"/>
+                  <a:pt x="9303" y="4889"/>
+                  <a:pt x="9248" y="4701"/>
+                </a:cubicBezTo>
+                <a:close/>
+              </a:path>
+            </a:pathLst>
+          </a:custGeom>
+          <a:solidFill>
+            <a:schemeClr val="accent1"/>
+          </a:solidFill>
+          <a:ln>
+            <a:noFill/>
+          </a:ln>
+        </p:spPr>
+      </p:sp>
+      <p:sp>
+        <p:nvSpPr>
+          <p:cNvPr id="6" name="Slide Number Placeholder 5"/>
           <p:cNvSpPr>
             <a:spLocks noGrp="1"/>
           </p:cNvSpPr>
@@ -861,7 +2760,7 @@
     </p:spTree>
     <p:extLst>
       <p:ext uri="{BB962C8B-B14F-4D97-AF65-F5344CB8AC3E}">
-        <p14:creationId xmlns:p14="http://schemas.microsoft.com/office/powerpoint/2010/main" val="761827292"/>
+        <p14:creationId xmlns:p14="http://schemas.microsoft.com/office/powerpoint/2010/main" val="2432444034"/>
       </p:ext>
     </p:extLst>
   </p:cSld>
@@ -898,13 +2797,18 @@
             <p:ph type="title"/>
           </p:nvPr>
         </p:nvSpPr>
-        <p:spPr/>
+        <p:spPr>
+          <a:xfrm>
+            <a:off x="2592925" y="624110"/>
+            <a:ext cx="8911687" cy="1280890"/>
+          </a:xfrm>
+        </p:spPr>
         <p:txBody>
           <a:bodyPr/>
           <a:lstStyle/>
           <a:p>
             <a:r>
-              <a:rPr lang="en-US"/>
+              <a:rPr lang="en-US" smtClean="0"/>
               <a:t>Click to edit Master title style</a:t>
             </a:r>
             <a:endParaRPr lang="en-US" dirty="0"/>
@@ -921,42 +2825,47 @@
             <p:ph idx="1"/>
           </p:nvPr>
         </p:nvSpPr>
-        <p:spPr/>
+        <p:spPr>
+          <a:xfrm>
+            <a:off x="2589212" y="2133600"/>
+            <a:ext cx="8915400" cy="3777622"/>
+          </a:xfrm>
+        </p:spPr>
         <p:txBody>
           <a:bodyPr/>
           <a:lstStyle/>
           <a:p>
             <a:pPr lvl="0"/>
             <a:r>
-              <a:rPr lang="en-US"/>
-              <a:t>Click to edit Master text styles</a:t>
+              <a:rPr lang="en-US" smtClean="0"/>
+              <a:t>Edit Master text styles</a:t>
             </a:r>
           </a:p>
           <a:p>
             <a:pPr lvl="1"/>
             <a:r>
-              <a:rPr lang="en-US"/>
+              <a:rPr lang="en-US" smtClean="0"/>
               <a:t>Second level</a:t>
             </a:r>
           </a:p>
           <a:p>
             <a:pPr lvl="2"/>
             <a:r>
-              <a:rPr lang="en-US"/>
+              <a:rPr lang="en-US" smtClean="0"/>
               <a:t>Third level</a:t>
             </a:r>
           </a:p>
           <a:p>
             <a:pPr lvl="3"/>
             <a:r>
-              <a:rPr lang="en-US"/>
+              <a:rPr lang="en-US" smtClean="0"/>
               <a:t>Fourth level</a:t>
             </a:r>
           </a:p>
           <a:p>
             <a:pPr lvl="4"/>
             <a:r>
-              <a:rPr lang="en-US"/>
+              <a:rPr lang="en-US" smtClean="0"/>
               <a:t>Fifth level</a:t>
             </a:r>
             <a:endParaRPr lang="en-US" dirty="0"/>
@@ -965,13 +2874,7 @@
       </p:sp>
       <p:sp>
         <p:nvSpPr>
-          <p:cNvPr id="7" name="Date Placeholder 6">
-            <a:extLst>
-              <a:ext uri="{FF2B5EF4-FFF2-40B4-BE49-F238E27FC236}">
-                <a16:creationId xmlns:a16="http://schemas.microsoft.com/office/drawing/2014/main" id="{354D8B55-9EA8-4B81-8E84-9B93B0A27559}"/>
-              </a:ext>
-            </a:extLst>
-          </p:cNvPr>
+          <p:cNvPr id="4" name="Date Placeholder 3"/>
           <p:cNvSpPr>
             <a:spLocks noGrp="1"/>
           </p:cNvSpPr>
@@ -986,7 +2889,7 @@
           <a:p>
             <a:fld id="{4BE1D723-8F53-4F53-90B0-1982A396982E}" type="datetime1">
               <a:rPr lang="en-US" smtClean="0"/>
-              <a:t>7/31/2023</a:t>
+              <a:t>31-Jul-23</a:t>
             </a:fld>
             <a:endParaRPr lang="en-US" dirty="0"/>
           </a:p>
@@ -994,13 +2897,7 @@
       </p:sp>
       <p:sp>
         <p:nvSpPr>
-          <p:cNvPr id="8" name="Footer Placeholder 7">
-            <a:extLst>
-              <a:ext uri="{FF2B5EF4-FFF2-40B4-BE49-F238E27FC236}">
-                <a16:creationId xmlns:a16="http://schemas.microsoft.com/office/drawing/2014/main" id="{062CA021-2578-47CB-822C-BDDFF7223B28}"/>
-              </a:ext>
-            </a:extLst>
-          </p:cNvPr>
+          <p:cNvPr id="5" name="Footer Placeholder 4"/>
           <p:cNvSpPr>
             <a:spLocks noGrp="1"/>
           </p:cNvSpPr>
@@ -1019,13 +2916,89 @@
       </p:sp>
       <p:sp>
         <p:nvSpPr>
-          <p:cNvPr id="9" name="Slide Number Placeholder 8">
-            <a:extLst>
-              <a:ext uri="{FF2B5EF4-FFF2-40B4-BE49-F238E27FC236}">
-                <a16:creationId xmlns:a16="http://schemas.microsoft.com/office/drawing/2014/main" id="{C4AAB51D-4141-4682-9375-DAFD5FB9DD10}"/>
-              </a:ext>
-            </a:extLst>
-          </p:cNvPr>
+          <p:cNvPr id="8" name="Freeform 11"/>
+          <p:cNvSpPr/>
+          <p:nvPr/>
+        </p:nvSpPr>
+        <p:spPr bwMode="auto">
+          <a:xfrm flipV="1">
+            <a:off x="-4189" y="714375"/>
+            <a:ext cx="1588527" cy="507297"/>
+          </a:xfrm>
+          <a:custGeom>
+            <a:avLst/>
+            <a:gdLst/>
+            <a:ahLst/>
+            <a:cxnLst/>
+            <a:rect l="l" t="t" r="r" b="b"/>
+            <a:pathLst>
+              <a:path w="9248" h="10000">
+                <a:moveTo>
+                  <a:pt x="9248" y="4701"/>
+                </a:moveTo>
+                <a:lnTo>
+                  <a:pt x="7915" y="188"/>
+                </a:lnTo>
+                <a:cubicBezTo>
+                  <a:pt x="7906" y="156"/>
+                  <a:pt x="7895" y="126"/>
+                  <a:pt x="7886" y="94"/>
+                </a:cubicBezTo>
+                <a:cubicBezTo>
+                  <a:pt x="7859" y="0"/>
+                  <a:pt x="7831" y="0"/>
+                  <a:pt x="7803" y="0"/>
+                </a:cubicBezTo>
+                <a:lnTo>
+                  <a:pt x="7275" y="0"/>
+                </a:lnTo>
+                <a:lnTo>
+                  <a:pt x="0" y="70"/>
+                </a:lnTo>
+                <a:cubicBezTo>
+                  <a:pt x="8" y="3380"/>
+                  <a:pt x="17" y="6690"/>
+                  <a:pt x="25" y="10000"/>
+                </a:cubicBezTo>
+                <a:lnTo>
+                  <a:pt x="7275" y="9966"/>
+                </a:lnTo>
+                <a:lnTo>
+                  <a:pt x="7803" y="9966"/>
+                </a:lnTo>
+                <a:cubicBezTo>
+                  <a:pt x="7831" y="9966"/>
+                  <a:pt x="7859" y="9872"/>
+                  <a:pt x="7886" y="9872"/>
+                </a:cubicBezTo>
+                <a:cubicBezTo>
+                  <a:pt x="7886" y="9778"/>
+                  <a:pt x="7915" y="9778"/>
+                  <a:pt x="7915" y="9778"/>
+                </a:cubicBezTo>
+                <a:lnTo>
+                  <a:pt x="9248" y="5265"/>
+                </a:lnTo>
+                <a:cubicBezTo>
+                  <a:pt x="9303" y="5077"/>
+                  <a:pt x="9303" y="4889"/>
+                  <a:pt x="9248" y="4701"/>
+                </a:cubicBezTo>
+                <a:close/>
+              </a:path>
+            </a:pathLst>
+          </a:custGeom>
+          <a:solidFill>
+            <a:schemeClr val="accent1"/>
+          </a:solidFill>
+          <a:ln>
+            <a:noFill/>
+          </a:ln>
+        </p:spPr>
+      </p:sp>
+      <p:sp>
+        <p:nvSpPr>
+          <p:cNvPr id="6" name="Slide Number Placeholder 5"/>
           <p:cNvSpPr>
             <a:spLocks noGrp="1"/>
           </p:cNvSpPr>
@@ -1049,7 +3022,7 @@
     </p:spTree>
     <p:extLst>
       <p:ext uri="{BB962C8B-B14F-4D97-AF65-F5344CB8AC3E}">
-        <p14:creationId xmlns:p14="http://schemas.microsoft.com/office/powerpoint/2010/main" val="892670607"/>
+        <p14:creationId xmlns:p14="http://schemas.microsoft.com/office/powerpoint/2010/main" val="679268238"/>
       </p:ext>
     </p:extLst>
   </p:cSld>
@@ -1060,16 +3033,8 @@
 </file>
 
 <file path=ppt/slideLayouts/slideLayout3.xml><?xml version="1.0" encoding="utf-8"?>
-<p:sldLayout xmlns:a="http://schemas.openxmlformats.org/drawingml/2006/main" xmlns:r="http://schemas.openxmlformats.org/officeDocument/2006/relationships" xmlns:p="http://schemas.openxmlformats.org/presentationml/2006/main" showMasterSp="0" type="secHead" preserve="1">
+<p:sldLayout xmlns:a="http://schemas.openxmlformats.org/drawingml/2006/main" xmlns:r="http://schemas.openxmlformats.org/officeDocument/2006/relationships" xmlns:p="http://schemas.openxmlformats.org/presentationml/2006/main" type="secHead" preserve="1">
   <p:cSld name="Section Header">
-    <p:bg>
-      <p:bgPr>
-        <a:solidFill>
-          <a:schemeClr val="bg1"/>
-        </a:solidFill>
-        <a:effectLst/>
-      </p:bgPr>
-    </p:bg>
     <p:spTree>
       <p:nvGrpSpPr>
         <p:cNvPr id="1" name=""/>
@@ -1086,50 +3051,6 @@
       </p:grpSpPr>
       <p:sp>
         <p:nvSpPr>
-          <p:cNvPr id="10" name="Rectangle 9">
-            <a:extLst>
-              <a:ext uri="{FF2B5EF4-FFF2-40B4-BE49-F238E27FC236}">
-                <a16:creationId xmlns:a16="http://schemas.microsoft.com/office/drawing/2014/main" id="{A585C21A-8B93-4657-B5DF-7EAEAD3BE127}"/>
-              </a:ext>
-            </a:extLst>
-          </p:cNvPr>
-          <p:cNvSpPr/>
-          <p:nvPr/>
-        </p:nvSpPr>
-        <p:spPr>
-          <a:xfrm>
-            <a:off x="3175" y="6400800"/>
-            <a:ext cx="12188825" cy="457200"/>
-          </a:xfrm>
-          <a:prstGeom prst="rect">
-            <a:avLst/>
-          </a:prstGeom>
-          <a:solidFill>
-            <a:srgbClr val="262626"/>
-          </a:solidFill>
-          <a:ln>
-            <a:noFill/>
-          </a:ln>
-        </p:spPr>
-        <p:style>
-          <a:lnRef idx="2">
-            <a:schemeClr val="accent1">
-              <a:shade val="50000"/>
-            </a:schemeClr>
-          </a:lnRef>
-          <a:fillRef idx="1">
-            <a:schemeClr val="accent1"/>
-          </a:fillRef>
-          <a:effectRef idx="0">
-            <a:schemeClr val="accent1"/>
-          </a:effectRef>
-          <a:fontRef idx="minor">
-            <a:schemeClr val="lt1"/>
-          </a:fontRef>
-        </p:style>
-      </p:sp>
-      <p:sp>
-        <p:nvSpPr>
           <p:cNvPr id="2" name="Title 1"/>
           <p:cNvSpPr>
             <a:spLocks noGrp="1"/>
@@ -1140,32 +3061,20 @@
         </p:nvSpPr>
         <p:spPr>
           <a:xfrm>
-            <a:off x="1097280" y="758952"/>
-            <a:ext cx="10058400" cy="3566160"/>
+            <a:off x="2589212" y="2058750"/>
+            <a:ext cx="8915399" cy="1468800"/>
           </a:xfrm>
         </p:spPr>
         <p:txBody>
-          <a:bodyPr anchor="b" anchorCtr="0">
-            <a:normAutofit/>
-          </a:bodyPr>
+          <a:bodyPr anchor="b"/>
           <a:lstStyle>
-            <a:lvl1pPr>
-              <a:lnSpc>
-                <a:spcPct val="90000"/>
-              </a:lnSpc>
-              <a:defRPr sz="8000" b="0">
-                <a:solidFill>
-                  <a:schemeClr val="tx1">
-                    <a:lumMod val="85000"/>
-                    <a:lumOff val="15000"/>
-                  </a:schemeClr>
-                </a:solidFill>
-              </a:defRPr>
+            <a:lvl1pPr algn="l">
+              <a:defRPr sz="4000" b="0" cap="none"/>
             </a:lvl1pPr>
           </a:lstStyle>
           <a:p>
             <a:r>
-              <a:rPr lang="en-US"/>
+              <a:rPr lang="en-US" smtClean="0"/>
               <a:t>Click to edit Master title style</a:t>
             </a:r>
             <a:endParaRPr lang="en-US" dirty="0"/>
@@ -1184,22 +3093,22 @@
         </p:nvSpPr>
         <p:spPr>
           <a:xfrm>
-            <a:off x="1097280" y="4663440"/>
-            <a:ext cx="10058400" cy="1143000"/>
+            <a:off x="2589212" y="3530129"/>
+            <a:ext cx="8915399" cy="860400"/>
           </a:xfrm>
         </p:spPr>
         <p:txBody>
-          <a:bodyPr lIns="91440" rIns="91440" anchor="t" anchorCtr="0">
-            <a:normAutofit/>
-          </a:bodyPr>
+          <a:bodyPr anchor="t"/>
           <a:lstStyle>
-            <a:lvl1pPr marL="0" indent="0">
+            <a:lvl1pPr marL="0" indent="0" algn="l">
               <a:buNone/>
-              <a:defRPr sz="2400" cap="all" spc="200" baseline="0">
-                <a:solidFill>
-                  <a:schemeClr val="tx1"/>
-                </a:solidFill>
-                <a:latin typeface="+mn-lt"/>
+              <a:defRPr sz="2000">
+                <a:solidFill>
+                  <a:schemeClr val="tx1">
+                    <a:lumMod val="65000"/>
+                    <a:lumOff val="35000"/>
+                  </a:schemeClr>
+                </a:solidFill>
               </a:defRPr>
             </a:lvl1pPr>
             <a:lvl2pPr marL="457200" indent="0">
@@ -1286,65 +3195,15 @@
           <a:p>
             <a:pPr lvl="0"/>
             <a:r>
-              <a:rPr lang="en-US"/>
-              <a:t>Click to edit Master text styles</a:t>
-            </a:r>
-          </a:p>
-        </p:txBody>
-      </p:sp>
-      <p:cxnSp>
-        <p:nvCxnSpPr>
-          <p:cNvPr id="9" name="Straight Connector 8">
-            <a:extLst>
-              <a:ext uri="{FF2B5EF4-FFF2-40B4-BE49-F238E27FC236}">
-                <a16:creationId xmlns:a16="http://schemas.microsoft.com/office/drawing/2014/main" id="{459DE2C1-4C52-40A3-8959-27B2C1BEBFF6}"/>
-              </a:ext>
-            </a:extLst>
-          </p:cNvPr>
-          <p:cNvCxnSpPr/>
-          <p:nvPr/>
-        </p:nvCxnSpPr>
-        <p:spPr>
-          <a:xfrm>
-            <a:off x="1207658" y="4485132"/>
-            <a:ext cx="9875520" cy="0"/>
-          </a:xfrm>
-          <a:prstGeom prst="line">
-            <a:avLst/>
-          </a:prstGeom>
-          <a:ln w="12700">
-            <a:solidFill>
-              <a:schemeClr val="tx1">
-                <a:lumMod val="75000"/>
-                <a:lumOff val="25000"/>
-              </a:schemeClr>
-            </a:solidFill>
-          </a:ln>
-        </p:spPr>
-        <p:style>
-          <a:lnRef idx="1">
-            <a:schemeClr val="accent1"/>
-          </a:lnRef>
-          <a:fillRef idx="0">
-            <a:schemeClr val="accent1"/>
-          </a:fillRef>
-          <a:effectRef idx="0">
-            <a:schemeClr val="accent1"/>
-          </a:effectRef>
-          <a:fontRef idx="minor">
-            <a:schemeClr val="tx1"/>
-          </a:fontRef>
-        </p:style>
-      </p:cxnSp>
-      <p:sp>
-        <p:nvSpPr>
-          <p:cNvPr id="7" name="Date Placeholder 6">
-            <a:extLst>
-              <a:ext uri="{FF2B5EF4-FFF2-40B4-BE49-F238E27FC236}">
-                <a16:creationId xmlns:a16="http://schemas.microsoft.com/office/drawing/2014/main" id="{AAF2E137-EC28-48F8-9198-1F02539029B6}"/>
-              </a:ext>
-            </a:extLst>
-          </p:cNvPr>
+              <a:rPr lang="en-US" smtClean="0"/>
+              <a:t>Edit Master text styles</a:t>
+            </a:r>
+          </a:p>
+        </p:txBody>
+      </p:sp>
+      <p:sp>
+        <p:nvSpPr>
+          <p:cNvPr id="4" name="Date Placeholder 3"/>
           <p:cNvSpPr>
             <a:spLocks noGrp="1"/>
           </p:cNvSpPr>
@@ -1359,7 +3218,7 @@
           <a:p>
             <a:fld id="{97669AF7-7BEB-44E4-9852-375E34362B5B}" type="datetime1">
               <a:rPr lang="en-US" smtClean="0"/>
-              <a:t>7/31/2023</a:t>
+              <a:t>31-Jul-23</a:t>
             </a:fld>
             <a:endParaRPr lang="en-US" dirty="0"/>
           </a:p>
@@ -1367,13 +3226,7 @@
       </p:sp>
       <p:sp>
         <p:nvSpPr>
-          <p:cNvPr id="8" name="Footer Placeholder 7">
-            <a:extLst>
-              <a:ext uri="{FF2B5EF4-FFF2-40B4-BE49-F238E27FC236}">
-                <a16:creationId xmlns:a16="http://schemas.microsoft.com/office/drawing/2014/main" id="{189422CD-6F62-4DD6-89EF-07A60B42D219}"/>
-              </a:ext>
-            </a:extLst>
-          </p:cNvPr>
+          <p:cNvPr id="5" name="Footer Placeholder 4"/>
           <p:cNvSpPr>
             <a:spLocks noGrp="1"/>
           </p:cNvSpPr>
@@ -1392,13 +3245,89 @@
       </p:sp>
       <p:sp>
         <p:nvSpPr>
-          <p:cNvPr id="11" name="Slide Number Placeholder 10">
-            <a:extLst>
-              <a:ext uri="{FF2B5EF4-FFF2-40B4-BE49-F238E27FC236}">
-                <a16:creationId xmlns:a16="http://schemas.microsoft.com/office/drawing/2014/main" id="{69C6AFF8-42B4-4D05-969B-9F5FB3355555}"/>
-              </a:ext>
-            </a:extLst>
-          </p:cNvPr>
+          <p:cNvPr id="9" name="Freeform 11"/>
+          <p:cNvSpPr/>
+          <p:nvPr/>
+        </p:nvSpPr>
+        <p:spPr bwMode="auto">
+          <a:xfrm flipV="1">
+            <a:off x="-4189" y="3178175"/>
+            <a:ext cx="1588527" cy="507297"/>
+          </a:xfrm>
+          <a:custGeom>
+            <a:avLst/>
+            <a:gdLst/>
+            <a:ahLst/>
+            <a:cxnLst/>
+            <a:rect l="l" t="t" r="r" b="b"/>
+            <a:pathLst>
+              <a:path w="9248" h="10000">
+                <a:moveTo>
+                  <a:pt x="9248" y="4701"/>
+                </a:moveTo>
+                <a:lnTo>
+                  <a:pt x="7915" y="188"/>
+                </a:lnTo>
+                <a:cubicBezTo>
+                  <a:pt x="7906" y="156"/>
+                  <a:pt x="7895" y="126"/>
+                  <a:pt x="7886" y="94"/>
+                </a:cubicBezTo>
+                <a:cubicBezTo>
+                  <a:pt x="7859" y="0"/>
+                  <a:pt x="7831" y="0"/>
+                  <a:pt x="7803" y="0"/>
+                </a:cubicBezTo>
+                <a:lnTo>
+                  <a:pt x="7275" y="0"/>
+                </a:lnTo>
+                <a:lnTo>
+                  <a:pt x="0" y="70"/>
+                </a:lnTo>
+                <a:cubicBezTo>
+                  <a:pt x="8" y="3380"/>
+                  <a:pt x="17" y="6690"/>
+                  <a:pt x="25" y="10000"/>
+                </a:cubicBezTo>
+                <a:lnTo>
+                  <a:pt x="7275" y="9966"/>
+                </a:lnTo>
+                <a:lnTo>
+                  <a:pt x="7803" y="9966"/>
+                </a:lnTo>
+                <a:cubicBezTo>
+                  <a:pt x="7831" y="9966"/>
+                  <a:pt x="7859" y="9872"/>
+                  <a:pt x="7886" y="9872"/>
+                </a:cubicBezTo>
+                <a:cubicBezTo>
+                  <a:pt x="7886" y="9778"/>
+                  <a:pt x="7915" y="9778"/>
+                  <a:pt x="7915" y="9778"/>
+                </a:cubicBezTo>
+                <a:lnTo>
+                  <a:pt x="9248" y="5265"/>
+                </a:lnTo>
+                <a:cubicBezTo>
+                  <a:pt x="9303" y="5077"/>
+                  <a:pt x="9303" y="4889"/>
+                  <a:pt x="9248" y="4701"/>
+                </a:cubicBezTo>
+                <a:close/>
+              </a:path>
+            </a:pathLst>
+          </a:custGeom>
+          <a:solidFill>
+            <a:schemeClr val="accent1"/>
+          </a:solidFill>
+          <a:ln>
+            <a:noFill/>
+          </a:ln>
+        </p:spPr>
+      </p:sp>
+      <p:sp>
+        <p:nvSpPr>
+          <p:cNvPr id="6" name="Slide Number Placeholder 5"/>
           <p:cNvSpPr>
             <a:spLocks noGrp="1"/>
           </p:cNvSpPr>
@@ -1406,7 +3335,12 @@
             <p:ph type="sldNum" sz="quarter" idx="12"/>
           </p:nvPr>
         </p:nvSpPr>
-        <p:spPr/>
+        <p:spPr>
+          <a:xfrm>
+            <a:off x="531812" y="3244139"/>
+            <a:ext cx="779767" cy="365125"/>
+          </a:xfrm>
+        </p:spPr>
         <p:txBody>
           <a:bodyPr/>
           <a:lstStyle/>
@@ -1422,7 +3356,7 @@
     </p:spTree>
     <p:extLst>
       <p:ext uri="{BB962C8B-B14F-4D97-AF65-F5344CB8AC3E}">
-        <p14:creationId xmlns:p14="http://schemas.microsoft.com/office/powerpoint/2010/main" val="3304162564"/>
+        <p14:creationId xmlns:p14="http://schemas.microsoft.com/office/powerpoint/2010/main" val="2817406200"/>
       </p:ext>
     </p:extLst>
   </p:cSld>
@@ -1459,18 +3393,13 @@
             <p:ph type="title"/>
           </p:nvPr>
         </p:nvSpPr>
-        <p:spPr>
-          <a:xfrm>
-            <a:off x="1097280" y="286603"/>
-            <a:ext cx="10058400" cy="1450757"/>
-          </a:xfrm>
-        </p:spPr>
+        <p:spPr/>
         <p:txBody>
           <a:bodyPr/>
           <a:lstStyle/>
           <a:p>
             <a:r>
-              <a:rPr lang="en-US"/>
+              <a:rPr lang="en-US" smtClean="0"/>
               <a:t>Click to edit Master title style</a:t>
             </a:r>
             <a:endParaRPr lang="en-US" dirty="0"/>
@@ -1489,45 +3418,47 @@
         </p:nvSpPr>
         <p:spPr>
           <a:xfrm>
-            <a:off x="1097280" y="2120900"/>
-            <a:ext cx="4639736" cy="3748193"/>
+            <a:off x="2589212" y="2133600"/>
+            <a:ext cx="4313864" cy="3777622"/>
           </a:xfrm>
         </p:spPr>
         <p:txBody>
-          <a:bodyPr/>
+          <a:bodyPr>
+            <a:normAutofit/>
+          </a:bodyPr>
           <a:lstStyle/>
           <a:p>
             <a:pPr lvl="0"/>
             <a:r>
-              <a:rPr lang="en-US"/>
-              <a:t>Click to edit Master text styles</a:t>
+              <a:rPr lang="en-US" smtClean="0"/>
+              <a:t>Edit Master text styles</a:t>
             </a:r>
           </a:p>
           <a:p>
             <a:pPr lvl="1"/>
             <a:r>
-              <a:rPr lang="en-US"/>
+              <a:rPr lang="en-US" smtClean="0"/>
               <a:t>Second level</a:t>
             </a:r>
           </a:p>
           <a:p>
             <a:pPr lvl="2"/>
             <a:r>
-              <a:rPr lang="en-US"/>
+              <a:rPr lang="en-US" smtClean="0"/>
               <a:t>Third level</a:t>
             </a:r>
           </a:p>
           <a:p>
             <a:pPr lvl="3"/>
             <a:r>
-              <a:rPr lang="en-US"/>
+              <a:rPr lang="en-US" smtClean="0"/>
               <a:t>Fourth level</a:t>
             </a:r>
           </a:p>
           <a:p>
             <a:pPr lvl="4"/>
             <a:r>
-              <a:rPr lang="en-US"/>
+              <a:rPr lang="en-US" smtClean="0"/>
               <a:t>Fifth level</a:t>
             </a:r>
             <a:endParaRPr lang="en-US" dirty="0"/>
@@ -1546,45 +3477,47 @@
         </p:nvSpPr>
         <p:spPr>
           <a:xfrm>
-            <a:off x="6515944" y="2120900"/>
-            <a:ext cx="4639736" cy="3748194"/>
+            <a:off x="7190747" y="2126222"/>
+            <a:ext cx="4313864" cy="3777622"/>
           </a:xfrm>
         </p:spPr>
         <p:txBody>
-          <a:bodyPr/>
+          <a:bodyPr>
+            <a:normAutofit/>
+          </a:bodyPr>
           <a:lstStyle/>
           <a:p>
             <a:pPr lvl="0"/>
             <a:r>
-              <a:rPr lang="en-US"/>
-              <a:t>Click to edit Master text styles</a:t>
+              <a:rPr lang="en-US" smtClean="0"/>
+              <a:t>Edit Master text styles</a:t>
             </a:r>
           </a:p>
           <a:p>
             <a:pPr lvl="1"/>
             <a:r>
-              <a:rPr lang="en-US"/>
+              <a:rPr lang="en-US" smtClean="0"/>
               <a:t>Second level</a:t>
             </a:r>
           </a:p>
           <a:p>
             <a:pPr lvl="2"/>
             <a:r>
-              <a:rPr lang="en-US"/>
+              <a:rPr lang="en-US" smtClean="0"/>
               <a:t>Third level</a:t>
             </a:r>
           </a:p>
           <a:p>
             <a:pPr lvl="3"/>
             <a:r>
-              <a:rPr lang="en-US"/>
+              <a:rPr lang="en-US" smtClean="0"/>
               <a:t>Fourth level</a:t>
             </a:r>
           </a:p>
           <a:p>
             <a:pPr lvl="4"/>
             <a:r>
-              <a:rPr lang="en-US"/>
+              <a:rPr lang="en-US" smtClean="0"/>
               <a:t>Fifth level</a:t>
             </a:r>
             <a:endParaRPr lang="en-US" dirty="0"/>
@@ -1593,13 +3526,7 @@
       </p:sp>
       <p:sp>
         <p:nvSpPr>
-          <p:cNvPr id="2" name="Date Placeholder 1">
-            <a:extLst>
-              <a:ext uri="{FF2B5EF4-FFF2-40B4-BE49-F238E27FC236}">
-                <a16:creationId xmlns:a16="http://schemas.microsoft.com/office/drawing/2014/main" id="{5782D47D-B0DC-4C40-BCC6-BBBA32584A38}"/>
-              </a:ext>
-            </a:extLst>
-          </p:cNvPr>
+          <p:cNvPr id="5" name="Date Placeholder 4"/>
           <p:cNvSpPr>
             <a:spLocks noGrp="1"/>
           </p:cNvSpPr>
@@ -1614,7 +3541,7 @@
           <a:p>
             <a:fld id="{BAAAC38D-0552-4C82-B593-E6124DFADBE2}" type="datetime1">
               <a:rPr lang="en-US" smtClean="0"/>
-              <a:t>7/31/2023</a:t>
+              <a:t>31-Jul-23</a:t>
             </a:fld>
             <a:endParaRPr lang="en-US" dirty="0"/>
           </a:p>
@@ -1622,13 +3549,7 @@
       </p:sp>
       <p:sp>
         <p:nvSpPr>
-          <p:cNvPr id="9" name="Footer Placeholder 8">
-            <a:extLst>
-              <a:ext uri="{FF2B5EF4-FFF2-40B4-BE49-F238E27FC236}">
-                <a16:creationId xmlns:a16="http://schemas.microsoft.com/office/drawing/2014/main" id="{4690D34E-7EBD-44B2-83CA-4C126A18D7EF}"/>
-              </a:ext>
-            </a:extLst>
-          </p:cNvPr>
+          <p:cNvPr id="6" name="Footer Placeholder 5"/>
           <p:cNvSpPr>
             <a:spLocks noGrp="1"/>
           </p:cNvSpPr>
@@ -1647,13 +3568,89 @@
       </p:sp>
       <p:sp>
         <p:nvSpPr>
-          <p:cNvPr id="10" name="Slide Number Placeholder 9">
-            <a:extLst>
-              <a:ext uri="{FF2B5EF4-FFF2-40B4-BE49-F238E27FC236}">
-                <a16:creationId xmlns:a16="http://schemas.microsoft.com/office/drawing/2014/main" id="{2AC511A1-9BBD-42DE-92FB-2AF44F8E97A9}"/>
-              </a:ext>
-            </a:extLst>
-          </p:cNvPr>
+          <p:cNvPr id="10" name="Freeform 11"/>
+          <p:cNvSpPr/>
+          <p:nvPr/>
+        </p:nvSpPr>
+        <p:spPr bwMode="auto">
+          <a:xfrm flipV="1">
+            <a:off x="-4189" y="714375"/>
+            <a:ext cx="1588527" cy="507297"/>
+          </a:xfrm>
+          <a:custGeom>
+            <a:avLst/>
+            <a:gdLst/>
+            <a:ahLst/>
+            <a:cxnLst/>
+            <a:rect l="l" t="t" r="r" b="b"/>
+            <a:pathLst>
+              <a:path w="9248" h="10000">
+                <a:moveTo>
+                  <a:pt x="9248" y="4701"/>
+                </a:moveTo>
+                <a:lnTo>
+                  <a:pt x="7915" y="188"/>
+                </a:lnTo>
+                <a:cubicBezTo>
+                  <a:pt x="7906" y="156"/>
+                  <a:pt x="7895" y="126"/>
+                  <a:pt x="7886" y="94"/>
+                </a:cubicBezTo>
+                <a:cubicBezTo>
+                  <a:pt x="7859" y="0"/>
+                  <a:pt x="7831" y="0"/>
+                  <a:pt x="7803" y="0"/>
+                </a:cubicBezTo>
+                <a:lnTo>
+                  <a:pt x="7275" y="0"/>
+                </a:lnTo>
+                <a:lnTo>
+                  <a:pt x="0" y="70"/>
+                </a:lnTo>
+                <a:cubicBezTo>
+                  <a:pt x="8" y="3380"/>
+                  <a:pt x="17" y="6690"/>
+                  <a:pt x="25" y="10000"/>
+                </a:cubicBezTo>
+                <a:lnTo>
+                  <a:pt x="7275" y="9966"/>
+                </a:lnTo>
+                <a:lnTo>
+                  <a:pt x="7803" y="9966"/>
+                </a:lnTo>
+                <a:cubicBezTo>
+                  <a:pt x="7831" y="9966"/>
+                  <a:pt x="7859" y="9872"/>
+                  <a:pt x="7886" y="9872"/>
+                </a:cubicBezTo>
+                <a:cubicBezTo>
+                  <a:pt x="7886" y="9778"/>
+                  <a:pt x="7915" y="9778"/>
+                  <a:pt x="7915" y="9778"/>
+                </a:cubicBezTo>
+                <a:lnTo>
+                  <a:pt x="9248" y="5265"/>
+                </a:lnTo>
+                <a:cubicBezTo>
+                  <a:pt x="9303" y="5077"/>
+                  <a:pt x="9303" y="4889"/>
+                  <a:pt x="9248" y="4701"/>
+                </a:cubicBezTo>
+                <a:close/>
+              </a:path>
+            </a:pathLst>
+          </a:custGeom>
+          <a:solidFill>
+            <a:schemeClr val="accent1"/>
+          </a:solidFill>
+          <a:ln>
+            <a:noFill/>
+          </a:ln>
+        </p:spPr>
+      </p:sp>
+      <p:sp>
+        <p:nvSpPr>
+          <p:cNvPr id="11" name="Slide Number Placeholder 5"/>
           <p:cNvSpPr>
             <a:spLocks noGrp="1"/>
           </p:cNvSpPr>
@@ -1661,7 +3658,12 @@
             <p:ph type="sldNum" sz="quarter" idx="12"/>
           </p:nvPr>
         </p:nvSpPr>
-        <p:spPr/>
+        <p:spPr>
+          <a:xfrm>
+            <a:off x="531812" y="787782"/>
+            <a:ext cx="779767" cy="365125"/>
+          </a:xfrm>
+        </p:spPr>
         <p:txBody>
           <a:bodyPr/>
           <a:lstStyle/>
@@ -1677,7 +3679,7 @@
     </p:spTree>
     <p:extLst>
       <p:ext uri="{BB962C8B-B14F-4D97-AF65-F5344CB8AC3E}">
-        <p14:creationId xmlns:p14="http://schemas.microsoft.com/office/powerpoint/2010/main" val="4256663047"/>
+        <p14:creationId xmlns:p14="http://schemas.microsoft.com/office/powerpoint/2010/main" val="1444366412"/>
       </p:ext>
     </p:extLst>
   </p:cSld>
@@ -1714,18 +3716,13 @@
             <p:ph type="title"/>
           </p:nvPr>
         </p:nvSpPr>
-        <p:spPr>
-          <a:xfrm>
-            <a:off x="1097280" y="286603"/>
-            <a:ext cx="10058400" cy="1450757"/>
-          </a:xfrm>
-        </p:spPr>
+        <p:spPr/>
         <p:txBody>
           <a:bodyPr/>
           <a:lstStyle/>
           <a:p>
             <a:r>
-              <a:rPr lang="en-US"/>
+              <a:rPr lang="en-US" smtClean="0"/>
               <a:t>Click to edit Master title style</a:t>
             </a:r>
             <a:endParaRPr lang="en-US" dirty="0"/>
@@ -1744,22 +3741,18 @@
         </p:nvSpPr>
         <p:spPr>
           <a:xfrm>
-            <a:off x="1097280" y="2057400"/>
-            <a:ext cx="4639736" cy="736282"/>
+            <a:off x="2939373" y="1972703"/>
+            <a:ext cx="3992732" cy="576262"/>
           </a:xfrm>
         </p:spPr>
         <p:txBody>
-          <a:bodyPr lIns="91440" rIns="91440" anchor="ctr">
-            <a:normAutofit/>
+          <a:bodyPr anchor="b">
+            <a:noAutofit/>
           </a:bodyPr>
           <a:lstStyle>
             <a:lvl1pPr marL="0" indent="0">
               <a:buNone/>
-              <a:defRPr sz="2000" b="0" cap="all" baseline="0">
-                <a:solidFill>
-                  <a:schemeClr val="tx1"/>
-                </a:solidFill>
-              </a:defRPr>
+              <a:defRPr sz="2400" b="0"/>
             </a:lvl1pPr>
             <a:lvl2pPr marL="457200" indent="0">
               <a:buNone/>
@@ -1797,8 +3790,8 @@
           <a:p>
             <a:pPr lvl="0"/>
             <a:r>
-              <a:rPr lang="en-US"/>
-              <a:t>Click to edit Master text styles</a:t>
+              <a:rPr lang="en-US" smtClean="0"/>
+              <a:t>Edit Master text styles</a:t>
             </a:r>
           </a:p>
         </p:txBody>
@@ -1815,45 +3808,47 @@
         </p:nvSpPr>
         <p:spPr>
           <a:xfrm>
-            <a:off x="1097280" y="2958274"/>
-            <a:ext cx="4639736" cy="2910821"/>
+            <a:off x="2589212" y="2548966"/>
+            <a:ext cx="4342893" cy="3354060"/>
           </a:xfrm>
         </p:spPr>
         <p:txBody>
-          <a:bodyPr/>
+          <a:bodyPr>
+            <a:normAutofit/>
+          </a:bodyPr>
           <a:lstStyle/>
           <a:p>
             <a:pPr lvl="0"/>
             <a:r>
-              <a:rPr lang="en-US"/>
-              <a:t>Click to edit Master text styles</a:t>
+              <a:rPr lang="en-US" smtClean="0"/>
+              <a:t>Edit Master text styles</a:t>
             </a:r>
           </a:p>
           <a:p>
             <a:pPr lvl="1"/>
             <a:r>
-              <a:rPr lang="en-US"/>
+              <a:rPr lang="en-US" smtClean="0"/>
               <a:t>Second level</a:t>
             </a:r>
           </a:p>
           <a:p>
             <a:pPr lvl="2"/>
             <a:r>
-              <a:rPr lang="en-US"/>
+              <a:rPr lang="en-US" smtClean="0"/>
               <a:t>Third level</a:t>
             </a:r>
           </a:p>
           <a:p>
             <a:pPr lvl="3"/>
             <a:r>
-              <a:rPr lang="en-US"/>
+              <a:rPr lang="en-US" smtClean="0"/>
               <a:t>Fourth level</a:t>
             </a:r>
           </a:p>
           <a:p>
             <a:pPr lvl="4"/>
             <a:r>
-              <a:rPr lang="en-US"/>
+              <a:rPr lang="en-US" smtClean="0"/>
               <a:t>Fifth level</a:t>
             </a:r>
             <a:endParaRPr lang="en-US" dirty="0"/>
@@ -1872,22 +3867,18 @@
         </p:nvSpPr>
         <p:spPr>
           <a:xfrm>
-            <a:off x="6515944" y="2057400"/>
-            <a:ext cx="4639736" cy="736282"/>
+            <a:off x="7506629" y="1969475"/>
+            <a:ext cx="3999001" cy="576262"/>
           </a:xfrm>
         </p:spPr>
         <p:txBody>
-          <a:bodyPr lIns="91440" rIns="91440" anchor="ctr">
-            <a:normAutofit/>
+          <a:bodyPr anchor="b">
+            <a:noAutofit/>
           </a:bodyPr>
           <a:lstStyle>
             <a:lvl1pPr marL="0" indent="0">
               <a:buNone/>
-              <a:defRPr sz="2000" b="0" cap="all" baseline="0">
-                <a:solidFill>
-                  <a:schemeClr val="tx1"/>
-                </a:solidFill>
-              </a:defRPr>
+              <a:defRPr sz="2400" b="0"/>
             </a:lvl1pPr>
             <a:lvl2pPr marL="457200" indent="0">
               <a:buNone/>
@@ -1925,8 +3916,8 @@
           <a:p>
             <a:pPr lvl="0"/>
             <a:r>
-              <a:rPr lang="en-US"/>
-              <a:t>Click to edit Master text styles</a:t>
+              <a:rPr lang="en-US" smtClean="0"/>
+              <a:t>Edit Master text styles</a:t>
             </a:r>
           </a:p>
         </p:txBody>
@@ -1943,45 +3934,47 @@
         </p:nvSpPr>
         <p:spPr>
           <a:xfrm>
-            <a:off x="6515944" y="2958273"/>
-            <a:ext cx="4639736" cy="2910821"/>
+            <a:off x="7166957" y="2545738"/>
+            <a:ext cx="4338674" cy="3354060"/>
           </a:xfrm>
         </p:spPr>
         <p:txBody>
-          <a:bodyPr/>
+          <a:bodyPr>
+            <a:normAutofit/>
+          </a:bodyPr>
           <a:lstStyle/>
           <a:p>
             <a:pPr lvl="0"/>
             <a:r>
-              <a:rPr lang="en-US"/>
-              <a:t>Click to edit Master text styles</a:t>
+              <a:rPr lang="en-US" smtClean="0"/>
+              <a:t>Edit Master text styles</a:t>
             </a:r>
           </a:p>
           <a:p>
             <a:pPr lvl="1"/>
             <a:r>
-              <a:rPr lang="en-US"/>
+              <a:rPr lang="en-US" smtClean="0"/>
               <a:t>Second level</a:t>
             </a:r>
           </a:p>
           <a:p>
             <a:pPr lvl="2"/>
             <a:r>
-              <a:rPr lang="en-US"/>
+              <a:rPr lang="en-US" smtClean="0"/>
               <a:t>Third level</a:t>
             </a:r>
           </a:p>
           <a:p>
             <a:pPr lvl="3"/>
             <a:r>
-              <a:rPr lang="en-US"/>
+              <a:rPr lang="en-US" smtClean="0"/>
               <a:t>Fourth level</a:t>
             </a:r>
           </a:p>
           <a:p>
             <a:pPr lvl="4"/>
             <a:r>
-              <a:rPr lang="en-US"/>
+              <a:rPr lang="en-US" smtClean="0"/>
               <a:t>Fifth level</a:t>
             </a:r>
             <a:endParaRPr lang="en-US" dirty="0"/>
@@ -1990,13 +3983,7 @@
       </p:sp>
       <p:sp>
         <p:nvSpPr>
-          <p:cNvPr id="2" name="Date Placeholder 1">
-            <a:extLst>
-              <a:ext uri="{FF2B5EF4-FFF2-40B4-BE49-F238E27FC236}">
-                <a16:creationId xmlns:a16="http://schemas.microsoft.com/office/drawing/2014/main" id="{8AF8A515-AA94-45D1-9223-5C2272618D85}"/>
-              </a:ext>
-            </a:extLst>
-          </p:cNvPr>
+          <p:cNvPr id="7" name="Date Placeholder 6"/>
           <p:cNvSpPr>
             <a:spLocks noGrp="1"/>
           </p:cNvSpPr>
@@ -2011,7 +3998,7 @@
           <a:p>
             <a:fld id="{D9DF0F1C-5577-4ACB-BB62-DF8F3C494C7E}" type="datetime1">
               <a:rPr lang="en-US" smtClean="0"/>
-              <a:t>7/31/2023</a:t>
+              <a:t>31-Jul-23</a:t>
             </a:fld>
             <a:endParaRPr lang="en-US" dirty="0"/>
           </a:p>
@@ -2019,13 +4006,7 @@
       </p:sp>
       <p:sp>
         <p:nvSpPr>
-          <p:cNvPr id="11" name="Footer Placeholder 10">
-            <a:extLst>
-              <a:ext uri="{FF2B5EF4-FFF2-40B4-BE49-F238E27FC236}">
-                <a16:creationId xmlns:a16="http://schemas.microsoft.com/office/drawing/2014/main" id="{D052F5BC-98E0-4D60-AD67-9547738B7DD4}"/>
-              </a:ext>
-            </a:extLst>
-          </p:cNvPr>
+          <p:cNvPr id="8" name="Footer Placeholder 7"/>
           <p:cNvSpPr>
             <a:spLocks noGrp="1"/>
           </p:cNvSpPr>
@@ -2044,13 +4025,89 @@
       </p:sp>
       <p:sp>
         <p:nvSpPr>
-          <p:cNvPr id="12" name="Slide Number Placeholder 11">
-            <a:extLst>
-              <a:ext uri="{FF2B5EF4-FFF2-40B4-BE49-F238E27FC236}">
-                <a16:creationId xmlns:a16="http://schemas.microsoft.com/office/drawing/2014/main" id="{A38552DC-952E-41EA-AAAF-C2187523C0B0}"/>
-              </a:ext>
-            </a:extLst>
-          </p:cNvPr>
+          <p:cNvPr id="12" name="Freeform 11"/>
+          <p:cNvSpPr/>
+          <p:nvPr/>
+        </p:nvSpPr>
+        <p:spPr bwMode="auto">
+          <a:xfrm flipV="1">
+            <a:off x="-4189" y="714375"/>
+            <a:ext cx="1588527" cy="507297"/>
+          </a:xfrm>
+          <a:custGeom>
+            <a:avLst/>
+            <a:gdLst/>
+            <a:ahLst/>
+            <a:cxnLst/>
+            <a:rect l="l" t="t" r="r" b="b"/>
+            <a:pathLst>
+              <a:path w="9248" h="10000">
+                <a:moveTo>
+                  <a:pt x="9248" y="4701"/>
+                </a:moveTo>
+                <a:lnTo>
+                  <a:pt x="7915" y="188"/>
+                </a:lnTo>
+                <a:cubicBezTo>
+                  <a:pt x="7906" y="156"/>
+                  <a:pt x="7895" y="126"/>
+                  <a:pt x="7886" y="94"/>
+                </a:cubicBezTo>
+                <a:cubicBezTo>
+                  <a:pt x="7859" y="0"/>
+                  <a:pt x="7831" y="0"/>
+                  <a:pt x="7803" y="0"/>
+                </a:cubicBezTo>
+                <a:lnTo>
+                  <a:pt x="7275" y="0"/>
+                </a:lnTo>
+                <a:lnTo>
+                  <a:pt x="0" y="70"/>
+                </a:lnTo>
+                <a:cubicBezTo>
+                  <a:pt x="8" y="3380"/>
+                  <a:pt x="17" y="6690"/>
+                  <a:pt x="25" y="10000"/>
+                </a:cubicBezTo>
+                <a:lnTo>
+                  <a:pt x="7275" y="9966"/>
+                </a:lnTo>
+                <a:lnTo>
+                  <a:pt x="7803" y="9966"/>
+                </a:lnTo>
+                <a:cubicBezTo>
+                  <a:pt x="7831" y="9966"/>
+                  <a:pt x="7859" y="9872"/>
+                  <a:pt x="7886" y="9872"/>
+                </a:cubicBezTo>
+                <a:cubicBezTo>
+                  <a:pt x="7886" y="9778"/>
+                  <a:pt x="7915" y="9778"/>
+                  <a:pt x="7915" y="9778"/>
+                </a:cubicBezTo>
+                <a:lnTo>
+                  <a:pt x="9248" y="5265"/>
+                </a:lnTo>
+                <a:cubicBezTo>
+                  <a:pt x="9303" y="5077"/>
+                  <a:pt x="9303" y="4889"/>
+                  <a:pt x="9248" y="4701"/>
+                </a:cubicBezTo>
+                <a:close/>
+              </a:path>
+            </a:pathLst>
+          </a:custGeom>
+          <a:solidFill>
+            <a:schemeClr val="accent1"/>
+          </a:solidFill>
+          <a:ln>
+            <a:noFill/>
+          </a:ln>
+        </p:spPr>
+      </p:sp>
+      <p:sp>
+        <p:nvSpPr>
+          <p:cNvPr id="13" name="Slide Number Placeholder 5"/>
           <p:cNvSpPr>
             <a:spLocks noGrp="1"/>
           </p:cNvSpPr>
@@ -2058,7 +4115,12 @@
             <p:ph type="sldNum" sz="quarter" idx="12"/>
           </p:nvPr>
         </p:nvSpPr>
-        <p:spPr/>
+        <p:spPr>
+          <a:xfrm>
+            <a:off x="531812" y="787782"/>
+            <a:ext cx="779767" cy="365125"/>
+          </a:xfrm>
+        </p:spPr>
         <p:txBody>
           <a:bodyPr/>
           <a:lstStyle/>
@@ -2074,7 +4136,7 @@
     </p:spTree>
     <p:extLst>
       <p:ext uri="{BB962C8B-B14F-4D97-AF65-F5344CB8AC3E}">
-        <p14:creationId xmlns:p14="http://schemas.microsoft.com/office/powerpoint/2010/main" val="3068194699"/>
+        <p14:creationId xmlns:p14="http://schemas.microsoft.com/office/powerpoint/2010/main" val="4062970537"/>
       </p:ext>
     </p:extLst>
   </p:cSld>
@@ -2117,7 +4179,7 @@
           <a:lstStyle/>
           <a:p>
             <a:r>
-              <a:rPr lang="en-US"/>
+              <a:rPr lang="en-US" smtClean="0"/>
               <a:t>Click to edit Master title style</a:t>
             </a:r>
             <a:endParaRPr lang="en-US" dirty="0"/>
@@ -2126,13 +4188,7 @@
       </p:sp>
       <p:sp>
         <p:nvSpPr>
-          <p:cNvPr id="6" name="Date Placeholder 5">
-            <a:extLst>
-              <a:ext uri="{FF2B5EF4-FFF2-40B4-BE49-F238E27FC236}">
-                <a16:creationId xmlns:a16="http://schemas.microsoft.com/office/drawing/2014/main" id="{7392073F-158F-44A3-8913-917AFFC1BC20}"/>
-              </a:ext>
-            </a:extLst>
-          </p:cNvPr>
+          <p:cNvPr id="3" name="Date Placeholder 2"/>
           <p:cNvSpPr>
             <a:spLocks noGrp="1"/>
           </p:cNvSpPr>
@@ -2147,7 +4203,7 @@
           <a:p>
             <a:fld id="{1775B394-D9F9-4F0C-B15D-605F45CB9E9F}" type="datetime1">
               <a:rPr lang="en-US" smtClean="0"/>
-              <a:t>7/31/2023</a:t>
+              <a:t>31-Jul-23</a:t>
             </a:fld>
             <a:endParaRPr lang="en-US" dirty="0"/>
           </a:p>
@@ -2155,13 +4211,7 @@
       </p:sp>
       <p:sp>
         <p:nvSpPr>
-          <p:cNvPr id="7" name="Footer Placeholder 6">
-            <a:extLst>
-              <a:ext uri="{FF2B5EF4-FFF2-40B4-BE49-F238E27FC236}">
-                <a16:creationId xmlns:a16="http://schemas.microsoft.com/office/drawing/2014/main" id="{EED72207-24CA-42B7-A975-2F8E41CBA904}"/>
-              </a:ext>
-            </a:extLst>
-          </p:cNvPr>
+          <p:cNvPr id="4" name="Footer Placeholder 3"/>
           <p:cNvSpPr>
             <a:spLocks noGrp="1"/>
           </p:cNvSpPr>
@@ -2180,13 +4230,89 @@
       </p:sp>
       <p:sp>
         <p:nvSpPr>
-          <p:cNvPr id="8" name="Slide Number Placeholder 7">
-            <a:extLst>
-              <a:ext uri="{FF2B5EF4-FFF2-40B4-BE49-F238E27FC236}">
-                <a16:creationId xmlns:a16="http://schemas.microsoft.com/office/drawing/2014/main" id="{D01080F2-251A-4B88-9A62-16F46D724F83}"/>
-              </a:ext>
-            </a:extLst>
-          </p:cNvPr>
+          <p:cNvPr id="7" name="Freeform 11"/>
+          <p:cNvSpPr/>
+          <p:nvPr/>
+        </p:nvSpPr>
+        <p:spPr bwMode="auto">
+          <a:xfrm flipV="1">
+            <a:off x="-4189" y="714375"/>
+            <a:ext cx="1588527" cy="507297"/>
+          </a:xfrm>
+          <a:custGeom>
+            <a:avLst/>
+            <a:gdLst/>
+            <a:ahLst/>
+            <a:cxnLst/>
+            <a:rect l="l" t="t" r="r" b="b"/>
+            <a:pathLst>
+              <a:path w="9248" h="10000">
+                <a:moveTo>
+                  <a:pt x="9248" y="4701"/>
+                </a:moveTo>
+                <a:lnTo>
+                  <a:pt x="7915" y="188"/>
+                </a:lnTo>
+                <a:cubicBezTo>
+                  <a:pt x="7906" y="156"/>
+                  <a:pt x="7895" y="126"/>
+                  <a:pt x="7886" y="94"/>
+                </a:cubicBezTo>
+                <a:cubicBezTo>
+                  <a:pt x="7859" y="0"/>
+                  <a:pt x="7831" y="0"/>
+                  <a:pt x="7803" y="0"/>
+                </a:cubicBezTo>
+                <a:lnTo>
+                  <a:pt x="7275" y="0"/>
+                </a:lnTo>
+                <a:lnTo>
+                  <a:pt x="0" y="70"/>
+                </a:lnTo>
+                <a:cubicBezTo>
+                  <a:pt x="8" y="3380"/>
+                  <a:pt x="17" y="6690"/>
+                  <a:pt x="25" y="10000"/>
+                </a:cubicBezTo>
+                <a:lnTo>
+                  <a:pt x="7275" y="9966"/>
+                </a:lnTo>
+                <a:lnTo>
+                  <a:pt x="7803" y="9966"/>
+                </a:lnTo>
+                <a:cubicBezTo>
+                  <a:pt x="7831" y="9966"/>
+                  <a:pt x="7859" y="9872"/>
+                  <a:pt x="7886" y="9872"/>
+                </a:cubicBezTo>
+                <a:cubicBezTo>
+                  <a:pt x="7886" y="9778"/>
+                  <a:pt x="7915" y="9778"/>
+                  <a:pt x="7915" y="9778"/>
+                </a:cubicBezTo>
+                <a:lnTo>
+                  <a:pt x="9248" y="5265"/>
+                </a:lnTo>
+                <a:cubicBezTo>
+                  <a:pt x="9303" y="5077"/>
+                  <a:pt x="9303" y="4889"/>
+                  <a:pt x="9248" y="4701"/>
+                </a:cubicBezTo>
+                <a:close/>
+              </a:path>
+            </a:pathLst>
+          </a:custGeom>
+          <a:solidFill>
+            <a:schemeClr val="accent1"/>
+          </a:solidFill>
+          <a:ln>
+            <a:noFill/>
+          </a:ln>
+        </p:spPr>
+      </p:sp>
+      <p:sp>
+        <p:nvSpPr>
+          <p:cNvPr id="5" name="Slide Number Placeholder 4"/>
           <p:cNvSpPr>
             <a:spLocks noGrp="1"/>
           </p:cNvSpPr>
@@ -2210,7 +4336,7 @@
     </p:spTree>
     <p:extLst>
       <p:ext uri="{BB962C8B-B14F-4D97-AF65-F5344CB8AC3E}">
-        <p14:creationId xmlns:p14="http://schemas.microsoft.com/office/powerpoint/2010/main" val="811860513"/>
+        <p14:creationId xmlns:p14="http://schemas.microsoft.com/office/powerpoint/2010/main" val="2174222810"/>
       </p:ext>
     </p:extLst>
   </p:cSld>
@@ -2221,7 +4347,7 @@
 </file>
 
 <file path=ppt/slideLayouts/slideLayout7.xml><?xml version="1.0" encoding="utf-8"?>
-<p:sldLayout xmlns:a="http://schemas.openxmlformats.org/drawingml/2006/main" xmlns:r="http://schemas.openxmlformats.org/officeDocument/2006/relationships" xmlns:p="http://schemas.openxmlformats.org/presentationml/2006/main" showMasterSp="0" type="blank" preserve="1">
+<p:sldLayout xmlns:a="http://schemas.openxmlformats.org/drawingml/2006/main" xmlns:r="http://schemas.openxmlformats.org/officeDocument/2006/relationships" xmlns:p="http://schemas.openxmlformats.org/presentationml/2006/main" type="blank" preserve="1">
   <p:cSld name="Blank">
     <p:spTree>
       <p:nvGrpSpPr>
@@ -2239,57 +4365,7 @@
       </p:grpSpPr>
       <p:sp>
         <p:nvSpPr>
-          <p:cNvPr id="10" name="Rectangle 9">
-            <a:extLst>
-              <a:ext uri="{FF2B5EF4-FFF2-40B4-BE49-F238E27FC236}">
-                <a16:creationId xmlns:a16="http://schemas.microsoft.com/office/drawing/2014/main" id="{A8E9C91B-7EAD-4562-AB0E-DFB9663AECE3}"/>
-              </a:ext>
-            </a:extLst>
-          </p:cNvPr>
-          <p:cNvSpPr/>
-          <p:nvPr/>
-        </p:nvSpPr>
-        <p:spPr>
-          <a:xfrm>
-            <a:off x="3175" y="6400800"/>
-            <a:ext cx="12188825" cy="457200"/>
-          </a:xfrm>
-          <a:prstGeom prst="rect">
-            <a:avLst/>
-          </a:prstGeom>
-          <a:solidFill>
-            <a:srgbClr val="262626"/>
-          </a:solidFill>
-          <a:ln>
-            <a:noFill/>
-          </a:ln>
-        </p:spPr>
-        <p:style>
-          <a:lnRef idx="2">
-            <a:schemeClr val="accent1">
-              <a:shade val="50000"/>
-            </a:schemeClr>
-          </a:lnRef>
-          <a:fillRef idx="1">
-            <a:schemeClr val="accent1"/>
-          </a:fillRef>
-          <a:effectRef idx="0">
-            <a:schemeClr val="accent1"/>
-          </a:effectRef>
-          <a:fontRef idx="minor">
-            <a:schemeClr val="lt1"/>
-          </a:fontRef>
-        </p:style>
-      </p:sp>
-      <p:sp>
-        <p:nvSpPr>
-          <p:cNvPr id="2" name="Date Placeholder 1">
-            <a:extLst>
-              <a:ext uri="{FF2B5EF4-FFF2-40B4-BE49-F238E27FC236}">
-                <a16:creationId xmlns:a16="http://schemas.microsoft.com/office/drawing/2014/main" id="{94E9223F-721F-47BF-9FD5-0F8D12FF0DE1}"/>
-              </a:ext>
-            </a:extLst>
-          </p:cNvPr>
+          <p:cNvPr id="2" name="Date Placeholder 1"/>
           <p:cNvSpPr>
             <a:spLocks noGrp="1"/>
           </p:cNvSpPr>
@@ -2304,7 +4380,7 @@
           <a:p>
             <a:fld id="{39667345-2558-425A-8533-9BFDBCE15005}" type="datetime1">
               <a:rPr lang="en-US" smtClean="0"/>
-              <a:t>7/31/2023</a:t>
+              <a:t>31-Jul-23</a:t>
             </a:fld>
             <a:endParaRPr lang="en-US" dirty="0"/>
           </a:p>
@@ -2312,13 +4388,7 @@
       </p:sp>
       <p:sp>
         <p:nvSpPr>
-          <p:cNvPr id="3" name="Footer Placeholder 2">
-            <a:extLst>
-              <a:ext uri="{FF2B5EF4-FFF2-40B4-BE49-F238E27FC236}">
-                <a16:creationId xmlns:a16="http://schemas.microsoft.com/office/drawing/2014/main" id="{05915714-6BBA-4593-8591-4E26F7D58D9F}"/>
-              </a:ext>
-            </a:extLst>
-          </p:cNvPr>
+          <p:cNvPr id="3" name="Footer Placeholder 2"/>
           <p:cNvSpPr>
             <a:spLocks noGrp="1"/>
           </p:cNvSpPr>
@@ -2337,13 +4407,89 @@
       </p:sp>
       <p:sp>
         <p:nvSpPr>
-          <p:cNvPr id="4" name="Slide Number Placeholder 3">
-            <a:extLst>
-              <a:ext uri="{FF2B5EF4-FFF2-40B4-BE49-F238E27FC236}">
-                <a16:creationId xmlns:a16="http://schemas.microsoft.com/office/drawing/2014/main" id="{BE06F857-D2E1-44DD-ABDD-EBB739645B67}"/>
-              </a:ext>
-            </a:extLst>
-          </p:cNvPr>
+          <p:cNvPr id="6" name="Freeform 11"/>
+          <p:cNvSpPr/>
+          <p:nvPr/>
+        </p:nvSpPr>
+        <p:spPr bwMode="auto">
+          <a:xfrm flipV="1">
+            <a:off x="-4189" y="714375"/>
+            <a:ext cx="1588527" cy="507297"/>
+          </a:xfrm>
+          <a:custGeom>
+            <a:avLst/>
+            <a:gdLst/>
+            <a:ahLst/>
+            <a:cxnLst/>
+            <a:rect l="l" t="t" r="r" b="b"/>
+            <a:pathLst>
+              <a:path w="9248" h="10000">
+                <a:moveTo>
+                  <a:pt x="9248" y="4701"/>
+                </a:moveTo>
+                <a:lnTo>
+                  <a:pt x="7915" y="188"/>
+                </a:lnTo>
+                <a:cubicBezTo>
+                  <a:pt x="7906" y="156"/>
+                  <a:pt x="7895" y="126"/>
+                  <a:pt x="7886" y="94"/>
+                </a:cubicBezTo>
+                <a:cubicBezTo>
+                  <a:pt x="7859" y="0"/>
+                  <a:pt x="7831" y="0"/>
+                  <a:pt x="7803" y="0"/>
+                </a:cubicBezTo>
+                <a:lnTo>
+                  <a:pt x="7275" y="0"/>
+                </a:lnTo>
+                <a:lnTo>
+                  <a:pt x="0" y="70"/>
+                </a:lnTo>
+                <a:cubicBezTo>
+                  <a:pt x="8" y="3380"/>
+                  <a:pt x="17" y="6690"/>
+                  <a:pt x="25" y="10000"/>
+                </a:cubicBezTo>
+                <a:lnTo>
+                  <a:pt x="7275" y="9966"/>
+                </a:lnTo>
+                <a:lnTo>
+                  <a:pt x="7803" y="9966"/>
+                </a:lnTo>
+                <a:cubicBezTo>
+                  <a:pt x="7831" y="9966"/>
+                  <a:pt x="7859" y="9872"/>
+                  <a:pt x="7886" y="9872"/>
+                </a:cubicBezTo>
+                <a:cubicBezTo>
+                  <a:pt x="7886" y="9778"/>
+                  <a:pt x="7915" y="9778"/>
+                  <a:pt x="7915" y="9778"/>
+                </a:cubicBezTo>
+                <a:lnTo>
+                  <a:pt x="9248" y="5265"/>
+                </a:lnTo>
+                <a:cubicBezTo>
+                  <a:pt x="9303" y="5077"/>
+                  <a:pt x="9303" y="4889"/>
+                  <a:pt x="9248" y="4701"/>
+                </a:cubicBezTo>
+                <a:close/>
+              </a:path>
+            </a:pathLst>
+          </a:custGeom>
+          <a:solidFill>
+            <a:schemeClr val="accent1"/>
+          </a:solidFill>
+          <a:ln>
+            <a:noFill/>
+          </a:ln>
+        </p:spPr>
+      </p:sp>
+      <p:sp>
+        <p:nvSpPr>
+          <p:cNvPr id="4" name="Slide Number Placeholder 3"/>
           <p:cNvSpPr>
             <a:spLocks noGrp="1"/>
           </p:cNvSpPr>
@@ -2367,7 +4513,7 @@
     </p:spTree>
     <p:extLst>
       <p:ext uri="{BB962C8B-B14F-4D97-AF65-F5344CB8AC3E}">
-        <p14:creationId xmlns:p14="http://schemas.microsoft.com/office/powerpoint/2010/main" val="2001422672"/>
+        <p14:creationId xmlns:p14="http://schemas.microsoft.com/office/powerpoint/2010/main" val="3061463192"/>
       </p:ext>
     </p:extLst>
   </p:cSld>
@@ -2378,7 +4524,7 @@
 </file>
 
 <file path=ppt/slideLayouts/slideLayout8.xml><?xml version="1.0" encoding="utf-8"?>
-<p:sldLayout xmlns:a="http://schemas.openxmlformats.org/drawingml/2006/main" xmlns:r="http://schemas.openxmlformats.org/officeDocument/2006/relationships" xmlns:p="http://schemas.openxmlformats.org/presentationml/2006/main" showMasterSp="0" type="objTx" preserve="1">
+<p:sldLayout xmlns:a="http://schemas.openxmlformats.org/drawingml/2006/main" xmlns:r="http://schemas.openxmlformats.org/officeDocument/2006/relationships" xmlns:p="http://schemas.openxmlformats.org/presentationml/2006/main" type="objTx" preserve="1">
   <p:cSld name="Content with Caption">
     <p:spTree>
       <p:nvGrpSpPr>
@@ -2396,50 +4542,6 @@
       </p:grpSpPr>
       <p:sp>
         <p:nvSpPr>
-          <p:cNvPr id="8" name="Rectangle 7">
-            <a:extLst>
-              <a:ext uri="{FF2B5EF4-FFF2-40B4-BE49-F238E27FC236}">
-                <a16:creationId xmlns:a16="http://schemas.microsoft.com/office/drawing/2014/main" id="{16D90D66-BCB9-4229-A829-628874352AC0}"/>
-              </a:ext>
-            </a:extLst>
-          </p:cNvPr>
-          <p:cNvSpPr/>
-          <p:nvPr/>
-        </p:nvSpPr>
-        <p:spPr>
-          <a:xfrm>
-            <a:off x="16" y="0"/>
-            <a:ext cx="4654296" cy="6858000"/>
-          </a:xfrm>
-          <a:prstGeom prst="rect">
-            <a:avLst/>
-          </a:prstGeom>
-          <a:solidFill>
-            <a:srgbClr val="262626"/>
-          </a:solidFill>
-          <a:ln>
-            <a:noFill/>
-          </a:ln>
-        </p:spPr>
-        <p:style>
-          <a:lnRef idx="2">
-            <a:schemeClr val="accent1">
-              <a:shade val="50000"/>
-            </a:schemeClr>
-          </a:lnRef>
-          <a:fillRef idx="1">
-            <a:schemeClr val="accent1"/>
-          </a:fillRef>
-          <a:effectRef idx="0">
-            <a:schemeClr val="accent1"/>
-          </a:effectRef>
-          <a:fontRef idx="minor">
-            <a:schemeClr val="lt1"/>
-          </a:fontRef>
-        </p:style>
-      </p:sp>
-      <p:sp>
-        <p:nvSpPr>
           <p:cNvPr id="2" name="Title 1"/>
           <p:cNvSpPr>
             <a:spLocks noGrp="1"/>
@@ -2450,29 +4552,20 @@
         </p:nvSpPr>
         <p:spPr>
           <a:xfrm>
-            <a:off x="643466" y="786383"/>
-            <a:ext cx="3517567" cy="2093975"/>
+            <a:off x="2589212" y="446088"/>
+            <a:ext cx="3505199" cy="976312"/>
           </a:xfrm>
         </p:spPr>
         <p:txBody>
-          <a:bodyPr anchor="b">
-            <a:normAutofit/>
-          </a:bodyPr>
+          <a:bodyPr anchor="b"/>
           <a:lstStyle>
-            <a:lvl1pPr>
-              <a:lnSpc>
-                <a:spcPct val="90000"/>
-              </a:lnSpc>
-              <a:defRPr sz="3600" b="0">
-                <a:solidFill>
-                  <a:srgbClr val="FFFFFF"/>
-                </a:solidFill>
-              </a:defRPr>
+            <a:lvl1pPr algn="l">
+              <a:defRPr sz="2000" b="0"/>
             </a:lvl1pPr>
           </a:lstStyle>
           <a:p>
             <a:r>
-              <a:rPr lang="en-US"/>
+              <a:rPr lang="en-US" smtClean="0"/>
               <a:t>Click to edit Master title style</a:t>
             </a:r>
             <a:endParaRPr lang="en-US" dirty="0"/>
@@ -2491,45 +4584,47 @@
         </p:nvSpPr>
         <p:spPr>
           <a:xfrm>
-            <a:off x="5458984" y="812799"/>
-            <a:ext cx="5928344" cy="5294757"/>
+            <a:off x="6323012" y="446088"/>
+            <a:ext cx="5181600" cy="5414963"/>
           </a:xfrm>
         </p:spPr>
         <p:txBody>
-          <a:bodyPr/>
+          <a:bodyPr anchor="ctr">
+            <a:normAutofit/>
+          </a:bodyPr>
           <a:lstStyle/>
           <a:p>
             <a:pPr lvl="0"/>
             <a:r>
-              <a:rPr lang="en-US"/>
-              <a:t>Click to edit Master text styles</a:t>
+              <a:rPr lang="en-US" smtClean="0"/>
+              <a:t>Edit Master text styles</a:t>
             </a:r>
           </a:p>
           <a:p>
             <a:pPr lvl="1"/>
             <a:r>
-              <a:rPr lang="en-US"/>
+              <a:rPr lang="en-US" smtClean="0"/>
               <a:t>Second level</a:t>
             </a:r>
           </a:p>
           <a:p>
             <a:pPr lvl="2"/>
             <a:r>
-              <a:rPr lang="en-US"/>
+              <a:rPr lang="en-US" smtClean="0"/>
               <a:t>Third level</a:t>
             </a:r>
           </a:p>
           <a:p>
             <a:pPr lvl="3"/>
             <a:r>
-              <a:rPr lang="en-US"/>
+              <a:rPr lang="en-US" smtClean="0"/>
               <a:t>Fourth level</a:t>
             </a:r>
           </a:p>
           <a:p>
             <a:pPr lvl="4"/>
             <a:r>
-              <a:rPr lang="en-US"/>
+              <a:rPr lang="en-US" smtClean="0"/>
               <a:t>Fifth level</a:t>
             </a:r>
             <a:endParaRPr lang="en-US" dirty="0"/>
@@ -2548,22 +4643,16 @@
         </p:nvSpPr>
         <p:spPr>
           <a:xfrm>
-            <a:off x="643465" y="3043050"/>
-            <a:ext cx="3517567" cy="3064505"/>
+            <a:off x="2589212" y="1598613"/>
+            <a:ext cx="3505199" cy="4262436"/>
           </a:xfrm>
         </p:spPr>
         <p:txBody>
-          <a:bodyPr lIns="91440" rIns="91440">
-            <a:normAutofit/>
-          </a:bodyPr>
+          <a:bodyPr/>
           <a:lstStyle>
             <a:lvl1pPr marL="0" indent="0">
               <a:buNone/>
-              <a:defRPr sz="1800">
-                <a:solidFill>
-                  <a:srgbClr val="FFFFFF"/>
-                </a:solidFill>
-              </a:defRPr>
+              <a:defRPr sz="1400"/>
             </a:lvl1pPr>
             <a:lvl2pPr marL="457200" indent="0">
               <a:buNone/>
@@ -2601,8 +4690,8 @@
           <a:p>
             <a:pPr lvl="0"/>
             <a:r>
-              <a:rPr lang="en-US"/>
-              <a:t>Click to edit Master text styles</a:t>
+              <a:rPr lang="en-US" smtClean="0"/>
+              <a:t>Edit Master text styles</a:t>
             </a:r>
           </a:p>
         </p:txBody>
@@ -2617,23 +4706,14 @@
             <p:ph type="dt" sz="half" idx="10"/>
           </p:nvPr>
         </p:nvSpPr>
-        <p:spPr>
-          <a:xfrm>
-            <a:off x="643464" y="6446520"/>
-            <a:ext cx="3517568" cy="365125"/>
-          </a:xfrm>
-        </p:spPr>
+        <p:spPr/>
         <p:txBody>
           <a:bodyPr/>
-          <a:lstStyle>
-            <a:lvl1pPr algn="l">
-              <a:defRPr/>
-            </a:lvl1pPr>
-          </a:lstStyle>
+          <a:lstStyle/>
           <a:p>
             <a:fld id="{92BEA474-078D-4E9B-9B14-09A87B19DC46}" type="datetime1">
               <a:rPr lang="en-US" smtClean="0"/>
-              <a:t>7/31/2023</a:t>
+              <a:t>31-Jul-23</a:t>
             </a:fld>
             <a:endParaRPr lang="en-US" dirty="0"/>
           </a:p>
@@ -2649,27 +4729,96 @@
             <p:ph type="ftr" sz="quarter" idx="11"/>
           </p:nvPr>
         </p:nvSpPr>
-        <p:spPr>
-          <a:xfrm>
-            <a:off x="5458983" y="6446520"/>
-            <a:ext cx="5334019" cy="365125"/>
+        <p:spPr/>
+        <p:txBody>
+          <a:bodyPr/>
+          <a:lstStyle/>
+          <a:p>
+            <a:endParaRPr lang="en-US" dirty="0"/>
+          </a:p>
+        </p:txBody>
+      </p:sp>
+      <p:sp>
+        <p:nvSpPr>
+          <p:cNvPr id="9" name="Freeform 11"/>
+          <p:cNvSpPr/>
+          <p:nvPr/>
+        </p:nvSpPr>
+        <p:spPr bwMode="auto">
+          <a:xfrm flipV="1">
+            <a:off x="-4189" y="714375"/>
+            <a:ext cx="1588527" cy="507297"/>
           </a:xfrm>
+          <a:custGeom>
+            <a:avLst/>
+            <a:gdLst/>
+            <a:ahLst/>
+            <a:cxnLst/>
+            <a:rect l="l" t="t" r="r" b="b"/>
+            <a:pathLst>
+              <a:path w="9248" h="10000">
+                <a:moveTo>
+                  <a:pt x="9248" y="4701"/>
+                </a:moveTo>
+                <a:lnTo>
+                  <a:pt x="7915" y="188"/>
+                </a:lnTo>
+                <a:cubicBezTo>
+                  <a:pt x="7906" y="156"/>
+                  <a:pt x="7895" y="126"/>
+                  <a:pt x="7886" y="94"/>
+                </a:cubicBezTo>
+                <a:cubicBezTo>
+                  <a:pt x="7859" y="0"/>
+                  <a:pt x="7831" y="0"/>
+                  <a:pt x="7803" y="0"/>
+                </a:cubicBezTo>
+                <a:lnTo>
+                  <a:pt x="7275" y="0"/>
+                </a:lnTo>
+                <a:lnTo>
+                  <a:pt x="0" y="70"/>
+                </a:lnTo>
+                <a:cubicBezTo>
+                  <a:pt x="8" y="3380"/>
+                  <a:pt x="17" y="6690"/>
+                  <a:pt x="25" y="10000"/>
+                </a:cubicBezTo>
+                <a:lnTo>
+                  <a:pt x="7275" y="9966"/>
+                </a:lnTo>
+                <a:lnTo>
+                  <a:pt x="7803" y="9966"/>
+                </a:lnTo>
+                <a:cubicBezTo>
+                  <a:pt x="7831" y="9966"/>
+                  <a:pt x="7859" y="9872"/>
+                  <a:pt x="7886" y="9872"/>
+                </a:cubicBezTo>
+                <a:cubicBezTo>
+                  <a:pt x="7886" y="9778"/>
+                  <a:pt x="7915" y="9778"/>
+                  <a:pt x="7915" y="9778"/>
+                </a:cubicBezTo>
+                <a:lnTo>
+                  <a:pt x="9248" y="5265"/>
+                </a:lnTo>
+                <a:cubicBezTo>
+                  <a:pt x="9303" y="5077"/>
+                  <a:pt x="9303" y="4889"/>
+                  <a:pt x="9248" y="4701"/>
+                </a:cubicBezTo>
+                <a:close/>
+              </a:path>
+            </a:pathLst>
+          </a:custGeom>
+          <a:solidFill>
+            <a:schemeClr val="accent1"/>
+          </a:solidFill>
+          <a:ln>
+            <a:noFill/>
+          </a:ln>
         </p:spPr>
-        <p:txBody>
-          <a:bodyPr/>
-          <a:lstStyle>
-            <a:lvl1pPr algn="l">
-              <a:defRPr>
-                <a:solidFill>
-                  <a:schemeClr val="tx2"/>
-                </a:solidFill>
-              </a:defRPr>
-            </a:lvl1pPr>
-          </a:lstStyle>
-          <a:p>
-            <a:endParaRPr lang="en-US" dirty="0"/>
-          </a:p>
-        </p:txBody>
       </p:sp>
       <p:sp>
         <p:nvSpPr>
@@ -2684,15 +4833,7 @@
         <p:spPr/>
         <p:txBody>
           <a:bodyPr/>
-          <a:lstStyle>
-            <a:lvl1pPr>
-              <a:defRPr>
-                <a:solidFill>
-                  <a:schemeClr val="tx2"/>
-                </a:solidFill>
-              </a:defRPr>
-            </a:lvl1pPr>
-          </a:lstStyle>
+          <a:lstStyle/>
           <a:p>
             <a:fld id="{3A98EE3D-8CD1-4C3F-BD1C-C98C9596463C}" type="slidenum">
               <a:rPr lang="en-US" smtClean="0"/>
@@ -2706,7 +4847,7 @@
     </p:spTree>
     <p:extLst>
       <p:ext uri="{BB962C8B-B14F-4D97-AF65-F5344CB8AC3E}">
-        <p14:creationId xmlns:p14="http://schemas.microsoft.com/office/powerpoint/2010/main" val="1933282235"/>
+        <p14:creationId xmlns:p14="http://schemas.microsoft.com/office/powerpoint/2010/main" val="588676776"/>
       </p:ext>
     </p:extLst>
   </p:cSld>
@@ -2717,7 +4858,7 @@
 </file>
 
 <file path=ppt/slideLayouts/slideLayout9.xml><?xml version="1.0" encoding="utf-8"?>
-<p:sldLayout xmlns:a="http://schemas.openxmlformats.org/drawingml/2006/main" xmlns:r="http://schemas.openxmlformats.org/officeDocument/2006/relationships" xmlns:p="http://schemas.openxmlformats.org/presentationml/2006/main" showMasterSp="0" type="picTx" preserve="1">
+<p:sldLayout xmlns:a="http://schemas.openxmlformats.org/drawingml/2006/main" xmlns:r="http://schemas.openxmlformats.org/officeDocument/2006/relationships" xmlns:p="http://schemas.openxmlformats.org/presentationml/2006/main" type="picTx" preserve="1">
   <p:cSld name="Picture with Caption">
     <p:spTree>
       <p:nvGrpSpPr>
@@ -2735,47 +4876,37 @@
       </p:grpSpPr>
       <p:sp>
         <p:nvSpPr>
-          <p:cNvPr id="8" name="Rectangle 7">
-            <a:extLst>
-              <a:ext uri="{FF2B5EF4-FFF2-40B4-BE49-F238E27FC236}">
-                <a16:creationId xmlns:a16="http://schemas.microsoft.com/office/drawing/2014/main" id="{DA134939-39C0-4522-A125-A13DFDA66490}"/>
-              </a:ext>
-            </a:extLst>
-          </p:cNvPr>
-          <p:cNvSpPr/>
-          <p:nvPr/>
+          <p:cNvPr id="2" name="Title 1"/>
+          <p:cNvSpPr>
+            <a:spLocks noGrp="1"/>
+          </p:cNvSpPr>
+          <p:nvPr>
+            <p:ph type="title"/>
+          </p:nvPr>
         </p:nvSpPr>
         <p:spPr>
           <a:xfrm>
-            <a:off x="0" y="4578350"/>
-            <a:ext cx="12188825" cy="2279650"/>
+            <a:off x="2589213" y="4800600"/>
+            <a:ext cx="8915400" cy="566738"/>
           </a:xfrm>
-          <a:prstGeom prst="rect">
-            <a:avLst/>
-          </a:prstGeom>
-          <a:solidFill>
-            <a:srgbClr val="262626"/>
-          </a:solidFill>
-          <a:ln>
-            <a:noFill/>
-          </a:ln>
         </p:spPr>
-        <p:style>
-          <a:lnRef idx="2">
-            <a:schemeClr val="accent1">
-              <a:shade val="50000"/>
-            </a:schemeClr>
-          </a:lnRef>
-          <a:fillRef idx="1">
-            <a:schemeClr val="accent1"/>
-          </a:fillRef>
-          <a:effectRef idx="0">
-            <a:schemeClr val="accent1"/>
-          </a:effectRef>
-          <a:fontRef idx="minor">
-            <a:schemeClr val="lt1"/>
-          </a:fontRef>
-        </p:style>
+        <p:txBody>
+          <a:bodyPr anchor="b">
+            <a:normAutofit/>
+          </a:bodyPr>
+          <a:lstStyle>
+            <a:lvl1pPr algn="l">
+              <a:defRPr sz="2400" b="0"/>
+            </a:lvl1pPr>
+          </a:lstStyle>
+          <a:p>
+            <a:r>
+              <a:rPr lang="en-US" smtClean="0"/>
+              <a:t>Click to edit Master title style</a:t>
+            </a:r>
+            <a:endParaRPr lang="en-US" dirty="0"/>
+          </a:p>
+        </p:txBody>
       </p:sp>
       <p:sp>
         <p:nvSpPr>
@@ -2789,97 +4920,56 @@
         </p:nvSpPr>
         <p:spPr>
           <a:xfrm>
-            <a:off x="15" y="0"/>
-            <a:ext cx="12191985" cy="4578350"/>
+            <a:off x="2589212" y="634965"/>
+            <a:ext cx="8915400" cy="3854970"/>
           </a:xfrm>
-          <a:solidFill>
-            <a:schemeClr val="bg1">
-              <a:lumMod val="85000"/>
-            </a:schemeClr>
-          </a:solidFill>
         </p:spPr>
         <p:txBody>
-          <a:bodyPr lIns="457200" tIns="457200" anchor="t"/>
+          <a:bodyPr anchor="t">
+            <a:normAutofit/>
+          </a:bodyPr>
           <a:lstStyle>
-            <a:lvl1pPr marL="0" indent="0">
+            <a:lvl1pPr marL="0" indent="0" algn="ctr">
               <a:buNone/>
-              <a:defRPr sz="3200"/>
+              <a:defRPr sz="1600"/>
             </a:lvl1pPr>
             <a:lvl2pPr marL="457200" indent="0">
               <a:buNone/>
-              <a:defRPr sz="2800"/>
+              <a:defRPr sz="1600"/>
             </a:lvl2pPr>
             <a:lvl3pPr marL="914400" indent="0">
               <a:buNone/>
-              <a:defRPr sz="2400"/>
+              <a:defRPr sz="1600"/>
             </a:lvl3pPr>
             <a:lvl4pPr marL="1371600" indent="0">
               <a:buNone/>
-              <a:defRPr sz="2000"/>
+              <a:defRPr sz="1600"/>
             </a:lvl4pPr>
             <a:lvl5pPr marL="1828800" indent="0">
               <a:buNone/>
-              <a:defRPr sz="2000"/>
+              <a:defRPr sz="1600"/>
             </a:lvl5pPr>
             <a:lvl6pPr marL="2286000" indent="0">
               <a:buNone/>
-              <a:defRPr sz="2000"/>
+              <a:defRPr sz="1600"/>
             </a:lvl6pPr>
             <a:lvl7pPr marL="2743200" indent="0">
               <a:buNone/>
-              <a:defRPr sz="2000"/>
+              <a:defRPr sz="1600"/>
             </a:lvl7pPr>
             <a:lvl8pPr marL="3200400" indent="0">
               <a:buNone/>
-              <a:defRPr sz="2000"/>
+              <a:defRPr sz="1600"/>
             </a:lvl8pPr>
             <a:lvl9pPr marL="3657600" indent="0">
               <a:buNone/>
-              <a:defRPr sz="2000"/>
+              <a:defRPr sz="1600"/>
             </a:lvl9pPr>
           </a:lstStyle>
           <a:p>
             <a:r>
-              <a:rPr lang="en-US"/>
+              <a:rPr lang="en-US" smtClean="0"/>
               <a:t>Click icon to add picture</a:t>
-            </a:r>
-            <a:endParaRPr lang="en-US" dirty="0"/>
-          </a:p>
-        </p:txBody>
-      </p:sp>
-      <p:sp>
-        <p:nvSpPr>
-          <p:cNvPr id="2" name="Title 1"/>
-          <p:cNvSpPr>
-            <a:spLocks noGrp="1"/>
-          </p:cNvSpPr>
-          <p:nvPr>
-            <p:ph type="title"/>
-          </p:nvPr>
-        </p:nvSpPr>
-        <p:spPr>
-          <a:xfrm>
-            <a:off x="1097279" y="4799362"/>
-            <a:ext cx="10113645" cy="743682"/>
-          </a:xfrm>
-        </p:spPr>
-        <p:txBody>
-          <a:bodyPr tIns="0" bIns="0" anchor="b">
-            <a:noAutofit/>
-          </a:bodyPr>
-          <a:lstStyle>
-            <a:lvl1pPr>
-              <a:defRPr sz="3600" b="0">
-                <a:solidFill>
-                  <a:srgbClr val="FFFFFF"/>
-                </a:solidFill>
-              </a:defRPr>
-            </a:lvl1pPr>
-          </a:lstStyle>
-          <a:p>
-            <a:r>
-              <a:rPr lang="en-US"/>
-              <a:t>Click to edit Master title style</a:t>
             </a:r>
             <a:endParaRPr lang="en-US" dirty="0"/>
           </a:p>
@@ -2897,28 +4987,18 @@
         </p:nvSpPr>
         <p:spPr>
           <a:xfrm>
-            <a:off x="1097279" y="5715000"/>
-            <a:ext cx="10113264" cy="609600"/>
+            <a:off x="2589213" y="5367338"/>
+            <a:ext cx="8915400" cy="493712"/>
           </a:xfrm>
         </p:spPr>
         <p:txBody>
-          <a:bodyPr lIns="91440" tIns="0" rIns="91440" bIns="0">
+          <a:bodyPr>
             <a:normAutofit/>
           </a:bodyPr>
           <a:lstStyle>
             <a:lvl1pPr marL="0" indent="0">
-              <a:spcBef>
-                <a:spcPts val="0"/>
-              </a:spcBef>
-              <a:spcAft>
-                <a:spcPts val="600"/>
-              </a:spcAft>
               <a:buNone/>
-              <a:defRPr sz="1800">
-                <a:solidFill>
-                  <a:srgbClr val="FFFFFF"/>
-                </a:solidFill>
-              </a:defRPr>
+              <a:defRPr sz="1200"/>
             </a:lvl1pPr>
             <a:lvl2pPr marL="457200" indent="0">
               <a:buNone/>
@@ -2956,8 +5036,8 @@
           <a:p>
             <a:pPr lvl="0"/>
             <a:r>
-              <a:rPr lang="en-US"/>
-              <a:t>Click to edit Master text styles</a:t>
+              <a:rPr lang="en-US" smtClean="0"/>
+              <a:t>Edit Master text styles</a:t>
             </a:r>
           </a:p>
         </p:txBody>
@@ -2975,15 +5055,11 @@
         <p:spPr/>
         <p:txBody>
           <a:bodyPr/>
-          <a:lstStyle>
-            <a:lvl1pPr>
-              <a:defRPr/>
-            </a:lvl1pPr>
-          </a:lstStyle>
+          <a:lstStyle/>
           <a:p>
             <a:fld id="{4907D986-8816-4272-A432-0437A28A9828}" type="datetime1">
               <a:rPr lang="en-US" smtClean="0"/>
-              <a:t>7/31/2023</a:t>
+              <a:t>31-Jul-23</a:t>
             </a:fld>
             <a:endParaRPr lang="en-US" dirty="0"/>
           </a:p>
@@ -2999,12 +5075,7 @@
             <p:ph type="ftr" sz="quarter" idx="11"/>
           </p:nvPr>
         </p:nvSpPr>
-        <p:spPr>
-          <a:xfrm>
-            <a:off x="1097279" y="6446838"/>
-            <a:ext cx="6818262" cy="365125"/>
-          </a:xfrm>
-        </p:spPr>
+        <p:spPr/>
         <p:txBody>
           <a:bodyPr/>
           <a:lstStyle/>
@@ -3013,6 +5084,88 @@
             <a:endParaRPr lang="en-US" dirty="0"/>
           </a:p>
         </p:txBody>
+      </p:sp>
+      <p:sp>
+        <p:nvSpPr>
+          <p:cNvPr id="9" name="Freeform 11"/>
+          <p:cNvSpPr/>
+          <p:nvPr/>
+        </p:nvSpPr>
+        <p:spPr bwMode="auto">
+          <a:xfrm flipV="1">
+            <a:off x="-4189" y="4911725"/>
+            <a:ext cx="1588527" cy="507297"/>
+          </a:xfrm>
+          <a:custGeom>
+            <a:avLst/>
+            <a:gdLst/>
+            <a:ahLst/>
+            <a:cxnLst/>
+            <a:rect l="l" t="t" r="r" b="b"/>
+            <a:pathLst>
+              <a:path w="9248" h="10000">
+                <a:moveTo>
+                  <a:pt x="9248" y="4701"/>
+                </a:moveTo>
+                <a:lnTo>
+                  <a:pt x="7915" y="188"/>
+                </a:lnTo>
+                <a:cubicBezTo>
+                  <a:pt x="7906" y="156"/>
+                  <a:pt x="7895" y="126"/>
+                  <a:pt x="7886" y="94"/>
+                </a:cubicBezTo>
+                <a:cubicBezTo>
+                  <a:pt x="7859" y="0"/>
+                  <a:pt x="7831" y="0"/>
+                  <a:pt x="7803" y="0"/>
+                </a:cubicBezTo>
+                <a:lnTo>
+                  <a:pt x="7275" y="0"/>
+                </a:lnTo>
+                <a:lnTo>
+                  <a:pt x="0" y="70"/>
+                </a:lnTo>
+                <a:cubicBezTo>
+                  <a:pt x="8" y="3380"/>
+                  <a:pt x="17" y="6690"/>
+                  <a:pt x="25" y="10000"/>
+                </a:cubicBezTo>
+                <a:lnTo>
+                  <a:pt x="7275" y="9966"/>
+                </a:lnTo>
+                <a:lnTo>
+                  <a:pt x="7803" y="9966"/>
+                </a:lnTo>
+                <a:cubicBezTo>
+                  <a:pt x="7831" y="9966"/>
+                  <a:pt x="7859" y="9872"/>
+                  <a:pt x="7886" y="9872"/>
+                </a:cubicBezTo>
+                <a:cubicBezTo>
+                  <a:pt x="7886" y="9778"/>
+                  <a:pt x="7915" y="9778"/>
+                  <a:pt x="7915" y="9778"/>
+                </a:cubicBezTo>
+                <a:lnTo>
+                  <a:pt x="9248" y="5265"/>
+                </a:lnTo>
+                <a:cubicBezTo>
+                  <a:pt x="9303" y="5077"/>
+                  <a:pt x="9303" y="4889"/>
+                  <a:pt x="9248" y="4701"/>
+                </a:cubicBezTo>
+                <a:close/>
+              </a:path>
+            </a:pathLst>
+          </a:custGeom>
+          <a:solidFill>
+            <a:schemeClr val="accent1"/>
+          </a:solidFill>
+          <a:ln>
+            <a:noFill/>
+          </a:ln>
+        </p:spPr>
       </p:sp>
       <p:sp>
         <p:nvSpPr>
@@ -3024,7 +5177,12 @@
             <p:ph type="sldNum" sz="quarter" idx="12"/>
           </p:nvPr>
         </p:nvSpPr>
-        <p:spPr/>
+        <p:spPr>
+          <a:xfrm>
+            <a:off x="531812" y="4983087"/>
+            <a:ext cx="779767" cy="365125"/>
+          </a:xfrm>
+        </p:spPr>
         <p:txBody>
           <a:bodyPr/>
           <a:lstStyle/>
@@ -3040,7 +5198,7 @@
     </p:spTree>
     <p:extLst>
       <p:ext uri="{BB962C8B-B14F-4D97-AF65-F5344CB8AC3E}">
-        <p14:creationId xmlns:p14="http://schemas.microsoft.com/office/powerpoint/2010/main" val="523267730"/>
+        <p14:creationId xmlns:p14="http://schemas.microsoft.com/office/powerpoint/2010/main" val="285840592"/>
       </p:ext>
     </p:extLst>
   </p:cSld>
@@ -3055,7 +5213,7 @@
   <p:cSld>
     <p:bg>
       <p:bgRef idx="1001">
-        <a:schemeClr val="bg1"/>
+        <a:schemeClr val="bg2"/>
       </p:bgRef>
     </p:bg>
     <p:spTree>
@@ -3072,43 +5230,1753 @@
           <a:chExt cx="0" cy="0"/>
         </a:xfrm>
       </p:grpSpPr>
-      <p:sp>
-        <p:nvSpPr>
-          <p:cNvPr id="7" name="Rectangle 6">
-            <a:extLst>
-              <a:ext uri="{FF2B5EF4-FFF2-40B4-BE49-F238E27FC236}">
-                <a16:creationId xmlns:a16="http://schemas.microsoft.com/office/drawing/2014/main" id="{416A0E3C-60E6-4F39-BC55-5F7C224E1F7C}"/>
-              </a:ext>
-            </a:extLst>
-          </p:cNvPr>
+      <p:grpSp>
+        <p:nvGrpSpPr>
+          <p:cNvPr id="23" name="Group 22"/>
+          <p:cNvGrpSpPr/>
+          <p:nvPr/>
+        </p:nvGrpSpPr>
+        <p:grpSpPr>
+          <a:xfrm>
+            <a:off x="1" y="228600"/>
+            <a:ext cx="2851516" cy="6638628"/>
+            <a:chOff x="2487613" y="285750"/>
+            <a:chExt cx="2428875" cy="5654676"/>
+          </a:xfrm>
+          <a:solidFill>
+            <a:schemeClr val="accent1">
+              <a:lumMod val="75000"/>
+              <a:alpha val="40000"/>
+            </a:schemeClr>
+          </a:solidFill>
+        </p:grpSpPr>
+        <p:sp>
+          <p:nvSpPr>
+            <p:cNvPr id="24" name="Freeform 11"/>
+            <p:cNvSpPr/>
+            <p:nvPr/>
+          </p:nvSpPr>
+          <p:spPr bwMode="auto">
+            <a:xfrm>
+              <a:off x="2487613" y="2284413"/>
+              <a:ext cx="85725" cy="533400"/>
+            </a:xfrm>
+            <a:custGeom>
+              <a:avLst/>
+              <a:gdLst/>
+              <a:ahLst/>
+              <a:cxnLst/>
+              <a:rect l="0" t="0" r="r" b="b"/>
+              <a:pathLst>
+                <a:path w="22" h="136">
+                  <a:moveTo>
+                    <a:pt x="22" y="136"/>
+                  </a:moveTo>
+                  <a:cubicBezTo>
+                    <a:pt x="20" y="117"/>
+                    <a:pt x="19" y="99"/>
+                    <a:pt x="17" y="80"/>
+                  </a:cubicBezTo>
+                  <a:cubicBezTo>
+                    <a:pt x="11" y="54"/>
+                    <a:pt x="6" y="27"/>
+                    <a:pt x="0" y="0"/>
+                  </a:cubicBezTo>
+                  <a:cubicBezTo>
+                    <a:pt x="0" y="35"/>
+                    <a:pt x="0" y="35"/>
+                    <a:pt x="0" y="35"/>
+                  </a:cubicBezTo>
+                  <a:cubicBezTo>
+                    <a:pt x="6" y="64"/>
+                    <a:pt x="13" y="94"/>
+                    <a:pt x="20" y="124"/>
+                  </a:cubicBezTo>
+                  <a:cubicBezTo>
+                    <a:pt x="20" y="128"/>
+                    <a:pt x="21" y="132"/>
+                    <a:pt x="22" y="136"/>
+                  </a:cubicBezTo>
+                  <a:close/>
+                </a:path>
+              </a:pathLst>
+            </a:custGeom>
+            <a:grpFill/>
+            <a:ln>
+              <a:noFill/>
+            </a:ln>
+          </p:spPr>
+        </p:sp>
+        <p:sp>
+          <p:nvSpPr>
+            <p:cNvPr id="25" name="Freeform 12"/>
+            <p:cNvSpPr/>
+            <p:nvPr/>
+          </p:nvSpPr>
+          <p:spPr bwMode="auto">
+            <a:xfrm>
+              <a:off x="2597151" y="2779713"/>
+              <a:ext cx="550863" cy="1978025"/>
+            </a:xfrm>
+            <a:custGeom>
+              <a:avLst/>
+              <a:gdLst/>
+              <a:ahLst/>
+              <a:cxnLst/>
+              <a:rect l="0" t="0" r="r" b="b"/>
+              <a:pathLst>
+                <a:path w="140" h="504">
+                  <a:moveTo>
+                    <a:pt x="86" y="350"/>
+                  </a:moveTo>
+                  <a:cubicBezTo>
+                    <a:pt x="103" y="402"/>
+                    <a:pt x="120" y="453"/>
+                    <a:pt x="139" y="504"/>
+                  </a:cubicBezTo>
+                  <a:cubicBezTo>
+                    <a:pt x="139" y="495"/>
+                    <a:pt x="139" y="487"/>
+                    <a:pt x="140" y="478"/>
+                  </a:cubicBezTo>
+                  <a:cubicBezTo>
+                    <a:pt x="124" y="435"/>
+                    <a:pt x="109" y="391"/>
+                    <a:pt x="95" y="347"/>
+                  </a:cubicBezTo>
+                  <a:cubicBezTo>
+                    <a:pt x="58" y="233"/>
+                    <a:pt x="27" y="117"/>
+                    <a:pt x="0" y="0"/>
+                  </a:cubicBezTo>
+                  <a:cubicBezTo>
+                    <a:pt x="2" y="20"/>
+                    <a:pt x="4" y="41"/>
+                    <a:pt x="6" y="61"/>
+                  </a:cubicBezTo>
+                  <a:cubicBezTo>
+                    <a:pt x="30" y="158"/>
+                    <a:pt x="56" y="255"/>
+                    <a:pt x="86" y="350"/>
+                  </a:cubicBezTo>
+                  <a:close/>
+                </a:path>
+              </a:pathLst>
+            </a:custGeom>
+            <a:grpFill/>
+            <a:ln>
+              <a:noFill/>
+            </a:ln>
+          </p:spPr>
+        </p:sp>
+        <p:sp>
+          <p:nvSpPr>
+            <p:cNvPr id="26" name="Freeform 13"/>
+            <p:cNvSpPr/>
+            <p:nvPr/>
+          </p:nvSpPr>
+          <p:spPr bwMode="auto">
+            <a:xfrm>
+              <a:off x="3175001" y="4730750"/>
+              <a:ext cx="519113" cy="1209675"/>
+            </a:xfrm>
+            <a:custGeom>
+              <a:avLst/>
+              <a:gdLst/>
+              <a:ahLst/>
+              <a:cxnLst/>
+              <a:rect l="0" t="0" r="r" b="b"/>
+              <a:pathLst>
+                <a:path w="132" h="308">
+                  <a:moveTo>
+                    <a:pt x="8" y="22"/>
+                  </a:moveTo>
+                  <a:cubicBezTo>
+                    <a:pt x="5" y="15"/>
+                    <a:pt x="2" y="8"/>
+                    <a:pt x="0" y="0"/>
+                  </a:cubicBezTo>
+                  <a:cubicBezTo>
+                    <a:pt x="0" y="10"/>
+                    <a:pt x="0" y="19"/>
+                    <a:pt x="0" y="29"/>
+                  </a:cubicBezTo>
+                  <a:cubicBezTo>
+                    <a:pt x="21" y="85"/>
+                    <a:pt x="44" y="140"/>
+                    <a:pt x="68" y="194"/>
+                  </a:cubicBezTo>
+                  <a:cubicBezTo>
+                    <a:pt x="85" y="232"/>
+                    <a:pt x="104" y="270"/>
+                    <a:pt x="123" y="308"/>
+                  </a:cubicBezTo>
+                  <a:cubicBezTo>
+                    <a:pt x="132" y="308"/>
+                    <a:pt x="132" y="308"/>
+                    <a:pt x="132" y="308"/>
+                  </a:cubicBezTo>
+                  <a:cubicBezTo>
+                    <a:pt x="113" y="269"/>
+                    <a:pt x="94" y="230"/>
+                    <a:pt x="77" y="190"/>
+                  </a:cubicBezTo>
+                  <a:cubicBezTo>
+                    <a:pt x="52" y="135"/>
+                    <a:pt x="29" y="79"/>
+                    <a:pt x="8" y="22"/>
+                  </a:cubicBezTo>
+                  <a:close/>
+                </a:path>
+              </a:pathLst>
+            </a:custGeom>
+            <a:grpFill/>
+            <a:ln>
+              <a:noFill/>
+            </a:ln>
+          </p:spPr>
+        </p:sp>
+        <p:sp>
+          <p:nvSpPr>
+            <p:cNvPr id="27" name="Freeform 14"/>
+            <p:cNvSpPr/>
+            <p:nvPr/>
+          </p:nvSpPr>
+          <p:spPr bwMode="auto">
+            <a:xfrm>
+              <a:off x="3305176" y="5630863"/>
+              <a:ext cx="146050" cy="309563"/>
+            </a:xfrm>
+            <a:custGeom>
+              <a:avLst/>
+              <a:gdLst/>
+              <a:ahLst/>
+              <a:cxnLst/>
+              <a:rect l="0" t="0" r="r" b="b"/>
+              <a:pathLst>
+                <a:path w="37" h="79">
+                  <a:moveTo>
+                    <a:pt x="28" y="79"/>
+                  </a:moveTo>
+                  <a:cubicBezTo>
+                    <a:pt x="37" y="79"/>
+                    <a:pt x="37" y="79"/>
+                    <a:pt x="37" y="79"/>
+                  </a:cubicBezTo>
+                  <a:cubicBezTo>
+                    <a:pt x="24" y="53"/>
+                    <a:pt x="12" y="27"/>
+                    <a:pt x="0" y="0"/>
+                  </a:cubicBezTo>
+                  <a:cubicBezTo>
+                    <a:pt x="8" y="27"/>
+                    <a:pt x="17" y="53"/>
+                    <a:pt x="28" y="79"/>
+                  </a:cubicBezTo>
+                  <a:close/>
+                </a:path>
+              </a:pathLst>
+            </a:custGeom>
+            <a:grpFill/>
+            <a:ln>
+              <a:noFill/>
+            </a:ln>
+          </p:spPr>
+        </p:sp>
+        <p:sp>
+          <p:nvSpPr>
+            <p:cNvPr id="28" name="Freeform 15"/>
+            <p:cNvSpPr/>
+            <p:nvPr/>
+          </p:nvSpPr>
+          <p:spPr bwMode="auto">
+            <a:xfrm>
+              <a:off x="2573338" y="2817813"/>
+              <a:ext cx="700088" cy="2835275"/>
+            </a:xfrm>
+            <a:custGeom>
+              <a:avLst/>
+              <a:gdLst/>
+              <a:ahLst/>
+              <a:cxnLst/>
+              <a:rect l="0" t="0" r="r" b="b"/>
+              <a:pathLst>
+                <a:path w="178" h="722">
+                  <a:moveTo>
+                    <a:pt x="162" y="660"/>
+                  </a:moveTo>
+                  <a:cubicBezTo>
+                    <a:pt x="145" y="618"/>
+                    <a:pt x="130" y="576"/>
+                    <a:pt x="116" y="534"/>
+                  </a:cubicBezTo>
+                  <a:cubicBezTo>
+                    <a:pt x="84" y="437"/>
+                    <a:pt x="59" y="337"/>
+                    <a:pt x="40" y="236"/>
+                  </a:cubicBezTo>
+                  <a:cubicBezTo>
+                    <a:pt x="29" y="175"/>
+                    <a:pt x="20" y="113"/>
+                    <a:pt x="12" y="51"/>
+                  </a:cubicBezTo>
+                  <a:cubicBezTo>
+                    <a:pt x="8" y="34"/>
+                    <a:pt x="4" y="17"/>
+                    <a:pt x="0" y="0"/>
+                  </a:cubicBezTo>
+                  <a:cubicBezTo>
+                    <a:pt x="8" y="79"/>
+                    <a:pt x="19" y="159"/>
+                    <a:pt x="33" y="237"/>
+                  </a:cubicBezTo>
+                  <a:cubicBezTo>
+                    <a:pt x="51" y="339"/>
+                    <a:pt x="76" y="439"/>
+                    <a:pt x="107" y="537"/>
+                  </a:cubicBezTo>
+                  <a:cubicBezTo>
+                    <a:pt x="123" y="586"/>
+                    <a:pt x="141" y="634"/>
+                    <a:pt x="160" y="681"/>
+                  </a:cubicBezTo>
+                  <a:cubicBezTo>
+                    <a:pt x="166" y="695"/>
+                    <a:pt x="172" y="708"/>
+                    <a:pt x="178" y="722"/>
+                  </a:cubicBezTo>
+                  <a:cubicBezTo>
+                    <a:pt x="176" y="717"/>
+                    <a:pt x="175" y="713"/>
+                    <a:pt x="174" y="708"/>
+                  </a:cubicBezTo>
+                  <a:cubicBezTo>
+                    <a:pt x="169" y="692"/>
+                    <a:pt x="165" y="676"/>
+                    <a:pt x="162" y="660"/>
+                  </a:cubicBezTo>
+                  <a:close/>
+                </a:path>
+              </a:pathLst>
+            </a:custGeom>
+            <a:grpFill/>
+            <a:ln>
+              <a:noFill/>
+            </a:ln>
+          </p:spPr>
+        </p:sp>
+        <p:sp>
+          <p:nvSpPr>
+            <p:cNvPr id="29" name="Freeform 16"/>
+            <p:cNvSpPr/>
+            <p:nvPr/>
+          </p:nvSpPr>
+          <p:spPr bwMode="auto">
+            <a:xfrm>
+              <a:off x="2506663" y="285750"/>
+              <a:ext cx="90488" cy="2493963"/>
+            </a:xfrm>
+            <a:custGeom>
+              <a:avLst/>
+              <a:gdLst/>
+              <a:ahLst/>
+              <a:cxnLst/>
+              <a:rect l="0" t="0" r="r" b="b"/>
+              <a:pathLst>
+                <a:path w="23" h="635">
+                  <a:moveTo>
+                    <a:pt x="11" y="577"/>
+                  </a:moveTo>
+                  <a:cubicBezTo>
+                    <a:pt x="12" y="581"/>
+                    <a:pt x="12" y="585"/>
+                    <a:pt x="12" y="589"/>
+                  </a:cubicBezTo>
+                  <a:cubicBezTo>
+                    <a:pt x="15" y="603"/>
+                    <a:pt x="19" y="617"/>
+                    <a:pt x="22" y="632"/>
+                  </a:cubicBezTo>
+                  <a:cubicBezTo>
+                    <a:pt x="22" y="633"/>
+                    <a:pt x="22" y="634"/>
+                    <a:pt x="23" y="635"/>
+                  </a:cubicBezTo>
+                  <a:cubicBezTo>
+                    <a:pt x="21" y="615"/>
+                    <a:pt x="19" y="596"/>
+                    <a:pt x="17" y="576"/>
+                  </a:cubicBezTo>
+                  <a:cubicBezTo>
+                    <a:pt x="9" y="474"/>
+                    <a:pt x="5" y="372"/>
+                    <a:pt x="5" y="269"/>
+                  </a:cubicBezTo>
+                  <a:cubicBezTo>
+                    <a:pt x="6" y="179"/>
+                    <a:pt x="9" y="90"/>
+                    <a:pt x="15" y="0"/>
+                  </a:cubicBezTo>
+                  <a:cubicBezTo>
+                    <a:pt x="12" y="0"/>
+                    <a:pt x="12" y="0"/>
+                    <a:pt x="12" y="0"/>
+                  </a:cubicBezTo>
+                  <a:cubicBezTo>
+                    <a:pt x="5" y="89"/>
+                    <a:pt x="2" y="179"/>
+                    <a:pt x="1" y="269"/>
+                  </a:cubicBezTo>
+                  <a:cubicBezTo>
+                    <a:pt x="0" y="372"/>
+                    <a:pt x="3" y="474"/>
+                    <a:pt x="11" y="577"/>
+                  </a:cubicBezTo>
+                  <a:close/>
+                </a:path>
+              </a:pathLst>
+            </a:custGeom>
+            <a:grpFill/>
+            <a:ln>
+              <a:noFill/>
+            </a:ln>
+          </p:spPr>
+        </p:sp>
+        <p:sp>
+          <p:nvSpPr>
+            <p:cNvPr id="30" name="Freeform 17"/>
+            <p:cNvSpPr/>
+            <p:nvPr/>
+          </p:nvSpPr>
+          <p:spPr bwMode="auto">
+            <a:xfrm>
+              <a:off x="2554288" y="2598738"/>
+              <a:ext cx="66675" cy="420688"/>
+            </a:xfrm>
+            <a:custGeom>
+              <a:avLst/>
+              <a:gdLst/>
+              <a:ahLst/>
+              <a:cxnLst/>
+              <a:rect l="0" t="0" r="r" b="b"/>
+              <a:pathLst>
+                <a:path w="17" h="107">
+                  <a:moveTo>
+                    <a:pt x="0" y="0"/>
+                  </a:moveTo>
+                  <a:cubicBezTo>
+                    <a:pt x="2" y="19"/>
+                    <a:pt x="3" y="37"/>
+                    <a:pt x="5" y="56"/>
+                  </a:cubicBezTo>
+                  <a:cubicBezTo>
+                    <a:pt x="9" y="73"/>
+                    <a:pt x="13" y="90"/>
+                    <a:pt x="17" y="107"/>
+                  </a:cubicBezTo>
+                  <a:cubicBezTo>
+                    <a:pt x="15" y="87"/>
+                    <a:pt x="13" y="66"/>
+                    <a:pt x="11" y="46"/>
+                  </a:cubicBezTo>
+                  <a:cubicBezTo>
+                    <a:pt x="10" y="45"/>
+                    <a:pt x="10" y="44"/>
+                    <a:pt x="10" y="43"/>
+                  </a:cubicBezTo>
+                  <a:cubicBezTo>
+                    <a:pt x="7" y="28"/>
+                    <a:pt x="3" y="14"/>
+                    <a:pt x="0" y="0"/>
+                  </a:cubicBezTo>
+                  <a:close/>
+                </a:path>
+              </a:pathLst>
+            </a:custGeom>
+            <a:grpFill/>
+            <a:ln>
+              <a:noFill/>
+            </a:ln>
+          </p:spPr>
+        </p:sp>
+        <p:sp>
+          <p:nvSpPr>
+            <p:cNvPr id="31" name="Freeform 18"/>
+            <p:cNvSpPr/>
+            <p:nvPr/>
+          </p:nvSpPr>
+          <p:spPr bwMode="auto">
+            <a:xfrm>
+              <a:off x="3143251" y="4757738"/>
+              <a:ext cx="161925" cy="873125"/>
+            </a:xfrm>
+            <a:custGeom>
+              <a:avLst/>
+              <a:gdLst/>
+              <a:ahLst/>
+              <a:cxnLst/>
+              <a:rect l="0" t="0" r="r" b="b"/>
+              <a:pathLst>
+                <a:path w="41" h="222">
+                  <a:moveTo>
+                    <a:pt x="0" y="0"/>
+                  </a:moveTo>
+                  <a:cubicBezTo>
+                    <a:pt x="0" y="31"/>
+                    <a:pt x="2" y="62"/>
+                    <a:pt x="5" y="93"/>
+                  </a:cubicBezTo>
+                  <a:cubicBezTo>
+                    <a:pt x="8" y="117"/>
+                    <a:pt x="12" y="142"/>
+                    <a:pt x="17" y="166"/>
+                  </a:cubicBezTo>
+                  <a:cubicBezTo>
+                    <a:pt x="19" y="172"/>
+                    <a:pt x="22" y="178"/>
+                    <a:pt x="24" y="184"/>
+                  </a:cubicBezTo>
+                  <a:cubicBezTo>
+                    <a:pt x="30" y="197"/>
+                    <a:pt x="35" y="209"/>
+                    <a:pt x="41" y="222"/>
+                  </a:cubicBezTo>
+                  <a:cubicBezTo>
+                    <a:pt x="40" y="219"/>
+                    <a:pt x="39" y="215"/>
+                    <a:pt x="38" y="212"/>
+                  </a:cubicBezTo>
+                  <a:cubicBezTo>
+                    <a:pt x="26" y="172"/>
+                    <a:pt x="18" y="132"/>
+                    <a:pt x="13" y="92"/>
+                  </a:cubicBezTo>
+                  <a:cubicBezTo>
+                    <a:pt x="11" y="68"/>
+                    <a:pt x="9" y="45"/>
+                    <a:pt x="8" y="22"/>
+                  </a:cubicBezTo>
+                  <a:cubicBezTo>
+                    <a:pt x="8" y="21"/>
+                    <a:pt x="7" y="20"/>
+                    <a:pt x="7" y="18"/>
+                  </a:cubicBezTo>
+                  <a:cubicBezTo>
+                    <a:pt x="5" y="12"/>
+                    <a:pt x="2" y="6"/>
+                    <a:pt x="0" y="0"/>
+                  </a:cubicBezTo>
+                  <a:close/>
+                </a:path>
+              </a:pathLst>
+            </a:custGeom>
+            <a:grpFill/>
+            <a:ln>
+              <a:noFill/>
+            </a:ln>
+          </p:spPr>
+        </p:sp>
+        <p:sp>
+          <p:nvSpPr>
+            <p:cNvPr id="32" name="Freeform 19"/>
+            <p:cNvSpPr/>
+            <p:nvPr/>
+          </p:nvSpPr>
+          <p:spPr bwMode="auto">
+            <a:xfrm>
+              <a:off x="3148013" y="1282700"/>
+              <a:ext cx="1768475" cy="3448050"/>
+            </a:xfrm>
+            <a:custGeom>
+              <a:avLst/>
+              <a:gdLst/>
+              <a:ahLst/>
+              <a:cxnLst/>
+              <a:rect l="0" t="0" r="r" b="b"/>
+              <a:pathLst>
+                <a:path w="450" h="878">
+                  <a:moveTo>
+                    <a:pt x="7" y="854"/>
+                  </a:moveTo>
+                  <a:cubicBezTo>
+                    <a:pt x="10" y="772"/>
+                    <a:pt x="26" y="691"/>
+                    <a:pt x="50" y="613"/>
+                  </a:cubicBezTo>
+                  <a:cubicBezTo>
+                    <a:pt x="75" y="535"/>
+                    <a:pt x="109" y="460"/>
+                    <a:pt x="149" y="388"/>
+                  </a:cubicBezTo>
+                  <a:cubicBezTo>
+                    <a:pt x="189" y="316"/>
+                    <a:pt x="235" y="248"/>
+                    <a:pt x="285" y="183"/>
+                  </a:cubicBezTo>
+                  <a:cubicBezTo>
+                    <a:pt x="310" y="151"/>
+                    <a:pt x="337" y="119"/>
+                    <a:pt x="364" y="89"/>
+                  </a:cubicBezTo>
+                  <a:cubicBezTo>
+                    <a:pt x="378" y="74"/>
+                    <a:pt x="392" y="58"/>
+                    <a:pt x="406" y="44"/>
+                  </a:cubicBezTo>
+                  <a:cubicBezTo>
+                    <a:pt x="421" y="29"/>
+                    <a:pt x="435" y="15"/>
+                    <a:pt x="450" y="1"/>
+                  </a:cubicBezTo>
+                  <a:cubicBezTo>
+                    <a:pt x="450" y="0"/>
+                    <a:pt x="450" y="0"/>
+                    <a:pt x="450" y="0"/>
+                  </a:cubicBezTo>
+                  <a:cubicBezTo>
+                    <a:pt x="434" y="14"/>
+                    <a:pt x="420" y="28"/>
+                    <a:pt x="405" y="43"/>
+                  </a:cubicBezTo>
+                  <a:cubicBezTo>
+                    <a:pt x="391" y="57"/>
+                    <a:pt x="377" y="72"/>
+                    <a:pt x="363" y="88"/>
+                  </a:cubicBezTo>
+                  <a:cubicBezTo>
+                    <a:pt x="335" y="118"/>
+                    <a:pt x="308" y="149"/>
+                    <a:pt x="283" y="181"/>
+                  </a:cubicBezTo>
+                  <a:cubicBezTo>
+                    <a:pt x="232" y="246"/>
+                    <a:pt x="185" y="314"/>
+                    <a:pt x="145" y="386"/>
+                  </a:cubicBezTo>
+                  <a:cubicBezTo>
+                    <a:pt x="104" y="457"/>
+                    <a:pt x="70" y="533"/>
+                    <a:pt x="45" y="611"/>
+                  </a:cubicBezTo>
+                  <a:cubicBezTo>
+                    <a:pt x="19" y="690"/>
+                    <a:pt x="3" y="771"/>
+                    <a:pt x="0" y="854"/>
+                  </a:cubicBezTo>
+                  <a:cubicBezTo>
+                    <a:pt x="0" y="856"/>
+                    <a:pt x="0" y="857"/>
+                    <a:pt x="0" y="859"/>
+                  </a:cubicBezTo>
+                  <a:cubicBezTo>
+                    <a:pt x="2" y="865"/>
+                    <a:pt x="4" y="872"/>
+                    <a:pt x="7" y="878"/>
+                  </a:cubicBezTo>
+                  <a:cubicBezTo>
+                    <a:pt x="7" y="870"/>
+                    <a:pt x="7" y="862"/>
+                    <a:pt x="7" y="854"/>
+                  </a:cubicBezTo>
+                  <a:close/>
+                </a:path>
+              </a:pathLst>
+            </a:custGeom>
+            <a:grpFill/>
+            <a:ln>
+              <a:noFill/>
+            </a:ln>
+          </p:spPr>
+        </p:sp>
+        <p:sp>
+          <p:nvSpPr>
+            <p:cNvPr id="33" name="Freeform 20"/>
+            <p:cNvSpPr/>
+            <p:nvPr/>
+          </p:nvSpPr>
+          <p:spPr bwMode="auto">
+            <a:xfrm>
+              <a:off x="3273426" y="5653088"/>
+              <a:ext cx="138113" cy="287338"/>
+            </a:xfrm>
+            <a:custGeom>
+              <a:avLst/>
+              <a:gdLst/>
+              <a:ahLst/>
+              <a:cxnLst/>
+              <a:rect l="0" t="0" r="r" b="b"/>
+              <a:pathLst>
+                <a:path w="35" h="73">
+                  <a:moveTo>
+                    <a:pt x="0" y="0"/>
+                  </a:moveTo>
+                  <a:cubicBezTo>
+                    <a:pt x="7" y="24"/>
+                    <a:pt x="16" y="49"/>
+                    <a:pt x="26" y="73"/>
+                  </a:cubicBezTo>
+                  <a:cubicBezTo>
+                    <a:pt x="35" y="73"/>
+                    <a:pt x="35" y="73"/>
+                    <a:pt x="35" y="73"/>
+                  </a:cubicBezTo>
+                  <a:cubicBezTo>
+                    <a:pt x="23" y="49"/>
+                    <a:pt x="11" y="24"/>
+                    <a:pt x="0" y="0"/>
+                  </a:cubicBezTo>
+                  <a:close/>
+                </a:path>
+              </a:pathLst>
+            </a:custGeom>
+            <a:grpFill/>
+            <a:ln>
+              <a:noFill/>
+            </a:ln>
+          </p:spPr>
+        </p:sp>
+        <p:sp>
+          <p:nvSpPr>
+            <p:cNvPr id="34" name="Freeform 21"/>
+            <p:cNvSpPr/>
+            <p:nvPr/>
+          </p:nvSpPr>
+          <p:spPr bwMode="auto">
+            <a:xfrm>
+              <a:off x="3143251" y="4656138"/>
+              <a:ext cx="31750" cy="188913"/>
+            </a:xfrm>
+            <a:custGeom>
+              <a:avLst/>
+              <a:gdLst/>
+              <a:ahLst/>
+              <a:cxnLst/>
+              <a:rect l="0" t="0" r="r" b="b"/>
+              <a:pathLst>
+                <a:path w="8" h="48">
+                  <a:moveTo>
+                    <a:pt x="7" y="44"/>
+                  </a:moveTo>
+                  <a:cubicBezTo>
+                    <a:pt x="7" y="46"/>
+                    <a:pt x="8" y="47"/>
+                    <a:pt x="8" y="48"/>
+                  </a:cubicBezTo>
+                  <a:cubicBezTo>
+                    <a:pt x="8" y="38"/>
+                    <a:pt x="8" y="29"/>
+                    <a:pt x="8" y="19"/>
+                  </a:cubicBezTo>
+                  <a:cubicBezTo>
+                    <a:pt x="5" y="13"/>
+                    <a:pt x="3" y="6"/>
+                    <a:pt x="1" y="0"/>
+                  </a:cubicBezTo>
+                  <a:cubicBezTo>
+                    <a:pt x="0" y="9"/>
+                    <a:pt x="0" y="17"/>
+                    <a:pt x="0" y="26"/>
+                  </a:cubicBezTo>
+                  <a:cubicBezTo>
+                    <a:pt x="2" y="32"/>
+                    <a:pt x="5" y="38"/>
+                    <a:pt x="7" y="44"/>
+                  </a:cubicBezTo>
+                  <a:close/>
+                </a:path>
+              </a:pathLst>
+            </a:custGeom>
+            <a:grpFill/>
+            <a:ln>
+              <a:noFill/>
+            </a:ln>
+          </p:spPr>
+        </p:sp>
+        <p:sp>
+          <p:nvSpPr>
+            <p:cNvPr id="35" name="Freeform 22"/>
+            <p:cNvSpPr/>
+            <p:nvPr/>
+          </p:nvSpPr>
+          <p:spPr bwMode="auto">
+            <a:xfrm>
+              <a:off x="3211513" y="5410200"/>
+              <a:ext cx="203200" cy="530225"/>
+            </a:xfrm>
+            <a:custGeom>
+              <a:avLst/>
+              <a:gdLst/>
+              <a:ahLst/>
+              <a:cxnLst/>
+              <a:rect l="0" t="0" r="r" b="b"/>
+              <a:pathLst>
+                <a:path w="52" h="135">
+                  <a:moveTo>
+                    <a:pt x="7" y="18"/>
+                  </a:moveTo>
+                  <a:cubicBezTo>
+                    <a:pt x="5" y="12"/>
+                    <a:pt x="2" y="6"/>
+                    <a:pt x="0" y="0"/>
+                  </a:cubicBezTo>
+                  <a:cubicBezTo>
+                    <a:pt x="3" y="16"/>
+                    <a:pt x="7" y="32"/>
+                    <a:pt x="12" y="48"/>
+                  </a:cubicBezTo>
+                  <a:cubicBezTo>
+                    <a:pt x="13" y="53"/>
+                    <a:pt x="14" y="57"/>
+                    <a:pt x="16" y="62"/>
+                  </a:cubicBezTo>
+                  <a:cubicBezTo>
+                    <a:pt x="27" y="86"/>
+                    <a:pt x="39" y="111"/>
+                    <a:pt x="51" y="135"/>
+                  </a:cubicBezTo>
+                  <a:cubicBezTo>
+                    <a:pt x="52" y="135"/>
+                    <a:pt x="52" y="135"/>
+                    <a:pt x="52" y="135"/>
+                  </a:cubicBezTo>
+                  <a:cubicBezTo>
+                    <a:pt x="41" y="109"/>
+                    <a:pt x="32" y="83"/>
+                    <a:pt x="24" y="56"/>
+                  </a:cubicBezTo>
+                  <a:cubicBezTo>
+                    <a:pt x="18" y="43"/>
+                    <a:pt x="13" y="31"/>
+                    <a:pt x="7" y="18"/>
+                  </a:cubicBezTo>
+                  <a:close/>
+                </a:path>
+              </a:pathLst>
+            </a:custGeom>
+            <a:grpFill/>
+            <a:ln>
+              <a:noFill/>
+            </a:ln>
+          </p:spPr>
+        </p:sp>
+      </p:grpSp>
+      <p:grpSp>
+        <p:nvGrpSpPr>
+          <p:cNvPr id="10" name="Group 9"/>
+          <p:cNvGrpSpPr/>
+          <p:nvPr/>
+        </p:nvGrpSpPr>
+        <p:grpSpPr>
+          <a:xfrm>
+            <a:off x="27221" y="-30"/>
+            <a:ext cx="2356674" cy="6853283"/>
+            <a:chOff x="6627813" y="195452"/>
+            <a:chExt cx="1952625" cy="5678299"/>
+          </a:xfrm>
+          <a:solidFill>
+            <a:schemeClr val="accent1"/>
+          </a:solidFill>
+        </p:grpSpPr>
+        <p:sp>
+          <p:nvSpPr>
+            <p:cNvPr id="11" name="Freeform 27"/>
+            <p:cNvSpPr/>
+            <p:nvPr/>
+          </p:nvSpPr>
+          <p:spPr bwMode="auto">
+            <a:xfrm>
+              <a:off x="6627813" y="195452"/>
+              <a:ext cx="409575" cy="3646488"/>
+            </a:xfrm>
+            <a:custGeom>
+              <a:avLst/>
+              <a:gdLst/>
+              <a:ahLst/>
+              <a:cxnLst/>
+              <a:rect l="0" t="0" r="r" b="b"/>
+              <a:pathLst>
+                <a:path w="103" h="920">
+                  <a:moveTo>
+                    <a:pt x="7" y="210"/>
+                  </a:moveTo>
+                  <a:cubicBezTo>
+                    <a:pt x="11" y="288"/>
+                    <a:pt x="17" y="367"/>
+                    <a:pt x="26" y="445"/>
+                  </a:cubicBezTo>
+                  <a:cubicBezTo>
+                    <a:pt x="34" y="523"/>
+                    <a:pt x="44" y="601"/>
+                    <a:pt x="57" y="679"/>
+                  </a:cubicBezTo>
+                  <a:cubicBezTo>
+                    <a:pt x="69" y="757"/>
+                    <a:pt x="84" y="834"/>
+                    <a:pt x="101" y="911"/>
+                  </a:cubicBezTo>
+                  <a:cubicBezTo>
+                    <a:pt x="102" y="914"/>
+                    <a:pt x="103" y="917"/>
+                    <a:pt x="103" y="920"/>
+                  </a:cubicBezTo>
+                  <a:cubicBezTo>
+                    <a:pt x="102" y="905"/>
+                    <a:pt x="100" y="889"/>
+                    <a:pt x="99" y="874"/>
+                  </a:cubicBezTo>
+                  <a:cubicBezTo>
+                    <a:pt x="99" y="871"/>
+                    <a:pt x="99" y="868"/>
+                    <a:pt x="99" y="866"/>
+                  </a:cubicBezTo>
+                  <a:cubicBezTo>
+                    <a:pt x="85" y="803"/>
+                    <a:pt x="73" y="741"/>
+                    <a:pt x="63" y="678"/>
+                  </a:cubicBezTo>
+                  <a:cubicBezTo>
+                    <a:pt x="50" y="600"/>
+                    <a:pt x="39" y="523"/>
+                    <a:pt x="30" y="444"/>
+                  </a:cubicBezTo>
+                  <a:cubicBezTo>
+                    <a:pt x="21" y="366"/>
+                    <a:pt x="14" y="288"/>
+                    <a:pt x="9" y="209"/>
+                  </a:cubicBezTo>
+                  <a:cubicBezTo>
+                    <a:pt x="7" y="170"/>
+                    <a:pt x="5" y="131"/>
+                    <a:pt x="3" y="92"/>
+                  </a:cubicBezTo>
+                  <a:cubicBezTo>
+                    <a:pt x="2" y="61"/>
+                    <a:pt x="1" y="31"/>
+                    <a:pt x="1" y="0"/>
+                  </a:cubicBezTo>
+                  <a:cubicBezTo>
+                    <a:pt x="0" y="0"/>
+                    <a:pt x="0" y="0"/>
+                    <a:pt x="0" y="0"/>
+                  </a:cubicBezTo>
+                  <a:cubicBezTo>
+                    <a:pt x="0" y="31"/>
+                    <a:pt x="1" y="61"/>
+                    <a:pt x="1" y="92"/>
+                  </a:cubicBezTo>
+                  <a:cubicBezTo>
+                    <a:pt x="3" y="131"/>
+                    <a:pt x="4" y="170"/>
+                    <a:pt x="7" y="210"/>
+                  </a:cubicBezTo>
+                  <a:close/>
+                </a:path>
+              </a:pathLst>
+            </a:custGeom>
+            <a:grpFill/>
+            <a:ln>
+              <a:noFill/>
+            </a:ln>
+          </p:spPr>
+        </p:sp>
+        <p:sp>
+          <p:nvSpPr>
+            <p:cNvPr id="12" name="Freeform 28"/>
+            <p:cNvSpPr/>
+            <p:nvPr/>
+          </p:nvSpPr>
+          <p:spPr bwMode="auto">
+            <a:xfrm>
+              <a:off x="7061201" y="3771900"/>
+              <a:ext cx="350838" cy="1309688"/>
+            </a:xfrm>
+            <a:custGeom>
+              <a:avLst/>
+              <a:gdLst/>
+              <a:ahLst/>
+              <a:cxnLst/>
+              <a:rect l="0" t="0" r="r" b="b"/>
+              <a:pathLst>
+                <a:path w="88" h="330">
+                  <a:moveTo>
+                    <a:pt x="53" y="229"/>
+                  </a:moveTo>
+                  <a:cubicBezTo>
+                    <a:pt x="64" y="263"/>
+                    <a:pt x="75" y="297"/>
+                    <a:pt x="88" y="330"/>
+                  </a:cubicBezTo>
+                  <a:cubicBezTo>
+                    <a:pt x="88" y="323"/>
+                    <a:pt x="88" y="315"/>
+                    <a:pt x="88" y="308"/>
+                  </a:cubicBezTo>
+                  <a:cubicBezTo>
+                    <a:pt x="88" y="307"/>
+                    <a:pt x="88" y="305"/>
+                    <a:pt x="88" y="304"/>
+                  </a:cubicBezTo>
+                  <a:cubicBezTo>
+                    <a:pt x="79" y="278"/>
+                    <a:pt x="70" y="252"/>
+                    <a:pt x="62" y="226"/>
+                  </a:cubicBezTo>
+                  <a:cubicBezTo>
+                    <a:pt x="38" y="152"/>
+                    <a:pt x="17" y="76"/>
+                    <a:pt x="0" y="0"/>
+                  </a:cubicBezTo>
+                  <a:cubicBezTo>
+                    <a:pt x="2" y="21"/>
+                    <a:pt x="4" y="42"/>
+                    <a:pt x="7" y="63"/>
+                  </a:cubicBezTo>
+                  <a:cubicBezTo>
+                    <a:pt x="21" y="119"/>
+                    <a:pt x="36" y="174"/>
+                    <a:pt x="53" y="229"/>
+                  </a:cubicBezTo>
+                  <a:close/>
+                </a:path>
+              </a:pathLst>
+            </a:custGeom>
+            <a:grpFill/>
+            <a:ln>
+              <a:noFill/>
+            </a:ln>
+          </p:spPr>
+        </p:sp>
+        <p:sp>
+          <p:nvSpPr>
+            <p:cNvPr id="13" name="Freeform 29"/>
+            <p:cNvSpPr/>
+            <p:nvPr/>
+          </p:nvSpPr>
+          <p:spPr bwMode="auto">
+            <a:xfrm>
+              <a:off x="7439026" y="5053013"/>
+              <a:ext cx="357188" cy="820738"/>
+            </a:xfrm>
+            <a:custGeom>
+              <a:avLst/>
+              <a:gdLst/>
+              <a:ahLst/>
+              <a:cxnLst/>
+              <a:rect l="0" t="0" r="r" b="b"/>
+              <a:pathLst>
+                <a:path w="90" h="207">
+                  <a:moveTo>
+                    <a:pt x="6" y="15"/>
+                  </a:moveTo>
+                  <a:cubicBezTo>
+                    <a:pt x="4" y="10"/>
+                    <a:pt x="2" y="5"/>
+                    <a:pt x="0" y="0"/>
+                  </a:cubicBezTo>
+                  <a:cubicBezTo>
+                    <a:pt x="0" y="9"/>
+                    <a:pt x="0" y="19"/>
+                    <a:pt x="1" y="29"/>
+                  </a:cubicBezTo>
+                  <a:cubicBezTo>
+                    <a:pt x="14" y="62"/>
+                    <a:pt x="27" y="95"/>
+                    <a:pt x="42" y="127"/>
+                  </a:cubicBezTo>
+                  <a:cubicBezTo>
+                    <a:pt x="54" y="154"/>
+                    <a:pt x="67" y="181"/>
+                    <a:pt x="80" y="207"/>
+                  </a:cubicBezTo>
+                  <a:cubicBezTo>
+                    <a:pt x="90" y="207"/>
+                    <a:pt x="90" y="207"/>
+                    <a:pt x="90" y="207"/>
+                  </a:cubicBezTo>
+                  <a:cubicBezTo>
+                    <a:pt x="76" y="180"/>
+                    <a:pt x="63" y="152"/>
+                    <a:pt x="50" y="123"/>
+                  </a:cubicBezTo>
+                  <a:cubicBezTo>
+                    <a:pt x="34" y="88"/>
+                    <a:pt x="20" y="51"/>
+                    <a:pt x="6" y="15"/>
+                  </a:cubicBezTo>
+                  <a:close/>
+                </a:path>
+              </a:pathLst>
+            </a:custGeom>
+            <a:grpFill/>
+            <a:ln>
+              <a:noFill/>
+            </a:ln>
+          </p:spPr>
+        </p:sp>
+        <p:sp>
+          <p:nvSpPr>
+            <p:cNvPr id="14" name="Freeform 30"/>
+            <p:cNvSpPr/>
+            <p:nvPr/>
+          </p:nvSpPr>
+          <p:spPr bwMode="auto">
+            <a:xfrm>
+              <a:off x="7037388" y="3811588"/>
+              <a:ext cx="457200" cy="1852613"/>
+            </a:xfrm>
+            <a:custGeom>
+              <a:avLst/>
+              <a:gdLst/>
+              <a:ahLst/>
+              <a:cxnLst/>
+              <a:rect l="0" t="0" r="r" b="b"/>
+              <a:pathLst>
+                <a:path w="115" h="467">
+                  <a:moveTo>
+                    <a:pt x="101" y="409"/>
+                  </a:moveTo>
+                  <a:cubicBezTo>
+                    <a:pt x="93" y="388"/>
+                    <a:pt x="85" y="366"/>
+                    <a:pt x="78" y="344"/>
+                  </a:cubicBezTo>
+                  <a:cubicBezTo>
+                    <a:pt x="57" y="281"/>
+                    <a:pt x="41" y="216"/>
+                    <a:pt x="29" y="151"/>
+                  </a:cubicBezTo>
+                  <a:cubicBezTo>
+                    <a:pt x="22" y="119"/>
+                    <a:pt x="17" y="86"/>
+                    <a:pt x="13" y="53"/>
+                  </a:cubicBezTo>
+                  <a:cubicBezTo>
+                    <a:pt x="9" y="35"/>
+                    <a:pt x="4" y="18"/>
+                    <a:pt x="0" y="0"/>
+                  </a:cubicBezTo>
+                  <a:cubicBezTo>
+                    <a:pt x="5" y="51"/>
+                    <a:pt x="12" y="102"/>
+                    <a:pt x="21" y="152"/>
+                  </a:cubicBezTo>
+                  <a:cubicBezTo>
+                    <a:pt x="33" y="218"/>
+                    <a:pt x="49" y="283"/>
+                    <a:pt x="69" y="347"/>
+                  </a:cubicBezTo>
+                  <a:cubicBezTo>
+                    <a:pt x="79" y="378"/>
+                    <a:pt x="90" y="410"/>
+                    <a:pt x="103" y="441"/>
+                  </a:cubicBezTo>
+                  <a:cubicBezTo>
+                    <a:pt x="107" y="449"/>
+                    <a:pt x="111" y="458"/>
+                    <a:pt x="115" y="467"/>
+                  </a:cubicBezTo>
+                  <a:cubicBezTo>
+                    <a:pt x="114" y="464"/>
+                    <a:pt x="113" y="461"/>
+                    <a:pt x="112" y="458"/>
+                  </a:cubicBezTo>
+                  <a:cubicBezTo>
+                    <a:pt x="108" y="442"/>
+                    <a:pt x="104" y="425"/>
+                    <a:pt x="101" y="409"/>
+                  </a:cubicBezTo>
+                  <a:close/>
+                </a:path>
+              </a:pathLst>
+            </a:custGeom>
+            <a:grpFill/>
+            <a:ln>
+              <a:noFill/>
+            </a:ln>
+          </p:spPr>
+        </p:sp>
+        <p:sp>
+          <p:nvSpPr>
+            <p:cNvPr id="15" name="Freeform 31"/>
+            <p:cNvSpPr/>
+            <p:nvPr/>
+          </p:nvSpPr>
+          <p:spPr bwMode="auto">
+            <a:xfrm>
+              <a:off x="6992938" y="1263650"/>
+              <a:ext cx="144463" cy="2508250"/>
+            </a:xfrm>
+            <a:custGeom>
+              <a:avLst/>
+              <a:gdLst/>
+              <a:ahLst/>
+              <a:cxnLst/>
+              <a:rect l="0" t="0" r="r" b="b"/>
+              <a:pathLst>
+                <a:path w="36" h="633">
+                  <a:moveTo>
+                    <a:pt x="17" y="633"/>
+                  </a:moveTo>
+                  <a:cubicBezTo>
+                    <a:pt x="15" y="621"/>
+                    <a:pt x="14" y="609"/>
+                    <a:pt x="13" y="597"/>
+                  </a:cubicBezTo>
+                  <a:cubicBezTo>
+                    <a:pt x="8" y="530"/>
+                    <a:pt x="5" y="464"/>
+                    <a:pt x="5" y="398"/>
+                  </a:cubicBezTo>
+                  <a:cubicBezTo>
+                    <a:pt x="5" y="331"/>
+                    <a:pt x="8" y="265"/>
+                    <a:pt x="13" y="198"/>
+                  </a:cubicBezTo>
+                  <a:cubicBezTo>
+                    <a:pt x="15" y="165"/>
+                    <a:pt x="18" y="132"/>
+                    <a:pt x="22" y="99"/>
+                  </a:cubicBezTo>
+                  <a:cubicBezTo>
+                    <a:pt x="26" y="66"/>
+                    <a:pt x="30" y="33"/>
+                    <a:pt x="36" y="0"/>
+                  </a:cubicBezTo>
+                  <a:cubicBezTo>
+                    <a:pt x="35" y="0"/>
+                    <a:pt x="35" y="0"/>
+                    <a:pt x="35" y="0"/>
+                  </a:cubicBezTo>
+                  <a:cubicBezTo>
+                    <a:pt x="29" y="33"/>
+                    <a:pt x="24" y="66"/>
+                    <a:pt x="20" y="99"/>
+                  </a:cubicBezTo>
+                  <a:cubicBezTo>
+                    <a:pt x="16" y="132"/>
+                    <a:pt x="13" y="165"/>
+                    <a:pt x="10" y="198"/>
+                  </a:cubicBezTo>
+                  <a:cubicBezTo>
+                    <a:pt x="4" y="264"/>
+                    <a:pt x="1" y="331"/>
+                    <a:pt x="1" y="398"/>
+                  </a:cubicBezTo>
+                  <a:cubicBezTo>
+                    <a:pt x="0" y="461"/>
+                    <a:pt x="2" y="525"/>
+                    <a:pt x="7" y="589"/>
+                  </a:cubicBezTo>
+                  <a:cubicBezTo>
+                    <a:pt x="10" y="603"/>
+                    <a:pt x="13" y="618"/>
+                    <a:pt x="16" y="632"/>
+                  </a:cubicBezTo>
+                  <a:cubicBezTo>
+                    <a:pt x="16" y="632"/>
+                    <a:pt x="17" y="633"/>
+                    <a:pt x="17" y="633"/>
+                  </a:cubicBezTo>
+                  <a:close/>
+                </a:path>
+              </a:pathLst>
+            </a:custGeom>
+            <a:grpFill/>
+            <a:ln>
+              <a:noFill/>
+            </a:ln>
+          </p:spPr>
+        </p:sp>
+        <p:sp>
+          <p:nvSpPr>
+            <p:cNvPr id="16" name="Freeform 32"/>
+            <p:cNvSpPr/>
+            <p:nvPr/>
+          </p:nvSpPr>
+          <p:spPr bwMode="auto">
+            <a:xfrm>
+              <a:off x="7526338" y="5640388"/>
+              <a:ext cx="111125" cy="233363"/>
+            </a:xfrm>
+            <a:custGeom>
+              <a:avLst/>
+              <a:gdLst/>
+              <a:ahLst/>
+              <a:cxnLst/>
+              <a:rect l="0" t="0" r="r" b="b"/>
+              <a:pathLst>
+                <a:path w="28" h="59">
+                  <a:moveTo>
+                    <a:pt x="22" y="59"/>
+                  </a:moveTo>
+                  <a:cubicBezTo>
+                    <a:pt x="28" y="59"/>
+                    <a:pt x="28" y="59"/>
+                    <a:pt x="28" y="59"/>
+                  </a:cubicBezTo>
+                  <a:cubicBezTo>
+                    <a:pt x="18" y="40"/>
+                    <a:pt x="9" y="20"/>
+                    <a:pt x="0" y="0"/>
+                  </a:cubicBezTo>
+                  <a:cubicBezTo>
+                    <a:pt x="6" y="20"/>
+                    <a:pt x="13" y="40"/>
+                    <a:pt x="22" y="59"/>
+                  </a:cubicBezTo>
+                  <a:close/>
+                </a:path>
+              </a:pathLst>
+            </a:custGeom>
+            <a:grpFill/>
+            <a:ln>
+              <a:noFill/>
+            </a:ln>
+          </p:spPr>
+        </p:sp>
+        <p:sp>
+          <p:nvSpPr>
+            <p:cNvPr id="17" name="Freeform 33"/>
+            <p:cNvSpPr/>
+            <p:nvPr/>
+          </p:nvSpPr>
+          <p:spPr bwMode="auto">
+            <a:xfrm>
+              <a:off x="7021513" y="3598863"/>
+              <a:ext cx="68263" cy="423863"/>
+            </a:xfrm>
+            <a:custGeom>
+              <a:avLst/>
+              <a:gdLst/>
+              <a:ahLst/>
+              <a:cxnLst/>
+              <a:rect l="0" t="0" r="r" b="b"/>
+              <a:pathLst>
+                <a:path w="17" h="107">
+                  <a:moveTo>
+                    <a:pt x="4" y="54"/>
+                  </a:moveTo>
+                  <a:cubicBezTo>
+                    <a:pt x="8" y="72"/>
+                    <a:pt x="13" y="89"/>
+                    <a:pt x="17" y="107"/>
+                  </a:cubicBezTo>
+                  <a:cubicBezTo>
+                    <a:pt x="14" y="86"/>
+                    <a:pt x="12" y="65"/>
+                    <a:pt x="10" y="44"/>
+                  </a:cubicBezTo>
+                  <a:cubicBezTo>
+                    <a:pt x="10" y="44"/>
+                    <a:pt x="9" y="43"/>
+                    <a:pt x="9" y="43"/>
+                  </a:cubicBezTo>
+                  <a:cubicBezTo>
+                    <a:pt x="6" y="29"/>
+                    <a:pt x="3" y="14"/>
+                    <a:pt x="0" y="0"/>
+                  </a:cubicBezTo>
+                  <a:cubicBezTo>
+                    <a:pt x="0" y="2"/>
+                    <a:pt x="0" y="5"/>
+                    <a:pt x="0" y="8"/>
+                  </a:cubicBezTo>
+                  <a:cubicBezTo>
+                    <a:pt x="1" y="23"/>
+                    <a:pt x="3" y="39"/>
+                    <a:pt x="4" y="54"/>
+                  </a:cubicBezTo>
+                  <a:close/>
+                </a:path>
+              </a:pathLst>
+            </a:custGeom>
+            <a:grpFill/>
+            <a:ln>
+              <a:noFill/>
+            </a:ln>
+          </p:spPr>
+        </p:sp>
+        <p:sp>
+          <p:nvSpPr>
+            <p:cNvPr id="18" name="Freeform 34"/>
+            <p:cNvSpPr/>
+            <p:nvPr/>
+          </p:nvSpPr>
+          <p:spPr bwMode="auto">
+            <a:xfrm>
+              <a:off x="7412038" y="2801938"/>
+              <a:ext cx="1168400" cy="2251075"/>
+            </a:xfrm>
+            <a:custGeom>
+              <a:avLst/>
+              <a:gdLst/>
+              <a:ahLst/>
+              <a:cxnLst/>
+              <a:rect l="0" t="0" r="r" b="b"/>
+              <a:pathLst>
+                <a:path w="294" h="568">
+                  <a:moveTo>
+                    <a:pt x="8" y="553"/>
+                  </a:moveTo>
+                  <a:cubicBezTo>
+                    <a:pt x="9" y="501"/>
+                    <a:pt x="19" y="448"/>
+                    <a:pt x="35" y="397"/>
+                  </a:cubicBezTo>
+                  <a:cubicBezTo>
+                    <a:pt x="51" y="347"/>
+                    <a:pt x="73" y="298"/>
+                    <a:pt x="99" y="252"/>
+                  </a:cubicBezTo>
+                  <a:cubicBezTo>
+                    <a:pt x="124" y="205"/>
+                    <a:pt x="154" y="161"/>
+                    <a:pt x="187" y="119"/>
+                  </a:cubicBezTo>
+                  <a:cubicBezTo>
+                    <a:pt x="203" y="98"/>
+                    <a:pt x="220" y="77"/>
+                    <a:pt x="238" y="58"/>
+                  </a:cubicBezTo>
+                  <a:cubicBezTo>
+                    <a:pt x="247" y="48"/>
+                    <a:pt x="256" y="38"/>
+                    <a:pt x="265" y="28"/>
+                  </a:cubicBezTo>
+                  <a:cubicBezTo>
+                    <a:pt x="274" y="19"/>
+                    <a:pt x="284" y="9"/>
+                    <a:pt x="294" y="0"/>
+                  </a:cubicBezTo>
+                  <a:cubicBezTo>
+                    <a:pt x="293" y="0"/>
+                    <a:pt x="293" y="0"/>
+                    <a:pt x="293" y="0"/>
+                  </a:cubicBezTo>
+                  <a:cubicBezTo>
+                    <a:pt x="283" y="9"/>
+                    <a:pt x="273" y="18"/>
+                    <a:pt x="264" y="27"/>
+                  </a:cubicBezTo>
+                  <a:cubicBezTo>
+                    <a:pt x="255" y="37"/>
+                    <a:pt x="246" y="47"/>
+                    <a:pt x="237" y="56"/>
+                  </a:cubicBezTo>
+                  <a:cubicBezTo>
+                    <a:pt x="218" y="76"/>
+                    <a:pt x="201" y="96"/>
+                    <a:pt x="185" y="117"/>
+                  </a:cubicBezTo>
+                  <a:cubicBezTo>
+                    <a:pt x="151" y="159"/>
+                    <a:pt x="121" y="203"/>
+                    <a:pt x="95" y="249"/>
+                  </a:cubicBezTo>
+                  <a:cubicBezTo>
+                    <a:pt x="68" y="296"/>
+                    <a:pt x="46" y="345"/>
+                    <a:pt x="30" y="396"/>
+                  </a:cubicBezTo>
+                  <a:cubicBezTo>
+                    <a:pt x="13" y="445"/>
+                    <a:pt x="3" y="497"/>
+                    <a:pt x="0" y="549"/>
+                  </a:cubicBezTo>
+                  <a:cubicBezTo>
+                    <a:pt x="3" y="555"/>
+                    <a:pt x="5" y="561"/>
+                    <a:pt x="7" y="568"/>
+                  </a:cubicBezTo>
+                  <a:cubicBezTo>
+                    <a:pt x="7" y="563"/>
+                    <a:pt x="7" y="558"/>
+                    <a:pt x="8" y="553"/>
+                  </a:cubicBezTo>
+                  <a:close/>
+                </a:path>
+              </a:pathLst>
+            </a:custGeom>
+            <a:grpFill/>
+            <a:ln>
+              <a:noFill/>
+            </a:ln>
+          </p:spPr>
+        </p:sp>
+        <p:sp>
+          <p:nvSpPr>
+            <p:cNvPr id="19" name="Freeform 35"/>
+            <p:cNvSpPr/>
+            <p:nvPr/>
+          </p:nvSpPr>
+          <p:spPr bwMode="auto">
+            <a:xfrm>
+              <a:off x="7494588" y="5664200"/>
+              <a:ext cx="100013" cy="209550"/>
+            </a:xfrm>
+            <a:custGeom>
+              <a:avLst/>
+              <a:gdLst/>
+              <a:ahLst/>
+              <a:cxnLst/>
+              <a:rect l="0" t="0" r="r" b="b"/>
+              <a:pathLst>
+                <a:path w="25" h="53">
+                  <a:moveTo>
+                    <a:pt x="0" y="0"/>
+                  </a:moveTo>
+                  <a:cubicBezTo>
+                    <a:pt x="5" y="18"/>
+                    <a:pt x="12" y="36"/>
+                    <a:pt x="19" y="53"/>
+                  </a:cubicBezTo>
+                  <a:cubicBezTo>
+                    <a:pt x="25" y="53"/>
+                    <a:pt x="25" y="53"/>
+                    <a:pt x="25" y="53"/>
+                  </a:cubicBezTo>
+                  <a:cubicBezTo>
+                    <a:pt x="16" y="36"/>
+                    <a:pt x="8" y="18"/>
+                    <a:pt x="0" y="0"/>
+                  </a:cubicBezTo>
+                  <a:close/>
+                </a:path>
+              </a:pathLst>
+            </a:custGeom>
+            <a:grpFill/>
+            <a:ln>
+              <a:noFill/>
+            </a:ln>
+          </p:spPr>
+        </p:sp>
+        <p:sp>
+          <p:nvSpPr>
+            <p:cNvPr id="20" name="Freeform 36"/>
+            <p:cNvSpPr/>
+            <p:nvPr/>
+          </p:nvSpPr>
+          <p:spPr bwMode="auto">
+            <a:xfrm>
+              <a:off x="7412038" y="5081588"/>
+              <a:ext cx="114300" cy="558800"/>
+            </a:xfrm>
+            <a:custGeom>
+              <a:avLst/>
+              <a:gdLst/>
+              <a:ahLst/>
+              <a:cxnLst/>
+              <a:rect l="0" t="0" r="r" b="b"/>
+              <a:pathLst>
+                <a:path w="29" h="141">
+                  <a:moveTo>
+                    <a:pt x="0" y="0"/>
+                  </a:moveTo>
+                  <a:cubicBezTo>
+                    <a:pt x="0" y="30"/>
+                    <a:pt x="2" y="60"/>
+                    <a:pt x="7" y="89"/>
+                  </a:cubicBezTo>
+                  <a:cubicBezTo>
+                    <a:pt x="11" y="98"/>
+                    <a:pt x="14" y="108"/>
+                    <a:pt x="18" y="117"/>
+                  </a:cubicBezTo>
+                  <a:cubicBezTo>
+                    <a:pt x="22" y="125"/>
+                    <a:pt x="25" y="133"/>
+                    <a:pt x="29" y="141"/>
+                  </a:cubicBezTo>
+                  <a:cubicBezTo>
+                    <a:pt x="28" y="139"/>
+                    <a:pt x="28" y="137"/>
+                    <a:pt x="27" y="135"/>
+                  </a:cubicBezTo>
+                  <a:cubicBezTo>
+                    <a:pt x="16" y="98"/>
+                    <a:pt x="10" y="60"/>
+                    <a:pt x="8" y="22"/>
+                  </a:cubicBezTo>
+                  <a:cubicBezTo>
+                    <a:pt x="7" y="18"/>
+                    <a:pt x="5" y="15"/>
+                    <a:pt x="4" y="11"/>
+                  </a:cubicBezTo>
+                  <a:cubicBezTo>
+                    <a:pt x="2" y="7"/>
+                    <a:pt x="1" y="3"/>
+                    <a:pt x="0" y="0"/>
+                  </a:cubicBezTo>
+                  <a:close/>
+                </a:path>
+              </a:pathLst>
+            </a:custGeom>
+            <a:grpFill/>
+            <a:ln>
+              <a:noFill/>
+            </a:ln>
+          </p:spPr>
+        </p:sp>
+        <p:sp>
+          <p:nvSpPr>
+            <p:cNvPr id="21" name="Freeform 37"/>
+            <p:cNvSpPr/>
+            <p:nvPr/>
+          </p:nvSpPr>
+          <p:spPr bwMode="auto">
+            <a:xfrm>
+              <a:off x="7412038" y="4978400"/>
+              <a:ext cx="31750" cy="188913"/>
+            </a:xfrm>
+            <a:custGeom>
+              <a:avLst/>
+              <a:gdLst/>
+              <a:ahLst/>
+              <a:cxnLst/>
+              <a:rect l="0" t="0" r="r" b="b"/>
+              <a:pathLst>
+                <a:path w="8" h="48">
+                  <a:moveTo>
+                    <a:pt x="0" y="26"/>
+                  </a:moveTo>
+                  <a:cubicBezTo>
+                    <a:pt x="1" y="29"/>
+                    <a:pt x="2" y="33"/>
+                    <a:pt x="4" y="37"/>
+                  </a:cubicBezTo>
+                  <a:cubicBezTo>
+                    <a:pt x="5" y="41"/>
+                    <a:pt x="7" y="44"/>
+                    <a:pt x="8" y="48"/>
+                  </a:cubicBezTo>
+                  <a:cubicBezTo>
+                    <a:pt x="7" y="38"/>
+                    <a:pt x="7" y="28"/>
+                    <a:pt x="7" y="19"/>
+                  </a:cubicBezTo>
+                  <a:cubicBezTo>
+                    <a:pt x="5" y="12"/>
+                    <a:pt x="3" y="6"/>
+                    <a:pt x="0" y="0"/>
+                  </a:cubicBezTo>
+                  <a:cubicBezTo>
+                    <a:pt x="0" y="1"/>
+                    <a:pt x="0" y="3"/>
+                    <a:pt x="0" y="4"/>
+                  </a:cubicBezTo>
+                  <a:cubicBezTo>
+                    <a:pt x="0" y="11"/>
+                    <a:pt x="0" y="19"/>
+                    <a:pt x="0" y="26"/>
+                  </a:cubicBezTo>
+                  <a:close/>
+                </a:path>
+              </a:pathLst>
+            </a:custGeom>
+            <a:grpFill/>
+            <a:ln>
+              <a:noFill/>
+            </a:ln>
+          </p:spPr>
+        </p:sp>
+        <p:sp>
+          <p:nvSpPr>
+            <p:cNvPr id="22" name="Freeform 38"/>
+            <p:cNvSpPr/>
+            <p:nvPr/>
+          </p:nvSpPr>
+          <p:spPr bwMode="auto">
+            <a:xfrm>
+              <a:off x="7439026" y="5434013"/>
+              <a:ext cx="174625" cy="439738"/>
+            </a:xfrm>
+            <a:custGeom>
+              <a:avLst/>
+              <a:gdLst/>
+              <a:ahLst/>
+              <a:cxnLst/>
+              <a:rect l="0" t="0" r="r" b="b"/>
+              <a:pathLst>
+                <a:path w="44" h="111">
+                  <a:moveTo>
+                    <a:pt x="11" y="28"/>
+                  </a:moveTo>
+                  <a:cubicBezTo>
+                    <a:pt x="7" y="19"/>
+                    <a:pt x="4" y="9"/>
+                    <a:pt x="0" y="0"/>
+                  </a:cubicBezTo>
+                  <a:cubicBezTo>
+                    <a:pt x="3" y="16"/>
+                    <a:pt x="7" y="33"/>
+                    <a:pt x="11" y="49"/>
+                  </a:cubicBezTo>
+                  <a:cubicBezTo>
+                    <a:pt x="12" y="52"/>
+                    <a:pt x="13" y="55"/>
+                    <a:pt x="14" y="58"/>
+                  </a:cubicBezTo>
+                  <a:cubicBezTo>
+                    <a:pt x="22" y="76"/>
+                    <a:pt x="30" y="94"/>
+                    <a:pt x="39" y="111"/>
+                  </a:cubicBezTo>
+                  <a:cubicBezTo>
+                    <a:pt x="44" y="111"/>
+                    <a:pt x="44" y="111"/>
+                    <a:pt x="44" y="111"/>
+                  </a:cubicBezTo>
+                  <a:cubicBezTo>
+                    <a:pt x="35" y="92"/>
+                    <a:pt x="28" y="72"/>
+                    <a:pt x="22" y="52"/>
+                  </a:cubicBezTo>
+                  <a:cubicBezTo>
+                    <a:pt x="18" y="44"/>
+                    <a:pt x="15" y="36"/>
+                    <a:pt x="11" y="28"/>
+                  </a:cubicBezTo>
+                  <a:close/>
+                </a:path>
+              </a:pathLst>
+            </a:custGeom>
+            <a:grpFill/>
+            <a:ln>
+              <a:noFill/>
+            </a:ln>
+          </p:spPr>
+        </p:sp>
+      </p:grpSp>
+      <p:sp>
+        <p:nvSpPr>
+          <p:cNvPr id="7" name="Rectangle 6"/>
           <p:cNvSpPr/>
           <p:nvPr/>
         </p:nvSpPr>
         <p:spPr>
           <a:xfrm>
-            <a:off x="3175" y="6400800"/>
-            <a:ext cx="12188825" cy="457200"/>
+            <a:off x="0" y="0"/>
+            <a:ext cx="182880" cy="6858000"/>
           </a:xfrm>
           <a:prstGeom prst="rect">
             <a:avLst/>
           </a:prstGeom>
           <a:solidFill>
-            <a:srgbClr val="262626"/>
+            <a:schemeClr val="accent1"/>
           </a:solidFill>
           <a:ln>
             <a:noFill/>
           </a:ln>
+          <a:effectLst/>
         </p:spPr>
         <p:style>
-          <a:lnRef idx="2">
-            <a:schemeClr val="accent1">
-              <a:shade val="50000"/>
-            </a:schemeClr>
+          <a:lnRef idx="1">
+            <a:schemeClr val="accent1"/>
           </a:lnRef>
-          <a:fillRef idx="1">
+          <a:fillRef idx="3">
             <a:schemeClr val="accent1"/>
           </a:fillRef>
-          <a:effectRef idx="0">
+          <a:effectRef idx="2">
             <a:schemeClr val="accent1"/>
           </a:effectRef>
           <a:fontRef idx="minor">
@@ -3128,21 +6996,21 @@
         </p:nvSpPr>
         <p:spPr>
           <a:xfrm>
-            <a:off x="1097280" y="286603"/>
-            <a:ext cx="10058400" cy="1450757"/>
+            <a:off x="2592924" y="624110"/>
+            <a:ext cx="8911687" cy="1280890"/>
           </a:xfrm>
           <a:prstGeom prst="rect">
             <a:avLst/>
           </a:prstGeom>
         </p:spPr>
         <p:txBody>
-          <a:bodyPr vert="horz" lIns="91440" tIns="45720" rIns="91440" bIns="45720" rtlCol="0" anchor="b">
+          <a:bodyPr vert="horz" lIns="91440" tIns="45720" rIns="91440" bIns="45720" rtlCol="0" anchor="t">
             <a:normAutofit/>
           </a:bodyPr>
           <a:lstStyle/>
           <a:p>
             <a:r>
-              <a:rPr lang="en-US"/>
+              <a:rPr lang="en-US" smtClean="0"/>
               <a:t>Click to edit Master title style</a:t>
             </a:r>
             <a:endParaRPr lang="en-US" dirty="0"/>
@@ -3161,50 +7029,50 @@
         </p:nvSpPr>
         <p:spPr>
           <a:xfrm>
-            <a:off x="1097280" y="2108201"/>
-            <a:ext cx="10058400" cy="3760891"/>
+            <a:off x="2589212" y="2133600"/>
+            <a:ext cx="8915400" cy="3886200"/>
           </a:xfrm>
           <a:prstGeom prst="rect">
             <a:avLst/>
           </a:prstGeom>
         </p:spPr>
         <p:txBody>
-          <a:bodyPr vert="horz" lIns="0" tIns="45720" rIns="0" bIns="45720" rtlCol="0">
+          <a:bodyPr vert="horz" lIns="91440" tIns="45720" rIns="91440" bIns="45720" rtlCol="0">
             <a:normAutofit/>
           </a:bodyPr>
           <a:lstStyle/>
           <a:p>
             <a:pPr lvl="0"/>
             <a:r>
-              <a:rPr lang="en-US"/>
-              <a:t>Click to edit Master text styles</a:t>
+              <a:rPr lang="en-US" smtClean="0"/>
+              <a:t>Edit Master text styles</a:t>
             </a:r>
           </a:p>
           <a:p>
             <a:pPr lvl="1"/>
             <a:r>
-              <a:rPr lang="en-US"/>
+              <a:rPr lang="en-US" smtClean="0"/>
               <a:t>Second level</a:t>
             </a:r>
           </a:p>
           <a:p>
             <a:pPr lvl="2"/>
             <a:r>
-              <a:rPr lang="en-US"/>
+              <a:rPr lang="en-US" smtClean="0"/>
               <a:t>Third level</a:t>
             </a:r>
           </a:p>
           <a:p>
             <a:pPr lvl="3"/>
             <a:r>
-              <a:rPr lang="en-US"/>
+              <a:rPr lang="en-US" smtClean="0"/>
               <a:t>Fourth level</a:t>
             </a:r>
           </a:p>
           <a:p>
             <a:pPr lvl="4"/>
             <a:r>
-              <a:rPr lang="en-US"/>
+              <a:rPr lang="en-US" smtClean="0"/>
               <a:t>Fifth level</a:t>
             </a:r>
             <a:endParaRPr lang="en-US" dirty="0"/>
@@ -3223,8 +7091,8 @@
         </p:nvSpPr>
         <p:spPr>
           <a:xfrm>
-            <a:off x="8218426" y="6446838"/>
-            <a:ext cx="2584850" cy="365125"/>
+            <a:off x="10361612" y="6130437"/>
+            <a:ext cx="1146283" cy="370396"/>
           </a:xfrm>
           <a:prstGeom prst="rect">
             <a:avLst/>
@@ -3234,9 +7102,11 @@
           <a:bodyPr vert="horz" lIns="91440" tIns="45720" rIns="91440" bIns="45720" rtlCol="0" anchor="ctr"/>
           <a:lstStyle>
             <a:lvl1pPr algn="r">
-              <a:defRPr sz="800">
-                <a:solidFill>
-                  <a:srgbClr val="FFFFFF"/>
+              <a:defRPr sz="900">
+                <a:solidFill>
+                  <a:schemeClr val="tx1">
+                    <a:tint val="75000"/>
+                  </a:schemeClr>
                 </a:solidFill>
               </a:defRPr>
             </a:lvl1pPr>
@@ -3244,7 +7114,7 @@
           <a:p>
             <a:fld id="{62D6E202-B606-4609-B914-27C9371A1F6D}" type="datetime1">
               <a:rPr lang="en-US" smtClean="0"/>
-              <a:t>7/31/2023</a:t>
+              <a:t>31-Jul-23</a:t>
             </a:fld>
             <a:endParaRPr lang="en-US" dirty="0"/>
           </a:p>
@@ -3262,8 +7132,8 @@
         </p:nvSpPr>
         <p:spPr>
           <a:xfrm>
-            <a:off x="1097279" y="6446838"/>
-            <a:ext cx="6818262" cy="365125"/>
+            <a:off x="2589212" y="6135808"/>
+            <a:ext cx="7619999" cy="365125"/>
           </a:xfrm>
           <a:prstGeom prst="rect">
             <a:avLst/>
@@ -3273,9 +7143,11 @@
           <a:bodyPr vert="horz" lIns="91440" tIns="45720" rIns="91440" bIns="45720" rtlCol="0" anchor="ctr"/>
           <a:lstStyle>
             <a:lvl1pPr algn="l">
-              <a:defRPr sz="800" cap="all" baseline="0">
-                <a:solidFill>
-                  <a:srgbClr val="FFFFFF"/>
+              <a:defRPr sz="900">
+                <a:solidFill>
+                  <a:schemeClr val="tx1">
+                    <a:tint val="75000"/>
+                  </a:schemeClr>
                 </a:solidFill>
               </a:defRPr>
             </a:lvl1pPr>
@@ -3295,10 +7167,10 @@
             <p:ph type="sldNum" sz="quarter" idx="4"/>
           </p:nvPr>
         </p:nvSpPr>
-        <p:spPr>
+        <p:spPr bwMode="gray">
           <a:xfrm>
-            <a:off x="10993582" y="6446838"/>
-            <a:ext cx="780010" cy="365125"/>
+            <a:off x="531812" y="787782"/>
+            <a:ext cx="779767" cy="365125"/>
           </a:xfrm>
           <a:prstGeom prst="rect">
             <a:avLst/>
@@ -3307,10 +7179,10 @@
         <p:txBody>
           <a:bodyPr vert="horz" lIns="91440" tIns="45720" rIns="91440" bIns="45720" rtlCol="0" anchor="ctr"/>
           <a:lstStyle>
-            <a:lvl1pPr algn="l">
-              <a:defRPr sz="800">
-                <a:solidFill>
-                  <a:srgbClr val="FFFFFF"/>
+            <a:lvl1pPr algn="r">
+              <a:defRPr sz="2000">
+                <a:solidFill>
+                  <a:srgbClr val="FEFFFF"/>
                 </a:solidFill>
               </a:defRPr>
             </a:lvl1pPr>
@@ -3324,87 +7196,45 @@
           </a:p>
         </p:txBody>
       </p:sp>
-      <p:cxnSp>
-        <p:nvCxnSpPr>
-          <p:cNvPr id="10" name="Straight Connector 9">
-            <a:extLst>
-              <a:ext uri="{FF2B5EF4-FFF2-40B4-BE49-F238E27FC236}">
-                <a16:creationId xmlns:a16="http://schemas.microsoft.com/office/drawing/2014/main" id="{C5025DAC-8B93-4160-B017-3A274A5828C0}"/>
-              </a:ext>
-            </a:extLst>
-          </p:cNvPr>
-          <p:cNvCxnSpPr/>
-          <p:nvPr/>
-        </p:nvCxnSpPr>
-        <p:spPr>
-          <a:xfrm>
-            <a:off x="1193532" y="1897380"/>
-            <a:ext cx="9966960" cy="0"/>
-          </a:xfrm>
-          <a:prstGeom prst="line">
-            <a:avLst/>
-          </a:prstGeom>
-          <a:ln w="12700">
-            <a:solidFill>
-              <a:schemeClr val="tx1">
-                <a:lumMod val="75000"/>
-                <a:lumOff val="25000"/>
-              </a:schemeClr>
-            </a:solidFill>
-          </a:ln>
-        </p:spPr>
-        <p:style>
-          <a:lnRef idx="1">
-            <a:schemeClr val="accent1"/>
-          </a:lnRef>
-          <a:fillRef idx="0">
-            <a:schemeClr val="accent1"/>
-          </a:fillRef>
-          <a:effectRef idx="0">
-            <a:schemeClr val="accent1"/>
-          </a:effectRef>
-          <a:fontRef idx="minor">
-            <a:schemeClr val="tx1"/>
-          </a:fontRef>
-        </p:style>
-      </p:cxnSp>
     </p:spTree>
     <p:extLst>
       <p:ext uri="{BB962C8B-B14F-4D97-AF65-F5344CB8AC3E}">
-        <p14:creationId xmlns:p14="http://schemas.microsoft.com/office/powerpoint/2010/main" val="3034982234"/>
+        <p14:creationId xmlns:p14="http://schemas.microsoft.com/office/powerpoint/2010/main" val="1265176297"/>
       </p:ext>
     </p:extLst>
   </p:cSld>
-  <p:clrMap bg1="lt1" tx1="dk1" bg2="lt2" tx2="dk2" accent1="accent1" accent2="accent2" accent3="accent3" accent4="accent4" accent5="accent5" accent6="accent6" hlink="hlink" folHlink="folHlink"/>
+  <p:clrMap bg1="dk1" tx1="lt1" bg2="dk2" tx2="lt2" accent1="accent1" accent2="accent2" accent3="accent3" accent4="accent4" accent5="accent5" accent6="accent6" hlink="hlink" folHlink="folHlink"/>
   <p:sldLayoutIdLst>
-    <p:sldLayoutId id="2147483748" r:id="rId1"/>
-    <p:sldLayoutId id="2147483749" r:id="rId2"/>
-    <p:sldLayoutId id="2147483747" r:id="rId3"/>
-    <p:sldLayoutId id="2147483743" r:id="rId4"/>
-    <p:sldLayoutId id="2147483738" r:id="rId5"/>
-    <p:sldLayoutId id="2147483732" r:id="rId6"/>
-    <p:sldLayoutId id="2147483733" r:id="rId7"/>
-    <p:sldLayoutId id="2147483734" r:id="rId8"/>
-    <p:sldLayoutId id="2147483735" r:id="rId9"/>
-    <p:sldLayoutId id="2147483736" r:id="rId10"/>
-    <p:sldLayoutId id="2147483737" r:id="rId11"/>
+    <p:sldLayoutId id="2147483802" r:id="rId1"/>
+    <p:sldLayoutId id="2147483803" r:id="rId2"/>
+    <p:sldLayoutId id="2147483804" r:id="rId3"/>
+    <p:sldLayoutId id="2147483805" r:id="rId4"/>
+    <p:sldLayoutId id="2147483806" r:id="rId5"/>
+    <p:sldLayoutId id="2147483807" r:id="rId6"/>
+    <p:sldLayoutId id="2147483808" r:id="rId7"/>
+    <p:sldLayoutId id="2147483809" r:id="rId8"/>
+    <p:sldLayoutId id="2147483810" r:id="rId9"/>
+    <p:sldLayoutId id="2147483811" r:id="rId10"/>
+    <p:sldLayoutId id="2147483812" r:id="rId11"/>
+    <p:sldLayoutId id="2147483813" r:id="rId12"/>
+    <p:sldLayoutId id="2147483814" r:id="rId13"/>
+    <p:sldLayoutId id="2147483815" r:id="rId14"/>
+    <p:sldLayoutId id="2147483816" r:id="rId15"/>
+    <p:sldLayoutId id="2147483817" r:id="rId16"/>
   </p:sldLayoutIdLst>
   <p:hf sldNum="0" hdr="0" ftr="0" dt="0"/>
   <p:txStyles>
     <p:titleStyle>
-      <a:lvl1pPr algn="l" defTabSz="914400" rtl="0" eaLnBrk="1" latinLnBrk="0" hangingPunct="1">
-        <a:lnSpc>
-          <a:spcPct val="90000"/>
-        </a:lnSpc>
+      <a:lvl1pPr algn="l" defTabSz="457200" rtl="0" eaLnBrk="1" latinLnBrk="0" hangingPunct="1">
         <a:spcBef>
           <a:spcPct val="0"/>
         </a:spcBef>
         <a:buNone/>
-        <a:defRPr sz="4700" i="0" kern="1200" spc="-50" baseline="0">
+        <a:defRPr sz="3600" kern="1200">
           <a:solidFill>
             <a:schemeClr val="tx1">
-              <a:lumMod val="75000"/>
-              <a:lumOff val="25000"/>
+              <a:lumMod val="85000"/>
+              <a:lumOff val="15000"/>
             </a:schemeClr>
           </a:solidFill>
           <a:latin typeface="+mj-lt"/>
@@ -3412,25 +7242,77 @@
           <a:cs typeface="+mj-cs"/>
         </a:defRPr>
       </a:lvl1pPr>
+      <a:lvl2pPr eaLnBrk="1" hangingPunct="1">
+        <a:defRPr>
+          <a:solidFill>
+            <a:schemeClr val="tx2"/>
+          </a:solidFill>
+        </a:defRPr>
+      </a:lvl2pPr>
+      <a:lvl3pPr eaLnBrk="1" hangingPunct="1">
+        <a:defRPr>
+          <a:solidFill>
+            <a:schemeClr val="tx2"/>
+          </a:solidFill>
+        </a:defRPr>
+      </a:lvl3pPr>
+      <a:lvl4pPr eaLnBrk="1" hangingPunct="1">
+        <a:defRPr>
+          <a:solidFill>
+            <a:schemeClr val="tx2"/>
+          </a:solidFill>
+        </a:defRPr>
+      </a:lvl4pPr>
+      <a:lvl5pPr eaLnBrk="1" hangingPunct="1">
+        <a:defRPr>
+          <a:solidFill>
+            <a:schemeClr val="tx2"/>
+          </a:solidFill>
+        </a:defRPr>
+      </a:lvl5pPr>
+      <a:lvl6pPr eaLnBrk="1" hangingPunct="1">
+        <a:defRPr>
+          <a:solidFill>
+            <a:schemeClr val="tx2"/>
+          </a:solidFill>
+        </a:defRPr>
+      </a:lvl6pPr>
+      <a:lvl7pPr eaLnBrk="1" hangingPunct="1">
+        <a:defRPr>
+          <a:solidFill>
+            <a:schemeClr val="tx2"/>
+          </a:solidFill>
+        </a:defRPr>
+      </a:lvl7pPr>
+      <a:lvl8pPr eaLnBrk="1" hangingPunct="1">
+        <a:defRPr>
+          <a:solidFill>
+            <a:schemeClr val="tx2"/>
+          </a:solidFill>
+        </a:defRPr>
+      </a:lvl8pPr>
+      <a:lvl9pPr eaLnBrk="1" hangingPunct="1">
+        <a:defRPr>
+          <a:solidFill>
+            <a:schemeClr val="tx2"/>
+          </a:solidFill>
+        </a:defRPr>
+      </a:lvl9pPr>
     </p:titleStyle>
     <p:bodyStyle>
-      <a:lvl1pPr marL="91440" indent="-91440" algn="l" defTabSz="914400" rtl="0" eaLnBrk="1" latinLnBrk="0" hangingPunct="1">
-        <a:lnSpc>
-          <a:spcPct val="110000"/>
-        </a:lnSpc>
+      <a:lvl1pPr marL="342900" indent="-342900" algn="l" defTabSz="457200" rtl="0" eaLnBrk="1" latinLnBrk="0" hangingPunct="1">
         <a:spcBef>
-          <a:spcPts val="1200"/>
+          <a:spcPts val="1000"/>
         </a:spcBef>
         <a:spcAft>
-          <a:spcPts val="200"/>
+          <a:spcPts val="0"/>
         </a:spcAft>
         <a:buClr>
           <a:schemeClr val="accent1"/>
         </a:buClr>
-        <a:buSzPct val="100000"/>
-        <a:buFont typeface="Calibri" panose="020F0502020204030204" pitchFamily="34" charset="0"/>
-        <a:buChar char=" "/>
-        <a:defRPr sz="1900" kern="1200">
+        <a:buFont typeface="Wingdings 3" charset="2"/>
+        <a:buChar char=""/>
+        <a:defRPr sz="1800" kern="1200">
           <a:solidFill>
             <a:schemeClr val="tx1">
               <a:lumMod val="75000"/>
@@ -3442,20 +7324,19 @@
           <a:cs typeface="+mn-cs"/>
         </a:defRPr>
       </a:lvl1pPr>
-      <a:lvl2pPr marL="384048" indent="-182880" algn="l" defTabSz="914400" rtl="0" eaLnBrk="1" latinLnBrk="0" hangingPunct="1">
-        <a:lnSpc>
-          <a:spcPct val="100000"/>
-        </a:lnSpc>
+      <a:lvl2pPr marL="742950" indent="-285750" algn="l" defTabSz="457200" rtl="0" eaLnBrk="1" latinLnBrk="0" hangingPunct="1">
         <a:spcBef>
-          <a:spcPts val="200"/>
+          <a:spcPts val="1000"/>
         </a:spcBef>
         <a:spcAft>
-          <a:spcPts val="400"/>
+          <a:spcPts val="0"/>
         </a:spcAft>
-        <a:buClrTx/>
-        <a:buFont typeface="Calibri" pitchFamily="34" charset="0"/>
-        <a:buChar char="◦"/>
-        <a:defRPr sz="1700" kern="1200">
+        <a:buClr>
+          <a:schemeClr val="accent1"/>
+        </a:buClr>
+        <a:buFont typeface="Wingdings 3" charset="2"/>
+        <a:buChar char=""/>
+        <a:defRPr sz="1600" kern="1200">
           <a:solidFill>
             <a:schemeClr val="tx1">
               <a:lumMod val="75000"/>
@@ -3467,20 +7348,19 @@
           <a:cs typeface="+mn-cs"/>
         </a:defRPr>
       </a:lvl2pPr>
-      <a:lvl3pPr marL="566928" indent="-182880" algn="l" defTabSz="914400" rtl="0" eaLnBrk="1" latinLnBrk="0" hangingPunct="1">
-        <a:lnSpc>
-          <a:spcPct val="100000"/>
-        </a:lnSpc>
+      <a:lvl3pPr marL="1143000" indent="-228600" algn="l" defTabSz="457200" rtl="0" eaLnBrk="1" latinLnBrk="0" hangingPunct="1">
         <a:spcBef>
-          <a:spcPts val="200"/>
+          <a:spcPts val="1000"/>
         </a:spcBef>
         <a:spcAft>
-          <a:spcPts val="400"/>
+          <a:spcPts val="0"/>
         </a:spcAft>
-        <a:buClrTx/>
-        <a:buFont typeface="Calibri" pitchFamily="34" charset="0"/>
-        <a:buChar char="◦"/>
-        <a:defRPr sz="1300" kern="1200">
+        <a:buClr>
+          <a:schemeClr val="accent1"/>
+        </a:buClr>
+        <a:buFont typeface="Wingdings 3" charset="2"/>
+        <a:buChar char=""/>
+        <a:defRPr sz="1400" kern="1200">
           <a:solidFill>
             <a:schemeClr val="tx1">
               <a:lumMod val="75000"/>
@@ -3492,20 +7372,19 @@
           <a:cs typeface="+mn-cs"/>
         </a:defRPr>
       </a:lvl3pPr>
-      <a:lvl4pPr marL="749808" indent="-182880" algn="l" defTabSz="914400" rtl="0" eaLnBrk="1" latinLnBrk="0" hangingPunct="1">
-        <a:lnSpc>
-          <a:spcPct val="100000"/>
-        </a:lnSpc>
+      <a:lvl4pPr marL="1600200" indent="-228600" algn="l" defTabSz="457200" rtl="0" eaLnBrk="1" latinLnBrk="0" hangingPunct="1">
         <a:spcBef>
-          <a:spcPts val="200"/>
+          <a:spcPts val="1000"/>
         </a:spcBef>
         <a:spcAft>
-          <a:spcPts val="400"/>
+          <a:spcPts val="0"/>
         </a:spcAft>
-        <a:buClrTx/>
-        <a:buFont typeface="Calibri" pitchFamily="34" charset="0"/>
-        <a:buChar char="◦"/>
-        <a:defRPr sz="1300" kern="1200">
+        <a:buClr>
+          <a:schemeClr val="accent1"/>
+        </a:buClr>
+        <a:buFont typeface="Wingdings 3" charset="2"/>
+        <a:buChar char=""/>
+        <a:defRPr sz="1200" kern="1200">
           <a:solidFill>
             <a:schemeClr val="tx1">
               <a:lumMod val="75000"/>
@@ -3517,20 +7396,19 @@
           <a:cs typeface="+mn-cs"/>
         </a:defRPr>
       </a:lvl4pPr>
-      <a:lvl5pPr marL="932688" indent="-182880" algn="l" defTabSz="914400" rtl="0" eaLnBrk="1" latinLnBrk="0" hangingPunct="1">
-        <a:lnSpc>
-          <a:spcPct val="100000"/>
-        </a:lnSpc>
+      <a:lvl5pPr marL="2057400" indent="-228600" algn="l" defTabSz="457200" rtl="0" eaLnBrk="1" latinLnBrk="0" hangingPunct="1">
         <a:spcBef>
-          <a:spcPts val="200"/>
+          <a:spcPts val="1000"/>
         </a:spcBef>
         <a:spcAft>
-          <a:spcPts val="400"/>
+          <a:spcPts val="0"/>
         </a:spcAft>
-        <a:buClrTx/>
-        <a:buFont typeface="Calibri" pitchFamily="34" charset="0"/>
-        <a:buChar char="◦"/>
-        <a:defRPr sz="1300" kern="1200">
+        <a:buClr>
+          <a:schemeClr val="accent1"/>
+        </a:buClr>
+        <a:buFont typeface="Wingdings 3" charset="2"/>
+        <a:buChar char=""/>
+        <a:defRPr sz="1200" kern="1200">
           <a:solidFill>
             <a:schemeClr val="tx1">
               <a:lumMod val="75000"/>
@@ -3542,22 +7420,19 @@
           <a:cs typeface="+mn-cs"/>
         </a:defRPr>
       </a:lvl5pPr>
-      <a:lvl6pPr marL="1100000" indent="-228600" algn="l" defTabSz="914400" rtl="0" eaLnBrk="1" latinLnBrk="0" hangingPunct="1">
-        <a:lnSpc>
-          <a:spcPct val="90000"/>
-        </a:lnSpc>
+      <a:lvl6pPr marL="2514600" indent="-228600" algn="l" defTabSz="457200" rtl="0" eaLnBrk="1" latinLnBrk="0" hangingPunct="1">
         <a:spcBef>
-          <a:spcPts val="200"/>
+          <a:spcPts val="1000"/>
         </a:spcBef>
         <a:spcAft>
-          <a:spcPts val="400"/>
+          <a:spcPts val="0"/>
         </a:spcAft>
         <a:buClr>
           <a:schemeClr val="accent1"/>
         </a:buClr>
-        <a:buFont typeface="Calibri" pitchFamily="34" charset="0"/>
-        <a:buChar char="◦"/>
-        <a:defRPr sz="1400" kern="1200">
+        <a:buFont typeface="Wingdings 3" charset="2"/>
+        <a:buChar char=""/>
+        <a:defRPr sz="1200" kern="1200">
           <a:solidFill>
             <a:schemeClr val="tx1">
               <a:lumMod val="75000"/>
@@ -3569,22 +7444,19 @@
           <a:cs typeface="+mn-cs"/>
         </a:defRPr>
       </a:lvl6pPr>
-      <a:lvl7pPr marL="1300000" indent="-228600" algn="l" defTabSz="914400" rtl="0" eaLnBrk="1" latinLnBrk="0" hangingPunct="1">
-        <a:lnSpc>
-          <a:spcPct val="90000"/>
-        </a:lnSpc>
+      <a:lvl7pPr marL="2971800" indent="-228600" algn="l" defTabSz="457200" rtl="0" eaLnBrk="1" latinLnBrk="0" hangingPunct="1">
         <a:spcBef>
-          <a:spcPts val="200"/>
+          <a:spcPts val="1000"/>
         </a:spcBef>
         <a:spcAft>
-          <a:spcPts val="400"/>
+          <a:spcPts val="0"/>
         </a:spcAft>
         <a:buClr>
           <a:schemeClr val="accent1"/>
         </a:buClr>
-        <a:buFont typeface="Calibri" pitchFamily="34" charset="0"/>
-        <a:buChar char="◦"/>
-        <a:defRPr sz="1400" kern="1200">
+        <a:buFont typeface="Wingdings 3" charset="2"/>
+        <a:buChar char=""/>
+        <a:defRPr sz="1200" kern="1200">
           <a:solidFill>
             <a:schemeClr val="tx1">
               <a:lumMod val="75000"/>
@@ -3596,22 +7468,19 @@
           <a:cs typeface="+mn-cs"/>
         </a:defRPr>
       </a:lvl7pPr>
-      <a:lvl8pPr marL="1500000" indent="-228600" algn="l" defTabSz="914400" rtl="0" eaLnBrk="1" latinLnBrk="0" hangingPunct="1">
-        <a:lnSpc>
-          <a:spcPct val="90000"/>
-        </a:lnSpc>
+      <a:lvl8pPr marL="3429000" indent="-228600" algn="l" defTabSz="457200" rtl="0" eaLnBrk="1" latinLnBrk="0" hangingPunct="1">
         <a:spcBef>
-          <a:spcPts val="200"/>
+          <a:spcPts val="1000"/>
         </a:spcBef>
         <a:spcAft>
-          <a:spcPts val="400"/>
+          <a:spcPts val="0"/>
         </a:spcAft>
         <a:buClr>
           <a:schemeClr val="accent1"/>
         </a:buClr>
-        <a:buFont typeface="Calibri" pitchFamily="34" charset="0"/>
-        <a:buChar char="◦"/>
-        <a:defRPr sz="1400" kern="1200">
+        <a:buFont typeface="Wingdings 3" charset="2"/>
+        <a:buChar char=""/>
+        <a:defRPr sz="1200" kern="1200">
           <a:solidFill>
             <a:schemeClr val="tx1">
               <a:lumMod val="75000"/>
@@ -3623,22 +7492,19 @@
           <a:cs typeface="+mn-cs"/>
         </a:defRPr>
       </a:lvl8pPr>
-      <a:lvl9pPr marL="1700000" indent="-228600" algn="l" defTabSz="914400" rtl="0" eaLnBrk="1" latinLnBrk="0" hangingPunct="1">
-        <a:lnSpc>
-          <a:spcPct val="90000"/>
-        </a:lnSpc>
+      <a:lvl9pPr marL="3886200" indent="-228600" algn="l" defTabSz="457200" rtl="0" eaLnBrk="1" latinLnBrk="0" hangingPunct="1">
         <a:spcBef>
-          <a:spcPts val="200"/>
+          <a:spcPts val="1000"/>
         </a:spcBef>
         <a:spcAft>
-          <a:spcPts val="400"/>
+          <a:spcPts val="0"/>
         </a:spcAft>
         <a:buClr>
           <a:schemeClr val="accent1"/>
         </a:buClr>
-        <a:buFont typeface="Calibri" pitchFamily="34" charset="0"/>
-        <a:buChar char="◦"/>
-        <a:defRPr sz="1400" kern="1200">
+        <a:buFont typeface="Wingdings 3" charset="2"/>
+        <a:buChar char=""/>
+        <a:defRPr sz="1200" kern="1200">
           <a:solidFill>
             <a:schemeClr val="tx1">
               <a:lumMod val="75000"/>
@@ -3655,7 +7521,7 @@
       <a:defPPr>
         <a:defRPr lang="en-US"/>
       </a:defPPr>
-      <a:lvl1pPr marL="0" algn="l" defTabSz="914400" rtl="0" eaLnBrk="1" latinLnBrk="0" hangingPunct="1">
+      <a:lvl1pPr marL="0" algn="l" defTabSz="457200" rtl="0" eaLnBrk="1" latinLnBrk="0" hangingPunct="1">
         <a:defRPr sz="1800" kern="1200">
           <a:solidFill>
             <a:schemeClr val="tx1"/>
@@ -3665,7 +7531,7 @@
           <a:cs typeface="+mn-cs"/>
         </a:defRPr>
       </a:lvl1pPr>
-      <a:lvl2pPr marL="457200" algn="l" defTabSz="914400" rtl="0" eaLnBrk="1" latinLnBrk="0" hangingPunct="1">
+      <a:lvl2pPr marL="457200" algn="l" defTabSz="457200" rtl="0" eaLnBrk="1" latinLnBrk="0" hangingPunct="1">
         <a:defRPr sz="1800" kern="1200">
           <a:solidFill>
             <a:schemeClr val="tx1"/>
@@ -3675,7 +7541,7 @@
           <a:cs typeface="+mn-cs"/>
         </a:defRPr>
       </a:lvl2pPr>
-      <a:lvl3pPr marL="914400" algn="l" defTabSz="914400" rtl="0" eaLnBrk="1" latinLnBrk="0" hangingPunct="1">
+      <a:lvl3pPr marL="914400" algn="l" defTabSz="457200" rtl="0" eaLnBrk="1" latinLnBrk="0" hangingPunct="1">
         <a:defRPr sz="1800" kern="1200">
           <a:solidFill>
             <a:schemeClr val="tx1"/>
@@ -3685,7 +7551,7 @@
           <a:cs typeface="+mn-cs"/>
         </a:defRPr>
       </a:lvl3pPr>
-      <a:lvl4pPr marL="1371600" algn="l" defTabSz="914400" rtl="0" eaLnBrk="1" latinLnBrk="0" hangingPunct="1">
+      <a:lvl4pPr marL="1371600" algn="l" defTabSz="457200" rtl="0" eaLnBrk="1" latinLnBrk="0" hangingPunct="1">
         <a:defRPr sz="1800" kern="1200">
           <a:solidFill>
             <a:schemeClr val="tx1"/>
@@ -3695,7 +7561,7 @@
           <a:cs typeface="+mn-cs"/>
         </a:defRPr>
       </a:lvl4pPr>
-      <a:lvl5pPr marL="1828800" algn="l" defTabSz="914400" rtl="0" eaLnBrk="1" latinLnBrk="0" hangingPunct="1">
+      <a:lvl5pPr marL="1828800" algn="l" defTabSz="457200" rtl="0" eaLnBrk="1" latinLnBrk="0" hangingPunct="1">
         <a:defRPr sz="1800" kern="1200">
           <a:solidFill>
             <a:schemeClr val="tx1"/>
@@ -3705,7 +7571,7 @@
           <a:cs typeface="+mn-cs"/>
         </a:defRPr>
       </a:lvl5pPr>
-      <a:lvl6pPr marL="2286000" algn="l" defTabSz="914400" rtl="0" eaLnBrk="1" latinLnBrk="0" hangingPunct="1">
+      <a:lvl6pPr marL="2286000" algn="l" defTabSz="457200" rtl="0" eaLnBrk="1" latinLnBrk="0" hangingPunct="1">
         <a:defRPr sz="1800" kern="1200">
           <a:solidFill>
             <a:schemeClr val="tx1"/>
@@ -3715,7 +7581,7 @@
           <a:cs typeface="+mn-cs"/>
         </a:defRPr>
       </a:lvl6pPr>
-      <a:lvl7pPr marL="2743200" algn="l" defTabSz="914400" rtl="0" eaLnBrk="1" latinLnBrk="0" hangingPunct="1">
+      <a:lvl7pPr marL="2743200" algn="l" defTabSz="457200" rtl="0" eaLnBrk="1" latinLnBrk="0" hangingPunct="1">
         <a:defRPr sz="1800" kern="1200">
           <a:solidFill>
             <a:schemeClr val="tx1"/>
@@ -3725,7 +7591,7 @@
           <a:cs typeface="+mn-cs"/>
         </a:defRPr>
       </a:lvl7pPr>
-      <a:lvl8pPr marL="3200400" algn="l" defTabSz="914400" rtl="0" eaLnBrk="1" latinLnBrk="0" hangingPunct="1">
+      <a:lvl8pPr marL="3200400" algn="l" defTabSz="457200" rtl="0" eaLnBrk="1" latinLnBrk="0" hangingPunct="1">
         <a:defRPr sz="1800" kern="1200">
           <a:solidFill>
             <a:schemeClr val="tx1"/>
@@ -3735,7 +7601,7 @@
           <a:cs typeface="+mn-cs"/>
         </a:defRPr>
       </a:lvl8pPr>
-      <a:lvl9pPr marL="3657600" algn="l" defTabSz="914400" rtl="0" eaLnBrk="1" latinLnBrk="0" hangingPunct="1">
+      <a:lvl9pPr marL="3657600" algn="l" defTabSz="457200" rtl="0" eaLnBrk="1" latinLnBrk="0" hangingPunct="1">
         <a:defRPr sz="1800" kern="1200">
           <a:solidFill>
             <a:schemeClr val="tx1"/>
@@ -3753,14 +7619,6 @@
 <file path=ppt/slides/slide1.xml><?xml version="1.0" encoding="utf-8"?>
 <p:sld xmlns:a="http://schemas.openxmlformats.org/drawingml/2006/main" xmlns:r="http://schemas.openxmlformats.org/officeDocument/2006/relationships" xmlns:p="http://schemas.openxmlformats.org/presentationml/2006/main">
   <p:cSld>
-    <p:bg>
-      <p:bgPr>
-        <a:solidFill>
-          <a:schemeClr val="bg1"/>
-        </a:solidFill>
-        <a:effectLst/>
-      </p:bgPr>
-    </p:bg>
     <p:spTree>
       <p:nvGrpSpPr>
         <p:cNvPr id="1" name=""/>
@@ -3775,66 +7633,6 @@
           <a:chExt cx="0" cy="0"/>
         </a:xfrm>
       </p:grpSpPr>
-      <p:sp useBgFill="1">
-        <p:nvSpPr>
-          <p:cNvPr id="22" name="Rectangle 21">
-            <a:extLst>
-              <a:ext uri="{FF2B5EF4-FFF2-40B4-BE49-F238E27FC236}">
-                <a16:creationId xmlns:a16="http://schemas.microsoft.com/office/drawing/2014/main" id="{A9286AD2-18A9-4868-A4E3-7A2097A20810}"/>
-              </a:ext>
-              <a:ext uri="{C183D7F6-B498-43B3-948B-1728B52AA6E4}">
-                <adec:decorative xmlns:adec="http://schemas.microsoft.com/office/drawing/2017/decorative" val="1"/>
-              </a:ext>
-            </a:extLst>
-          </p:cNvPr>
-          <p:cNvSpPr>
-            <a:spLocks noGrp="1" noRot="1" noChangeAspect="1" noMove="1" noResize="1" noEditPoints="1" noAdjustHandles="1" noChangeArrowheads="1" noChangeShapeType="1" noTextEdit="1"/>
-          </p:cNvSpPr>
-          <p:nvPr>
-            <p:extLst>
-              <p:ext uri="{386F3935-93C4-4BCD-93E2-E3B085C9AB24}">
-                <p16:designElem xmlns:p16="http://schemas.microsoft.com/office/powerpoint/2015/main" val="1"/>
-              </p:ext>
-            </p:extLst>
-          </p:nvPr>
-        </p:nvSpPr>
-        <p:spPr>
-          <a:xfrm>
-            <a:off x="0" y="1"/>
-            <a:ext cx="12192001" cy="6857999"/>
-          </a:xfrm>
-          <a:prstGeom prst="rect">
-            <a:avLst/>
-          </a:prstGeom>
-          <a:ln>
-            <a:noFill/>
-          </a:ln>
-        </p:spPr>
-        <p:style>
-          <a:lnRef idx="2">
-            <a:schemeClr val="accent1">
-              <a:shade val="50000"/>
-            </a:schemeClr>
-          </a:lnRef>
-          <a:fillRef idx="1">
-            <a:schemeClr val="accent1"/>
-          </a:fillRef>
-          <a:effectRef idx="0">
-            <a:schemeClr val="accent1"/>
-          </a:effectRef>
-          <a:fontRef idx="minor">
-            <a:schemeClr val="lt1"/>
-          </a:fontRef>
-        </p:style>
-        <p:txBody>
-          <a:bodyPr rtlCol="0" anchor="ctr"/>
-          <a:lstStyle/>
-          <a:p>
-            <a:pPr algn="ctr"/>
-            <a:endParaRPr lang="en-US"/>
-          </a:p>
-        </p:txBody>
-      </p:sp>
       <p:sp>
         <p:nvSpPr>
           <p:cNvPr id="2" name="Title 1">
@@ -3863,6 +7661,16 @@
           </a:bodyPr>
           <a:lstStyle/>
           <a:p>
+            <a:r>
+              <a:rPr lang="en-US" sz="1800" b="1" i="0" u="none" strike="noStrike" dirty="0">
+                <a:solidFill>
+                  <a:srgbClr val="000000"/>
+                </a:solidFill>
+                <a:effectLst/>
+                <a:latin typeface="Arial" panose="020B0604020202020204" pitchFamily="34" charset="0"/>
+              </a:rPr>
+              <a:t/>
+            </a:r>
             <a:br>
               <a:rPr lang="en-US" sz="1800" b="1" i="0" u="none" strike="noStrike" dirty="0">
                 <a:solidFill>
@@ -3875,14 +7683,18 @@
             <a:r>
               <a:rPr lang="en-US" sz="6600" b="1" i="0" u="none" strike="noStrike" dirty="0">
                 <a:solidFill>
-                  <a:srgbClr val="000000"/>
+                  <a:schemeClr val="tx1"/>
                 </a:solidFill>
                 <a:effectLst/>
                 <a:latin typeface="Arial" panose="020B0604020202020204" pitchFamily="34" charset="0"/>
               </a:rPr>
               <a:t>Analyzing the impact of organizational decisions</a:t>
             </a:r>
-            <a:endParaRPr lang="en-US" sz="6600" dirty="0"/>
+            <a:endParaRPr lang="en-US" sz="6600" dirty="0">
+              <a:solidFill>
+                <a:schemeClr val="tx1"/>
+              </a:solidFill>
+            </a:endParaRPr>
           </a:p>
         </p:txBody>
       </p:sp>
@@ -3915,23 +7727,27 @@
           <a:lstStyle/>
           <a:p>
             <a:r>
-              <a:rPr lang="en-US" dirty="0">
+              <a:rPr lang="en-US" sz="2400" b="1" dirty="0">
                 <a:solidFill>
                   <a:schemeClr val="tx1">
                     <a:lumMod val="85000"/>
                     <a:lumOff val="15000"/>
                   </a:schemeClr>
                 </a:solidFill>
+                <a:latin typeface="Cambria" panose="02040503050406030204" pitchFamily="18" charset="0"/>
+                <a:ea typeface="Cambria" panose="02040503050406030204" pitchFamily="18" charset="0"/>
               </a:rPr>
               <a:t>Team – data detectives</a:t>
             </a:r>
-            <a:endParaRPr lang="en-US" sz="2400" dirty="0">
+            <a:endParaRPr lang="en-US" sz="3200" b="1" dirty="0">
               <a:solidFill>
                 <a:schemeClr val="tx1">
                   <a:lumMod val="85000"/>
                   <a:lumOff val="15000"/>
                 </a:schemeClr>
               </a:solidFill>
+              <a:latin typeface="Cambria" panose="02040503050406030204" pitchFamily="18" charset="0"/>
+              <a:ea typeface="Cambria" panose="02040503050406030204" pitchFamily="18" charset="0"/>
             </a:endParaRPr>
           </a:p>
         </p:txBody>
@@ -3971,61 +7787,6 @@
           </a:prstGeom>
         </p:spPr>
       </p:pic>
-      <p:cxnSp>
-        <p:nvCxnSpPr>
-          <p:cNvPr id="24" name="Straight Connector 23">
-            <a:extLst>
-              <a:ext uri="{FF2B5EF4-FFF2-40B4-BE49-F238E27FC236}">
-                <a16:creationId xmlns:a16="http://schemas.microsoft.com/office/drawing/2014/main" id="{E7A7CD63-7EC3-44F3-95D0-595C4019FF24}"/>
-              </a:ext>
-              <a:ext uri="{C183D7F6-B498-43B3-948B-1728B52AA6E4}">
-                <adec:decorative xmlns:adec="http://schemas.microsoft.com/office/drawing/2017/decorative" val="1"/>
-              </a:ext>
-            </a:extLst>
-          </p:cNvPr>
-          <p:cNvCxnSpPr>
-            <a:cxnSpLocks noGrp="1" noRot="1" noChangeAspect="1" noMove="1" noResize="1" noEditPoints="1" noAdjustHandles="1" noChangeArrowheads="1" noChangeShapeType="1"/>
-          </p:cNvCxnSpPr>
-          <p:nvPr>
-            <p:extLst>
-              <p:ext uri="{386F3935-93C4-4BCD-93E2-E3B085C9AB24}">
-                <p16:designElem xmlns:p16="http://schemas.microsoft.com/office/powerpoint/2015/main" val="1"/>
-              </p:ext>
-            </p:extLst>
-          </p:nvPr>
-        </p:nvCxnSpPr>
-        <p:spPr>
-          <a:xfrm>
-            <a:off x="5427754" y="4498925"/>
-            <a:ext cx="5636107" cy="0"/>
-          </a:xfrm>
-          <a:prstGeom prst="line">
-            <a:avLst/>
-          </a:prstGeom>
-          <a:ln w="12700">
-            <a:solidFill>
-              <a:schemeClr val="tx1">
-                <a:lumMod val="75000"/>
-                <a:lumOff val="25000"/>
-              </a:schemeClr>
-            </a:solidFill>
-          </a:ln>
-        </p:spPr>
-        <p:style>
-          <a:lnRef idx="1">
-            <a:schemeClr val="accent1"/>
-          </a:lnRef>
-          <a:fillRef idx="0">
-            <a:schemeClr val="accent1"/>
-          </a:fillRef>
-          <a:effectRef idx="0">
-            <a:schemeClr val="accent1"/>
-          </a:effectRef>
-          <a:fontRef idx="minor">
-            <a:schemeClr val="tx1"/>
-          </a:fontRef>
-        </p:style>
-      </p:cxnSp>
     </p:spTree>
     <p:extLst>
       <p:ext uri="{BB962C8B-B14F-4D97-AF65-F5344CB8AC3E}">
@@ -4042,14 +7803,6 @@
 <file path=ppt/slides/slide10.xml><?xml version="1.0" encoding="utf-8"?>
 <p:sld xmlns:a="http://schemas.openxmlformats.org/drawingml/2006/main" xmlns:r="http://schemas.openxmlformats.org/officeDocument/2006/relationships" xmlns:p="http://schemas.openxmlformats.org/presentationml/2006/main">
   <p:cSld>
-    <p:bg>
-      <p:bgPr>
-        <a:solidFill>
-          <a:srgbClr val="9BA8B7"/>
-        </a:solidFill>
-        <a:effectLst/>
-      </p:bgPr>
-    </p:bg>
     <p:spTree>
       <p:nvGrpSpPr>
         <p:cNvPr id="1" name=""/>
@@ -4170,11 +7923,7 @@
           <a:lstStyle/>
           <a:p>
             <a:r>
-              <a:rPr lang="en-US" dirty="0">
-                <a:solidFill>
-                  <a:schemeClr val="bg1"/>
-                </a:solidFill>
-              </a:rPr>
+              <a:rPr lang="en-US" dirty="0"/>
               <a:t>Source : The code we wrote.</a:t>
             </a:r>
           </a:p>
@@ -4196,14 +7945,6 @@
 <file path=ppt/slides/slide11.xml><?xml version="1.0" encoding="utf-8"?>
 <p:sld xmlns:a="http://schemas.openxmlformats.org/drawingml/2006/main" xmlns:r="http://schemas.openxmlformats.org/officeDocument/2006/relationships" xmlns:p="http://schemas.openxmlformats.org/presentationml/2006/main">
   <p:cSld>
-    <p:bg>
-      <p:bgPr>
-        <a:solidFill>
-          <a:srgbClr val="9BA8B7"/>
-        </a:solidFill>
-        <a:effectLst/>
-      </p:bgPr>
-    </p:bg>
     <p:spTree>
       <p:nvGrpSpPr>
         <p:cNvPr id="1" name=""/>
@@ -4315,14 +8056,6 @@
 <file path=ppt/slides/slide12.xml><?xml version="1.0" encoding="utf-8"?>
 <p:sld xmlns:a="http://schemas.openxmlformats.org/drawingml/2006/main" xmlns:r="http://schemas.openxmlformats.org/officeDocument/2006/relationships" xmlns:p="http://schemas.openxmlformats.org/presentationml/2006/main">
   <p:cSld>
-    <p:bg>
-      <p:bgPr>
-        <a:solidFill>
-          <a:srgbClr val="9BA8B7"/>
-        </a:solidFill>
-        <a:effectLst/>
-      </p:bgPr>
-    </p:bg>
     <p:spTree>
       <p:nvGrpSpPr>
         <p:cNvPr id="1" name=""/>
@@ -4366,11 +8099,7 @@
           <a:lstStyle/>
           <a:p>
             <a:r>
-              <a:rPr lang="en-US" sz="3200" dirty="0">
-                <a:solidFill>
-                  <a:schemeClr val="bg1"/>
-                </a:solidFill>
-              </a:rPr>
+              <a:rPr lang="en-US" sz="3200" b="1" dirty="0"/>
               <a:t>Report Conclusion:</a:t>
             </a:r>
           </a:p>
@@ -4384,29 +8113,61 @@
               <a:t>		</a:t>
             </a:r>
             <a:r>
-              <a:rPr lang="en-US" sz="2400" dirty="0"/>
+              <a:rPr lang="en-US" sz="2400" dirty="0">
+                <a:solidFill>
+                  <a:schemeClr val="tx1">
+                    <a:lumMod val="95000"/>
+                  </a:schemeClr>
+                </a:solidFill>
+              </a:rPr>
               <a:t>The average of closing prices from February 5</a:t>
             </a:r>
             <a:r>
-              <a:rPr lang="en-US" sz="2400" baseline="30000" dirty="0"/>
+              <a:rPr lang="en-US" sz="2400" baseline="30000" dirty="0">
+                <a:solidFill>
+                  <a:schemeClr val="tx1">
+                    <a:lumMod val="95000"/>
+                  </a:schemeClr>
+                </a:solidFill>
+              </a:rPr>
               <a:t>th</a:t>
             </a:r>
             <a:r>
-              <a:rPr lang="en-US" sz="2400" dirty="0"/>
+              <a:rPr lang="en-US" sz="2400" dirty="0">
+                <a:solidFill>
+                  <a:schemeClr val="tx1">
+                    <a:lumMod val="95000"/>
+                  </a:schemeClr>
+                </a:solidFill>
+              </a:rPr>
               <a:t> ,2023 to 			February 11</a:t>
             </a:r>
             <a:r>
-              <a:rPr lang="en-US" sz="2400" baseline="30000" dirty="0"/>
+              <a:rPr lang="en-US" sz="2400" baseline="30000" dirty="0">
+                <a:solidFill>
+                  <a:schemeClr val="tx1">
+                    <a:lumMod val="95000"/>
+                  </a:schemeClr>
+                </a:solidFill>
+              </a:rPr>
               <a:t>th</a:t>
             </a:r>
             <a:r>
-              <a:rPr lang="en-US" sz="2400" dirty="0"/>
+              <a:rPr lang="en-US" sz="2400" dirty="0">
+                <a:solidFill>
+                  <a:schemeClr val="tx1">
+                    <a:lumMod val="95000"/>
+                  </a:schemeClr>
+                </a:solidFill>
+              </a:rPr>
               <a:t> ,2023  turned up to be </a:t>
             </a:r>
             <a:r>
-              <a:rPr lang="en-US" sz="3200" b="0" dirty="0">
-                <a:solidFill>
-                  <a:srgbClr val="CCCCCC"/>
+              <a:rPr lang="en-US" sz="2800" b="1" i="1" u="sng" dirty="0">
+                <a:solidFill>
+                  <a:schemeClr val="tx1">
+                    <a:lumMod val="95000"/>
+                  </a:schemeClr>
                 </a:solidFill>
                 <a:effectLst/>
                 <a:latin typeface="Consolas" panose="020B0609020204030204" pitchFamily="49" charset="0"/>
@@ -4418,19 +8179,59 @@
             <a:r>
               <a:rPr lang="en-US" sz="3200" dirty="0">
                 <a:solidFill>
-                  <a:schemeClr val="bg1"/>
+                  <a:schemeClr val="tx1">
+                    <a:lumMod val="95000"/>
+                  </a:schemeClr>
                 </a:solidFill>
               </a:rPr>
               <a:t>		</a:t>
             </a:r>
             <a:r>
-              <a:rPr lang="en-US" sz="2400" dirty="0"/>
-              <a:t>and the average of predicted closing price during the same 		time duration turned out </a:t>
-            </a:r>
-            <a:r>
-              <a:rPr lang="en-US" sz="3200" b="0" dirty="0">
-                <a:solidFill>
-                  <a:srgbClr val="CCCCCC"/>
+              <a:rPr lang="en-US" sz="2400" dirty="0">
+                <a:solidFill>
+                  <a:schemeClr val="tx1">
+                    <a:lumMod val="95000"/>
+                  </a:schemeClr>
+                </a:solidFill>
+              </a:rPr>
+              <a:t>and the average of predicted closing price during the same 		</a:t>
+            </a:r>
+            <a:r>
+              <a:rPr lang="en-US" sz="2400" dirty="0" smtClean="0">
+                <a:solidFill>
+                  <a:schemeClr val="tx1">
+                    <a:lumMod val="95000"/>
+                  </a:schemeClr>
+                </a:solidFill>
+              </a:rPr>
+              <a:t>	time </a:t>
+            </a:r>
+            <a:r>
+              <a:rPr lang="en-US" sz="2400" dirty="0">
+                <a:solidFill>
+                  <a:schemeClr val="tx1">
+                    <a:lumMod val="95000"/>
+                  </a:schemeClr>
+                </a:solidFill>
+              </a:rPr>
+              <a:t>duration turned out </a:t>
+            </a:r>
+            <a:r>
+              <a:rPr lang="en-US" sz="2400" dirty="0" smtClean="0">
+                <a:solidFill>
+                  <a:schemeClr val="tx1">
+                    <a:lumMod val="95000"/>
+                  </a:schemeClr>
+                </a:solidFill>
+              </a:rPr>
+              <a:t> </a:t>
+            </a:r>
+            <a:r>
+              <a:rPr lang="en-US" sz="2800" b="1" i="1" u="sng" dirty="0" smtClean="0">
+                <a:solidFill>
+                  <a:schemeClr val="tx1">
+                    <a:lumMod val="95000"/>
+                  </a:schemeClr>
                 </a:solidFill>
                 <a:effectLst/>
                 <a:latin typeface="Consolas" panose="020B0609020204030204" pitchFamily="49" charset="0"/>
@@ -4439,6 +8240,11 @@
             </a:r>
             <a:r>
               <a:rPr lang="en-US" sz="2400" dirty="0">
+                <a:solidFill>
+                  <a:schemeClr val="tx1">
+                    <a:lumMod val="95000"/>
+                  </a:schemeClr>
+                </a:solidFill>
                 <a:latin typeface="Consolas" panose="020B0609020204030204" pitchFamily="49" charset="0"/>
               </a:rPr>
               <a:t>. </a:t>
@@ -4447,11 +8253,21 @@
           <a:p>
             <a:r>
               <a:rPr lang="en-US" sz="2400" dirty="0">
+                <a:solidFill>
+                  <a:schemeClr val="tx1">
+                    <a:lumMod val="95000"/>
+                  </a:schemeClr>
+                </a:solidFill>
                 <a:latin typeface="Consolas" panose="020B0609020204030204" pitchFamily="49" charset="0"/>
               </a:rPr>
               <a:t>		The observable difference being quite high to 		be ignored along with all the spotlight and 		NEWS coverage Google’s LLM Bard favored- it can 		be safely concluded that Bard was welcomed by 		the market with an noticeable increase in share 		price.</a:t>
             </a:r>
             <a:endParaRPr lang="en-US" sz="2400" b="0" dirty="0">
+              <a:solidFill>
+                <a:schemeClr val="tx1">
+                  <a:lumMod val="95000"/>
+                </a:schemeClr>
+              </a:solidFill>
               <a:effectLst/>
               <a:latin typeface="Consolas" panose="020B0609020204030204" pitchFamily="49" charset="0"/>
             </a:endParaRPr>
@@ -4473,7 +8289,7 @@
         <p:spPr>
           <a:xfrm>
             <a:off x="3748994" y="5043551"/>
-            <a:ext cx="4893327" cy="1200329"/>
+            <a:ext cx="4969309" cy="1200329"/>
           </a:xfrm>
           <a:prstGeom prst="rect">
             <a:avLst/>
@@ -4487,11 +8303,7 @@
           <a:lstStyle/>
           <a:p>
             <a:r>
-              <a:rPr lang="en-US" sz="7200" dirty="0">
-                <a:solidFill>
-                  <a:schemeClr val="bg1"/>
-                </a:solidFill>
-              </a:rPr>
+              <a:rPr lang="en-US" sz="7200" b="1" dirty="0"/>
               <a:t>Thank you !!</a:t>
             </a:r>
           </a:p>
@@ -4513,14 +8325,6 @@
 <file path=ppt/slides/slide13.xml><?xml version="1.0" encoding="utf-8"?>
 <p:sld xmlns:a="http://schemas.openxmlformats.org/drawingml/2006/main" xmlns:r="http://schemas.openxmlformats.org/officeDocument/2006/relationships" xmlns:p="http://schemas.openxmlformats.org/presentationml/2006/main">
   <p:cSld>
-    <p:bg>
-      <p:bgPr>
-        <a:solidFill>
-          <a:srgbClr val="9BA8B7"/>
-        </a:solidFill>
-        <a:effectLst/>
-      </p:bgPr>
-    </p:bg>
     <p:spTree>
       <p:nvGrpSpPr>
         <p:cNvPr id="1" name=""/>
@@ -4564,11 +8368,7 @@
           <a:lstStyle/>
           <a:p>
             <a:r>
-              <a:rPr lang="en-US" sz="6000" dirty="0">
-                <a:solidFill>
-                  <a:schemeClr val="bg1"/>
-                </a:solidFill>
-              </a:rPr>
+              <a:rPr lang="en-US" sz="6000" b="1" dirty="0"/>
               <a:t>Meet The Team :</a:t>
             </a:r>
           </a:p>
@@ -4582,56 +8382,104 @@
           <a:p>
             <a:pPr lvl="7"/>
             <a:r>
-              <a:rPr lang="en-US" sz="3200" dirty="0"/>
+              <a:rPr lang="en-US" sz="3200" dirty="0">
+                <a:solidFill>
+                  <a:schemeClr val="tx1">
+                    <a:lumMod val="95000"/>
+                  </a:schemeClr>
+                </a:solidFill>
+              </a:rPr>
               <a:t>DIKSHA AGARWAL (SPOC/TEAM LEAD) </a:t>
             </a:r>
           </a:p>
           <a:p>
             <a:pPr lvl="7"/>
             <a:r>
-              <a:rPr lang="en-US" sz="3200" dirty="0"/>
+              <a:rPr lang="en-US" sz="3200" dirty="0">
+                <a:solidFill>
+                  <a:schemeClr val="tx1">
+                    <a:lumMod val="95000"/>
+                  </a:schemeClr>
+                </a:solidFill>
+              </a:rPr>
               <a:t>AASTHA DAKHERA</a:t>
             </a:r>
           </a:p>
           <a:p>
             <a:pPr lvl="7"/>
             <a:r>
-              <a:rPr lang="en-US" sz="3200" dirty="0"/>
+              <a:rPr lang="en-US" sz="3200" dirty="0">
+                <a:solidFill>
+                  <a:schemeClr val="tx1">
+                    <a:lumMod val="95000"/>
+                  </a:schemeClr>
+                </a:solidFill>
+              </a:rPr>
               <a:t>ANUSHKA VIJAY</a:t>
             </a:r>
           </a:p>
           <a:p>
             <a:pPr lvl="7"/>
             <a:r>
-              <a:rPr lang="en-US" sz="3200" dirty="0"/>
+              <a:rPr lang="en-US" sz="3200" dirty="0">
+                <a:solidFill>
+                  <a:schemeClr val="tx1">
+                    <a:lumMod val="95000"/>
+                  </a:schemeClr>
+                </a:solidFill>
+              </a:rPr>
               <a:t>AYUSH JHOTA</a:t>
             </a:r>
           </a:p>
           <a:p>
             <a:pPr lvl="7"/>
             <a:r>
-              <a:rPr lang="en-US" sz="3200" dirty="0"/>
+              <a:rPr lang="en-US" sz="3200" dirty="0">
+                <a:solidFill>
+                  <a:schemeClr val="tx1">
+                    <a:lumMod val="95000"/>
+                  </a:schemeClr>
+                </a:solidFill>
+              </a:rPr>
               <a:t>KHUSHI GAHLOT</a:t>
             </a:r>
           </a:p>
           <a:p>
             <a:pPr lvl="7"/>
             <a:r>
-              <a:rPr lang="en-US" sz="3200" dirty="0"/>
+              <a:rPr lang="en-US" sz="3200" dirty="0">
+                <a:solidFill>
+                  <a:schemeClr val="tx1">
+                    <a:lumMod val="95000"/>
+                  </a:schemeClr>
+                </a:solidFill>
+              </a:rPr>
               <a:t>NISHA LOHAR </a:t>
             </a:r>
           </a:p>
           <a:p>
             <a:pPr lvl="7"/>
             <a:r>
-              <a:rPr lang="en-US" sz="3200" dirty="0"/>
+              <a:rPr lang="en-US" sz="3200" dirty="0">
+                <a:solidFill>
+                  <a:schemeClr val="tx1">
+                    <a:lumMod val="95000"/>
+                  </a:schemeClr>
+                </a:solidFill>
+              </a:rPr>
               <a:t>VAIBHAV GARG</a:t>
             </a:r>
           </a:p>
           <a:p>
             <a:pPr lvl="7"/>
             <a:r>
-              <a:rPr lang="en-US" sz="3200" dirty="0"/>
+              <a:rPr lang="en-US" sz="3200" dirty="0">
+                <a:solidFill>
+                  <a:schemeClr val="tx1">
+                    <a:lumMod val="95000"/>
+                  </a:schemeClr>
+                </a:solidFill>
+              </a:rPr>
               <a:t>VARUN SHARMA</a:t>
             </a:r>
           </a:p>
@@ -4653,14 +8501,6 @@
 <file path=ppt/slides/slide2.xml><?xml version="1.0" encoding="utf-8"?>
 <p:sld xmlns:a="http://schemas.openxmlformats.org/drawingml/2006/main" xmlns:r="http://schemas.openxmlformats.org/officeDocument/2006/relationships" xmlns:p="http://schemas.openxmlformats.org/presentationml/2006/main">
   <p:cSld>
-    <p:bg>
-      <p:bgPr>
-        <a:solidFill>
-          <a:schemeClr val="bg1"/>
-        </a:solidFill>
-        <a:effectLst/>
-      </p:bgPr>
-    </p:bg>
     <p:spTree>
       <p:nvGrpSpPr>
         <p:cNvPr id="1" name=""/>
@@ -4677,69 +8517,6 @@
       </p:grpSpPr>
       <p:sp>
         <p:nvSpPr>
-          <p:cNvPr id="47" name="Rectangle 46">
-            <a:extLst>
-              <a:ext uri="{FF2B5EF4-FFF2-40B4-BE49-F238E27FC236}">
-                <a16:creationId xmlns:a16="http://schemas.microsoft.com/office/drawing/2014/main" id="{FBDCECDC-EEE3-4128-AA5E-82A8C08796E8}"/>
-              </a:ext>
-              <a:ext uri="{C183D7F6-B498-43B3-948B-1728B52AA6E4}">
-                <adec:decorative xmlns:adec="http://schemas.microsoft.com/office/drawing/2017/decorative" val="1"/>
-              </a:ext>
-            </a:extLst>
-          </p:cNvPr>
-          <p:cNvSpPr>
-            <a:spLocks noGrp="1" noRot="1" noChangeAspect="1" noMove="1" noResize="1" noEditPoints="1" noAdjustHandles="1" noChangeArrowheads="1" noChangeShapeType="1" noTextEdit="1"/>
-          </p:cNvSpPr>
-          <p:nvPr>
-            <p:extLst>
-              <p:ext uri="{386F3935-93C4-4BCD-93E2-E3B085C9AB24}">
-                <p16:designElem xmlns:p16="http://schemas.microsoft.com/office/powerpoint/2015/main" val="1"/>
-              </p:ext>
-            </p:extLst>
-          </p:nvPr>
-        </p:nvSpPr>
-        <p:spPr>
-          <a:xfrm>
-            <a:off x="1507" y="0"/>
-            <a:ext cx="12192000" cy="6858000"/>
-          </a:xfrm>
-          <a:prstGeom prst="rect">
-            <a:avLst/>
-          </a:prstGeom>
-          <a:solidFill>
-            <a:schemeClr val="accent1"/>
-          </a:solidFill>
-          <a:ln>
-            <a:noFill/>
-          </a:ln>
-        </p:spPr>
-        <p:style>
-          <a:lnRef idx="2">
-            <a:schemeClr val="accent1">
-              <a:shade val="50000"/>
-            </a:schemeClr>
-          </a:lnRef>
-          <a:fillRef idx="1">
-            <a:schemeClr val="accent1"/>
-          </a:fillRef>
-          <a:effectRef idx="0">
-            <a:schemeClr val="accent1"/>
-          </a:effectRef>
-          <a:fontRef idx="minor">
-            <a:schemeClr val="lt1"/>
-          </a:fontRef>
-        </p:style>
-        <p:txBody>
-          <a:bodyPr rtlCol="0" anchor="ctr"/>
-          <a:lstStyle/>
-          <a:p>
-            <a:pPr algn="ctr"/>
-            <a:endParaRPr lang="en-US"/>
-          </a:p>
-        </p:txBody>
-      </p:sp>
-      <p:sp>
-        <p:nvSpPr>
           <p:cNvPr id="2" name="Title 1">
             <a:extLst>
               <a:ext uri="{FF2B5EF4-FFF2-40B4-BE49-F238E27FC236}">
@@ -4756,8 +8533,8 @@
         </p:nvSpPr>
         <p:spPr>
           <a:xfrm>
-            <a:off x="311285" y="77821"/>
-            <a:ext cx="10844395" cy="4573299"/>
+            <a:off x="0" y="0"/>
+            <a:ext cx="10844395" cy="1019459"/>
           </a:xfrm>
         </p:spPr>
         <p:txBody>
@@ -4777,180 +8554,26 @@
             <a:r>
               <a:rPr lang="en-US" sz="3200" i="1" dirty="0">
                 <a:solidFill>
-                  <a:srgbClr val="FFFFFF"/>
+                  <a:schemeClr val="tx1"/>
                 </a:solidFill>
               </a:rPr>
-              <a:t>THE BASIC IDEA:</a:t>
-            </a:r>
-            <a:br>
-              <a:rPr lang="en-US" sz="3200" i="1" dirty="0">
-                <a:solidFill>
-                  <a:srgbClr val="FFFFFF"/>
+              <a:t>THE BASIC IDEA</a:t>
+            </a:r>
+            <a:r>
+              <a:rPr lang="en-US" sz="3200" i="1" dirty="0" smtClean="0">
+                <a:solidFill>
+                  <a:schemeClr val="tx1"/>
                 </a:solidFill>
               </a:rPr>
-            </a:br>
-            <a:r>
-              <a:rPr lang="en-US" sz="3200" i="1" dirty="0">
-                <a:solidFill>
-                  <a:srgbClr val="FFFFFF"/>
-                </a:solidFill>
-              </a:rPr>
-              <a:t>		</a:t>
-            </a:r>
-            <a:r>
-              <a:rPr lang="en-US" sz="2400" b="0" i="0" u="none" strike="noStrike" dirty="0">
-                <a:solidFill>
-                  <a:srgbClr val="000000"/>
-                </a:solidFill>
-                <a:effectLst/>
-                <a:latin typeface="Arial" panose="020B0604020202020204" pitchFamily="34" charset="0"/>
-              </a:rPr>
-              <a:t>Any major decisions of a company are taken keeping in mind how it 		will be received by the market. A good indicator of market opinion is 		share prices of the company.</a:t>
-            </a:r>
-            <a:br>
-              <a:rPr lang="en-US" sz="2400" b="0" dirty="0">
-                <a:effectLst/>
-              </a:rPr>
-            </a:br>
-            <a:r>
-              <a:rPr lang="en-US" sz="2400" b="0" dirty="0">
-                <a:effectLst/>
-              </a:rPr>
-              <a:t>		</a:t>
-            </a:r>
-            <a:r>
-              <a:rPr lang="en-US" sz="2400" b="0" i="0" u="none" strike="noStrike" dirty="0">
-                <a:solidFill>
-                  <a:srgbClr val="000000"/>
-                </a:solidFill>
-                <a:effectLst/>
-                <a:latin typeface="Arial" panose="020B0604020202020204" pitchFamily="34" charset="0"/>
-              </a:rPr>
-              <a:t>However the decision under consideration might not be the only 		reason as to why there was an unexpected rise or fall in the share 		price. </a:t>
-            </a:r>
-            <a:br>
-              <a:rPr lang="en-US" sz="2400" b="0" dirty="0">
-                <a:effectLst/>
-              </a:rPr>
-            </a:br>
-            <a:r>
-              <a:rPr lang="en-US" sz="2400" b="0" dirty="0">
-                <a:effectLst/>
-              </a:rPr>
-              <a:t>		</a:t>
-            </a:r>
-            <a:r>
-              <a:rPr lang="en-US" sz="2400" b="0" i="0" u="none" strike="noStrike" dirty="0">
-                <a:solidFill>
-                  <a:srgbClr val="000000"/>
-                </a:solidFill>
-                <a:effectLst/>
-                <a:latin typeface="Arial" panose="020B0604020202020204" pitchFamily="34" charset="0"/>
-              </a:rPr>
-              <a:t>The project is intended to discover the impact of a decision taken 		while accounting for disturbances in the share market as a whole.</a:t>
-            </a:r>
-            <a:br>
-              <a:rPr lang="en-US" sz="2400" b="0" dirty="0">
-                <a:effectLst/>
-              </a:rPr>
-            </a:br>
-            <a:r>
-              <a:rPr lang="en-US" sz="2400" b="0" dirty="0">
-                <a:effectLst/>
-              </a:rPr>
-              <a:t>		</a:t>
-            </a:r>
-            <a:r>
-              <a:rPr lang="en-US" sz="2400" b="0" i="0" u="none" strike="noStrike" dirty="0">
-                <a:solidFill>
-                  <a:srgbClr val="000000"/>
-                </a:solidFill>
-                <a:effectLst/>
-                <a:latin typeface="Arial" panose="020B0604020202020204" pitchFamily="34" charset="0"/>
-              </a:rPr>
-              <a:t>The impact caused can potentially affect future decisions to be</a:t>
-            </a:r>
-            <a:br>
-              <a:rPr lang="en-US" sz="2400" b="0" i="0" u="none" strike="noStrike" dirty="0">
-                <a:solidFill>
-                  <a:srgbClr val="000000"/>
-                </a:solidFill>
-                <a:effectLst/>
-                <a:latin typeface="Arial" panose="020B0604020202020204" pitchFamily="34" charset="0"/>
-              </a:rPr>
-            </a:br>
-            <a:r>
-              <a:rPr lang="en-US" sz="2400" b="0" i="0" u="none" strike="noStrike" dirty="0">
-                <a:solidFill>
-                  <a:srgbClr val="000000"/>
-                </a:solidFill>
-                <a:effectLst/>
-                <a:latin typeface="Arial" panose="020B0604020202020204" pitchFamily="34" charset="0"/>
-              </a:rPr>
-              <a:t>		taken.</a:t>
+              <a:t>:</a:t>
             </a:r>
             <a:endParaRPr lang="en-US" sz="2400" i="1" dirty="0">
               <a:solidFill>
-                <a:srgbClr val="FFFFFF"/>
+                <a:schemeClr val="tx1"/>
               </a:solidFill>
             </a:endParaRPr>
           </a:p>
         </p:txBody>
-      </p:sp>
-      <p:sp>
-        <p:nvSpPr>
-          <p:cNvPr id="49" name="Rectangle 48">
-            <a:extLst>
-              <a:ext uri="{FF2B5EF4-FFF2-40B4-BE49-F238E27FC236}">
-                <a16:creationId xmlns:a16="http://schemas.microsoft.com/office/drawing/2014/main" id="{4260EDE0-989C-4E16-AF94-F652294D828E}"/>
-              </a:ext>
-              <a:ext uri="{C183D7F6-B498-43B3-948B-1728B52AA6E4}">
-                <adec:decorative xmlns:adec="http://schemas.microsoft.com/office/drawing/2017/decorative" val="1"/>
-              </a:ext>
-            </a:extLst>
-          </p:cNvPr>
-          <p:cNvSpPr>
-            <a:spLocks noGrp="1" noRot="1" noChangeAspect="1" noMove="1" noResize="1" noEditPoints="1" noAdjustHandles="1" noChangeArrowheads="1" noChangeShapeType="1" noTextEdit="1"/>
-          </p:cNvSpPr>
-          <p:nvPr>
-            <p:extLst>
-              <p:ext uri="{386F3935-93C4-4BCD-93E2-E3B085C9AB24}">
-                <p16:designElem xmlns:p16="http://schemas.microsoft.com/office/powerpoint/2015/main" val="1"/>
-              </p:ext>
-            </p:extLst>
-          </p:nvPr>
-        </p:nvSpPr>
-        <p:spPr bwMode="white">
-          <a:xfrm>
-            <a:off x="1507" y="4953000"/>
-            <a:ext cx="12188952" cy="1905000"/>
-          </a:xfrm>
-          <a:prstGeom prst="rect">
-            <a:avLst/>
-          </a:prstGeom>
-          <a:solidFill>
-            <a:srgbClr val="262626"/>
-          </a:solidFill>
-          <a:ln>
-            <a:noFill/>
-          </a:ln>
-        </p:spPr>
-        <p:style>
-          <a:lnRef idx="2">
-            <a:schemeClr val="accent1">
-              <a:shade val="50000"/>
-            </a:schemeClr>
-          </a:lnRef>
-          <a:fillRef idx="1">
-            <a:schemeClr val="accent1"/>
-          </a:fillRef>
-          <a:effectRef idx="0">
-            <a:schemeClr val="accent1"/>
-          </a:effectRef>
-          <a:fontRef idx="minor">
-            <a:schemeClr val="lt1"/>
-          </a:fontRef>
-        </p:style>
       </p:sp>
       <p:sp>
         <p:nvSpPr>
@@ -4971,19 +8594,19 @@
         <p:spPr>
           <a:xfrm>
             <a:off x="806245" y="5083277"/>
-            <a:ext cx="10352206" cy="1284963"/>
+            <a:ext cx="10352206" cy="1578780"/>
           </a:xfrm>
         </p:spPr>
         <p:txBody>
           <a:bodyPr>
-            <a:normAutofit fontScale="55000" lnSpcReduction="20000"/>
+            <a:normAutofit fontScale="70000" lnSpcReduction="20000"/>
           </a:bodyPr>
           <a:lstStyle/>
           <a:p>
             <a:r>
-              <a:rPr lang="en-US" sz="3800" dirty="0">
-                <a:solidFill>
-                  <a:srgbClr val="FFFFFF"/>
+              <a:rPr lang="en-US" sz="4500" b="1" dirty="0">
+                <a:solidFill>
+                  <a:schemeClr val="tx1"/>
                 </a:solidFill>
               </a:rPr>
               <a:t>Objective-</a:t>
@@ -5001,16 +8624,16 @@
               <a:buChar char="•"/>
             </a:pPr>
             <a:r>
-              <a:rPr lang="en-US" sz="2900" b="0" i="0" u="none" strike="noStrike" dirty="0">
-                <a:solidFill>
-                  <a:schemeClr val="bg1">
-                    <a:lumMod val="65000"/>
+              <a:rPr lang="en-US" sz="2900" b="1" i="0" u="none" strike="noStrike" dirty="0" smtClean="0">
+                <a:solidFill>
+                  <a:schemeClr val="tx1">
+                    <a:lumMod val="85000"/>
                   </a:schemeClr>
                 </a:solidFill>
                 <a:effectLst/>
                 <a:latin typeface="Arial" panose="020B0604020202020204" pitchFamily="34" charset="0"/>
               </a:rPr>
-              <a:t>Gauging the impact of strategic organizational decisions by measuring 	disturbances in share prices. </a:t>
+              <a:t>Gauging the impact of strategic organizational decisions by measuring disturbances in share prices. </a:t>
             </a:r>
           </a:p>
           <a:p>
@@ -5025,10 +8648,10 @@
               <a:buChar char="•"/>
             </a:pPr>
             <a:r>
-              <a:rPr lang="en-US" sz="2900" b="0" i="0" u="none" strike="noStrike" dirty="0">
-                <a:solidFill>
-                  <a:schemeClr val="bg1">
-                    <a:lumMod val="65000"/>
+              <a:rPr lang="en-US" sz="2900" b="1" i="0" u="none" strike="noStrike" dirty="0" smtClean="0">
+                <a:solidFill>
+                  <a:schemeClr val="tx1">
+                    <a:lumMod val="85000"/>
                   </a:schemeClr>
                 </a:solidFill>
                 <a:effectLst/>
@@ -5037,18 +8660,22 @@
               <a:t>And to analyze if the decision had positive, negative or neutral response from the market</a:t>
             </a:r>
             <a:r>
-              <a:rPr lang="en-US" sz="2900" b="0" i="0" u="none" strike="noStrike" dirty="0">
-                <a:solidFill>
-                  <a:srgbClr val="000000"/>
+              <a:rPr lang="en-US" sz="2900" b="0" i="0" u="none" strike="noStrike" dirty="0" smtClean="0">
+                <a:solidFill>
+                  <a:schemeClr val="tx1">
+                    <a:lumMod val="85000"/>
+                  </a:schemeClr>
                 </a:solidFill>
                 <a:effectLst/>
                 <a:latin typeface="Arial" panose="020B0604020202020204" pitchFamily="34" charset="0"/>
               </a:rPr>
               <a:t>.</a:t>
             </a:r>
-            <a:endParaRPr lang="en-US" sz="2900" dirty="0">
+            <a:endParaRPr lang="en-US" sz="2900" dirty="0" smtClean="0">
               <a:solidFill>
-                <a:srgbClr val="FFFFFF"/>
+                <a:schemeClr val="tx1">
+                  <a:lumMod val="85000"/>
+                </a:schemeClr>
               </a:solidFill>
             </a:endParaRPr>
           </a:p>
@@ -5073,6 +8700,326 @@
           </a:p>
         </p:txBody>
       </p:sp>
+      <p:sp>
+        <p:nvSpPr>
+          <p:cNvPr id="4" name="TextBox 3"/>
+          <p:cNvSpPr txBox="1"/>
+          <p:nvPr/>
+        </p:nvSpPr>
+        <p:spPr>
+          <a:xfrm>
+            <a:off x="1573607" y="724169"/>
+            <a:ext cx="8817481" cy="3985706"/>
+          </a:xfrm>
+          <a:prstGeom prst="rect">
+            <a:avLst/>
+          </a:prstGeom>
+          <a:noFill/>
+        </p:spPr>
+        <p:txBody>
+          <a:bodyPr wrap="square" rtlCol="0">
+            <a:spAutoFit/>
+          </a:bodyPr>
+          <a:lstStyle/>
+          <a:p>
+            <a:r>
+              <a:rPr lang="en-US" sz="2300" b="1" dirty="0">
+                <a:solidFill>
+                  <a:schemeClr val="tx1">
+                    <a:lumMod val="85000"/>
+                  </a:schemeClr>
+                </a:solidFill>
+                <a:latin typeface="Calibri" panose="020F0502020204030204" pitchFamily="34" charset="0"/>
+                <a:cs typeface="Calibri" panose="020F0502020204030204" pitchFamily="34" charset="0"/>
+              </a:rPr>
+              <a:t>Any major decisions of a company are taken keeping in mind how it </a:t>
+            </a:r>
+            <a:r>
+              <a:rPr lang="en-US" sz="2300" b="1" dirty="0" smtClean="0">
+                <a:solidFill>
+                  <a:schemeClr val="tx1">
+                    <a:lumMod val="85000"/>
+                  </a:schemeClr>
+                </a:solidFill>
+                <a:latin typeface="Calibri" panose="020F0502020204030204" pitchFamily="34" charset="0"/>
+                <a:cs typeface="Calibri" panose="020F0502020204030204" pitchFamily="34" charset="0"/>
+              </a:rPr>
+              <a:t>will </a:t>
+            </a:r>
+            <a:r>
+              <a:rPr lang="en-US" sz="2300" b="1" dirty="0">
+                <a:solidFill>
+                  <a:schemeClr val="tx1">
+                    <a:lumMod val="85000"/>
+                  </a:schemeClr>
+                </a:solidFill>
+                <a:latin typeface="Calibri" panose="020F0502020204030204" pitchFamily="34" charset="0"/>
+                <a:cs typeface="Calibri" panose="020F0502020204030204" pitchFamily="34" charset="0"/>
+              </a:rPr>
+              <a:t>be received by the market. A good indicator of market opinion is </a:t>
+            </a:r>
+            <a:r>
+              <a:rPr lang="en-US" sz="2300" b="1" dirty="0" smtClean="0">
+                <a:solidFill>
+                  <a:schemeClr val="tx1">
+                    <a:lumMod val="85000"/>
+                  </a:schemeClr>
+                </a:solidFill>
+                <a:latin typeface="Calibri" panose="020F0502020204030204" pitchFamily="34" charset="0"/>
+                <a:cs typeface="Calibri" panose="020F0502020204030204" pitchFamily="34" charset="0"/>
+              </a:rPr>
+              <a:t>share </a:t>
+            </a:r>
+            <a:r>
+              <a:rPr lang="en-US" sz="2300" b="1" dirty="0">
+                <a:solidFill>
+                  <a:schemeClr val="tx1">
+                    <a:lumMod val="85000"/>
+                  </a:schemeClr>
+                </a:solidFill>
+                <a:latin typeface="Calibri" panose="020F0502020204030204" pitchFamily="34" charset="0"/>
+                <a:cs typeface="Calibri" panose="020F0502020204030204" pitchFamily="34" charset="0"/>
+              </a:rPr>
+              <a:t>prices of the company.</a:t>
+            </a:r>
+            <a:br>
+              <a:rPr lang="en-US" sz="2300" b="1" dirty="0">
+                <a:solidFill>
+                  <a:schemeClr val="tx1">
+                    <a:lumMod val="85000"/>
+                  </a:schemeClr>
+                </a:solidFill>
+                <a:latin typeface="Calibri" panose="020F0502020204030204" pitchFamily="34" charset="0"/>
+                <a:cs typeface="Calibri" panose="020F0502020204030204" pitchFamily="34" charset="0"/>
+              </a:rPr>
+            </a:br>
+            <a:endParaRPr lang="en-US" sz="2300" b="1" dirty="0" smtClean="0">
+              <a:solidFill>
+                <a:schemeClr val="tx1">
+                  <a:lumMod val="85000"/>
+                </a:schemeClr>
+              </a:solidFill>
+              <a:latin typeface="Calibri" panose="020F0502020204030204" pitchFamily="34" charset="0"/>
+              <a:cs typeface="Calibri" panose="020F0502020204030204" pitchFamily="34" charset="0"/>
+            </a:endParaRPr>
+          </a:p>
+          <a:p>
+            <a:r>
+              <a:rPr lang="en-US" sz="2300" b="1" dirty="0" smtClean="0">
+                <a:solidFill>
+                  <a:schemeClr val="tx1">
+                    <a:lumMod val="85000"/>
+                  </a:schemeClr>
+                </a:solidFill>
+                <a:latin typeface="Calibri" panose="020F0502020204030204" pitchFamily="34" charset="0"/>
+                <a:cs typeface="Calibri" panose="020F0502020204030204" pitchFamily="34" charset="0"/>
+              </a:rPr>
+              <a:t>However </a:t>
+            </a:r>
+            <a:r>
+              <a:rPr lang="en-US" sz="2300" b="1" dirty="0">
+                <a:solidFill>
+                  <a:schemeClr val="tx1">
+                    <a:lumMod val="85000"/>
+                  </a:schemeClr>
+                </a:solidFill>
+                <a:latin typeface="Calibri" panose="020F0502020204030204" pitchFamily="34" charset="0"/>
+                <a:cs typeface="Calibri" panose="020F0502020204030204" pitchFamily="34" charset="0"/>
+              </a:rPr>
+              <a:t>the decision under consideration might not be the only </a:t>
+            </a:r>
+            <a:r>
+              <a:rPr lang="en-US" sz="2300" b="1" dirty="0" smtClean="0">
+                <a:solidFill>
+                  <a:schemeClr val="tx1">
+                    <a:lumMod val="85000"/>
+                  </a:schemeClr>
+                </a:solidFill>
+                <a:latin typeface="Calibri" panose="020F0502020204030204" pitchFamily="34" charset="0"/>
+                <a:cs typeface="Calibri" panose="020F0502020204030204" pitchFamily="34" charset="0"/>
+              </a:rPr>
+              <a:t>reason </a:t>
+            </a:r>
+            <a:r>
+              <a:rPr lang="en-US" sz="2300" b="1" dirty="0">
+                <a:solidFill>
+                  <a:schemeClr val="tx1">
+                    <a:lumMod val="85000"/>
+                  </a:schemeClr>
+                </a:solidFill>
+                <a:latin typeface="Calibri" panose="020F0502020204030204" pitchFamily="34" charset="0"/>
+                <a:cs typeface="Calibri" panose="020F0502020204030204" pitchFamily="34" charset="0"/>
+              </a:rPr>
+              <a:t>as to why there was an unexpected rise or fall in the share </a:t>
+            </a:r>
+            <a:r>
+              <a:rPr lang="en-US" sz="2300" b="1" dirty="0" smtClean="0">
+                <a:solidFill>
+                  <a:schemeClr val="tx1">
+                    <a:lumMod val="85000"/>
+                  </a:schemeClr>
+                </a:solidFill>
+                <a:latin typeface="Calibri" panose="020F0502020204030204" pitchFamily="34" charset="0"/>
+                <a:cs typeface="Calibri" panose="020F0502020204030204" pitchFamily="34" charset="0"/>
+              </a:rPr>
+              <a:t>price</a:t>
+            </a:r>
+            <a:r>
+              <a:rPr lang="en-US" sz="2300" b="1" dirty="0">
+                <a:solidFill>
+                  <a:schemeClr val="tx1">
+                    <a:lumMod val="85000"/>
+                  </a:schemeClr>
+                </a:solidFill>
+                <a:latin typeface="Calibri" panose="020F0502020204030204" pitchFamily="34" charset="0"/>
+                <a:cs typeface="Calibri" panose="020F0502020204030204" pitchFamily="34" charset="0"/>
+              </a:rPr>
+              <a:t>. </a:t>
+            </a:r>
+            <a:br>
+              <a:rPr lang="en-US" sz="2300" b="1" dirty="0">
+                <a:solidFill>
+                  <a:schemeClr val="tx1">
+                    <a:lumMod val="85000"/>
+                  </a:schemeClr>
+                </a:solidFill>
+                <a:latin typeface="Calibri" panose="020F0502020204030204" pitchFamily="34" charset="0"/>
+                <a:cs typeface="Calibri" panose="020F0502020204030204" pitchFamily="34" charset="0"/>
+              </a:rPr>
+            </a:br>
+            <a:r>
+              <a:rPr lang="en-US" sz="2300" b="1" dirty="0">
+                <a:solidFill>
+                  <a:schemeClr val="tx1">
+                    <a:lumMod val="85000"/>
+                  </a:schemeClr>
+                </a:solidFill>
+                <a:latin typeface="Calibri" panose="020F0502020204030204" pitchFamily="34" charset="0"/>
+                <a:cs typeface="Calibri" panose="020F0502020204030204" pitchFamily="34" charset="0"/>
+              </a:rPr>
+              <a:t>		</a:t>
+            </a:r>
+            <a:endParaRPr lang="en-US" sz="2300" b="1" dirty="0" smtClean="0">
+              <a:solidFill>
+                <a:schemeClr val="tx1">
+                  <a:lumMod val="85000"/>
+                </a:schemeClr>
+              </a:solidFill>
+              <a:latin typeface="Calibri" panose="020F0502020204030204" pitchFamily="34" charset="0"/>
+              <a:cs typeface="Calibri" panose="020F0502020204030204" pitchFamily="34" charset="0"/>
+            </a:endParaRPr>
+          </a:p>
+          <a:p>
+            <a:r>
+              <a:rPr lang="en-US" sz="2300" b="1" dirty="0" smtClean="0">
+                <a:solidFill>
+                  <a:schemeClr val="tx1">
+                    <a:lumMod val="85000"/>
+                  </a:schemeClr>
+                </a:solidFill>
+                <a:latin typeface="Calibri" panose="020F0502020204030204" pitchFamily="34" charset="0"/>
+                <a:cs typeface="Calibri" panose="020F0502020204030204" pitchFamily="34" charset="0"/>
+              </a:rPr>
+              <a:t>The </a:t>
+            </a:r>
+            <a:r>
+              <a:rPr lang="en-US" sz="2300" b="1" dirty="0">
+                <a:solidFill>
+                  <a:schemeClr val="tx1">
+                    <a:lumMod val="85000"/>
+                  </a:schemeClr>
+                </a:solidFill>
+                <a:latin typeface="Calibri" panose="020F0502020204030204" pitchFamily="34" charset="0"/>
+                <a:cs typeface="Calibri" panose="020F0502020204030204" pitchFamily="34" charset="0"/>
+              </a:rPr>
+              <a:t>project is intended to discover the impact of a decision taken </a:t>
+            </a:r>
+            <a:r>
+              <a:rPr lang="en-US" sz="2300" b="1" dirty="0" smtClean="0">
+                <a:solidFill>
+                  <a:schemeClr val="tx1">
+                    <a:lumMod val="85000"/>
+                  </a:schemeClr>
+                </a:solidFill>
+                <a:latin typeface="Calibri" panose="020F0502020204030204" pitchFamily="34" charset="0"/>
+                <a:cs typeface="Calibri" panose="020F0502020204030204" pitchFamily="34" charset="0"/>
+              </a:rPr>
+              <a:t>while </a:t>
+            </a:r>
+            <a:r>
+              <a:rPr lang="en-US" sz="2300" b="1" dirty="0">
+                <a:solidFill>
+                  <a:schemeClr val="tx1">
+                    <a:lumMod val="85000"/>
+                  </a:schemeClr>
+                </a:solidFill>
+                <a:latin typeface="Calibri" panose="020F0502020204030204" pitchFamily="34" charset="0"/>
+                <a:cs typeface="Calibri" panose="020F0502020204030204" pitchFamily="34" charset="0"/>
+              </a:rPr>
+              <a:t>accounting for disturbances in the share market as a whole.</a:t>
+            </a:r>
+            <a:br>
+              <a:rPr lang="en-US" sz="2300" b="1" dirty="0">
+                <a:solidFill>
+                  <a:schemeClr val="tx1">
+                    <a:lumMod val="85000"/>
+                  </a:schemeClr>
+                </a:solidFill>
+                <a:latin typeface="Calibri" panose="020F0502020204030204" pitchFamily="34" charset="0"/>
+                <a:cs typeface="Calibri" panose="020F0502020204030204" pitchFamily="34" charset="0"/>
+              </a:rPr>
+            </a:br>
+            <a:r>
+              <a:rPr lang="en-US" sz="2300" b="1" dirty="0" smtClean="0">
+                <a:solidFill>
+                  <a:schemeClr val="tx1">
+                    <a:lumMod val="85000"/>
+                  </a:schemeClr>
+                </a:solidFill>
+                <a:latin typeface="Calibri" panose="020F0502020204030204" pitchFamily="34" charset="0"/>
+                <a:cs typeface="Calibri" panose="020F0502020204030204" pitchFamily="34" charset="0"/>
+              </a:rPr>
+              <a:t>The </a:t>
+            </a:r>
+            <a:r>
+              <a:rPr lang="en-US" sz="2300" b="1" dirty="0">
+                <a:solidFill>
+                  <a:schemeClr val="tx1">
+                    <a:lumMod val="85000"/>
+                  </a:schemeClr>
+                </a:solidFill>
+                <a:latin typeface="Calibri" panose="020F0502020204030204" pitchFamily="34" charset="0"/>
+                <a:cs typeface="Calibri" panose="020F0502020204030204" pitchFamily="34" charset="0"/>
+              </a:rPr>
+              <a:t>impact caused can potentially affect future decisions to </a:t>
+            </a:r>
+            <a:r>
+              <a:rPr lang="en-US" sz="2300" b="1" dirty="0" smtClean="0">
+                <a:solidFill>
+                  <a:schemeClr val="tx1">
+                    <a:lumMod val="85000"/>
+                  </a:schemeClr>
+                </a:solidFill>
+                <a:latin typeface="Calibri" panose="020F0502020204030204" pitchFamily="34" charset="0"/>
+                <a:cs typeface="Calibri" panose="020F0502020204030204" pitchFamily="34" charset="0"/>
+              </a:rPr>
+              <a:t>be taken</a:t>
+            </a:r>
+            <a:r>
+              <a:rPr lang="en-US" sz="2300" b="1" dirty="0">
+                <a:solidFill>
+                  <a:schemeClr val="tx1">
+                    <a:lumMod val="85000"/>
+                  </a:schemeClr>
+                </a:solidFill>
+                <a:latin typeface="Calibri" panose="020F0502020204030204" pitchFamily="34" charset="0"/>
+                <a:cs typeface="Calibri" panose="020F0502020204030204" pitchFamily="34" charset="0"/>
+              </a:rPr>
+              <a:t>.</a:t>
+            </a:r>
+          </a:p>
+        </p:txBody>
+      </p:sp>
     </p:spTree>
     <p:extLst>
       <p:ext uri="{BB962C8B-B14F-4D97-AF65-F5344CB8AC3E}">
@@ -5089,14 +9036,6 @@
 <file path=ppt/slides/slide3.xml><?xml version="1.0" encoding="utf-8"?>
 <p:sld xmlns:a="http://schemas.openxmlformats.org/drawingml/2006/main" xmlns:r="http://schemas.openxmlformats.org/officeDocument/2006/relationships" xmlns:p="http://schemas.openxmlformats.org/presentationml/2006/main">
   <p:cSld>
-    <p:bg>
-      <p:bgPr>
-        <a:solidFill>
-          <a:srgbClr val="9BA8B7"/>
-        </a:solidFill>
-        <a:effectLst/>
-      </p:bgPr>
-    </p:bg>
     <p:spTree>
       <p:nvGrpSpPr>
         <p:cNvPr id="1" name=""/>
@@ -5125,8 +9064,8 @@
         </p:nvSpPr>
         <p:spPr>
           <a:xfrm>
-            <a:off x="1160206" y="658762"/>
-            <a:ext cx="9596284" cy="5262979"/>
+            <a:off x="1151498" y="353962"/>
+            <a:ext cx="9596284" cy="5816977"/>
           </a:xfrm>
           <a:prstGeom prst="rect">
             <a:avLst/>
@@ -5140,57 +9079,291 @@
           <a:lstStyle/>
           <a:p>
             <a:r>
-              <a:rPr lang="en-US" sz="3200" dirty="0">
-                <a:solidFill>
-                  <a:schemeClr val="bg1"/>
+              <a:rPr lang="en-US" sz="3600" b="1" dirty="0"/>
+              <a:t>Case Study:</a:t>
+            </a:r>
+          </a:p>
+          <a:p>
+            <a:r>
+              <a:rPr lang="en-US" sz="4000" i="1" dirty="0">
+                <a:solidFill>
+                  <a:srgbClr val="FFFFFF"/>
                 </a:solidFill>
               </a:rPr>
-              <a:t>Case Study:</a:t>
-            </a:r>
-          </a:p>
-          <a:p>
-            <a:r>
-              <a:rPr lang="en-US" sz="4000" i="1" dirty="0">
-                <a:solidFill>
-                  <a:srgbClr val="FFFFFF"/>
+              <a:t>	</a:t>
+            </a:r>
+            <a:r>
+              <a:rPr lang="en-US" sz="4000" i="1" dirty="0" smtClean="0">
+                <a:solidFill>
+                  <a:schemeClr val="tx1">
+                    <a:lumMod val="95000"/>
+                  </a:schemeClr>
                 </a:solidFill>
               </a:rPr>
-              <a:t>		</a:t>
-            </a:r>
-            <a:r>
-              <a:rPr lang="en-US" sz="2400" i="1" dirty="0"/>
-              <a:t>For the purpose of this project the company under 			consideration is GOOGLE and the NEWS item focused on 		is Google's LLM Bard.</a:t>
-            </a:r>
-          </a:p>
-          <a:p>
-            <a:r>
-              <a:rPr lang="en-US" sz="2400" i="1" dirty="0"/>
-              <a:t>		Google Bard was announced on February 6</a:t>
-            </a:r>
-            <a:r>
-              <a:rPr lang="en-US" sz="2400" i="1" baseline="30000" dirty="0"/>
+              <a:t>     - </a:t>
+            </a:r>
+            <a:r>
+              <a:rPr lang="en-US" sz="2400" b="1" i="1" dirty="0" smtClean="0">
+                <a:solidFill>
+                  <a:schemeClr val="tx1">
+                    <a:lumMod val="95000"/>
+                  </a:schemeClr>
+                </a:solidFill>
+                <a:latin typeface="Calibri" panose="020F0502020204030204" pitchFamily="34" charset="0"/>
+                <a:cs typeface="Calibri" panose="020F0502020204030204" pitchFamily="34" charset="0"/>
+              </a:rPr>
+              <a:t>For </a:t>
+            </a:r>
+            <a:r>
+              <a:rPr lang="en-US" sz="2400" b="1" i="1" dirty="0">
+                <a:solidFill>
+                  <a:schemeClr val="tx1">
+                    <a:lumMod val="95000"/>
+                  </a:schemeClr>
+                </a:solidFill>
+                <a:latin typeface="Calibri" panose="020F0502020204030204" pitchFamily="34" charset="0"/>
+                <a:cs typeface="Calibri" panose="020F0502020204030204" pitchFamily="34" charset="0"/>
+              </a:rPr>
+              <a:t>the purpose of this project the company under 			</a:t>
+            </a:r>
+            <a:r>
+              <a:rPr lang="en-US" sz="2400" b="1" i="1" dirty="0" smtClean="0">
+                <a:solidFill>
+                  <a:schemeClr val="tx1">
+                    <a:lumMod val="95000"/>
+                  </a:schemeClr>
+                </a:solidFill>
+                <a:latin typeface="Calibri" panose="020F0502020204030204" pitchFamily="34" charset="0"/>
+                <a:cs typeface="Calibri" panose="020F0502020204030204" pitchFamily="34" charset="0"/>
+              </a:rPr>
+              <a:t>	consideration </a:t>
+            </a:r>
+            <a:r>
+              <a:rPr lang="en-US" sz="2400" b="1" i="1" dirty="0">
+                <a:solidFill>
+                  <a:schemeClr val="tx1">
+                    <a:lumMod val="95000"/>
+                  </a:schemeClr>
+                </a:solidFill>
+                <a:latin typeface="Calibri" panose="020F0502020204030204" pitchFamily="34" charset="0"/>
+                <a:cs typeface="Calibri" panose="020F0502020204030204" pitchFamily="34" charset="0"/>
+              </a:rPr>
+              <a:t>is GOOGLE and the NEWS item focused on 		</a:t>
+            </a:r>
+            <a:r>
+              <a:rPr lang="en-US" sz="2400" b="1" i="1" dirty="0" smtClean="0">
+                <a:solidFill>
+                  <a:schemeClr val="tx1">
+                    <a:lumMod val="95000"/>
+                  </a:schemeClr>
+                </a:solidFill>
+                <a:latin typeface="Calibri" panose="020F0502020204030204" pitchFamily="34" charset="0"/>
+                <a:cs typeface="Calibri" panose="020F0502020204030204" pitchFamily="34" charset="0"/>
+              </a:rPr>
+              <a:t>	is </a:t>
+            </a:r>
+            <a:r>
+              <a:rPr lang="en-US" sz="2400" b="1" i="1" dirty="0">
+                <a:solidFill>
+                  <a:schemeClr val="tx1">
+                    <a:lumMod val="95000"/>
+                  </a:schemeClr>
+                </a:solidFill>
+                <a:latin typeface="Calibri" panose="020F0502020204030204" pitchFamily="34" charset="0"/>
+                <a:cs typeface="Calibri" panose="020F0502020204030204" pitchFamily="34" charset="0"/>
+              </a:rPr>
+              <a:t>Google's LLM Bard.</a:t>
+            </a:r>
+          </a:p>
+          <a:p>
+            <a:r>
+              <a:rPr lang="en-US" sz="2400" b="1" i="1" dirty="0">
+                <a:solidFill>
+                  <a:schemeClr val="tx1">
+                    <a:lumMod val="95000"/>
+                  </a:schemeClr>
+                </a:solidFill>
+                <a:latin typeface="Calibri" panose="020F0502020204030204" pitchFamily="34" charset="0"/>
+                <a:cs typeface="Calibri" panose="020F0502020204030204" pitchFamily="34" charset="0"/>
+              </a:rPr>
+              <a:t>	 </a:t>
+            </a:r>
+            <a:r>
+              <a:rPr lang="en-US" sz="2400" b="1" i="1" dirty="0" smtClean="0">
+                <a:solidFill>
+                  <a:schemeClr val="tx1">
+                    <a:lumMod val="95000"/>
+                  </a:schemeClr>
+                </a:solidFill>
+                <a:latin typeface="Calibri" panose="020F0502020204030204" pitchFamily="34" charset="0"/>
+                <a:cs typeface="Calibri" panose="020F0502020204030204" pitchFamily="34" charset="0"/>
+              </a:rPr>
+              <a:t>         </a:t>
+            </a:r>
+            <a:r>
+              <a:rPr lang="en-US" sz="4000" i="1" dirty="0" smtClean="0">
+                <a:solidFill>
+                  <a:schemeClr val="tx1">
+                    <a:lumMod val="95000"/>
+                  </a:schemeClr>
+                </a:solidFill>
+              </a:rPr>
+              <a:t>-</a:t>
+            </a:r>
+            <a:r>
+              <a:rPr lang="en-US" sz="2400" i="1" dirty="0" smtClean="0">
+                <a:solidFill>
+                  <a:schemeClr val="tx1">
+                    <a:lumMod val="95000"/>
+                  </a:schemeClr>
+                </a:solidFill>
+              </a:rPr>
+              <a:t> </a:t>
+            </a:r>
+            <a:r>
+              <a:rPr lang="en-US" sz="2400" b="1" i="1" dirty="0" smtClean="0">
+                <a:solidFill>
+                  <a:schemeClr val="tx1">
+                    <a:lumMod val="95000"/>
+                  </a:schemeClr>
+                </a:solidFill>
+                <a:latin typeface="Calibri" panose="020F0502020204030204" pitchFamily="34" charset="0"/>
+                <a:cs typeface="Calibri" panose="020F0502020204030204" pitchFamily="34" charset="0"/>
+              </a:rPr>
+              <a:t>Google </a:t>
+            </a:r>
+            <a:r>
+              <a:rPr lang="en-US" sz="2400" b="1" i="1" dirty="0">
+                <a:solidFill>
+                  <a:schemeClr val="tx1">
+                    <a:lumMod val="95000"/>
+                  </a:schemeClr>
+                </a:solidFill>
+                <a:latin typeface="Calibri" panose="020F0502020204030204" pitchFamily="34" charset="0"/>
+                <a:cs typeface="Calibri" panose="020F0502020204030204" pitchFamily="34" charset="0"/>
+              </a:rPr>
+              <a:t>Bard was announced on February 6</a:t>
+            </a:r>
+            <a:r>
+              <a:rPr lang="en-US" sz="2400" b="1" i="1" baseline="30000" dirty="0">
+                <a:solidFill>
+                  <a:schemeClr val="tx1">
+                    <a:lumMod val="95000"/>
+                  </a:schemeClr>
+                </a:solidFill>
+                <a:latin typeface="Calibri" panose="020F0502020204030204" pitchFamily="34" charset="0"/>
+                <a:cs typeface="Calibri" panose="020F0502020204030204" pitchFamily="34" charset="0"/>
+              </a:rPr>
               <a:t>th</a:t>
             </a:r>
             <a:r>
-              <a:rPr lang="en-US" sz="2400" i="1" dirty="0"/>
+              <a:rPr lang="en-US" sz="2400" b="1" i="1" dirty="0">
+                <a:solidFill>
+                  <a:schemeClr val="tx1">
+                    <a:lumMod val="95000"/>
+                  </a:schemeClr>
+                </a:solidFill>
+                <a:latin typeface="Calibri" panose="020F0502020204030204" pitchFamily="34" charset="0"/>
+                <a:cs typeface="Calibri" panose="020F0502020204030204" pitchFamily="34" charset="0"/>
+              </a:rPr>
               <a:t>,2023.</a:t>
             </a:r>
           </a:p>
           <a:p>
             <a:r>
-              <a:rPr lang="en-US" sz="2400" i="1" dirty="0"/>
+              <a:rPr lang="en-US" sz="2400" b="1" i="1" dirty="0">
+                <a:solidFill>
+                  <a:schemeClr val="tx1">
+                    <a:lumMod val="95000"/>
+                  </a:schemeClr>
+                </a:solidFill>
+                <a:latin typeface="Calibri" panose="020F0502020204030204" pitchFamily="34" charset="0"/>
+                <a:cs typeface="Calibri" panose="020F0502020204030204" pitchFamily="34" charset="0"/>
+              </a:rPr>
               <a:t>		And based on the information interpreted from Google 			Trends has been most talked about over the world in the 			week following the official announcement.</a:t>
             </a:r>
           </a:p>
           <a:p>
             <a:r>
-              <a:rPr lang="en-US" sz="2400" i="1" dirty="0"/>
-              <a:t>		The following are direct screenshots people’s interest over 		time in a particular news item.</a:t>
-            </a:r>
-          </a:p>
-          <a:p>
-            <a:r>
-              <a:rPr lang="en-US" sz="2400" dirty="0"/>
+              <a:rPr lang="en-US" sz="2400" b="1" i="1" dirty="0">
+                <a:solidFill>
+                  <a:schemeClr val="tx1">
+                    <a:lumMod val="95000"/>
+                  </a:schemeClr>
+                </a:solidFill>
+                <a:latin typeface="Calibri" panose="020F0502020204030204" pitchFamily="34" charset="0"/>
+                <a:cs typeface="Calibri" panose="020F0502020204030204" pitchFamily="34" charset="0"/>
+              </a:rPr>
+              <a:t>	 </a:t>
+            </a:r>
+            <a:r>
+              <a:rPr lang="en-US" sz="2400" b="1" i="1" dirty="0" smtClean="0">
+                <a:solidFill>
+                  <a:schemeClr val="tx1">
+                    <a:lumMod val="95000"/>
+                  </a:schemeClr>
+                </a:solidFill>
+                <a:latin typeface="Calibri" panose="020F0502020204030204" pitchFamily="34" charset="0"/>
+                <a:cs typeface="Calibri" panose="020F0502020204030204" pitchFamily="34" charset="0"/>
+              </a:rPr>
+              <a:t>         </a:t>
+            </a:r>
+            <a:r>
+              <a:rPr lang="en-US" sz="4000" i="1" dirty="0" smtClean="0">
+                <a:solidFill>
+                  <a:schemeClr val="tx1">
+                    <a:lumMod val="95000"/>
+                  </a:schemeClr>
+                </a:solidFill>
+              </a:rPr>
+              <a:t>-</a:t>
+            </a:r>
+            <a:r>
+              <a:rPr lang="en-US" sz="2400" i="1" dirty="0" smtClean="0">
+                <a:solidFill>
+                  <a:schemeClr val="tx1">
+                    <a:lumMod val="95000"/>
+                  </a:schemeClr>
+                </a:solidFill>
+              </a:rPr>
+              <a:t> </a:t>
+            </a:r>
+            <a:r>
+              <a:rPr lang="en-US" sz="2400" b="1" i="1" dirty="0" smtClean="0">
+                <a:solidFill>
+                  <a:schemeClr val="tx1">
+                    <a:lumMod val="95000"/>
+                  </a:schemeClr>
+                </a:solidFill>
+                <a:latin typeface="Calibri" panose="020F0502020204030204" pitchFamily="34" charset="0"/>
+                <a:cs typeface="Calibri" panose="020F0502020204030204" pitchFamily="34" charset="0"/>
+              </a:rPr>
+              <a:t>The </a:t>
+            </a:r>
+            <a:r>
+              <a:rPr lang="en-US" sz="2400" b="1" i="1" dirty="0">
+                <a:solidFill>
+                  <a:schemeClr val="tx1">
+                    <a:lumMod val="95000"/>
+                  </a:schemeClr>
+                </a:solidFill>
+                <a:latin typeface="Calibri" panose="020F0502020204030204" pitchFamily="34" charset="0"/>
+                <a:cs typeface="Calibri" panose="020F0502020204030204" pitchFamily="34" charset="0"/>
+              </a:rPr>
+              <a:t>following are direct screenshots people’s interest over 		time in a particular news item.</a:t>
+            </a:r>
+          </a:p>
+          <a:p>
+            <a:r>
+              <a:rPr lang="en-US" sz="2400" b="1" dirty="0">
+                <a:solidFill>
+                  <a:schemeClr val="tx1">
+                    <a:lumMod val="95000"/>
+                  </a:schemeClr>
+                </a:solidFill>
+                <a:latin typeface="Calibri" panose="020F0502020204030204" pitchFamily="34" charset="0"/>
+                <a:cs typeface="Calibri" panose="020F0502020204030204" pitchFamily="34" charset="0"/>
+              </a:rPr>
               <a:t>		Its scaled to a hundred where hundred is the most 			searched. These line plots are closely followed by interest 		by regions all over the world during different time periods.</a:t>
             </a:r>
           </a:p>
@@ -5212,14 +9385,6 @@
 <file path=ppt/slides/slide4.xml><?xml version="1.0" encoding="utf-8"?>
 <p:sld xmlns:a="http://schemas.openxmlformats.org/drawingml/2006/main" xmlns:r="http://schemas.openxmlformats.org/officeDocument/2006/relationships" xmlns:p="http://schemas.openxmlformats.org/presentationml/2006/main">
   <p:cSld>
-    <p:bg>
-      <p:bgPr>
-        <a:solidFill>
-          <a:srgbClr val="9BA8B7"/>
-        </a:solidFill>
-        <a:effectLst/>
-      </p:bgPr>
-    </p:bg>
     <p:spTree>
       <p:nvGrpSpPr>
         <p:cNvPr id="1" name=""/>
@@ -5284,13 +9449,21 @@
         </p:nvSpPr>
         <p:spPr>
           <a:xfrm>
-            <a:off x="2871019" y="4748980"/>
-            <a:ext cx="8221498" cy="646331"/>
+            <a:off x="2651102" y="4775104"/>
+            <a:ext cx="8221498" cy="1015663"/>
           </a:xfrm>
           <a:prstGeom prst="rect">
             <a:avLst/>
           </a:prstGeom>
           <a:noFill/>
+          <a:ln>
+            <a:solidFill>
+              <a:schemeClr val="tx1">
+                <a:lumMod val="95000"/>
+                <a:lumOff val="5000"/>
+              </a:schemeClr>
+            </a:solidFill>
+          </a:ln>
         </p:spPr>
         <p:txBody>
           <a:bodyPr wrap="square" rtlCol="0">
@@ -5299,21 +9472,66 @@
           <a:lstStyle/>
           <a:p>
             <a:r>
-              <a:rPr lang="en-US" dirty="0"/>
+              <a:rPr lang="en-US" sz="2000" dirty="0"/>
               <a:t>Figure : The line plot above is a direct screenshot from </a:t>
             </a:r>
             <a:r>
-              <a:rPr lang="en-US" dirty="0">
+              <a:rPr lang="en-US" sz="2000" dirty="0">
+                <a:ln>
+                  <a:solidFill>
+                    <a:schemeClr val="tx1">
+                      <a:lumMod val="95000"/>
+                      <a:lumOff val="5000"/>
+                    </a:schemeClr>
+                  </a:solidFill>
+                </a:ln>
+                <a:solidFill>
+                  <a:srgbClr val="FF0000"/>
+                </a:solidFill>
                 <a:hlinkClick r:id="rId3"/>
               </a:rPr>
-              <a:t>https://trends.google.com</a:t>
-            </a:r>
-            <a:endParaRPr lang="en-US" dirty="0"/>
-          </a:p>
-          <a:p>
-            <a:r>
-              <a:rPr lang="en-US" dirty="0"/>
-              <a:t>	depicting people’s interest in Bard chatbot in the last 5 years</a:t>
+              <a:t>https://</a:t>
+            </a:r>
+            <a:r>
+              <a:rPr lang="en-US" sz="2000" dirty="0" smtClean="0">
+                <a:ln>
+                  <a:solidFill>
+                    <a:schemeClr val="tx1">
+                      <a:lumMod val="95000"/>
+                      <a:lumOff val="5000"/>
+                    </a:schemeClr>
+                  </a:solidFill>
+                </a:ln>
+                <a:solidFill>
+                  <a:srgbClr val="FF0000"/>
+                </a:solidFill>
+                <a:hlinkClick r:id="rId3"/>
+              </a:rPr>
+              <a:t>trends.google.com</a:t>
+            </a:r>
+            <a:r>
+              <a:rPr lang="en-US" sz="2000" dirty="0">
+                <a:ln>
+                  <a:solidFill>
+                    <a:schemeClr val="tx1">
+                      <a:lumMod val="95000"/>
+                      <a:lumOff val="5000"/>
+                    </a:schemeClr>
+                  </a:solidFill>
+                </a:ln>
+                <a:solidFill>
+                  <a:srgbClr val="FF0000"/>
+                </a:solidFill>
+              </a:rPr>
+              <a:t> </a:t>
+            </a:r>
+            <a:r>
+              <a:rPr lang="en-US" sz="2000" dirty="0" smtClean="0"/>
+              <a:t>depicting </a:t>
+            </a:r>
+            <a:r>
+              <a:rPr lang="en-US" sz="2000" dirty="0"/>
+              <a:t>people’s interest in Bard chatbot in the last 5 years</a:t>
             </a:r>
           </a:p>
         </p:txBody>
@@ -5334,14 +9552,6 @@
 <file path=ppt/slides/slide5.xml><?xml version="1.0" encoding="utf-8"?>
 <p:sld xmlns:a="http://schemas.openxmlformats.org/drawingml/2006/main" xmlns:r="http://schemas.openxmlformats.org/officeDocument/2006/relationships" xmlns:p="http://schemas.openxmlformats.org/presentationml/2006/main">
   <p:cSld>
-    <p:bg>
-      <p:bgPr>
-        <a:solidFill>
-          <a:srgbClr val="9BA8B7"/>
-        </a:solidFill>
-        <a:effectLst/>
-      </p:bgPr>
-    </p:bg>
     <p:spTree>
       <p:nvGrpSpPr>
         <p:cNvPr id="1" name=""/>
@@ -5441,7 +9651,7 @@
         </p:nvSpPr>
         <p:spPr>
           <a:xfrm>
-            <a:off x="1081549" y="6396335"/>
+            <a:off x="2234809" y="6396335"/>
             <a:ext cx="7334864" cy="369332"/>
           </a:xfrm>
           <a:prstGeom prst="rect">
@@ -5456,11 +9666,7 @@
           <a:lstStyle/>
           <a:p>
             <a:r>
-              <a:rPr lang="en-US" dirty="0">
-                <a:solidFill>
-                  <a:schemeClr val="bg1"/>
-                </a:solidFill>
-              </a:rPr>
+              <a:rPr lang="en-US" dirty="0"/>
               <a:t>Source: https://trends.google.com</a:t>
             </a:r>
           </a:p>
@@ -5482,14 +9688,6 @@
 <file path=ppt/slides/slide6.xml><?xml version="1.0" encoding="utf-8"?>
 <p:sld xmlns:a="http://schemas.openxmlformats.org/drawingml/2006/main" xmlns:r="http://schemas.openxmlformats.org/officeDocument/2006/relationships" xmlns:p="http://schemas.openxmlformats.org/presentationml/2006/main">
   <p:cSld>
-    <p:bg>
-      <p:bgPr>
-        <a:solidFill>
-          <a:srgbClr val="9BA8B7"/>
-        </a:solidFill>
-        <a:effectLst/>
-      </p:bgPr>
-    </p:bg>
     <p:spTree>
       <p:nvGrpSpPr>
         <p:cNvPr id="1" name=""/>
@@ -5604,14 +9802,9 @@
           <a:lstStyle/>
           <a:p>
             <a:r>
-              <a:rPr lang="en-US" sz="1600" dirty="0">
-                <a:solidFill>
-                  <a:schemeClr val="bg1"/>
-                </a:solidFill>
-              </a:rPr>
+              <a:rPr lang="en-US" sz="1600" dirty="0"/>
               <a:t>Source : https://trends.google.com</a:t>
             </a:r>
-            <a:endParaRPr lang="en-US" sz="1600" dirty="0"/>
           </a:p>
         </p:txBody>
       </p:sp>
@@ -5631,14 +9824,6 @@
 <file path=ppt/slides/slide7.xml><?xml version="1.0" encoding="utf-8"?>
 <p:sld xmlns:a="http://schemas.openxmlformats.org/drawingml/2006/main" xmlns:r="http://schemas.openxmlformats.org/officeDocument/2006/relationships" xmlns:p="http://schemas.openxmlformats.org/presentationml/2006/main">
   <p:cSld>
-    <p:bg>
-      <p:bgPr>
-        <a:solidFill>
-          <a:srgbClr val="9BA8B7"/>
-        </a:solidFill>
-        <a:effectLst/>
-      </p:bgPr>
-    </p:bg>
     <p:spTree>
       <p:nvGrpSpPr>
         <p:cNvPr id="1" name=""/>
@@ -5682,11 +9867,7 @@
           <a:lstStyle/>
           <a:p>
             <a:r>
-              <a:rPr lang="en-US" sz="3200" dirty="0">
-                <a:solidFill>
-                  <a:schemeClr val="bg1"/>
-                </a:solidFill>
-              </a:rPr>
+              <a:rPr lang="en-US" sz="3200" b="1" dirty="0"/>
               <a:t>Observation:</a:t>
             </a:r>
           </a:p>
@@ -5700,22 +9881,35 @@
               <a:t>		</a:t>
             </a:r>
             <a:r>
-              <a:rPr lang="en-US" sz="2400" dirty="0"/>
+              <a:rPr lang="en-US" sz="2400" dirty="0">
+                <a:solidFill>
+                  <a:schemeClr val="tx1">
+                    <a:lumMod val="95000"/>
+                  </a:schemeClr>
+                </a:solidFill>
+              </a:rPr>
               <a:t>As is visually depicted not much has changed in over five years 		as the hype around Bard the LLM by Google is concentrated in 		these past twelve months. The Official announcement was 		made on February 6</a:t>
             </a:r>
             <a:r>
-              <a:rPr lang="en-US" sz="2400" baseline="30000" dirty="0"/>
+              <a:rPr lang="en-US" sz="2400" baseline="30000" dirty="0">
+                <a:solidFill>
+                  <a:schemeClr val="tx1">
+                    <a:lumMod val="95000"/>
+                  </a:schemeClr>
+                </a:solidFill>
+              </a:rPr>
               <a:t>th</a:t>
             </a:r>
             <a:r>
-              <a:rPr lang="en-US" sz="2400" dirty="0"/>
+              <a:rPr lang="en-US" sz="2400" dirty="0">
+                <a:solidFill>
+                  <a:schemeClr val="tx1">
+                    <a:lumMod val="95000"/>
+                  </a:schemeClr>
+                </a:solidFill>
+              </a:rPr>
               <a:t> ,2023.</a:t>
             </a:r>
-            <a:endParaRPr lang="en-US" sz="2400" dirty="0">
-              <a:solidFill>
-                <a:schemeClr val="bg1"/>
-              </a:solidFill>
-            </a:endParaRPr>
           </a:p>
         </p:txBody>
       </p:sp>
@@ -5748,11 +9942,7 @@
           <a:lstStyle/>
           <a:p>
             <a:r>
-              <a:rPr lang="en-US" sz="3200" dirty="0">
-                <a:solidFill>
-                  <a:schemeClr val="bg1"/>
-                </a:solidFill>
-              </a:rPr>
+              <a:rPr lang="en-US" sz="3200" b="1" dirty="0"/>
               <a:t>Approach :</a:t>
             </a:r>
           </a:p>
@@ -5766,12 +9956,20 @@
               <a:t> 		</a:t>
             </a:r>
             <a:r>
-              <a:rPr lang="en-US" sz="2400" dirty="0"/>
+              <a:rPr lang="en-US" sz="2400" dirty="0">
+                <a:solidFill>
+                  <a:schemeClr val="tx1">
+                    <a:lumMod val="95000"/>
+                  </a:schemeClr>
+                </a:solidFill>
+              </a:rPr>
               <a:t>Keeping that in mind we trained a machine learning model 		over last five years worth of historic data our target being 		capturing the pattern that reoccurs once in a while in the 		closing price of stocks and then using this model to forecast 		the closing price in the week following the official 				announcement of Bard and then comparing it with the actual 		closing price.</a:t>
             </a:r>
             <a:endParaRPr lang="en-US" sz="3200" dirty="0">
               <a:solidFill>
-                <a:schemeClr val="bg1"/>
+                <a:schemeClr val="tx1">
+                  <a:lumMod val="95000"/>
+                </a:schemeClr>
               </a:solidFill>
             </a:endParaRPr>
           </a:p>
@@ -5793,14 +9991,6 @@
 <file path=ppt/slides/slide8.xml><?xml version="1.0" encoding="utf-8"?>
 <p:sld xmlns:a="http://schemas.openxmlformats.org/drawingml/2006/main" xmlns:r="http://schemas.openxmlformats.org/officeDocument/2006/relationships" xmlns:p="http://schemas.openxmlformats.org/presentationml/2006/main">
   <p:cSld>
-    <p:bg>
-      <p:bgPr>
-        <a:solidFill>
-          <a:srgbClr val="9BA8B7"/>
-        </a:solidFill>
-        <a:effectLst/>
-      </p:bgPr>
-    </p:bg>
     <p:spTree>
       <p:nvGrpSpPr>
         <p:cNvPr id="1" name=""/>
@@ -5830,7 +10020,7 @@
         <p:spPr>
           <a:xfrm>
             <a:off x="1838632" y="1386349"/>
-            <a:ext cx="8514736" cy="3662541"/>
+            <a:ext cx="8514736" cy="3293209"/>
           </a:xfrm>
           <a:prstGeom prst="rect">
             <a:avLst/>
@@ -5844,11 +10034,7 @@
           <a:lstStyle/>
           <a:p>
             <a:r>
-              <a:rPr lang="en-US" sz="3200" dirty="0">
-                <a:solidFill>
-                  <a:schemeClr val="bg1"/>
-                </a:solidFill>
-              </a:rPr>
+              <a:rPr lang="en-US" sz="3200" b="1" dirty="0"/>
               <a:t>Note :</a:t>
             </a:r>
           </a:p>
@@ -5862,7 +10048,13 @@
               <a:t> 	</a:t>
             </a:r>
             <a:r>
-              <a:rPr lang="en-US" sz="2400" dirty="0"/>
+              <a:rPr lang="en-US" sz="2400" dirty="0">
+                <a:solidFill>
+                  <a:schemeClr val="tx1">
+                    <a:lumMod val="95000"/>
+                  </a:schemeClr>
+                </a:solidFill>
+              </a:rPr>
               <a:t>The following plots are a better visual representations of 	what we did and the performance of our machine 	learning model. Its note worthy that polynomial 	regression though not very suitable for share price 	prediction works excellently for pattern recognition. The 	model has an R2 value of 0.9733. R2 value ranges from 	0 to 1 where 1 represents pretty accurate and 0 	represents “not really useful”.</a:t>
             </a:r>
           </a:p>
@@ -5884,14 +10076,6 @@
 <file path=ppt/slides/slide9.xml><?xml version="1.0" encoding="utf-8"?>
 <p:sld xmlns:a="http://schemas.openxmlformats.org/drawingml/2006/main" xmlns:r="http://schemas.openxmlformats.org/officeDocument/2006/relationships" xmlns:p="http://schemas.openxmlformats.org/presentationml/2006/main">
   <p:cSld>
-    <p:bg>
-      <p:bgPr>
-        <a:solidFill>
-          <a:srgbClr val="9BA8B7"/>
-        </a:solidFill>
-        <a:effectLst/>
-      </p:bgPr>
-    </p:bg>
     <p:spTree>
       <p:nvGrpSpPr>
         <p:cNvPr id="1" name=""/>
@@ -6000,11 +10184,7 @@
           <a:lstStyle/>
           <a:p>
             <a:r>
-              <a:rPr lang="en-US" sz="1400" dirty="0">
-                <a:solidFill>
-                  <a:schemeClr val="bg1"/>
-                </a:solidFill>
-              </a:rPr>
+              <a:rPr lang="en-US" sz="1400" dirty="0"/>
               <a:t>Source : The code we have written.</a:t>
             </a:r>
             <a:endParaRPr lang="en-US" dirty="0"/>
@@ -6025,87 +10205,52 @@
 </file>
 
 <file path=ppt/theme/theme1.xml><?xml version="1.0" encoding="utf-8"?>
-<a:theme xmlns:a="http://schemas.openxmlformats.org/drawingml/2006/main" name="Custom">
+<a:theme xmlns:a="http://schemas.openxmlformats.org/drawingml/2006/main" name="Wisp">
   <a:themeElements>
-    <a:clrScheme name="Custom 37">
+    <a:clrScheme name="Custom 4">
       <a:dk1>
-        <a:srgbClr val="000000"/>
+        <a:sysClr val="windowText" lastClr="000000"/>
       </a:dk1>
       <a:lt1>
-        <a:srgbClr val="FFFFFF"/>
+        <a:sysClr val="window" lastClr="FFFFFF"/>
       </a:lt1>
       <a:dk2>
-        <a:srgbClr val="4A5356"/>
+        <a:srgbClr val="323232"/>
       </a:dk2>
       <a:lt2>
-        <a:srgbClr val="E8E3CE"/>
+        <a:srgbClr val="E3DED1"/>
       </a:lt2>
       <a:accent1>
-        <a:srgbClr val="9BA8B7"/>
+        <a:srgbClr val="F29204"/>
       </a:accent1>
       <a:accent2>
-        <a:srgbClr val="E6A02E"/>
+        <a:srgbClr val="9F2936"/>
       </a:accent2>
       <a:accent3>
-        <a:srgbClr val="BF6A3B"/>
+        <a:srgbClr val="1B587C"/>
       </a:accent3>
       <a:accent4>
-        <a:srgbClr val="92987A"/>
+        <a:srgbClr val="4E8542"/>
       </a:accent4>
       <a:accent5>
-        <a:srgbClr val="857659"/>
+        <a:srgbClr val="604878"/>
       </a:accent5>
       <a:accent6>
-        <a:srgbClr val="A0988C"/>
+        <a:srgbClr val="B26B02"/>
       </a:accent6>
       <a:hlink>
-        <a:srgbClr val="00B0F0"/>
+        <a:srgbClr val="6B9F25"/>
       </a:hlink>
       <a:folHlink>
-        <a:srgbClr val="738F97"/>
+        <a:srgbClr val="B26B02"/>
       </a:folHlink>
     </a:clrScheme>
-    <a:fontScheme name="Retrospect">
+    <a:fontScheme name="Calibri">
       <a:majorFont>
-        <a:latin typeface="Bookman Old Style" panose="020F0302020204030204"/>
+        <a:latin typeface="Calibri" panose="020F0502020204030204"/>
         <a:ea typeface=""/>
         <a:cs typeface=""/>
-        <a:font script="Jpan" typeface="ＭＳ Ｐゴシック"/>
-        <a:font script="Hang" typeface="맑은 고딕"/>
-        <a:font script="Hans" typeface="宋体"/>
-        <a:font script="Hant" typeface="新細明體"/>
-        <a:font script="Arab" typeface="Times New Roman"/>
-        <a:font script="Hebr" typeface="Times New Roman"/>
-        <a:font script="Thai" typeface="Angsana New"/>
-        <a:font script="Ethi" typeface="Nyala"/>
-        <a:font script="Beng" typeface="Vrinda"/>
-        <a:font script="Gujr" typeface="Shruti"/>
-        <a:font script="Khmr" typeface="MoolBoran"/>
-        <a:font script="Knda" typeface="Tunga"/>
-        <a:font script="Guru" typeface="Raavi"/>
-        <a:font script="Cans" typeface="Euphemia"/>
-        <a:font script="Cher" typeface="Plantagenet Cherokee"/>
-        <a:font script="Yiii" typeface="Microsoft Yi Baiti"/>
-        <a:font script="Tibt" typeface="Microsoft Himalaya"/>
-        <a:font script="Thaa" typeface="MV Boli"/>
-        <a:font script="Deva" typeface="Mangal"/>
-        <a:font script="Telu" typeface="Gautami"/>
-        <a:font script="Taml" typeface="Latha"/>
-        <a:font script="Syrc" typeface="Estrangelo Edessa"/>
-        <a:font script="Orya" typeface="Kalinga"/>
-        <a:font script="Mlym" typeface="Kartika"/>
-        <a:font script="Laoo" typeface="DokChampa"/>
-        <a:font script="Sinh" typeface="Iskoola Pota"/>
-        <a:font script="Mong" typeface="Mongolian Baiti"/>
-        <a:font script="Viet" typeface="Times New Roman"/>
-        <a:font script="Uigh" typeface="Microsoft Uighur"/>
-        <a:font script="Geor" typeface="Sylfaen"/>
-      </a:majorFont>
-      <a:minorFont>
-        <a:latin typeface="Franklin Gothic Book" panose="020F0502020204030204"/>
-        <a:ea typeface=""/>
-        <a:cs typeface=""/>
-        <a:font script="Jpan" typeface="ＭＳ Ｐゴシック"/>
+        <a:font script="Jpan" typeface="メイリオ"/>
         <a:font script="Hang" typeface="맑은 고딕"/>
         <a:font script="Hans" typeface="宋体"/>
         <a:font script="Hant" typeface="新細明體"/>
@@ -6132,91 +10277,91 @@
         <a:font script="Laoo" typeface="DokChampa"/>
         <a:font script="Sinh" typeface="Iskoola Pota"/>
         <a:font script="Mong" typeface="Mongolian Baiti"/>
-        <a:font script="Viet" typeface="Arial"/>
+        <a:font script="Viet" typeface="Tahoma"/>
+        <a:font script="Uigh" typeface="Microsoft Uighur"/>
+        <a:font script="Geor" typeface="Sylfaen"/>
+      </a:majorFont>
+      <a:minorFont>
+        <a:latin typeface="Calibri" panose="020F0502020204030204"/>
+        <a:ea typeface=""/>
+        <a:cs typeface=""/>
+        <a:font script="Jpan" typeface="メイリオ"/>
+        <a:font script="Hang" typeface="맑은 고딕"/>
+        <a:font script="Hans" typeface="宋体"/>
+        <a:font script="Hant" typeface="新細明體"/>
+        <a:font script="Arab" typeface="Arial"/>
+        <a:font script="Hebr" typeface="Arial"/>
+        <a:font script="Thai" typeface="Cordia New"/>
+        <a:font script="Ethi" typeface="Nyala"/>
+        <a:font script="Beng" typeface="Vrinda"/>
+        <a:font script="Gujr" typeface="Shruti"/>
+        <a:font script="Khmr" typeface="DaunPenh"/>
+        <a:font script="Knda" typeface="Tunga"/>
+        <a:font script="Guru" typeface="Raavi"/>
+        <a:font script="Cans" typeface="Euphemia"/>
+        <a:font script="Cher" typeface="Plantagenet Cherokee"/>
+        <a:font script="Yiii" typeface="Microsoft Yi Baiti"/>
+        <a:font script="Tibt" typeface="Microsoft Himalaya"/>
+        <a:font script="Thaa" typeface="MV Boli"/>
+        <a:font script="Deva" typeface="Mangal"/>
+        <a:font script="Telu" typeface="Gautami"/>
+        <a:font script="Taml" typeface="Latha"/>
+        <a:font script="Syrc" typeface="Estrangelo Edessa"/>
+        <a:font script="Orya" typeface="Kalinga"/>
+        <a:font script="Mlym" typeface="Kartika"/>
+        <a:font script="Laoo" typeface="DokChampa"/>
+        <a:font script="Sinh" typeface="Iskoola Pota"/>
+        <a:font script="Mong" typeface="Mongolian Baiti"/>
+        <a:font script="Viet" typeface="Tahoma"/>
         <a:font script="Uigh" typeface="Microsoft Uighur"/>
         <a:font script="Geor" typeface="Sylfaen"/>
       </a:minorFont>
     </a:fontScheme>
-    <a:fmtScheme name="Retrospect">
+    <a:fmtScheme name="Wisp">
       <a:fillStyleLst>
         <a:solidFill>
           <a:schemeClr val="phClr"/>
+        </a:solidFill>
+        <a:solidFill>
+          <a:schemeClr val="phClr">
+            <a:tint val="70000"/>
+            <a:lumMod val="104000"/>
+          </a:schemeClr>
         </a:solidFill>
         <a:gradFill rotWithShape="1">
           <a:gsLst>
             <a:gs pos="0">
               <a:schemeClr val="phClr">
-                <a:tint val="65000"/>
-                <a:shade val="92000"/>
-                <a:satMod val="130000"/>
-              </a:schemeClr>
-            </a:gs>
-            <a:gs pos="45000">
-              <a:schemeClr val="phClr">
-                <a:tint val="60000"/>
-                <a:shade val="99000"/>
-                <a:satMod val="120000"/>
+                <a:tint val="96000"/>
+                <a:lumMod val="104000"/>
               </a:schemeClr>
             </a:gs>
             <a:gs pos="100000">
               <a:schemeClr val="phClr">
-                <a:tint val="55000"/>
-                <a:satMod val="140000"/>
+                <a:shade val="98000"/>
+                <a:lumMod val="94000"/>
               </a:schemeClr>
             </a:gs>
           </a:gsLst>
-          <a:path path="circle">
-            <a:fillToRect l="100000" t="100000" r="100000" b="100000"/>
-          </a:path>
-        </a:gradFill>
-        <a:gradFill rotWithShape="1">
-          <a:gsLst>
-            <a:gs pos="0">
-              <a:schemeClr val="phClr">
-                <a:shade val="85000"/>
-                <a:satMod val="130000"/>
-              </a:schemeClr>
-            </a:gs>
-            <a:gs pos="34000">
-              <a:schemeClr val="phClr">
-                <a:shade val="87000"/>
-                <a:satMod val="125000"/>
-              </a:schemeClr>
-            </a:gs>
-            <a:gs pos="70000">
-              <a:schemeClr val="phClr">
-                <a:tint val="100000"/>
-                <a:shade val="90000"/>
-                <a:satMod val="130000"/>
-              </a:schemeClr>
-            </a:gs>
-            <a:gs pos="100000">
-              <a:schemeClr val="phClr">
-                <a:tint val="100000"/>
-                <a:shade val="100000"/>
-                <a:satMod val="110000"/>
-              </a:schemeClr>
-            </a:gs>
-          </a:gsLst>
-          <a:path path="circle">
-            <a:fillToRect l="100000" t="100000" r="100000" b="100000"/>
-          </a:path>
+          <a:lin ang="5400000" scaled="0"/>
         </a:gradFill>
       </a:fillStyleLst>
       <a:lnStyleLst>
-        <a:ln w="12700" cap="flat" cmpd="sng" algn="ctr">
+        <a:ln w="9525" cap="rnd" cmpd="sng" algn="ctr">
+          <a:solidFill>
+            <a:schemeClr val="phClr">
+              <a:shade val="90000"/>
+            </a:schemeClr>
+          </a:solidFill>
+          <a:prstDash val="solid"/>
+        </a:ln>
+        <a:ln w="15875" cap="rnd" cmpd="sng" algn="ctr">
           <a:solidFill>
             <a:schemeClr val="phClr"/>
           </a:solidFill>
           <a:prstDash val="solid"/>
         </a:ln>
-        <a:ln w="15875" cap="flat" cmpd="sng" algn="ctr">
-          <a:solidFill>
-            <a:schemeClr val="phClr"/>
-          </a:solidFill>
-          <a:prstDash val="solid"/>
-        </a:ln>
-        <a:ln w="25400" cap="flat" cmpd="sng" algn="ctr">
+        <a:ln w="22225" cap="rnd" cmpd="sng" algn="ctr">
           <a:solidFill>
             <a:schemeClr val="phClr"/>
           </a:solidFill>
@@ -6229,70 +10374,65 @@
         </a:effectStyle>
         <a:effectStyle>
           <a:effectLst>
-            <a:outerShdw blurRad="38100" dist="25400" dir="2700000" algn="br" rotWithShape="0">
+            <a:outerShdw blurRad="38100" dist="25400" dir="5400000" rotWithShape="0">
+              <a:srgbClr val="000000">
+                <a:alpha val="25000"/>
+              </a:srgbClr>
+            </a:outerShdw>
+          </a:effectLst>
+        </a:effectStyle>
+        <a:effectStyle>
+          <a:effectLst>
+            <a:outerShdw blurRad="50800" dist="38100" dir="5400000" rotWithShape="0">
               <a:srgbClr val="000000">
                 <a:alpha val="60000"/>
               </a:srgbClr>
             </a:outerShdw>
           </a:effectLst>
         </a:effectStyle>
-        <a:effectStyle>
-          <a:effectLst>
-            <a:outerShdw blurRad="44450" dist="25400" dir="2700000" algn="br" rotWithShape="0">
-              <a:srgbClr val="000000">
-                <a:alpha val="60000"/>
-              </a:srgbClr>
-            </a:outerShdw>
-          </a:effectLst>
-          <a:scene3d>
-            <a:camera prst="orthographicFront">
-              <a:rot lat="0" lon="0" rev="0"/>
-            </a:camera>
-            <a:lightRig rig="threePt" dir="t">
-              <a:rot lat="0" lon="0" rev="19800000"/>
-            </a:lightRig>
-          </a:scene3d>
-          <a:sp3d prstMaterial="flat">
-            <a:bevelT w="25400" h="31750"/>
-          </a:sp3d>
-        </a:effectStyle>
       </a:effectStyleLst>
       <a:bgFillStyleLst>
         <a:solidFill>
           <a:schemeClr val="phClr"/>
         </a:solidFill>
-        <a:solidFill>
-          <a:schemeClr val="phClr">
-            <a:tint val="90000"/>
-            <a:shade val="97000"/>
-            <a:satMod val="130000"/>
-          </a:schemeClr>
-        </a:solidFill>
         <a:gradFill rotWithShape="1">
           <a:gsLst>
             <a:gs pos="0">
               <a:schemeClr val="phClr">
-                <a:tint val="96000"/>
-                <a:shade val="99000"/>
-                <a:satMod val="140000"/>
-              </a:schemeClr>
-            </a:gs>
-            <a:gs pos="65000">
-              <a:schemeClr val="phClr">
-                <a:tint val="100000"/>
-                <a:shade val="80000"/>
-                <a:satMod val="130000"/>
+                <a:tint val="90000"/>
+                <a:lumMod val="120000"/>
               </a:schemeClr>
             </a:gs>
             <a:gs pos="100000">
               <a:schemeClr val="phClr">
-                <a:tint val="100000"/>
-                <a:shade val="48000"/>
+                <a:shade val="98000"/>
                 <a:satMod val="120000"/>
+                <a:lumMod val="98000"/>
               </a:schemeClr>
             </a:gs>
           </a:gsLst>
-          <a:lin ang="16200000" scaled="0"/>
+          <a:lin ang="5400000" scaled="0"/>
+        </a:gradFill>
+        <a:gradFill rotWithShape="1">
+          <a:gsLst>
+            <a:gs pos="0">
+              <a:schemeClr val="phClr">
+                <a:tint val="90000"/>
+                <a:satMod val="92000"/>
+                <a:lumMod val="120000"/>
+              </a:schemeClr>
+            </a:gs>
+            <a:gs pos="100000">
+              <a:schemeClr val="phClr">
+                <a:shade val="98000"/>
+                <a:satMod val="120000"/>
+                <a:lumMod val="98000"/>
+              </a:schemeClr>
+            </a:gs>
+          </a:gsLst>
+          <a:path path="circle">
+            <a:fillToRect l="50000" t="50000" r="100000" b="100000"/>
+          </a:path>
         </a:gradFill>
       </a:bgFillStyleLst>
     </a:fmtScheme>
@@ -6301,7 +10441,7 @@
   <a:extraClrSchemeLst/>
   <a:extLst>
     <a:ext uri="{05A4C25C-085E-4340-85A3-A5531E510DB2}">
-      <thm15:themeFamily xmlns:thm15="http://schemas.microsoft.com/office/thememl/2012/main" name="TWO.pptx" id="{80AA9D2D-EE59-4148-A11E-A51EEE828B28}" vid="{AEAFD717-D3C8-4034-8F7E-D5220B0CCEB8}"/>
+      <thm15:themeFamily xmlns:thm15="http://schemas.microsoft.com/office/thememl/2012/main" name="Wisp" id="{7CB32D59-10C0-40DD-B7BD-2E94284A981C}" vid="{F20B7C8E-B819-43F3-AAF9-EE50B1A83630}"/>
     </a:ext>
   </a:extLst>
 </a:theme>

--- a/FINAL.pptx
+++ b/FINAL.pptx
@@ -8085,7 +8085,7 @@
         <p:spPr>
           <a:xfrm>
             <a:off x="1170039" y="393291"/>
-            <a:ext cx="10051239" cy="4770537"/>
+            <a:ext cx="10051239" cy="4724370"/>
           </a:xfrm>
           <a:prstGeom prst="rect">
             <a:avLst/>
@@ -8113,7 +8113,7 @@
               <a:t>		</a:t>
             </a:r>
             <a:r>
-              <a:rPr lang="en-US" sz="2400" dirty="0">
+              <a:rPr lang="en-US" sz="2300" b="1" dirty="0">
                 <a:solidFill>
                   <a:schemeClr val="tx1">
                     <a:lumMod val="95000"/>
@@ -8123,7 +8123,7 @@
               <a:t>The average of closing prices from February 5</a:t>
             </a:r>
             <a:r>
-              <a:rPr lang="en-US" sz="2400" baseline="30000" dirty="0">
+              <a:rPr lang="en-US" sz="2300" b="1" baseline="30000" dirty="0">
                 <a:solidFill>
                   <a:schemeClr val="tx1">
                     <a:lumMod val="95000"/>
@@ -8133,27 +8133,47 @@
               <a:t>th</a:t>
             </a:r>
             <a:r>
-              <a:rPr lang="en-US" sz="2400" dirty="0">
+              <a:rPr lang="en-US" sz="2300" b="1" dirty="0">
                 <a:solidFill>
                   <a:schemeClr val="tx1">
                     <a:lumMod val="95000"/>
                   </a:schemeClr>
                 </a:solidFill>
               </a:rPr>
-              <a:t> ,2023 to 			February 11</a:t>
-            </a:r>
-            <a:r>
-              <a:rPr lang="en-US" sz="2400" baseline="30000" dirty="0">
+              <a:t> ,2023 to 		</a:t>
+            </a:r>
+            <a:r>
+              <a:rPr lang="en-US" sz="2300" b="1" dirty="0" smtClean="0">
                 <a:solidFill>
                   <a:schemeClr val="tx1">
                     <a:lumMod val="95000"/>
                   </a:schemeClr>
                 </a:solidFill>
               </a:rPr>
+              <a:t>February </a:t>
+            </a:r>
+            <a:r>
+              <a:rPr lang="en-US" sz="2300" b="1" dirty="0">
+                <a:solidFill>
+                  <a:schemeClr val="tx1">
+                    <a:lumMod val="95000"/>
+                  </a:schemeClr>
+                </a:solidFill>
+              </a:rPr>
+              <a:t>11</a:t>
+            </a:r>
+            <a:r>
+              <a:rPr lang="en-US" sz="2300" b="1" baseline="30000" dirty="0">
+                <a:solidFill>
+                  <a:schemeClr val="tx1">
+                    <a:lumMod val="95000"/>
+                  </a:schemeClr>
+                </a:solidFill>
+              </a:rPr>
               <a:t>th</a:t>
             </a:r>
             <a:r>
-              <a:rPr lang="en-US" sz="2400" dirty="0">
+              <a:rPr lang="en-US" sz="2300" b="1" dirty="0">
                 <a:solidFill>
                   <a:schemeClr val="tx1">
                     <a:lumMod val="95000"/>
@@ -8163,7 +8183,17 @@
               <a:t> ,2023  turned up to be </a:t>
             </a:r>
             <a:r>
-              <a:rPr lang="en-US" sz="2800" b="1" i="1" u="sng" dirty="0">
+              <a:rPr lang="en-US" sz="2300" b="1" dirty="0" smtClean="0">
+                <a:solidFill>
+                  <a:schemeClr val="tx1">
+                    <a:lumMod val="95000"/>
+                  </a:schemeClr>
+                </a:solidFill>
+              </a:rPr>
+              <a:t> </a:t>
+            </a:r>
+            <a:r>
+              <a:rPr lang="en-US" sz="2300" b="1" i="1" u="sng" dirty="0" smtClean="0">
                 <a:solidFill>
                   <a:schemeClr val="tx1">
                     <a:lumMod val="95000"/>
@@ -8174,60 +8204,8 @@
               </a:rPr>
               <a:t>99.898001</a:t>
             </a:r>
-          </a:p>
-          <a:p>
-            <a:r>
-              <a:rPr lang="en-US" sz="3200" dirty="0">
-                <a:solidFill>
-                  <a:schemeClr val="tx1">
-                    <a:lumMod val="95000"/>
-                  </a:schemeClr>
-                </a:solidFill>
-              </a:rPr>
-              <a:t>		</a:t>
-            </a:r>
-            <a:r>
-              <a:rPr lang="en-US" sz="2400" dirty="0">
-                <a:solidFill>
-                  <a:schemeClr val="tx1">
-                    <a:lumMod val="95000"/>
-                  </a:schemeClr>
-                </a:solidFill>
-              </a:rPr>
-              <a:t>and the average of predicted closing price during the same 		</a:t>
-            </a:r>
-            <a:r>
-              <a:rPr lang="en-US" sz="2400" dirty="0" smtClean="0">
-                <a:solidFill>
-                  <a:schemeClr val="tx1">
-                    <a:lumMod val="95000"/>
-                  </a:schemeClr>
-                </a:solidFill>
-              </a:rPr>
-              <a:t>	time </a:t>
-            </a:r>
-            <a:r>
-              <a:rPr lang="en-US" sz="2400" dirty="0">
-                <a:solidFill>
-                  <a:schemeClr val="tx1">
-                    <a:lumMod val="95000"/>
-                  </a:schemeClr>
-                </a:solidFill>
-              </a:rPr>
-              <a:t>duration turned out </a:t>
-            </a:r>
-            <a:r>
-              <a:rPr lang="en-US" sz="2400" dirty="0" smtClean="0">
-                <a:solidFill>
-                  <a:schemeClr val="tx1">
-                    <a:lumMod val="95000"/>
-                  </a:schemeClr>
-                </a:solidFill>
-              </a:rPr>
-              <a:t> </a:t>
-            </a:r>
-            <a:r>
-              <a:rPr lang="en-US" sz="2800" b="1" i="1" u="sng" dirty="0" smtClean="0">
+            <a:r>
+              <a:rPr lang="en-US" sz="2300" dirty="0" smtClean="0">
                 <a:solidFill>
                   <a:schemeClr val="tx1">
                     <a:lumMod val="95000"/>
@@ -8236,9 +8214,114 @@
                 <a:effectLst/>
                 <a:latin typeface="Consolas" panose="020B0609020204030204" pitchFamily="49" charset="0"/>
               </a:rPr>
+              <a:t> </a:t>
+            </a:r>
+            <a:r>
+              <a:rPr lang="en-US" sz="2300" b="1" dirty="0" smtClean="0">
+                <a:solidFill>
+                  <a:schemeClr val="tx1">
+                    <a:lumMod val="95000"/>
+                  </a:schemeClr>
+                </a:solidFill>
+              </a:rPr>
+              <a:t>a</a:t>
+            </a:r>
+            <a:r>
+              <a:rPr lang="en-US" sz="2300" b="1" dirty="0" smtClean="0">
+                <a:solidFill>
+                  <a:schemeClr val="tx1">
+                    <a:lumMod val="95000"/>
+                  </a:schemeClr>
+                </a:solidFill>
+              </a:rPr>
+              <a:t>nd </a:t>
+            </a:r>
+            <a:r>
+              <a:rPr lang="en-US" sz="2300" b="1" dirty="0">
+                <a:solidFill>
+                  <a:schemeClr val="tx1">
+                    <a:lumMod val="95000"/>
+                  </a:schemeClr>
+                </a:solidFill>
+              </a:rPr>
+              <a:t>the average of </a:t>
+            </a:r>
+            <a:r>
+              <a:rPr lang="en-US" sz="2300" b="1" dirty="0" smtClean="0">
+                <a:solidFill>
+                  <a:schemeClr val="tx1">
+                    <a:lumMod val="95000"/>
+                  </a:schemeClr>
+                </a:solidFill>
+              </a:rPr>
+              <a:t>	predicted </a:t>
+            </a:r>
+            <a:r>
+              <a:rPr lang="en-US" sz="2300" b="1" dirty="0">
+                <a:solidFill>
+                  <a:schemeClr val="tx1">
+                    <a:lumMod val="95000"/>
+                  </a:schemeClr>
+                </a:solidFill>
+              </a:rPr>
+              <a:t>closing price during the same </a:t>
+            </a:r>
+            <a:r>
+              <a:rPr lang="en-US" sz="2300" b="1" dirty="0" smtClean="0">
+                <a:solidFill>
+                  <a:schemeClr val="tx1">
+                    <a:lumMod val="95000"/>
+                  </a:schemeClr>
+                </a:solidFill>
+              </a:rPr>
+              <a:t>time </a:t>
+            </a:r>
+            <a:r>
+              <a:rPr lang="en-US" sz="2300" b="1" dirty="0">
+                <a:solidFill>
+                  <a:schemeClr val="tx1">
+                    <a:lumMod val="95000"/>
+                  </a:schemeClr>
+                </a:solidFill>
+              </a:rPr>
+              <a:t>duration turned </a:t>
+            </a:r>
+            <a:r>
+              <a:rPr lang="en-US" sz="2300" b="1" dirty="0" smtClean="0">
+                <a:solidFill>
+                  <a:schemeClr val="tx1">
+                    <a:lumMod val="95000"/>
+                  </a:schemeClr>
+                </a:solidFill>
+              </a:rPr>
+              <a:t>out 	</a:t>
+            </a:r>
+            <a:r>
+              <a:rPr lang="en-US" sz="2300" b="1" i="1" u="sng" dirty="0" smtClean="0">
+                <a:solidFill>
+                  <a:schemeClr val="tx1">
+                    <a:lumMod val="95000"/>
+                  </a:schemeClr>
+                </a:solidFill>
+                <a:effectLst/>
+                <a:latin typeface="Consolas" panose="020B0609020204030204" pitchFamily="49" charset="0"/>
+              </a:rPr>
               <a:t>46.704217</a:t>
             </a:r>
             <a:r>
+              <a:rPr lang="en-US" sz="2300" b="1" dirty="0">
+                <a:solidFill>
+                  <a:schemeClr val="tx1">
+                    <a:lumMod val="95000"/>
+                  </a:schemeClr>
+                </a:solidFill>
+                <a:latin typeface="Consolas" panose="020B0609020204030204" pitchFamily="49" charset="0"/>
+              </a:rPr>
+              <a:t>. </a:t>
+            </a:r>
+          </a:p>
+          <a:p>
+            <a:r>
               <a:rPr lang="en-US" sz="2400" dirty="0">
                 <a:solidFill>
                   <a:schemeClr val="tx1">
@@ -8247,8 +8330,16 @@
                 </a:solidFill>
                 <a:latin typeface="Consolas" panose="020B0609020204030204" pitchFamily="49" charset="0"/>
               </a:rPr>
-              <a:t>. </a:t>
-            </a:r>
+              <a:t>		</a:t>
+            </a:r>
+            <a:endParaRPr lang="en-US" sz="2400" dirty="0" smtClean="0">
+              <a:solidFill>
+                <a:schemeClr val="tx1">
+                  <a:lumMod val="95000"/>
+                </a:schemeClr>
+              </a:solidFill>
+              <a:latin typeface="Consolas" panose="020B0609020204030204" pitchFamily="49" charset="0"/>
+            </a:endParaRPr>
           </a:p>
           <a:p>
             <a:r>
@@ -8260,9 +8351,31 @@
                 </a:solidFill>
                 <a:latin typeface="Consolas" panose="020B0609020204030204" pitchFamily="49" charset="0"/>
               </a:rPr>
-              <a:t>		The observable difference being quite high to 		be ignored along with all the spotlight and 		NEWS coverage Google’s LLM Bard favored- it can 		be safely concluded that Bard was welcomed by 		the market with an noticeable increase in share 		price.</a:t>
-            </a:r>
-            <a:endParaRPr lang="en-US" sz="2400" b="0" dirty="0">
+              <a:t>	</a:t>
+            </a:r>
+            <a:r>
+              <a:rPr lang="en-US" sz="2400" b="1" dirty="0" smtClean="0">
+                <a:solidFill>
+                  <a:schemeClr val="tx1">
+                    <a:lumMod val="95000"/>
+                  </a:schemeClr>
+                </a:solidFill>
+                <a:latin typeface="Consolas" panose="020B0609020204030204" pitchFamily="49" charset="0"/>
+              </a:rPr>
+              <a:t>The </a:t>
+            </a:r>
+            <a:r>
+              <a:rPr lang="en-US" sz="2400" b="1" dirty="0">
+                <a:solidFill>
+                  <a:schemeClr val="tx1">
+                    <a:lumMod val="95000"/>
+                  </a:schemeClr>
+                </a:solidFill>
+                <a:latin typeface="Consolas" panose="020B0609020204030204" pitchFamily="49" charset="0"/>
+              </a:rPr>
+              <a:t>observable difference being quite high to 		be ignored along with all the spotlight and 		NEWS coverage Google’s LLM Bard favored- it can 		be safely concluded that Bard was welcomed by 		the market with an noticeable increase in share 		price.</a:t>
+            </a:r>
+            <a:endParaRPr lang="en-US" sz="2400" b="1" dirty="0">
               <a:solidFill>
                 <a:schemeClr val="tx1">
                   <a:lumMod val="95000"/>
@@ -8382,7 +8495,7 @@
           <a:p>
             <a:pPr lvl="7"/>
             <a:r>
-              <a:rPr lang="en-US" sz="3200" dirty="0">
+              <a:rPr lang="en-US" sz="3200" b="1" dirty="0">
                 <a:solidFill>
                   <a:schemeClr val="tx1">
                     <a:lumMod val="95000"/>
@@ -8395,7 +8508,7 @@
           <a:p>
             <a:pPr lvl="7"/>
             <a:r>
-              <a:rPr lang="en-US" sz="3200" dirty="0">
+              <a:rPr lang="en-US" sz="3200" b="1" dirty="0">
                 <a:solidFill>
                   <a:schemeClr val="tx1">
                     <a:lumMod val="95000"/>
@@ -8408,7 +8521,7 @@
           <a:p>
             <a:pPr lvl="7"/>
             <a:r>
-              <a:rPr lang="en-US" sz="3200" dirty="0">
+              <a:rPr lang="en-US" sz="3200" b="1" dirty="0">
                 <a:solidFill>
                   <a:schemeClr val="tx1">
                     <a:lumMod val="95000"/>
@@ -8421,7 +8534,7 @@
           <a:p>
             <a:pPr lvl="7"/>
             <a:r>
-              <a:rPr lang="en-US" sz="3200" dirty="0">
+              <a:rPr lang="en-US" sz="3200" b="1" dirty="0">
                 <a:solidFill>
                   <a:schemeClr val="tx1">
                     <a:lumMod val="95000"/>
@@ -8434,7 +8547,7 @@
           <a:p>
             <a:pPr lvl="7"/>
             <a:r>
-              <a:rPr lang="en-US" sz="3200" dirty="0">
+              <a:rPr lang="en-US" sz="3200" b="1" dirty="0">
                 <a:solidFill>
                   <a:schemeClr val="tx1">
                     <a:lumMod val="95000"/>
@@ -8447,7 +8560,7 @@
           <a:p>
             <a:pPr lvl="7"/>
             <a:r>
-              <a:rPr lang="en-US" sz="3200" dirty="0">
+              <a:rPr lang="en-US" sz="3200" b="1" dirty="0">
                 <a:solidFill>
                   <a:schemeClr val="tx1">
                     <a:lumMod val="95000"/>
@@ -8460,7 +8573,7 @@
           <a:p>
             <a:pPr lvl="7"/>
             <a:r>
-              <a:rPr lang="en-US" sz="3200" dirty="0">
+              <a:rPr lang="en-US" sz="3200" b="1" dirty="0">
                 <a:solidFill>
                   <a:schemeClr val="tx1">
                     <a:lumMod val="95000"/>
@@ -8473,7 +8586,7 @@
           <a:p>
             <a:pPr lvl="7"/>
             <a:r>
-              <a:rPr lang="en-US" sz="3200" dirty="0">
+              <a:rPr lang="en-US" sz="3200" b="1" dirty="0">
                 <a:solidFill>
                   <a:schemeClr val="tx1">
                     <a:lumMod val="95000"/>
@@ -8552,7 +8665,7 @@
               </a:spcAft>
             </a:pPr>
             <a:r>
-              <a:rPr lang="en-US" sz="3200" i="1" dirty="0">
+              <a:rPr lang="en-US" sz="3200" b="1" i="1" dirty="0">
                 <a:solidFill>
                   <a:schemeClr val="tx1"/>
                 </a:solidFill>
@@ -8560,14 +8673,14 @@
               <a:t>THE BASIC IDEA</a:t>
             </a:r>
             <a:r>
-              <a:rPr lang="en-US" sz="3200" i="1" dirty="0" smtClean="0">
+              <a:rPr lang="en-US" sz="3200" b="1" i="1" dirty="0" smtClean="0">
                 <a:solidFill>
                   <a:schemeClr val="tx1"/>
                 </a:solidFill>
               </a:rPr>
               <a:t>:</a:t>
             </a:r>
-            <a:endParaRPr lang="en-US" sz="2400" i="1" dirty="0">
+            <a:endParaRPr lang="en-US" sz="2400" b="1" i="1" dirty="0">
               <a:solidFill>
                 <a:schemeClr val="tx1"/>
               </a:solidFill>
@@ -8593,110 +8706,30 @@
         </p:nvSpPr>
         <p:spPr>
           <a:xfrm>
-            <a:off x="806245" y="5083277"/>
-            <a:ext cx="10352206" cy="1578780"/>
+            <a:off x="492189" y="4709875"/>
+            <a:ext cx="2085548" cy="724169"/>
           </a:xfrm>
         </p:spPr>
         <p:txBody>
           <a:bodyPr>
-            <a:normAutofit fontScale="70000" lnSpcReduction="20000"/>
+            <a:normAutofit/>
           </a:bodyPr>
           <a:lstStyle/>
           <a:p>
-            <a:r>
-              <a:rPr lang="en-US" sz="4500" b="1" dirty="0">
+            <a:pPr>
+              <a:lnSpc>
+                <a:spcPct val="120000"/>
+              </a:lnSpc>
+            </a:pPr>
+            <a:r>
+              <a:rPr lang="en-US" sz="3200" b="1" i="1" u="none" strike="noStrike" dirty="0" smtClean="0">
                 <a:solidFill>
                   <a:schemeClr val="tx1"/>
                 </a:solidFill>
+                <a:effectLst/>
               </a:rPr>
               <a:t>Objective-</a:t>
             </a:r>
-          </a:p>
-          <a:p>
-            <a:pPr marL="800100" indent="-342900" algn="just" rtl="0" fontAlgn="base">
-              <a:spcBef>
-                <a:spcPts val="0"/>
-              </a:spcBef>
-              <a:spcAft>
-                <a:spcPts val="0"/>
-              </a:spcAft>
-              <a:buFont typeface="Arial" panose="020B0604020202020204" pitchFamily="34" charset="0"/>
-              <a:buChar char="•"/>
-            </a:pPr>
-            <a:r>
-              <a:rPr lang="en-US" sz="2900" b="1" i="0" u="none" strike="noStrike" dirty="0" smtClean="0">
-                <a:solidFill>
-                  <a:schemeClr val="tx1">
-                    <a:lumMod val="85000"/>
-                  </a:schemeClr>
-                </a:solidFill>
-                <a:effectLst/>
-                <a:latin typeface="Arial" panose="020B0604020202020204" pitchFamily="34" charset="0"/>
-              </a:rPr>
-              <a:t>Gauging the impact of strategic organizational decisions by measuring disturbances in share prices. </a:t>
-            </a:r>
-          </a:p>
-          <a:p>
-            <a:pPr marL="800100" indent="-342900" algn="just" fontAlgn="base">
-              <a:spcBef>
-                <a:spcPts val="0"/>
-              </a:spcBef>
-              <a:spcAft>
-                <a:spcPts val="0"/>
-              </a:spcAft>
-              <a:buFont typeface="Arial" panose="020B0604020202020204" pitchFamily="34" charset="0"/>
-              <a:buChar char="•"/>
-            </a:pPr>
-            <a:r>
-              <a:rPr lang="en-US" sz="2900" b="1" i="0" u="none" strike="noStrike" dirty="0" smtClean="0">
-                <a:solidFill>
-                  <a:schemeClr val="tx1">
-                    <a:lumMod val="85000"/>
-                  </a:schemeClr>
-                </a:solidFill>
-                <a:effectLst/>
-                <a:latin typeface="Arial" panose="020B0604020202020204" pitchFamily="34" charset="0"/>
-              </a:rPr>
-              <a:t>And to analyze if the decision had positive, negative or neutral response from the market</a:t>
-            </a:r>
-            <a:r>
-              <a:rPr lang="en-US" sz="2900" b="0" i="0" u="none" strike="noStrike" dirty="0" smtClean="0">
-                <a:solidFill>
-                  <a:schemeClr val="tx1">
-                    <a:lumMod val="85000"/>
-                  </a:schemeClr>
-                </a:solidFill>
-                <a:effectLst/>
-                <a:latin typeface="Arial" panose="020B0604020202020204" pitchFamily="34" charset="0"/>
-              </a:rPr>
-              <a:t>.</a:t>
-            </a:r>
-            <a:endParaRPr lang="en-US" sz="2900" dirty="0" smtClean="0">
-              <a:solidFill>
-                <a:schemeClr val="tx1">
-                  <a:lumMod val="85000"/>
-                </a:schemeClr>
-              </a:solidFill>
-            </a:endParaRPr>
-          </a:p>
-          <a:p>
-            <a:pPr marL="457200" algn="just" rtl="0" fontAlgn="base">
-              <a:spcBef>
-                <a:spcPts val="0"/>
-              </a:spcBef>
-              <a:spcAft>
-                <a:spcPts val="0"/>
-              </a:spcAft>
-            </a:pPr>
-            <a:endParaRPr lang="en-US" sz="2900" b="0" i="0" u="none" strike="noStrike" dirty="0">
-              <a:solidFill>
-                <a:schemeClr val="bg1">
-                  <a:lumMod val="65000"/>
-                </a:schemeClr>
-              </a:solidFill>
-              <a:effectLst/>
-              <a:latin typeface="Arial" panose="020B0604020202020204" pitchFamily="34" charset="0"/>
-            </a:endParaRPr>
           </a:p>
         </p:txBody>
       </p:sp>
@@ -9017,6 +9050,95 @@
               </a:rPr>
               <a:t>.</a:t>
             </a:r>
+          </a:p>
+        </p:txBody>
+      </p:sp>
+      <p:sp>
+        <p:nvSpPr>
+          <p:cNvPr id="5" name="TextBox 4"/>
+          <p:cNvSpPr txBox="1"/>
+          <p:nvPr/>
+        </p:nvSpPr>
+        <p:spPr>
+          <a:xfrm>
+            <a:off x="737371" y="5253061"/>
+            <a:ext cx="10696983" cy="2117503"/>
+          </a:xfrm>
+          <a:prstGeom prst="rect">
+            <a:avLst/>
+          </a:prstGeom>
+          <a:noFill/>
+        </p:spPr>
+        <p:txBody>
+          <a:bodyPr wrap="square" rtlCol="0">
+            <a:spAutoFit/>
+          </a:bodyPr>
+          <a:lstStyle/>
+          <a:p>
+            <a:pPr marL="800100" indent="-342900" algn="just" fontAlgn="base">
+              <a:spcBef>
+                <a:spcPts val="0"/>
+              </a:spcBef>
+              <a:buFont typeface="Arial" panose="020B0604020202020204" pitchFamily="34" charset="0"/>
+              <a:buChar char="•"/>
+            </a:pPr>
+            <a:r>
+              <a:rPr lang="en-US" sz="2300" b="1" dirty="0">
+                <a:solidFill>
+                  <a:schemeClr val="tx1">
+                    <a:lumMod val="85000"/>
+                  </a:schemeClr>
+                </a:solidFill>
+              </a:rPr>
+              <a:t>Gauging the impact of strategic organizational decisions by measuring disturbances in share prices. </a:t>
+            </a:r>
+          </a:p>
+          <a:p>
+            <a:pPr marL="800100" indent="-342900" algn="just" fontAlgn="base">
+              <a:spcBef>
+                <a:spcPts val="0"/>
+              </a:spcBef>
+              <a:buFont typeface="Arial" panose="020B0604020202020204" pitchFamily="34" charset="0"/>
+              <a:buChar char="•"/>
+            </a:pPr>
+            <a:r>
+              <a:rPr lang="en-US" sz="2300" b="1" dirty="0">
+                <a:solidFill>
+                  <a:schemeClr val="tx1">
+                    <a:lumMod val="85000"/>
+                  </a:schemeClr>
+                </a:solidFill>
+              </a:rPr>
+              <a:t>And to analyze if the decision had positive, negative or neutral response from the market</a:t>
+            </a:r>
+            <a:r>
+              <a:rPr lang="en-US" sz="2300" dirty="0">
+                <a:solidFill>
+                  <a:schemeClr val="tx1">
+                    <a:lumMod val="85000"/>
+                  </a:schemeClr>
+                </a:solidFill>
+              </a:rPr>
+              <a:t>.</a:t>
+            </a:r>
+          </a:p>
+          <a:p>
+            <a:pPr>
+              <a:lnSpc>
+                <a:spcPct val="120000"/>
+              </a:lnSpc>
+            </a:pPr>
+            <a:endParaRPr lang="en-US" dirty="0">
+              <a:solidFill>
+                <a:schemeClr val="bg1">
+                  <a:lumMod val="65000"/>
+                </a:schemeClr>
+              </a:solidFill>
+              <a:latin typeface="Arial" panose="020B0604020202020204" pitchFamily="34" charset="0"/>
+            </a:endParaRPr>
+          </a:p>
+          <a:p>
+            <a:endParaRPr lang="en-US" dirty="0"/>
           </a:p>
         </p:txBody>
       </p:sp>
@@ -9881,27 +10003,87 @@
               <a:t>		</a:t>
             </a:r>
             <a:r>
-              <a:rPr lang="en-US" sz="2400" dirty="0">
+              <a:rPr lang="en-US" sz="2400" b="1" dirty="0">
                 <a:solidFill>
                   <a:schemeClr val="tx1">
                     <a:lumMod val="95000"/>
                   </a:schemeClr>
                 </a:solidFill>
               </a:rPr>
-              <a:t>As is visually depicted not much has changed in over five years 		as the hype around Bard the LLM by Google is concentrated in 		these past twelve months. The Official announcement was 		made on February 6</a:t>
-            </a:r>
-            <a:r>
-              <a:rPr lang="en-US" sz="2400" baseline="30000" dirty="0">
+              <a:t>As is visually depicted not much has changed in over five years 	</a:t>
+            </a:r>
+            <a:r>
+              <a:rPr lang="en-US" sz="2400" b="1" dirty="0" smtClean="0">
                 <a:solidFill>
                   <a:schemeClr val="tx1">
                     <a:lumMod val="95000"/>
                   </a:schemeClr>
                 </a:solidFill>
               </a:rPr>
+              <a:t>as </a:t>
+            </a:r>
+            <a:r>
+              <a:rPr lang="en-US" sz="2400" b="1" dirty="0">
+                <a:solidFill>
+                  <a:schemeClr val="tx1">
+                    <a:lumMod val="95000"/>
+                  </a:schemeClr>
+                </a:solidFill>
+              </a:rPr>
+              <a:t>the hype around Bard the LLM by Google is concentrated in </a:t>
+            </a:r>
+            <a:r>
+              <a:rPr lang="en-US" sz="2400" b="1" dirty="0" smtClean="0">
+                <a:solidFill>
+                  <a:schemeClr val="tx1">
+                    <a:lumMod val="95000"/>
+                  </a:schemeClr>
+                </a:solidFill>
+              </a:rPr>
+              <a:t>these 	past </a:t>
+            </a:r>
+            <a:r>
+              <a:rPr lang="en-US" sz="2400" b="1" dirty="0">
+                <a:solidFill>
+                  <a:schemeClr val="tx1">
+                    <a:lumMod val="95000"/>
+                  </a:schemeClr>
+                </a:solidFill>
+              </a:rPr>
+              <a:t>twelve months. The Official announcement was </a:t>
+            </a:r>
+            <a:r>
+              <a:rPr lang="en-US" sz="2400" b="1" dirty="0" smtClean="0">
+                <a:solidFill>
+                  <a:schemeClr val="tx1">
+                    <a:lumMod val="95000"/>
+                  </a:schemeClr>
+                </a:solidFill>
+              </a:rPr>
+              <a:t>made on 	February </a:t>
+            </a:r>
+            <a:r>
+              <a:rPr lang="en-US" sz="2400" b="1" dirty="0">
+                <a:solidFill>
+                  <a:schemeClr val="tx1">
+                    <a:lumMod val="95000"/>
+                  </a:schemeClr>
+                </a:solidFill>
+              </a:rPr>
+              <a:t>6</a:t>
+            </a:r>
+            <a:r>
+              <a:rPr lang="en-US" sz="2400" b="1" baseline="30000" dirty="0">
+                <a:solidFill>
+                  <a:schemeClr val="tx1">
+                    <a:lumMod val="95000"/>
+                  </a:schemeClr>
+                </a:solidFill>
+              </a:rPr>
               <a:t>th</a:t>
             </a:r>
             <a:r>
-              <a:rPr lang="en-US" sz="2400" dirty="0">
+              <a:rPr lang="en-US" sz="2400" b="1" dirty="0">
                 <a:solidFill>
                   <a:schemeClr val="tx1">
                     <a:lumMod val="95000"/>
@@ -9928,7 +10110,7 @@
         <p:spPr>
           <a:xfrm>
             <a:off x="757084" y="2821980"/>
-            <a:ext cx="10058400" cy="3293209"/>
+            <a:ext cx="10058400" cy="2923877"/>
           </a:xfrm>
           <a:prstGeom prst="rect">
             <a:avLst/>
@@ -9956,16 +10138,196 @@
               <a:t> 		</a:t>
             </a:r>
             <a:r>
-              <a:rPr lang="en-US" sz="2400" dirty="0">
+              <a:rPr lang="en-US" sz="2400" b="1" dirty="0">
                 <a:solidFill>
                   <a:schemeClr val="tx1">
                     <a:lumMod val="95000"/>
                   </a:schemeClr>
                 </a:solidFill>
               </a:rPr>
-              <a:t>Keeping that in mind we trained a machine learning model 		over last five years worth of historic data our target being 		capturing the pattern that reoccurs once in a while in the 		closing price of stocks and then using this model to forecast 		the closing price in the week following the official 				announcement of Bard and then comparing it with the actual 		closing price.</a:t>
-            </a:r>
-            <a:endParaRPr lang="en-US" sz="3200" dirty="0">
+              <a:t>Keeping that in mind we trained a machine learning model 	</a:t>
+            </a:r>
+            <a:r>
+              <a:rPr lang="en-US" sz="2400" b="1" dirty="0" smtClean="0">
+                <a:solidFill>
+                  <a:schemeClr val="tx1">
+                    <a:lumMod val="95000"/>
+                  </a:schemeClr>
+                </a:solidFill>
+              </a:rPr>
+              <a:t>over </a:t>
+            </a:r>
+            <a:r>
+              <a:rPr lang="en-US" sz="2400" b="1" dirty="0">
+                <a:solidFill>
+                  <a:schemeClr val="tx1">
+                    <a:lumMod val="95000"/>
+                  </a:schemeClr>
+                </a:solidFill>
+              </a:rPr>
+              <a:t>last five years worth of historic data our target being </a:t>
+            </a:r>
+            <a:r>
+              <a:rPr lang="en-US" sz="2400" b="1" dirty="0" smtClean="0">
+                <a:solidFill>
+                  <a:schemeClr val="tx1">
+                    <a:lumMod val="95000"/>
+                  </a:schemeClr>
+                </a:solidFill>
+              </a:rPr>
+              <a:t>capturing 	the </a:t>
+            </a:r>
+            <a:r>
+              <a:rPr lang="en-US" sz="2400" b="1" dirty="0">
+                <a:solidFill>
+                  <a:schemeClr val="tx1">
+                    <a:lumMod val="95000"/>
+                  </a:schemeClr>
+                </a:solidFill>
+              </a:rPr>
+              <a:t>pattern that reoccurs once in a while in the </a:t>
+            </a:r>
+            <a:r>
+              <a:rPr lang="en-US" sz="2400" b="1" dirty="0" smtClean="0">
+                <a:solidFill>
+                  <a:schemeClr val="tx1">
+                    <a:lumMod val="95000"/>
+                  </a:schemeClr>
+                </a:solidFill>
+              </a:rPr>
+              <a:t>closing </a:t>
+            </a:r>
+            <a:r>
+              <a:rPr lang="en-US" sz="2400" b="1" dirty="0">
+                <a:solidFill>
+                  <a:schemeClr val="tx1">
+                    <a:lumMod val="95000"/>
+                  </a:schemeClr>
+                </a:solidFill>
+              </a:rPr>
+              <a:t>price of stocks </a:t>
+            </a:r>
+            <a:r>
+              <a:rPr lang="en-US" sz="2400" b="1" dirty="0" smtClean="0">
+                <a:solidFill>
+                  <a:schemeClr val="tx1">
+                    <a:lumMod val="95000"/>
+                  </a:schemeClr>
+                </a:solidFill>
+              </a:rPr>
+              <a:t>	and </a:t>
+            </a:r>
+            <a:r>
+              <a:rPr lang="en-US" sz="2400" b="1" dirty="0">
+                <a:solidFill>
+                  <a:schemeClr val="tx1">
+                    <a:lumMod val="95000"/>
+                  </a:schemeClr>
+                </a:solidFill>
+              </a:rPr>
+              <a:t>then using this model to forecast </a:t>
+            </a:r>
+            <a:r>
+              <a:rPr lang="en-US" sz="2400" b="1" dirty="0" smtClean="0">
+                <a:solidFill>
+                  <a:schemeClr val="tx1">
+                    <a:lumMod val="95000"/>
+                  </a:schemeClr>
+                </a:solidFill>
+              </a:rPr>
+              <a:t>the </a:t>
+            </a:r>
+            <a:r>
+              <a:rPr lang="en-US" sz="2400" b="1" dirty="0">
+                <a:solidFill>
+                  <a:schemeClr val="tx1">
+                    <a:lumMod val="95000"/>
+                  </a:schemeClr>
+                </a:solidFill>
+              </a:rPr>
+              <a:t>closing price in the week </a:t>
+            </a:r>
+            <a:r>
+              <a:rPr lang="en-US" sz="2400" b="1" dirty="0" smtClean="0">
+                <a:solidFill>
+                  <a:schemeClr val="tx1">
+                    <a:lumMod val="95000"/>
+                  </a:schemeClr>
+                </a:solidFill>
+              </a:rPr>
+              <a:t>	following </a:t>
+            </a:r>
+            <a:r>
+              <a:rPr lang="en-US" sz="2400" b="1" dirty="0">
+                <a:solidFill>
+                  <a:schemeClr val="tx1">
+                    <a:lumMod val="95000"/>
+                  </a:schemeClr>
+                </a:solidFill>
+              </a:rPr>
+              <a:t>the official </a:t>
+            </a:r>
+            <a:r>
+              <a:rPr lang="en-US" sz="2400" b="1" dirty="0" smtClean="0">
+                <a:solidFill>
+                  <a:schemeClr val="tx1">
+                    <a:lumMod val="95000"/>
+                  </a:schemeClr>
+                </a:solidFill>
+              </a:rPr>
+              <a:t>announcement </a:t>
+            </a:r>
+            <a:r>
+              <a:rPr lang="en-US" sz="2400" b="1" dirty="0">
+                <a:solidFill>
+                  <a:schemeClr val="tx1">
+                    <a:lumMod val="95000"/>
+                  </a:schemeClr>
+                </a:solidFill>
+              </a:rPr>
+              <a:t>of Bard and then comparing it </a:t>
+            </a:r>
+            <a:r>
+              <a:rPr lang="en-US" sz="2400" b="1" dirty="0" smtClean="0">
+                <a:solidFill>
+                  <a:schemeClr val="tx1">
+                    <a:lumMod val="95000"/>
+                  </a:schemeClr>
+                </a:solidFill>
+              </a:rPr>
+              <a:t>	with </a:t>
+            </a:r>
+            <a:r>
+              <a:rPr lang="en-US" sz="2400" b="1" dirty="0">
+                <a:solidFill>
+                  <a:schemeClr val="tx1">
+                    <a:lumMod val="95000"/>
+                  </a:schemeClr>
+                </a:solidFill>
+              </a:rPr>
+              <a:t>the actual </a:t>
+            </a:r>
+            <a:r>
+              <a:rPr lang="en-US" sz="2400" b="1" dirty="0" smtClean="0">
+                <a:solidFill>
+                  <a:schemeClr val="tx1">
+                    <a:lumMod val="95000"/>
+                  </a:schemeClr>
+                </a:solidFill>
+              </a:rPr>
+              <a:t>closing </a:t>
+            </a:r>
+            <a:r>
+              <a:rPr lang="en-US" sz="2400" b="1" dirty="0">
+                <a:solidFill>
+                  <a:schemeClr val="tx1">
+                    <a:lumMod val="95000"/>
+                  </a:schemeClr>
+                </a:solidFill>
+              </a:rPr>
+              <a:t>price.</a:t>
+            </a:r>
+            <a:endParaRPr lang="en-US" sz="3200" b="1" dirty="0">
               <a:solidFill>
                 <a:schemeClr val="tx1">
                   <a:lumMod val="95000"/>
@@ -10048,14 +10410,174 @@
               <a:t> 	</a:t>
             </a:r>
             <a:r>
-              <a:rPr lang="en-US" sz="2400" dirty="0">
+              <a:rPr lang="en-US" sz="2400" b="1" dirty="0">
                 <a:solidFill>
                   <a:schemeClr val="tx1">
                     <a:lumMod val="95000"/>
                   </a:schemeClr>
                 </a:solidFill>
               </a:rPr>
-              <a:t>The following plots are a better visual representations of 	what we did and the performance of our machine 	learning model. Its note worthy that polynomial 	regression though not very suitable for share price 	prediction works excellently for pattern recognition. The 	model has an R2 value of 0.9733. R2 value ranges from 	0 to 1 where 1 represents pretty accurate and 0 	represents “not really useful”.</a:t>
+              <a:t>The following plots are a better visual representations of </a:t>
+            </a:r>
+            <a:r>
+              <a:rPr lang="en-US" sz="2400" b="1" dirty="0" smtClean="0">
+                <a:solidFill>
+                  <a:schemeClr val="tx1">
+                    <a:lumMod val="95000"/>
+                  </a:schemeClr>
+                </a:solidFill>
+              </a:rPr>
+              <a:t>what </a:t>
+            </a:r>
+            <a:r>
+              <a:rPr lang="en-US" sz="2400" b="1" dirty="0">
+                <a:solidFill>
+                  <a:schemeClr val="tx1">
+                    <a:lumMod val="95000"/>
+                  </a:schemeClr>
+                </a:solidFill>
+              </a:rPr>
+              <a:t>we did and the performance of our machine </a:t>
+            </a:r>
+            <a:r>
+              <a:rPr lang="en-US" sz="2400" b="1" dirty="0" smtClean="0">
+                <a:solidFill>
+                  <a:schemeClr val="tx1">
+                    <a:lumMod val="95000"/>
+                  </a:schemeClr>
+                </a:solidFill>
+              </a:rPr>
+              <a:t>learning </a:t>
+            </a:r>
+            <a:r>
+              <a:rPr lang="en-US" sz="2400" b="1" dirty="0">
+                <a:solidFill>
+                  <a:schemeClr val="tx1">
+                    <a:lumMod val="95000"/>
+                  </a:schemeClr>
+                </a:solidFill>
+              </a:rPr>
+              <a:t>model. Its note worthy that polynomial </a:t>
+            </a:r>
+            <a:r>
+              <a:rPr lang="en-US" sz="2400" b="1" dirty="0" smtClean="0">
+                <a:solidFill>
+                  <a:schemeClr val="tx1">
+                    <a:lumMod val="95000"/>
+                  </a:schemeClr>
+                </a:solidFill>
+              </a:rPr>
+              <a:t>regression </a:t>
+            </a:r>
+            <a:r>
+              <a:rPr lang="en-US" sz="2400" b="1" dirty="0">
+                <a:solidFill>
+                  <a:schemeClr val="tx1">
+                    <a:lumMod val="95000"/>
+                  </a:schemeClr>
+                </a:solidFill>
+              </a:rPr>
+              <a:t>though not </a:t>
+            </a:r>
+            <a:r>
+              <a:rPr lang="en-US" sz="2400" b="1" dirty="0" smtClean="0">
+                <a:solidFill>
+                  <a:schemeClr val="tx1">
+                    <a:lumMod val="95000"/>
+                  </a:schemeClr>
+                </a:solidFill>
+              </a:rPr>
+              <a:t>very suitable </a:t>
+            </a:r>
+            <a:r>
+              <a:rPr lang="en-US" sz="2400" b="1" dirty="0">
+                <a:solidFill>
+                  <a:schemeClr val="tx1">
+                    <a:lumMod val="95000"/>
+                  </a:schemeClr>
+                </a:solidFill>
+              </a:rPr>
+              <a:t>for share </a:t>
+            </a:r>
+            <a:r>
+              <a:rPr lang="en-US" sz="2400" b="1" dirty="0" smtClean="0">
+                <a:solidFill>
+                  <a:schemeClr val="tx1">
+                    <a:lumMod val="95000"/>
+                  </a:schemeClr>
+                </a:solidFill>
+              </a:rPr>
+              <a:t>price prediction </a:t>
+            </a:r>
+            <a:r>
+              <a:rPr lang="en-US" sz="2400" b="1" dirty="0">
+                <a:solidFill>
+                  <a:schemeClr val="tx1">
+                    <a:lumMod val="95000"/>
+                  </a:schemeClr>
+                </a:solidFill>
+              </a:rPr>
+              <a:t>works excellently for pattern recognition. The </a:t>
+            </a:r>
+            <a:r>
+              <a:rPr lang="en-US" sz="2400" b="1" dirty="0" smtClean="0">
+                <a:solidFill>
+                  <a:schemeClr val="tx1">
+                    <a:lumMod val="95000"/>
+                  </a:schemeClr>
+                </a:solidFill>
+              </a:rPr>
+              <a:t>model </a:t>
+            </a:r>
+            <a:r>
+              <a:rPr lang="en-US" sz="2400" b="1" dirty="0">
+                <a:solidFill>
+                  <a:schemeClr val="tx1">
+                    <a:lumMod val="95000"/>
+                  </a:schemeClr>
+                </a:solidFill>
+              </a:rPr>
+              <a:t>has an R2 value of 0.9733. R2 value ranges from </a:t>
+            </a:r>
+            <a:r>
+              <a:rPr lang="en-US" sz="2400" b="1" dirty="0" smtClean="0">
+                <a:solidFill>
+                  <a:schemeClr val="tx1">
+                    <a:lumMod val="95000"/>
+                  </a:schemeClr>
+                </a:solidFill>
+              </a:rPr>
+              <a:t>0 </a:t>
+            </a:r>
+            <a:r>
+              <a:rPr lang="en-US" sz="2400" b="1" dirty="0">
+                <a:solidFill>
+                  <a:schemeClr val="tx1">
+                    <a:lumMod val="95000"/>
+                  </a:schemeClr>
+                </a:solidFill>
+              </a:rPr>
+              <a:t>to 1 where 1 represents pretty accurate and 0 </a:t>
+            </a:r>
+            <a:r>
+              <a:rPr lang="en-US" sz="2400" b="1" dirty="0" smtClean="0">
+                <a:solidFill>
+                  <a:schemeClr val="tx1">
+                    <a:lumMod val="95000"/>
+                  </a:schemeClr>
+                </a:solidFill>
+              </a:rPr>
+              <a:t>represents </a:t>
+            </a:r>
+            <a:r>
+              <a:rPr lang="en-US" sz="2400" b="1" dirty="0">
+                <a:solidFill>
+                  <a:schemeClr val="tx1">
+                    <a:lumMod val="95000"/>
+                  </a:schemeClr>
+                </a:solidFill>
+              </a:rPr>
+              <a:t>“not really useful”.</a:t>
             </a:r>
           </a:p>
         </p:txBody>
@@ -10468,15 +10990,6 @@
 </file>
 
 <file path=customXml/item2.xml><?xml version="1.0" encoding="utf-8"?>
-<?mso-contentType ?>
-<FormTemplates xmlns="http://schemas.microsoft.com/sharepoint/v3/contenttype/forms">
-  <Display>DocumentLibraryForm</Display>
-  <Edit>DocumentLibraryForm</Edit>
-  <New>DocumentLibraryForm</New>
-</FormTemplates>
-</file>
-
-<file path=customXml/item3.xml><?xml version="1.0" encoding="utf-8"?>
 <ct:contentTypeSchema xmlns:ct="http://schemas.microsoft.com/office/2006/metadata/contentType" xmlns:ma="http://schemas.microsoft.com/office/2006/metadata/properties/metaAttributes" ct:_="" ma:_="" ma:contentTypeName="Document" ma:contentTypeID="0x01010079F111ED35F8CC479449609E8A0923A6" ma:contentTypeVersion="27" ma:contentTypeDescription="Create a new document." ma:contentTypeScope="" ma:versionID="c6f9a84f66a9c8b9a21755b9ffafb945">
   <xsd:schema xmlns:xsd="http://www.w3.org/2001/XMLSchema" xmlns:xs="http://www.w3.org/2001/XMLSchema" xmlns:p="http://schemas.microsoft.com/office/2006/metadata/properties" xmlns:ns1="http://schemas.microsoft.com/sharepoint/v3" xmlns:ns2="71af3243-3dd4-4a8d-8c0d-dd76da1f02a5" xmlns:ns3="16c05727-aa75-4e4a-9b5f-8a80a1165891" xmlns:ns4="230e9df3-be65-4c73-a93b-d1236ebd677e" targetNamespace="http://schemas.microsoft.com/office/2006/metadata/properties" ma:root="true" ma:fieldsID="27df39e3e7036dff54f89ddd5805ce72" ns1:_="" ns2:_="" ns3:_="" ns4:_="">
     <xsd:import namespace="http://schemas.microsoft.com/sharepoint/v3"/>
@@ -10782,6 +11295,15 @@
 </ct:contentTypeSchema>
 </file>
 
+<file path=customXml/item3.xml><?xml version="1.0" encoding="utf-8"?>
+<?mso-contentType ?>
+<FormTemplates xmlns="http://schemas.microsoft.com/sharepoint/v3/contenttype/forms">
+  <Display>DocumentLibraryForm</Display>
+  <Edit>DocumentLibraryForm</Edit>
+  <New>DocumentLibraryForm</New>
+</FormTemplates>
+</file>
+
 <file path=customXml/itemProps1.xml><?xml version="1.0" encoding="utf-8"?>
 <ds:datastoreItem xmlns:ds="http://schemas.openxmlformats.org/officeDocument/2006/customXml" ds:itemID="{6F4F4D41-822D-40F2-A7AC-E4E6CB36CA7A}">
   <ds:schemaRefs>
@@ -10795,14 +11317,6 @@
 </file>
 
 <file path=customXml/itemProps2.xml><?xml version="1.0" encoding="utf-8"?>
-<ds:datastoreItem xmlns:ds="http://schemas.openxmlformats.org/officeDocument/2006/customXml" ds:itemID="{19DAD249-BF80-48EF-9AFB-36A11BCDC2CE}">
-  <ds:schemaRefs>
-    <ds:schemaRef ds:uri="http://schemas.microsoft.com/sharepoint/v3/contenttype/forms"/>
-  </ds:schemaRefs>
-</ds:datastoreItem>
-</file>
-
-<file path=customXml/itemProps3.xml><?xml version="1.0" encoding="utf-8"?>
 <ds:datastoreItem xmlns:ds="http://schemas.openxmlformats.org/officeDocument/2006/customXml" ds:itemID="{C5A59D56-2157-4202-9D02-F44E447A241D}">
   <ds:schemaRefs>
     <ds:schemaRef ds:uri="http://schemas.microsoft.com/office/2006/metadata/contentType"/>
@@ -10821,4 +11335,12 @@
     <ds:schemaRef ds:uri="http://schemas.microsoft.com/internal/obd"/>
   </ds:schemaRefs>
 </ds:datastoreItem>
+</file>
+
+<file path=customXml/itemProps3.xml><?xml version="1.0" encoding="utf-8"?>
+<ds:datastoreItem xmlns:ds="http://schemas.openxmlformats.org/officeDocument/2006/customXml" ds:itemID="{19DAD249-BF80-48EF-9AFB-36A11BCDC2CE}">
+  <ds:schemaRefs>
+    <ds:schemaRef ds:uri="http://schemas.microsoft.com/sharepoint/v3/contenttype/forms"/>
+  </ds:schemaRefs>
+</ds:datastoreItem>
 </file>
--- a/FINAL.pptx
+++ b/FINAL.pptx
@@ -7688,7 +7688,17 @@
                 <a:effectLst/>
                 <a:latin typeface="Arial" panose="020B0604020202020204" pitchFamily="34" charset="0"/>
               </a:rPr>
-              <a:t>Analyzing the impact of organizational decisions</a:t>
+              <a:t>Analyzing the impact of organizational </a:t>
+            </a:r>
+            <a:r>
+              <a:rPr lang="en-US" sz="6600" b="1" i="0" u="none" strike="noStrike" dirty="0" smtClean="0">
+                <a:solidFill>
+                  <a:schemeClr val="tx1"/>
+                </a:solidFill>
+                <a:effectLst/>
+                <a:latin typeface="Arial" panose="020B0604020202020204" pitchFamily="34" charset="0"/>
+              </a:rPr>
+              <a:t>decisions</a:t>
             </a:r>
             <a:endParaRPr lang="en-US" sz="6600" dirty="0">
               <a:solidFill>
@@ -8224,17 +8234,7 @@
                   </a:schemeClr>
                 </a:solidFill>
               </a:rPr>
-              <a:t>a</a:t>
-            </a:r>
-            <a:r>
-              <a:rPr lang="en-US" sz="2300" b="1" dirty="0" smtClean="0">
-                <a:solidFill>
-                  <a:schemeClr val="tx1">
-                    <a:lumMod val="95000"/>
-                  </a:schemeClr>
-                </a:solidFill>
-              </a:rPr>
-              <a:t>nd </a:t>
+              <a:t>and </a:t>
             </a:r>
             <a:r>
               <a:rPr lang="en-US" sz="2300" b="1" dirty="0">
@@ -10990,6 +10990,15 @@
 </file>
 
 <file path=customXml/item2.xml><?xml version="1.0" encoding="utf-8"?>
+<?mso-contentType ?>
+<FormTemplates xmlns="http://schemas.microsoft.com/sharepoint/v3/contenttype/forms">
+  <Display>DocumentLibraryForm</Display>
+  <Edit>DocumentLibraryForm</Edit>
+  <New>DocumentLibraryForm</New>
+</FormTemplates>
+</file>
+
+<file path=customXml/item3.xml><?xml version="1.0" encoding="utf-8"?>
 <ct:contentTypeSchema xmlns:ct="http://schemas.microsoft.com/office/2006/metadata/contentType" xmlns:ma="http://schemas.microsoft.com/office/2006/metadata/properties/metaAttributes" ct:_="" ma:_="" ma:contentTypeName="Document" ma:contentTypeID="0x01010079F111ED35F8CC479449609E8A0923A6" ma:contentTypeVersion="27" ma:contentTypeDescription="Create a new document." ma:contentTypeScope="" ma:versionID="c6f9a84f66a9c8b9a21755b9ffafb945">
   <xsd:schema xmlns:xsd="http://www.w3.org/2001/XMLSchema" xmlns:xs="http://www.w3.org/2001/XMLSchema" xmlns:p="http://schemas.microsoft.com/office/2006/metadata/properties" xmlns:ns1="http://schemas.microsoft.com/sharepoint/v3" xmlns:ns2="71af3243-3dd4-4a8d-8c0d-dd76da1f02a5" xmlns:ns3="16c05727-aa75-4e4a-9b5f-8a80a1165891" xmlns:ns4="230e9df3-be65-4c73-a93b-d1236ebd677e" targetNamespace="http://schemas.microsoft.com/office/2006/metadata/properties" ma:root="true" ma:fieldsID="27df39e3e7036dff54f89ddd5805ce72" ns1:_="" ns2:_="" ns3:_="" ns4:_="">
     <xsd:import namespace="http://schemas.microsoft.com/sharepoint/v3"/>
@@ -11295,15 +11304,6 @@
 </ct:contentTypeSchema>
 </file>
 
-<file path=customXml/item3.xml><?xml version="1.0" encoding="utf-8"?>
-<?mso-contentType ?>
-<FormTemplates xmlns="http://schemas.microsoft.com/sharepoint/v3/contenttype/forms">
-  <Display>DocumentLibraryForm</Display>
-  <Edit>DocumentLibraryForm</Edit>
-  <New>DocumentLibraryForm</New>
-</FormTemplates>
-</file>
-
 <file path=customXml/itemProps1.xml><?xml version="1.0" encoding="utf-8"?>
 <ds:datastoreItem xmlns:ds="http://schemas.openxmlformats.org/officeDocument/2006/customXml" ds:itemID="{6F4F4D41-822D-40F2-A7AC-E4E6CB36CA7A}">
   <ds:schemaRefs>
@@ -11317,6 +11317,14 @@
 </file>
 
 <file path=customXml/itemProps2.xml><?xml version="1.0" encoding="utf-8"?>
+<ds:datastoreItem xmlns:ds="http://schemas.openxmlformats.org/officeDocument/2006/customXml" ds:itemID="{19DAD249-BF80-48EF-9AFB-36A11BCDC2CE}">
+  <ds:schemaRefs>
+    <ds:schemaRef ds:uri="http://schemas.microsoft.com/sharepoint/v3/contenttype/forms"/>
+  </ds:schemaRefs>
+</ds:datastoreItem>
+</file>
+
+<file path=customXml/itemProps3.xml><?xml version="1.0" encoding="utf-8"?>
 <ds:datastoreItem xmlns:ds="http://schemas.openxmlformats.org/officeDocument/2006/customXml" ds:itemID="{C5A59D56-2157-4202-9D02-F44E447A241D}">
   <ds:schemaRefs>
     <ds:schemaRef ds:uri="http://schemas.microsoft.com/office/2006/metadata/contentType"/>
@@ -11335,12 +11343,4 @@
     <ds:schemaRef ds:uri="http://schemas.microsoft.com/internal/obd"/>
   </ds:schemaRefs>
 </ds:datastoreItem>
-</file>
-
-<file path=customXml/itemProps3.xml><?xml version="1.0" encoding="utf-8"?>
-<ds:datastoreItem xmlns:ds="http://schemas.openxmlformats.org/officeDocument/2006/customXml" ds:itemID="{19DAD249-BF80-48EF-9AFB-36A11BCDC2CE}">
-  <ds:schemaRefs>
-    <ds:schemaRef ds:uri="http://schemas.microsoft.com/sharepoint/v3/contenttype/forms"/>
-  </ds:schemaRefs>
-</ds:datastoreItem>
 </file>